--- a/소스코드 공부한거.pptx
+++ b/소스코드 공부한거.pptx
@@ -35,6 +35,20 @@
     <p:sldId id="510" r:id="rId29"/>
     <p:sldId id="511" r:id="rId30"/>
     <p:sldId id="512" r:id="rId31"/>
+    <p:sldId id="513" r:id="rId32"/>
+    <p:sldId id="514" r:id="rId33"/>
+    <p:sldId id="515" r:id="rId34"/>
+    <p:sldId id="516" r:id="rId35"/>
+    <p:sldId id="517" r:id="rId36"/>
+    <p:sldId id="518" r:id="rId37"/>
+    <p:sldId id="521" r:id="rId38"/>
+    <p:sldId id="520" r:id="rId39"/>
+    <p:sldId id="519" r:id="rId40"/>
+    <p:sldId id="522" r:id="rId41"/>
+    <p:sldId id="523" r:id="rId42"/>
+    <p:sldId id="524" r:id="rId43"/>
+    <p:sldId id="525" r:id="rId44"/>
+    <p:sldId id="526" r:id="rId45"/>
   </p:sldIdLst>
   <p:sldSz cx="12192000" cy="6858000"/>
   <p:notesSz cx="6858000" cy="9144000"/>
@@ -133,6 +147,11 @@
       </a:defRPr>
     </a:lvl9pPr>
   </p:defaultTextStyle>
+  <p:extLst>
+    <p:ext uri="{EFAFB233-063F-42B5-8137-9DF3F51BA10A}">
+      <p15:sldGuideLst xmlns:p15="http://schemas.microsoft.com/office/powerpoint/2012/main"/>
+    </p:ext>
+  </p:extLst>
 </p:presentation>
 </file>
 
@@ -283,7 +302,7 @@
           <a:p>
             <a:fld id="{30A36513-0382-4819-B728-D816A1DE5021}" type="datetimeFigureOut">
               <a:rPr lang="ko-KR" altLang="en-US" smtClean="0"/>
-              <a:t>2022-04-01</a:t>
+              <a:t>2022-04-07</a:t>
             </a:fld>
             <a:endParaRPr lang="ko-KR" altLang="en-US"/>
           </a:p>
@@ -481,7 +500,7 @@
           <a:p>
             <a:fld id="{30A36513-0382-4819-B728-D816A1DE5021}" type="datetimeFigureOut">
               <a:rPr lang="ko-KR" altLang="en-US" smtClean="0"/>
-              <a:t>2022-04-01</a:t>
+              <a:t>2022-04-07</a:t>
             </a:fld>
             <a:endParaRPr lang="ko-KR" altLang="en-US"/>
           </a:p>
@@ -689,7 +708,7 @@
           <a:p>
             <a:fld id="{30A36513-0382-4819-B728-D816A1DE5021}" type="datetimeFigureOut">
               <a:rPr lang="ko-KR" altLang="en-US" smtClean="0"/>
-              <a:t>2022-04-01</a:t>
+              <a:t>2022-04-07</a:t>
             </a:fld>
             <a:endParaRPr lang="ko-KR" altLang="en-US"/>
           </a:p>
@@ -894,7 +913,7 @@
             <a:fld id="{95EDA2C5-C161-4CE0-8DE3-CB5B9144C8C5}" type="datetime1">
               <a:rPr lang="ko-KR" altLang="en-US" smtClean="0"/>
               <a:pPr/>
-              <a:t>2022-04-01</a:t>
+              <a:t>2022-04-07</a:t>
             </a:fld>
             <a:endParaRPr lang="ko-KR" altLang="en-US"/>
           </a:p>
@@ -991,7 +1010,7 @@
             <a:fld id="{2C835D7E-558C-45AF-9D78-028B277B64FB}" type="datetime1">
               <a:rPr lang="ko-KR" altLang="en-US" smtClean="0"/>
               <a:pPr/>
-              <a:t>2022-04-01</a:t>
+              <a:t>2022-04-07</a:t>
             </a:fld>
             <a:endParaRPr lang="ko-KR" altLang="en-US"/>
           </a:p>
@@ -1118,7 +1137,7 @@
             <a:fld id="{B948E2CF-6D53-467D-9CA7-290683DB8543}" type="datetime1">
               <a:rPr lang="ko-KR" altLang="en-US" smtClean="0"/>
               <a:pPr/>
-              <a:t>2022-04-01</a:t>
+              <a:t>2022-04-07</a:t>
             </a:fld>
             <a:endParaRPr lang="ko-KR" altLang="en-US"/>
           </a:p>
@@ -1245,7 +1264,7 @@
             <a:fld id="{F1429607-50E9-46B4-AF96-938B412765AE}" type="datetime1">
               <a:rPr lang="ko-KR" altLang="en-US" smtClean="0"/>
               <a:pPr/>
-              <a:t>2022-04-01</a:t>
+              <a:t>2022-04-07</a:t>
             </a:fld>
             <a:endParaRPr lang="ko-KR" altLang="en-US"/>
           </a:p>
@@ -1402,7 +1421,7 @@
             <a:fld id="{67E5BB7C-2CC4-48C9-AD01-7ABFAB8B761D}" type="datetime1">
               <a:rPr lang="ko-KR" altLang="en-US" smtClean="0"/>
               <a:pPr/>
-              <a:t>2022-04-01</a:t>
+              <a:t>2022-04-07</a:t>
             </a:fld>
             <a:endParaRPr lang="ko-KR" altLang="en-US"/>
           </a:p>
@@ -1650,7 +1669,7 @@
             <a:fld id="{928AA574-2AF7-49C3-94CB-71BABDF370C0}" type="datetime1">
               <a:rPr lang="ko-KR" altLang="en-US" smtClean="0"/>
               <a:pPr/>
-              <a:t>2022-04-01</a:t>
+              <a:t>2022-04-07</a:t>
             </a:fld>
             <a:endParaRPr lang="ko-KR" altLang="en-US"/>
           </a:p>
@@ -1867,7 +1886,7 @@
           <a:p>
             <a:fld id="{30A36513-0382-4819-B728-D816A1DE5021}" type="datetimeFigureOut">
               <a:rPr lang="ko-KR" altLang="en-US" smtClean="0"/>
-              <a:t>2022-04-01</a:t>
+              <a:t>2022-04-07</a:t>
             </a:fld>
             <a:endParaRPr lang="ko-KR" altLang="en-US"/>
           </a:p>
@@ -2142,7 +2161,7 @@
           <a:p>
             <a:fld id="{30A36513-0382-4819-B728-D816A1DE5021}" type="datetimeFigureOut">
               <a:rPr lang="ko-KR" altLang="en-US" smtClean="0"/>
-              <a:t>2022-04-01</a:t>
+              <a:t>2022-04-07</a:t>
             </a:fld>
             <a:endParaRPr lang="ko-KR" altLang="en-US"/>
           </a:p>
@@ -2407,7 +2426,7 @@
           <a:p>
             <a:fld id="{30A36513-0382-4819-B728-D816A1DE5021}" type="datetimeFigureOut">
               <a:rPr lang="ko-KR" altLang="en-US" smtClean="0"/>
-              <a:t>2022-04-01</a:t>
+              <a:t>2022-04-07</a:t>
             </a:fld>
             <a:endParaRPr lang="ko-KR" altLang="en-US"/>
           </a:p>
@@ -2819,7 +2838,7 @@
           <a:p>
             <a:fld id="{30A36513-0382-4819-B728-D816A1DE5021}" type="datetimeFigureOut">
               <a:rPr lang="ko-KR" altLang="en-US" smtClean="0"/>
-              <a:t>2022-04-01</a:t>
+              <a:t>2022-04-07</a:t>
             </a:fld>
             <a:endParaRPr lang="ko-KR" altLang="en-US"/>
           </a:p>
@@ -2960,7 +2979,7 @@
           <a:p>
             <a:fld id="{30A36513-0382-4819-B728-D816A1DE5021}" type="datetimeFigureOut">
               <a:rPr lang="ko-KR" altLang="en-US" smtClean="0"/>
-              <a:t>2022-04-01</a:t>
+              <a:t>2022-04-07</a:t>
             </a:fld>
             <a:endParaRPr lang="ko-KR" altLang="en-US"/>
           </a:p>
@@ -3073,7 +3092,7 @@
           <a:p>
             <a:fld id="{30A36513-0382-4819-B728-D816A1DE5021}" type="datetimeFigureOut">
               <a:rPr lang="ko-KR" altLang="en-US" smtClean="0"/>
-              <a:t>2022-04-01</a:t>
+              <a:t>2022-04-07</a:t>
             </a:fld>
             <a:endParaRPr lang="ko-KR" altLang="en-US"/>
           </a:p>
@@ -3384,7 +3403,7 @@
           <a:p>
             <a:fld id="{30A36513-0382-4819-B728-D816A1DE5021}" type="datetimeFigureOut">
               <a:rPr lang="ko-KR" altLang="en-US" smtClean="0"/>
-              <a:t>2022-04-01</a:t>
+              <a:t>2022-04-07</a:t>
             </a:fld>
             <a:endParaRPr lang="ko-KR" altLang="en-US"/>
           </a:p>
@@ -3672,7 +3691,7 @@
           <a:p>
             <a:fld id="{30A36513-0382-4819-B728-D816A1DE5021}" type="datetimeFigureOut">
               <a:rPr lang="ko-KR" altLang="en-US" smtClean="0"/>
-              <a:t>2022-04-01</a:t>
+              <a:t>2022-04-07</a:t>
             </a:fld>
             <a:endParaRPr lang="ko-KR" altLang="en-US"/>
           </a:p>
@@ -3913,7 +3932,7 @@
           <a:p>
             <a:fld id="{30A36513-0382-4819-B728-D816A1DE5021}" type="datetimeFigureOut">
               <a:rPr lang="ko-KR" altLang="en-US" smtClean="0"/>
-              <a:t>2022-04-01</a:t>
+              <a:t>2022-04-07</a:t>
             </a:fld>
             <a:endParaRPr lang="ko-KR" altLang="en-US"/>
           </a:p>
@@ -4466,7 +4485,7 @@
             <a:fld id="{0A3D56B5-02C5-457F-96C3-214F6D1C8BEF}" type="datetime1">
               <a:rPr lang="ko-KR" altLang="en-US" smtClean="0"/>
               <a:pPr/>
-              <a:t>2022-04-01</a:t>
+              <a:t>2022-04-07</a:t>
             </a:fld>
             <a:endParaRPr lang="ko-KR" altLang="en-US"/>
           </a:p>
@@ -6747,6 +6766,218 @@
                 <a:ea typeface="맑은 고딕" panose="020B0503020000020004" pitchFamily="50" charset="-127"/>
               </a:rPr>
               <a:t>}</a:t>
+            </a:r>
+          </a:p>
+        </p:txBody>
+      </p:sp>
+      <p:sp>
+        <p:nvSpPr>
+          <p:cNvPr id="9" name="TextBox 8">
+            <a:extLst>
+              <a:ext uri="{FF2B5EF4-FFF2-40B4-BE49-F238E27FC236}">
+                <a16:creationId xmlns:a16="http://schemas.microsoft.com/office/drawing/2014/main" id="{D79868B1-CDB0-4068-ABBF-730AFD7C1AA6}"/>
+              </a:ext>
+            </a:extLst>
+          </p:cNvPr>
+          <p:cNvSpPr txBox="1"/>
+          <p:nvPr/>
+        </p:nvSpPr>
+        <p:spPr>
+          <a:xfrm>
+            <a:off x="2353745" y="5801513"/>
+            <a:ext cx="6511906" cy="483209"/>
+          </a:xfrm>
+          <a:prstGeom prst="rect">
+            <a:avLst/>
+          </a:prstGeom>
+          <a:noFill/>
+        </p:spPr>
+        <p:txBody>
+          <a:bodyPr wrap="square" rtlCol="0">
+            <a:spAutoFit/>
+          </a:bodyPr>
+          <a:lstStyle/>
+          <a:p>
+            <a:pPr defTabSz="829544"/>
+            <a:r>
+              <a:rPr lang="en-US" altLang="ko-KR" sz="1270" b="1" dirty="0" err="1">
+                <a:solidFill>
+                  <a:prstClr val="white">
+                    <a:lumMod val="50000"/>
+                  </a:prstClr>
+                </a:solidFill>
+                <a:latin typeface="Calibri"/>
+                <a:ea typeface="맑은 고딕" panose="020B0503020000020004" pitchFamily="50" charset="-127"/>
+              </a:rPr>
+              <a:t>ModelAndView</a:t>
+            </a:r>
+            <a:r>
+              <a:rPr lang="ko-KR" altLang="en-US" sz="1270" b="1" dirty="0">
+                <a:solidFill>
+                  <a:prstClr val="white">
+                    <a:lumMod val="50000"/>
+                  </a:prstClr>
+                </a:solidFill>
+                <a:latin typeface="Calibri"/>
+                <a:ea typeface="맑은 고딕" panose="020B0503020000020004" pitchFamily="50" charset="-127"/>
+              </a:rPr>
+              <a:t>는 </a:t>
+            </a:r>
+            <a:r>
+              <a:rPr lang="en-US" altLang="ko-KR" sz="1270" b="1" dirty="0">
+                <a:solidFill>
+                  <a:prstClr val="white">
+                    <a:lumMod val="50000"/>
+                  </a:prstClr>
+                </a:solidFill>
+                <a:latin typeface="Calibri"/>
+                <a:ea typeface="맑은 고딕" panose="020B0503020000020004" pitchFamily="50" charset="-127"/>
+              </a:rPr>
+              <a:t>@Controller</a:t>
+            </a:r>
+            <a:r>
+              <a:rPr lang="ko-KR" altLang="en-US" sz="1270" b="1" dirty="0">
+                <a:solidFill>
+                  <a:prstClr val="white">
+                    <a:lumMod val="50000"/>
+                  </a:prstClr>
+                </a:solidFill>
+                <a:latin typeface="Calibri"/>
+                <a:ea typeface="맑은 고딕" panose="020B0503020000020004" pitchFamily="50" charset="-127"/>
+              </a:rPr>
+              <a:t>를 이용하기 전부터 사용했지만</a:t>
+            </a:r>
+            <a:r>
+              <a:rPr lang="en-US" altLang="ko-KR" sz="1270" b="1" dirty="0">
+                <a:solidFill>
+                  <a:prstClr val="white">
+                    <a:lumMod val="50000"/>
+                  </a:prstClr>
+                </a:solidFill>
+                <a:latin typeface="Calibri"/>
+                <a:ea typeface="맑은 고딕" panose="020B0503020000020004" pitchFamily="50" charset="-127"/>
+              </a:rPr>
+              <a:t>, </a:t>
+            </a:r>
+            <a:r>
+              <a:rPr lang="en-US" altLang="ko-KR" sz="1270" b="1" dirty="0" err="1">
+                <a:solidFill>
+                  <a:prstClr val="white">
+                    <a:lumMod val="50000"/>
+                  </a:prstClr>
+                </a:solidFill>
+                <a:latin typeface="Calibri"/>
+                <a:ea typeface="맑은 고딕" panose="020B0503020000020004" pitchFamily="50" charset="-127"/>
+              </a:rPr>
+              <a:t>Spirng</a:t>
+            </a:r>
+            <a:r>
+              <a:rPr lang="en-US" altLang="ko-KR" sz="1270" b="1" dirty="0">
+                <a:solidFill>
+                  <a:prstClr val="white">
+                    <a:lumMod val="50000"/>
+                  </a:prstClr>
+                </a:solidFill>
+                <a:latin typeface="Calibri"/>
+                <a:ea typeface="맑은 고딕" panose="020B0503020000020004" pitchFamily="50" charset="-127"/>
+              </a:rPr>
+              <a:t> MVC</a:t>
+            </a:r>
+            <a:r>
+              <a:rPr lang="ko-KR" altLang="en-US" sz="1270" b="1" dirty="0">
+                <a:solidFill>
+                  <a:prstClr val="white">
+                    <a:lumMod val="50000"/>
+                  </a:prstClr>
+                </a:solidFill>
+                <a:latin typeface="Calibri"/>
+                <a:ea typeface="맑은 고딕" panose="020B0503020000020004" pitchFamily="50" charset="-127"/>
+              </a:rPr>
+              <a:t>가 </a:t>
+            </a:r>
+            <a:r>
+              <a:rPr lang="en-US" altLang="ko-KR" sz="1270" b="1" dirty="0">
+                <a:solidFill>
+                  <a:prstClr val="white">
+                    <a:lumMod val="50000"/>
+                  </a:prstClr>
+                </a:solidFill>
+                <a:latin typeface="Calibri"/>
+                <a:ea typeface="맑은 고딕" panose="020B0503020000020004" pitchFamily="50" charset="-127"/>
+              </a:rPr>
+              <a:t>@Controller annotation</a:t>
+            </a:r>
+            <a:r>
+              <a:rPr lang="ko-KR" altLang="en-US" sz="1270" b="1" dirty="0">
+                <a:solidFill>
+                  <a:prstClr val="white">
+                    <a:lumMod val="50000"/>
+                  </a:prstClr>
+                </a:solidFill>
+                <a:latin typeface="Calibri"/>
+                <a:ea typeface="맑은 고딕" panose="020B0503020000020004" pitchFamily="50" charset="-127"/>
+              </a:rPr>
+              <a:t>을 지원하기 시작한 이후로 </a:t>
+            </a:r>
+            <a:r>
+              <a:rPr lang="en-US" altLang="ko-KR" sz="1270" b="1" dirty="0" err="1">
+                <a:solidFill>
+                  <a:prstClr val="white">
+                    <a:lumMod val="50000"/>
+                  </a:prstClr>
+                </a:solidFill>
+                <a:latin typeface="Calibri"/>
+                <a:ea typeface="맑은 고딕" panose="020B0503020000020004" pitchFamily="50" charset="-127"/>
+              </a:rPr>
+              <a:t>ModelAndView</a:t>
+            </a:r>
+            <a:r>
+              <a:rPr lang="ko-KR" altLang="en-US" sz="1270" b="1" dirty="0">
+                <a:solidFill>
+                  <a:prstClr val="white">
+                    <a:lumMod val="50000"/>
+                  </a:prstClr>
+                </a:solidFill>
+                <a:latin typeface="Calibri"/>
+                <a:ea typeface="맑은 고딕" panose="020B0503020000020004" pitchFamily="50" charset="-127"/>
+              </a:rPr>
+              <a:t>는 </a:t>
+            </a:r>
+            <a:r>
+              <a:rPr lang="ko-KR" altLang="en-US" sz="1270" b="1" dirty="0" err="1">
+                <a:solidFill>
+                  <a:prstClr val="white">
+                    <a:lumMod val="50000"/>
+                  </a:prstClr>
+                </a:solidFill>
+                <a:latin typeface="Calibri"/>
+                <a:ea typeface="맑은 고딕" panose="020B0503020000020004" pitchFamily="50" charset="-127"/>
+              </a:rPr>
+              <a:t>잘사용하지</a:t>
+            </a:r>
+            <a:r>
+              <a:rPr lang="ko-KR" altLang="en-US" sz="1270" b="1" dirty="0">
+                <a:solidFill>
+                  <a:prstClr val="white">
+                    <a:lumMod val="50000"/>
+                  </a:prstClr>
+                </a:solidFill>
+                <a:latin typeface="Calibri"/>
+                <a:ea typeface="맑은 고딕" panose="020B0503020000020004" pitchFamily="50" charset="-127"/>
+              </a:rPr>
+              <a:t> 않는다고 함</a:t>
+            </a:r>
+            <a:r>
+              <a:rPr lang="en-US" altLang="ko-KR" sz="1270" b="1" dirty="0">
+                <a:solidFill>
+                  <a:prstClr val="white">
+                    <a:lumMod val="50000"/>
+                  </a:prstClr>
+                </a:solidFill>
+                <a:latin typeface="Calibri"/>
+                <a:ea typeface="맑은 고딕" panose="020B0503020000020004" pitchFamily="50" charset="-127"/>
+              </a:rPr>
+              <a:t>.</a:t>
             </a:r>
           </a:p>
         </p:txBody>
@@ -11019,6 +11250,389 @@
                 <a:ea typeface="맑은 고딕" panose="020B0503020000020004" pitchFamily="50" charset="-127"/>
               </a:rPr>
               <a:t> 내 현재 위치의 문서를 기준으로 경로를 인식하는 방법이다</a:t>
+            </a:r>
+            <a:r>
+              <a:rPr lang="en-US" altLang="ko-KR" sz="1270" b="1" dirty="0">
+                <a:solidFill>
+                  <a:prstClr val="white">
+                    <a:lumMod val="50000"/>
+                  </a:prstClr>
+                </a:solidFill>
+                <a:latin typeface="Calibri"/>
+                <a:ea typeface="맑은 고딕" panose="020B0503020000020004" pitchFamily="50" charset="-127"/>
+              </a:rPr>
+              <a:t>.</a:t>
+            </a:r>
+          </a:p>
+        </p:txBody>
+      </p:sp>
+      <p:sp>
+        <p:nvSpPr>
+          <p:cNvPr id="8" name="TextBox 7">
+            <a:extLst>
+              <a:ext uri="{FF2B5EF4-FFF2-40B4-BE49-F238E27FC236}">
+                <a16:creationId xmlns:a16="http://schemas.microsoft.com/office/drawing/2014/main" id="{B241E52B-CED8-400B-A8F9-59D0815F6D37}"/>
+              </a:ext>
+            </a:extLst>
+          </p:cNvPr>
+          <p:cNvSpPr txBox="1"/>
+          <p:nvPr/>
+        </p:nvSpPr>
+        <p:spPr>
+          <a:xfrm>
+            <a:off x="2353743" y="3738419"/>
+            <a:ext cx="7677761" cy="2437590"/>
+          </a:xfrm>
+          <a:prstGeom prst="rect">
+            <a:avLst/>
+          </a:prstGeom>
+          <a:noFill/>
+        </p:spPr>
+        <p:txBody>
+          <a:bodyPr wrap="square" rtlCol="0">
+            <a:spAutoFit/>
+          </a:bodyPr>
+          <a:lstStyle/>
+          <a:p>
+            <a:pPr defTabSz="829544"/>
+            <a:r>
+              <a:rPr lang="en-US" altLang="ko-KR" sz="1270" b="1" dirty="0">
+                <a:solidFill>
+                  <a:prstClr val="white">
+                    <a:lumMod val="50000"/>
+                  </a:prstClr>
+                </a:solidFill>
+                <a:latin typeface="Calibri"/>
+                <a:ea typeface="맑은 고딕" panose="020B0503020000020004" pitchFamily="50" charset="-127"/>
+              </a:rPr>
+              <a:t>${</a:t>
+            </a:r>
+            <a:r>
+              <a:rPr lang="en-US" altLang="ko-KR" sz="1270" b="1" dirty="0" err="1">
+                <a:solidFill>
+                  <a:prstClr val="white">
+                    <a:lumMod val="50000"/>
+                  </a:prstClr>
+                </a:solidFill>
+                <a:latin typeface="Calibri"/>
+                <a:ea typeface="맑은 고딕" panose="020B0503020000020004" pitchFamily="50" charset="-127"/>
+              </a:rPr>
+              <a:t>pageContext.request.contextPath</a:t>
+            </a:r>
+            <a:r>
+              <a:rPr lang="en-US" altLang="ko-KR" sz="1270" b="1" dirty="0">
+                <a:solidFill>
+                  <a:prstClr val="white">
+                    <a:lumMod val="50000"/>
+                  </a:prstClr>
+                </a:solidFill>
+                <a:latin typeface="Calibri"/>
+                <a:ea typeface="맑은 고딕" panose="020B0503020000020004" pitchFamily="50" charset="-127"/>
+              </a:rPr>
+              <a:t>}</a:t>
+            </a:r>
+          </a:p>
+          <a:p>
+            <a:pPr defTabSz="829544"/>
+            <a:endParaRPr lang="en-US" altLang="ko-KR" sz="1270" b="1" dirty="0">
+              <a:solidFill>
+                <a:prstClr val="white">
+                  <a:lumMod val="50000"/>
+                </a:prstClr>
+              </a:solidFill>
+              <a:latin typeface="Calibri"/>
+              <a:ea typeface="맑은 고딕" panose="020B0503020000020004" pitchFamily="50" charset="-127"/>
+            </a:endParaRPr>
+          </a:p>
+          <a:p>
+            <a:pPr defTabSz="829544"/>
+            <a:r>
+              <a:rPr lang="en-US" altLang="ko-KR" sz="1270" b="1" dirty="0" err="1">
+                <a:solidFill>
+                  <a:prstClr val="white">
+                    <a:lumMod val="50000"/>
+                  </a:prstClr>
+                </a:solidFill>
+                <a:latin typeface="Calibri"/>
+                <a:ea typeface="맑은 고딕" panose="020B0503020000020004" pitchFamily="50" charset="-127"/>
+              </a:rPr>
+              <a:t>contextPath</a:t>
+            </a:r>
+            <a:r>
+              <a:rPr lang="ko-KR" altLang="en-US" sz="1270" b="1" dirty="0">
+                <a:solidFill>
+                  <a:prstClr val="white">
+                    <a:lumMod val="50000"/>
+                  </a:prstClr>
+                </a:solidFill>
+                <a:latin typeface="Calibri"/>
+                <a:ea typeface="맑은 고딕" panose="020B0503020000020004" pitchFamily="50" charset="-127"/>
+              </a:rPr>
+              <a:t>가 변경되어도 소스 수정없이 적용하기 위해 사용 </a:t>
+            </a:r>
+            <a:r>
+              <a:rPr lang="en-US" altLang="ko-KR" sz="1270" b="1" dirty="0">
+                <a:solidFill>
+                  <a:prstClr val="white">
+                    <a:lumMod val="50000"/>
+                  </a:prstClr>
+                </a:solidFill>
+                <a:latin typeface="Calibri"/>
+                <a:ea typeface="맑은 고딕" panose="020B0503020000020004" pitchFamily="50" charset="-127"/>
+              </a:rPr>
+              <a:t>-&gt; </a:t>
+            </a:r>
+            <a:r>
+              <a:rPr lang="ko-KR" altLang="en-US" sz="1270" b="1" dirty="0">
+                <a:solidFill>
+                  <a:prstClr val="white">
+                    <a:lumMod val="50000"/>
+                  </a:prstClr>
+                </a:solidFill>
+                <a:latin typeface="Calibri"/>
+                <a:ea typeface="맑은 고딕" panose="020B0503020000020004" pitchFamily="50" charset="-127"/>
+              </a:rPr>
+              <a:t>유지보수 용이</a:t>
+            </a:r>
+          </a:p>
+          <a:p>
+            <a:pPr defTabSz="829544"/>
+            <a:endParaRPr lang="ko-KR" altLang="en-US" sz="1270" b="1" dirty="0">
+              <a:solidFill>
+                <a:prstClr val="white">
+                  <a:lumMod val="50000"/>
+                </a:prstClr>
+              </a:solidFill>
+              <a:latin typeface="Calibri"/>
+              <a:ea typeface="맑은 고딕" panose="020B0503020000020004" pitchFamily="50" charset="-127"/>
+            </a:endParaRPr>
+          </a:p>
+          <a:p>
+            <a:pPr defTabSz="829544"/>
+            <a:r>
+              <a:rPr lang="en-US" altLang="ko-KR" sz="1270" b="1" dirty="0">
+                <a:solidFill>
+                  <a:prstClr val="white">
+                    <a:lumMod val="50000"/>
+                  </a:prstClr>
+                </a:solidFill>
+                <a:latin typeface="Calibri"/>
+                <a:ea typeface="맑은 고딕" panose="020B0503020000020004" pitchFamily="50" charset="-127"/>
+              </a:rPr>
+              <a:t>http://localhost/bb/java/index.do</a:t>
+            </a:r>
+            <a:r>
+              <a:rPr lang="ko-KR" altLang="en-US" sz="1270" b="1" dirty="0">
+                <a:solidFill>
+                  <a:prstClr val="white">
+                    <a:lumMod val="50000"/>
+                  </a:prstClr>
+                </a:solidFill>
+                <a:latin typeface="Calibri"/>
+                <a:ea typeface="맑은 고딕" panose="020B0503020000020004" pitchFamily="50" charset="-127"/>
+              </a:rPr>
+              <a:t>에서</a:t>
+            </a:r>
+          </a:p>
+          <a:p>
+            <a:pPr defTabSz="829544"/>
+            <a:endParaRPr lang="ko-KR" altLang="en-US" sz="1270" b="1" dirty="0">
+              <a:solidFill>
+                <a:prstClr val="white">
+                  <a:lumMod val="50000"/>
+                </a:prstClr>
+              </a:solidFill>
+              <a:latin typeface="Calibri"/>
+              <a:ea typeface="맑은 고딕" panose="020B0503020000020004" pitchFamily="50" charset="-127"/>
+            </a:endParaRPr>
+          </a:p>
+          <a:p>
+            <a:pPr defTabSz="829544"/>
+            <a:r>
+              <a:rPr lang="en-US" altLang="ko-KR" sz="1270" b="1" dirty="0" err="1">
+                <a:solidFill>
+                  <a:prstClr val="white">
+                    <a:lumMod val="50000"/>
+                  </a:prstClr>
+                </a:solidFill>
+                <a:latin typeface="Calibri"/>
+                <a:ea typeface="맑은 고딕" panose="020B0503020000020004" pitchFamily="50" charset="-127"/>
+              </a:rPr>
+              <a:t>pageContext.request.contextPath</a:t>
+            </a:r>
+            <a:r>
+              <a:rPr lang="en-US" altLang="ko-KR" sz="1270" b="1" dirty="0">
+                <a:solidFill>
+                  <a:prstClr val="white">
+                    <a:lumMod val="50000"/>
+                  </a:prstClr>
+                </a:solidFill>
+                <a:latin typeface="Calibri"/>
+                <a:ea typeface="맑은 고딕" panose="020B0503020000020004" pitchFamily="50" charset="-127"/>
+              </a:rPr>
+              <a:t> </a:t>
+            </a:r>
+            <a:r>
+              <a:rPr lang="ko-KR" altLang="en-US" sz="1270" b="1" dirty="0">
+                <a:solidFill>
+                  <a:prstClr val="white">
+                    <a:lumMod val="50000"/>
+                  </a:prstClr>
+                </a:solidFill>
+                <a:latin typeface="Calibri"/>
+                <a:ea typeface="맑은 고딕" panose="020B0503020000020004" pitchFamily="50" charset="-127"/>
+              </a:rPr>
+              <a:t>값은 </a:t>
+            </a:r>
+            <a:r>
+              <a:rPr lang="en-US" altLang="ko-KR" sz="1270" b="1" dirty="0">
+                <a:solidFill>
+                  <a:prstClr val="white">
+                    <a:lumMod val="50000"/>
+                  </a:prstClr>
+                </a:solidFill>
+                <a:latin typeface="Calibri"/>
+                <a:ea typeface="맑은 고딕" panose="020B0503020000020004" pitchFamily="50" charset="-127"/>
+              </a:rPr>
+              <a:t>/bb </a:t>
+            </a:r>
+            <a:r>
+              <a:rPr lang="ko-KR" altLang="en-US" sz="1270" b="1" dirty="0">
+                <a:solidFill>
+                  <a:prstClr val="white">
+                    <a:lumMod val="50000"/>
+                  </a:prstClr>
+                </a:solidFill>
+                <a:latin typeface="Calibri"/>
+                <a:ea typeface="맑은 고딕" panose="020B0503020000020004" pitchFamily="50" charset="-127"/>
+              </a:rPr>
+              <a:t>문자열에 해당</a:t>
+            </a:r>
+          </a:p>
+          <a:p>
+            <a:pPr defTabSz="829544"/>
+            <a:endParaRPr lang="ko-KR" altLang="en-US" sz="1270" b="1" dirty="0">
+              <a:solidFill>
+                <a:prstClr val="white">
+                  <a:lumMod val="50000"/>
+                </a:prstClr>
+              </a:solidFill>
+              <a:latin typeface="Calibri"/>
+              <a:ea typeface="맑은 고딕" panose="020B0503020000020004" pitchFamily="50" charset="-127"/>
+            </a:endParaRPr>
+          </a:p>
+          <a:p>
+            <a:pPr defTabSz="829544"/>
+            <a:r>
+              <a:rPr lang="en-US" altLang="ko-KR" sz="1270" b="1" dirty="0">
+                <a:solidFill>
+                  <a:prstClr val="white">
+                    <a:lumMod val="50000"/>
+                  </a:prstClr>
+                </a:solidFill>
+                <a:latin typeface="Calibri"/>
+                <a:ea typeface="맑은 고딕" panose="020B0503020000020004" pitchFamily="50" charset="-127"/>
+              </a:rPr>
+              <a:t>tskwon.tistory.com/bbs/boardList.do -&gt; tskwon.tistory.com/blog/bbs/boardList.do (/blog</a:t>
+            </a:r>
+            <a:r>
+              <a:rPr lang="ko-KR" altLang="en-US" sz="1270" b="1" dirty="0">
+                <a:solidFill>
+                  <a:prstClr val="white">
+                    <a:lumMod val="50000"/>
+                  </a:prstClr>
+                </a:solidFill>
+                <a:latin typeface="Calibri"/>
+                <a:ea typeface="맑은 고딕" panose="020B0503020000020004" pitchFamily="50" charset="-127"/>
+              </a:rPr>
+              <a:t>라는 </a:t>
+            </a:r>
+            <a:r>
+              <a:rPr lang="en-US" altLang="ko-KR" sz="1270" b="1" dirty="0" err="1">
+                <a:solidFill>
+                  <a:prstClr val="white">
+                    <a:lumMod val="50000"/>
+                  </a:prstClr>
+                </a:solidFill>
+                <a:latin typeface="Calibri"/>
+                <a:ea typeface="맑은 고딕" panose="020B0503020000020004" pitchFamily="50" charset="-127"/>
+              </a:rPr>
+              <a:t>contextPath</a:t>
+            </a:r>
+            <a:r>
+              <a:rPr lang="en-US" altLang="ko-KR" sz="1270" b="1" dirty="0">
+                <a:solidFill>
+                  <a:prstClr val="white">
+                    <a:lumMod val="50000"/>
+                  </a:prstClr>
+                </a:solidFill>
+                <a:latin typeface="Calibri"/>
+                <a:ea typeface="맑은 고딕" panose="020B0503020000020004" pitchFamily="50" charset="-127"/>
+              </a:rPr>
+              <a:t> </a:t>
+            </a:r>
+            <a:r>
+              <a:rPr lang="ko-KR" altLang="en-US" sz="1270" b="1" dirty="0">
+                <a:solidFill>
+                  <a:prstClr val="white">
+                    <a:lumMod val="50000"/>
+                  </a:prstClr>
+                </a:solidFill>
+                <a:latin typeface="Calibri"/>
+                <a:ea typeface="맑은 고딕" panose="020B0503020000020004" pitchFamily="50" charset="-127"/>
+              </a:rPr>
+              <a:t>사용 예</a:t>
+            </a:r>
+            <a:r>
+              <a:rPr lang="en-US" altLang="ko-KR" sz="1270" b="1" dirty="0">
+                <a:solidFill>
+                  <a:prstClr val="white">
+                    <a:lumMod val="50000"/>
+                  </a:prstClr>
+                </a:solidFill>
+                <a:latin typeface="Calibri"/>
+                <a:ea typeface="맑은 고딕" panose="020B0503020000020004" pitchFamily="50" charset="-127"/>
+              </a:rPr>
+              <a:t>.)</a:t>
+            </a:r>
+          </a:p>
+          <a:p>
+            <a:pPr defTabSz="829544"/>
+            <a:endParaRPr lang="en-US" altLang="ko-KR" sz="1270" b="1" dirty="0">
+              <a:solidFill>
+                <a:prstClr val="white">
+                  <a:lumMod val="50000"/>
+                </a:prstClr>
+              </a:solidFill>
+              <a:latin typeface="Calibri"/>
+              <a:ea typeface="맑은 고딕" panose="020B0503020000020004" pitchFamily="50" charset="-127"/>
+            </a:endParaRPr>
+          </a:p>
+          <a:p>
+            <a:pPr defTabSz="829544"/>
+            <a:r>
+              <a:rPr lang="en-US" altLang="ko-KR" sz="1270" b="1" dirty="0">
+                <a:solidFill>
+                  <a:prstClr val="white">
+                    <a:lumMod val="50000"/>
+                  </a:prstClr>
+                </a:solidFill>
+                <a:latin typeface="Calibri"/>
+                <a:ea typeface="맑은 고딕" panose="020B0503020000020004" pitchFamily="50" charset="-127"/>
+              </a:rPr>
+              <a:t>EL(Expression Language)</a:t>
+            </a:r>
+            <a:r>
+              <a:rPr lang="ko-KR" altLang="en-US" sz="1270" b="1" dirty="0">
+                <a:solidFill>
+                  <a:prstClr val="white">
+                    <a:lumMod val="50000"/>
+                  </a:prstClr>
+                </a:solidFill>
+                <a:latin typeface="Calibri"/>
+                <a:ea typeface="맑은 고딕" panose="020B0503020000020004" pitchFamily="50" charset="-127"/>
+              </a:rPr>
+              <a:t>을 통해서 간편하게 사용</a:t>
             </a:r>
             <a:r>
               <a:rPr lang="en-US" altLang="ko-KR" sz="1270" b="1" dirty="0">
@@ -23720,6 +24334,5843 @@
 </p:sld>
 </file>
 
+<file path=ppt/slides/slide30.xml><?xml version="1.0" encoding="utf-8"?>
+<p:sld xmlns:a="http://schemas.openxmlformats.org/drawingml/2006/main" xmlns:r="http://schemas.openxmlformats.org/officeDocument/2006/relationships" xmlns:p="http://schemas.openxmlformats.org/presentationml/2006/main">
+  <p:cSld>
+    <p:spTree>
+      <p:nvGrpSpPr>
+        <p:cNvPr id="1" name=""/>
+        <p:cNvGrpSpPr/>
+        <p:nvPr/>
+      </p:nvGrpSpPr>
+      <p:grpSpPr>
+        <a:xfrm>
+          <a:off x="0" y="0"/>
+          <a:ext cx="0" cy="0"/>
+          <a:chOff x="0" y="0"/>
+          <a:chExt cx="0" cy="0"/>
+        </a:xfrm>
+      </p:grpSpPr>
+      <p:sp>
+        <p:nvSpPr>
+          <p:cNvPr id="2" name="TextBox 1"/>
+          <p:cNvSpPr txBox="1"/>
+          <p:nvPr/>
+        </p:nvSpPr>
+        <p:spPr>
+          <a:xfrm>
+            <a:off x="1539790" y="379466"/>
+            <a:ext cx="7773598" cy="400110"/>
+          </a:xfrm>
+          <a:prstGeom prst="rect">
+            <a:avLst/>
+          </a:prstGeom>
+          <a:noFill/>
+        </p:spPr>
+        <p:txBody>
+          <a:bodyPr wrap="square" rtlCol="0">
+            <a:spAutoFit/>
+          </a:bodyPr>
+          <a:lstStyle/>
+          <a:p>
+            <a:pPr marL="466618" indent="-466618" defTabSz="829544"/>
+            <a:r>
+              <a:rPr lang="en-US" altLang="ko-KR" sz="1814" dirty="0">
+                <a:solidFill>
+                  <a:prstClr val="black"/>
+                </a:solidFill>
+                <a:latin typeface="HY헤드라인M" pitchFamily="18" charset="-127"/>
+                <a:ea typeface="HY헤드라인M" pitchFamily="18" charset="-127"/>
+              </a:rPr>
+              <a:t>1. </a:t>
+            </a:r>
+            <a:r>
+              <a:rPr lang="ko-KR" altLang="en-US" sz="2000" dirty="0">
+                <a:solidFill>
+                  <a:prstClr val="black"/>
+                </a:solidFill>
+                <a:latin typeface="HY헤드라인M" pitchFamily="18" charset="-127"/>
+                <a:ea typeface="HY헤드라인M" pitchFamily="18" charset="-127"/>
+              </a:rPr>
+              <a:t>스프링 </a:t>
+            </a:r>
+            <a:r>
+              <a:rPr lang="ko-KR" altLang="en-US" sz="2000" dirty="0" err="1">
+                <a:solidFill>
+                  <a:prstClr val="black"/>
+                </a:solidFill>
+                <a:latin typeface="HY헤드라인M" pitchFamily="18" charset="-127"/>
+                <a:ea typeface="HY헤드라인M" pitchFamily="18" charset="-127"/>
+              </a:rPr>
+              <a:t>시큐리티</a:t>
+            </a:r>
+            <a:endParaRPr lang="en-US" altLang="ko-KR" sz="1814" dirty="0">
+              <a:solidFill>
+                <a:prstClr val="black"/>
+              </a:solidFill>
+              <a:latin typeface="HY헤드라인M" pitchFamily="18" charset="-127"/>
+              <a:ea typeface="HY헤드라인M" pitchFamily="18" charset="-127"/>
+            </a:endParaRPr>
+          </a:p>
+        </p:txBody>
+      </p:sp>
+      <p:sp>
+        <p:nvSpPr>
+          <p:cNvPr id="105" name="TextBox 104">
+            <a:extLst>
+              <a:ext uri="{FF2B5EF4-FFF2-40B4-BE49-F238E27FC236}">
+                <a16:creationId xmlns:a16="http://schemas.microsoft.com/office/drawing/2014/main" id="{9EB114C1-217D-4CB5-8A48-23F174F7A436}"/>
+              </a:ext>
+            </a:extLst>
+          </p:cNvPr>
+          <p:cNvSpPr txBox="1"/>
+          <p:nvPr/>
+        </p:nvSpPr>
+        <p:spPr>
+          <a:xfrm>
+            <a:off x="1814779" y="1037314"/>
+            <a:ext cx="8884475" cy="343620"/>
+          </a:xfrm>
+          <a:prstGeom prst="rect">
+            <a:avLst/>
+          </a:prstGeom>
+          <a:noFill/>
+        </p:spPr>
+        <p:txBody>
+          <a:bodyPr wrap="square" rtlCol="0">
+            <a:spAutoFit/>
+          </a:bodyPr>
+          <a:lstStyle/>
+          <a:p>
+            <a:pPr marL="466618" indent="-466618" defTabSz="829544"/>
+            <a:r>
+              <a:rPr lang="en-US" altLang="ko-KR" sz="1633" dirty="0" err="1">
+                <a:solidFill>
+                  <a:prstClr val="black"/>
+                </a:solidFill>
+                <a:latin typeface="HY헤드라인M" pitchFamily="18" charset="-127"/>
+                <a:ea typeface="HY헤드라인M" pitchFamily="18" charset="-127"/>
+              </a:rPr>
+              <a:t>application.yml</a:t>
+            </a:r>
+            <a:endParaRPr lang="en-US" altLang="ko-KR" sz="1633" dirty="0">
+              <a:solidFill>
+                <a:prstClr val="black"/>
+              </a:solidFill>
+              <a:latin typeface="HY헤드라인M" pitchFamily="18" charset="-127"/>
+              <a:ea typeface="HY헤드라인M" pitchFamily="18" charset="-127"/>
+            </a:endParaRPr>
+          </a:p>
+        </p:txBody>
+      </p:sp>
+      <p:sp>
+        <p:nvSpPr>
+          <p:cNvPr id="76" name="TextBox 75">
+            <a:extLst>
+              <a:ext uri="{FF2B5EF4-FFF2-40B4-BE49-F238E27FC236}">
+                <a16:creationId xmlns:a16="http://schemas.microsoft.com/office/drawing/2014/main" id="{E4412F80-9545-46AC-8AE8-4F8DDDF04C16}"/>
+              </a:ext>
+            </a:extLst>
+          </p:cNvPr>
+          <p:cNvSpPr txBox="1"/>
+          <p:nvPr/>
+        </p:nvSpPr>
+        <p:spPr>
+          <a:xfrm>
+            <a:off x="2353745" y="2070839"/>
+            <a:ext cx="7175266" cy="2437590"/>
+          </a:xfrm>
+          <a:prstGeom prst="rect">
+            <a:avLst/>
+          </a:prstGeom>
+          <a:noFill/>
+        </p:spPr>
+        <p:txBody>
+          <a:bodyPr wrap="square" rtlCol="0">
+            <a:spAutoFit/>
+          </a:bodyPr>
+          <a:lstStyle/>
+          <a:p>
+            <a:pPr defTabSz="829544"/>
+            <a:r>
+              <a:rPr lang="en-US" altLang="ko-KR" sz="1270" b="1" dirty="0">
+                <a:solidFill>
+                  <a:prstClr val="white">
+                    <a:lumMod val="50000"/>
+                  </a:prstClr>
+                </a:solidFill>
+                <a:latin typeface="Calibri"/>
+                <a:ea typeface="맑은 고딕" panose="020B0503020000020004" pitchFamily="50" charset="-127"/>
+              </a:rPr>
+              <a:t>Spring Boot</a:t>
+            </a:r>
+            <a:r>
+              <a:rPr lang="ko-KR" altLang="en-US" sz="1270" b="1" dirty="0">
+                <a:solidFill>
+                  <a:prstClr val="white">
+                    <a:lumMod val="50000"/>
+                  </a:prstClr>
+                </a:solidFill>
+                <a:latin typeface="Calibri"/>
+                <a:ea typeface="맑은 고딕" panose="020B0503020000020004" pitchFamily="50" charset="-127"/>
+              </a:rPr>
+              <a:t>의 일반적인 관행은 외부 구성을 사용하여 속성을 정의하는 것 입니다</a:t>
+            </a:r>
+            <a:r>
+              <a:rPr lang="en-US" altLang="ko-KR" sz="1270" b="1" dirty="0">
+                <a:solidFill>
+                  <a:prstClr val="white">
+                    <a:lumMod val="50000"/>
+                  </a:prstClr>
+                </a:solidFill>
+                <a:latin typeface="Calibri"/>
+                <a:ea typeface="맑은 고딕" panose="020B0503020000020004" pitchFamily="50" charset="-127"/>
+              </a:rPr>
+              <a:t>. </a:t>
+            </a:r>
+          </a:p>
+          <a:p>
+            <a:pPr defTabSz="829544"/>
+            <a:endParaRPr lang="en-US" altLang="ko-KR" sz="1270" b="1" dirty="0">
+              <a:solidFill>
+                <a:prstClr val="white">
+                  <a:lumMod val="50000"/>
+                </a:prstClr>
+              </a:solidFill>
+              <a:latin typeface="Calibri"/>
+              <a:ea typeface="맑은 고딕" panose="020B0503020000020004" pitchFamily="50" charset="-127"/>
+            </a:endParaRPr>
+          </a:p>
+          <a:p>
+            <a:pPr defTabSz="829544"/>
+            <a:r>
+              <a:rPr lang="ko-KR" altLang="en-US" sz="1270" b="1" dirty="0">
+                <a:solidFill>
+                  <a:prstClr val="white">
+                    <a:lumMod val="50000"/>
+                  </a:prstClr>
+                </a:solidFill>
+                <a:latin typeface="Calibri"/>
+                <a:ea typeface="맑은 고딕" panose="020B0503020000020004" pitchFamily="50" charset="-127"/>
+              </a:rPr>
+              <a:t>기본적으로 </a:t>
+            </a:r>
+            <a:r>
+              <a:rPr lang="en-US" altLang="ko-KR" sz="1270" b="1" dirty="0">
+                <a:solidFill>
+                  <a:prstClr val="white">
+                    <a:lumMod val="50000"/>
+                  </a:prstClr>
+                </a:solidFill>
+                <a:latin typeface="Calibri"/>
+                <a:ea typeface="맑은 고딕" panose="020B0503020000020004" pitchFamily="50" charset="-127"/>
+              </a:rPr>
+              <a:t>Spring Boot</a:t>
+            </a:r>
+            <a:r>
+              <a:rPr lang="ko-KR" altLang="en-US" sz="1270" b="1" dirty="0">
+                <a:solidFill>
+                  <a:prstClr val="white">
+                    <a:lumMod val="50000"/>
+                  </a:prstClr>
+                </a:solidFill>
+                <a:latin typeface="Calibri"/>
+                <a:ea typeface="맑은 고딕" panose="020B0503020000020004" pitchFamily="50" charset="-127"/>
+              </a:rPr>
+              <a:t>는 </a:t>
+            </a:r>
+            <a:r>
+              <a:rPr lang="en-US" altLang="ko-KR" sz="1270" b="1" dirty="0">
+                <a:solidFill>
+                  <a:prstClr val="white">
+                    <a:lumMod val="50000"/>
+                  </a:prstClr>
+                </a:solidFill>
+                <a:latin typeface="Calibri"/>
+                <a:ea typeface="맑은 고딕" panose="020B0503020000020004" pitchFamily="50" charset="-127"/>
+              </a:rPr>
+              <a:t>key-value </a:t>
+            </a:r>
+            <a:r>
+              <a:rPr lang="ko-KR" altLang="en-US" sz="1270" b="1" dirty="0">
+                <a:solidFill>
+                  <a:prstClr val="white">
+                    <a:lumMod val="50000"/>
+                  </a:prstClr>
+                </a:solidFill>
+                <a:latin typeface="Calibri"/>
+                <a:ea typeface="맑은 고딕" panose="020B0503020000020004" pitchFamily="50" charset="-127"/>
+              </a:rPr>
+              <a:t>형식을 사용 하는 </a:t>
+            </a:r>
+            <a:r>
+              <a:rPr lang="en-US" altLang="ko-KR" sz="1270" b="1" dirty="0" err="1">
+                <a:solidFill>
+                  <a:prstClr val="white">
+                    <a:lumMod val="50000"/>
+                  </a:prstClr>
+                </a:solidFill>
+                <a:latin typeface="Calibri"/>
+                <a:ea typeface="맑은 고딕" panose="020B0503020000020004" pitchFamily="50" charset="-127"/>
+              </a:rPr>
+              <a:t>application.properties</a:t>
+            </a:r>
+            <a:r>
+              <a:rPr lang="en-US" altLang="ko-KR" sz="1270" b="1" dirty="0">
+                <a:solidFill>
+                  <a:prstClr val="white">
+                    <a:lumMod val="50000"/>
+                  </a:prstClr>
+                </a:solidFill>
+                <a:latin typeface="Calibri"/>
+                <a:ea typeface="맑은 고딕" panose="020B0503020000020004" pitchFamily="50" charset="-127"/>
+              </a:rPr>
+              <a:t> </a:t>
+            </a:r>
+            <a:r>
+              <a:rPr lang="ko-KR" altLang="en-US" sz="1270" b="1" dirty="0">
+                <a:solidFill>
+                  <a:prstClr val="white">
+                    <a:lumMod val="50000"/>
+                  </a:prstClr>
+                </a:solidFill>
+                <a:latin typeface="Calibri"/>
+                <a:ea typeface="맑은 고딕" panose="020B0503020000020004" pitchFamily="50" charset="-127"/>
+              </a:rPr>
+              <a:t>파일에 설정된 구성에 액세스 할 수 있습니다 </a:t>
+            </a:r>
+            <a:r>
+              <a:rPr lang="en-US" altLang="ko-KR" sz="1270" b="1" dirty="0">
+                <a:solidFill>
+                  <a:prstClr val="white">
+                    <a:lumMod val="50000"/>
+                  </a:prstClr>
+                </a:solidFill>
+                <a:latin typeface="Calibri"/>
+                <a:ea typeface="맑은 고딕" panose="020B0503020000020004" pitchFamily="50" charset="-127"/>
+              </a:rPr>
+              <a:t>.</a:t>
+            </a:r>
+          </a:p>
+          <a:p>
+            <a:pPr defTabSz="829544"/>
+            <a:endParaRPr lang="en-US" altLang="ko-KR" sz="1270" b="1" dirty="0">
+              <a:solidFill>
+                <a:prstClr val="white">
+                  <a:lumMod val="50000"/>
+                </a:prstClr>
+              </a:solidFill>
+              <a:latin typeface="Calibri"/>
+              <a:ea typeface="맑은 고딕" panose="020B0503020000020004" pitchFamily="50" charset="-127"/>
+            </a:endParaRPr>
+          </a:p>
+          <a:p>
+            <a:pPr defTabSz="829544"/>
+            <a:r>
+              <a:rPr lang="ko-KR" altLang="en-US" sz="1270" b="1" dirty="0">
+                <a:solidFill>
+                  <a:prstClr val="white">
+                    <a:lumMod val="50000"/>
+                  </a:prstClr>
+                </a:solidFill>
+                <a:latin typeface="Calibri"/>
+                <a:ea typeface="맑은 고딕" panose="020B0503020000020004" pitchFamily="50" charset="-127"/>
+              </a:rPr>
+              <a:t>회사 소스코드는 </a:t>
+            </a:r>
+            <a:r>
+              <a:rPr lang="en-US" altLang="ko-KR" sz="1270" b="1" dirty="0" err="1">
+                <a:solidFill>
+                  <a:prstClr val="white">
+                    <a:lumMod val="50000"/>
+                  </a:prstClr>
+                </a:solidFill>
+                <a:latin typeface="Calibri"/>
+                <a:ea typeface="맑은 고딕" panose="020B0503020000020004" pitchFamily="50" charset="-127"/>
+              </a:rPr>
+              <a:t>application.yml</a:t>
+            </a:r>
+            <a:r>
+              <a:rPr lang="en-US" altLang="ko-KR" sz="1270" b="1" dirty="0">
+                <a:solidFill>
+                  <a:prstClr val="white">
+                    <a:lumMod val="50000"/>
+                  </a:prstClr>
+                </a:solidFill>
+                <a:latin typeface="Calibri"/>
+                <a:ea typeface="맑은 고딕" panose="020B0503020000020004" pitchFamily="50" charset="-127"/>
+              </a:rPr>
+              <a:t> </a:t>
+            </a:r>
+            <a:r>
+              <a:rPr lang="ko-KR" altLang="en-US" sz="1270" b="1" dirty="0">
+                <a:solidFill>
+                  <a:prstClr val="white">
+                    <a:lumMod val="50000"/>
+                  </a:prstClr>
+                </a:solidFill>
+                <a:latin typeface="Calibri"/>
+                <a:ea typeface="맑은 고딕" panose="020B0503020000020004" pitchFamily="50" charset="-127"/>
+              </a:rPr>
+              <a:t>사용</a:t>
+            </a:r>
+            <a:endParaRPr lang="en-US" altLang="ko-KR" sz="1270" b="1" dirty="0">
+              <a:solidFill>
+                <a:prstClr val="white">
+                  <a:lumMod val="50000"/>
+                </a:prstClr>
+              </a:solidFill>
+              <a:latin typeface="Calibri"/>
+              <a:ea typeface="맑은 고딕" panose="020B0503020000020004" pitchFamily="50" charset="-127"/>
+            </a:endParaRPr>
+          </a:p>
+          <a:p>
+            <a:pPr defTabSz="829544"/>
+            <a:endParaRPr lang="en-US" altLang="ko-KR" sz="1270" b="1" dirty="0">
+              <a:solidFill>
+                <a:prstClr val="white">
+                  <a:lumMod val="50000"/>
+                </a:prstClr>
+              </a:solidFill>
+              <a:latin typeface="Calibri"/>
+              <a:ea typeface="맑은 고딕" panose="020B0503020000020004" pitchFamily="50" charset="-127"/>
+            </a:endParaRPr>
+          </a:p>
+          <a:p>
+            <a:pPr defTabSz="829544"/>
+            <a:r>
+              <a:rPr lang="en-US" altLang="ko-KR" sz="1270" b="1" dirty="0">
+                <a:solidFill>
+                  <a:prstClr val="white">
+                    <a:lumMod val="50000"/>
+                  </a:prstClr>
+                </a:solidFill>
+                <a:latin typeface="Calibri"/>
+                <a:ea typeface="맑은 고딕" panose="020B0503020000020004" pitchFamily="50" charset="-127"/>
+              </a:rPr>
+              <a:t>Java </a:t>
+            </a:r>
+            <a:r>
+              <a:rPr lang="ko-KR" altLang="en-US" sz="1270" b="1" dirty="0">
+                <a:solidFill>
+                  <a:prstClr val="white">
+                    <a:lumMod val="50000"/>
+                  </a:prstClr>
+                </a:solidFill>
+                <a:latin typeface="Calibri"/>
+                <a:ea typeface="맑은 고딕" panose="020B0503020000020004" pitchFamily="50" charset="-127"/>
+              </a:rPr>
+              <a:t>속성 </a:t>
+            </a:r>
+            <a:r>
+              <a:rPr lang="ko-KR" altLang="en-US" sz="1270" b="1" dirty="0" err="1">
+                <a:solidFill>
+                  <a:prstClr val="white">
+                    <a:lumMod val="50000"/>
+                  </a:prstClr>
+                </a:solidFill>
+                <a:latin typeface="Calibri"/>
+                <a:ea typeface="맑은 고딕" panose="020B0503020000020004" pitchFamily="50" charset="-127"/>
+              </a:rPr>
+              <a:t>파일뿐만</a:t>
+            </a:r>
+            <a:r>
+              <a:rPr lang="ko-KR" altLang="en-US" sz="1270" b="1" dirty="0">
+                <a:solidFill>
+                  <a:prstClr val="white">
+                    <a:lumMod val="50000"/>
+                  </a:prstClr>
+                </a:solidFill>
+                <a:latin typeface="Calibri"/>
+                <a:ea typeface="맑은 고딕" panose="020B0503020000020004" pitchFamily="50" charset="-127"/>
+              </a:rPr>
+              <a:t> 아니라 </a:t>
+            </a:r>
+            <a:r>
+              <a:rPr lang="en-US" altLang="ko-KR" sz="1270" b="1" dirty="0">
+                <a:solidFill>
+                  <a:prstClr val="white">
+                    <a:lumMod val="50000"/>
+                  </a:prstClr>
+                </a:solidFill>
+                <a:latin typeface="Calibri"/>
+                <a:ea typeface="맑은 고딕" panose="020B0503020000020004" pitchFamily="50" charset="-127"/>
+              </a:rPr>
+              <a:t>Spring Boot </a:t>
+            </a:r>
+            <a:r>
+              <a:rPr lang="ko-KR" altLang="en-US" sz="1270" b="1" dirty="0">
+                <a:solidFill>
+                  <a:prstClr val="white">
+                    <a:lumMod val="50000"/>
+                  </a:prstClr>
+                </a:solidFill>
+                <a:latin typeface="Calibri"/>
+                <a:ea typeface="맑은 고딕" panose="020B0503020000020004" pitchFamily="50" charset="-127"/>
+              </a:rPr>
+              <a:t>애플리케이션에서 </a:t>
+            </a:r>
+            <a:r>
+              <a:rPr lang="en-US" altLang="ko-KR" sz="1270" b="1" dirty="0">
+                <a:solidFill>
+                  <a:prstClr val="white">
+                    <a:lumMod val="50000"/>
+                  </a:prstClr>
+                </a:solidFill>
+                <a:latin typeface="Calibri"/>
+                <a:ea typeface="맑은 고딕" panose="020B0503020000020004" pitchFamily="50" charset="-127"/>
+              </a:rPr>
+              <a:t>YAML </a:t>
+            </a:r>
+            <a:r>
+              <a:rPr lang="ko-KR" altLang="en-US" sz="1270" b="1" dirty="0">
+                <a:solidFill>
+                  <a:prstClr val="white">
+                    <a:lumMod val="50000"/>
+                  </a:prstClr>
+                </a:solidFill>
+                <a:latin typeface="Calibri"/>
+                <a:ea typeface="맑은 고딕" panose="020B0503020000020004" pitchFamily="50" charset="-127"/>
+              </a:rPr>
+              <a:t>기반 구성 파일을 사용할 수도 있습니다 </a:t>
+            </a:r>
+            <a:r>
+              <a:rPr lang="en-US" altLang="ko-KR" sz="1270" b="1" dirty="0">
+                <a:solidFill>
+                  <a:prstClr val="white">
+                    <a:lumMod val="50000"/>
+                  </a:prstClr>
+                </a:solidFill>
+                <a:latin typeface="Calibri"/>
+                <a:ea typeface="맑은 고딕" panose="020B0503020000020004" pitchFamily="50" charset="-127"/>
+              </a:rPr>
+              <a:t>. YAML</a:t>
+            </a:r>
+            <a:r>
+              <a:rPr lang="ko-KR" altLang="en-US" sz="1270" b="1" dirty="0">
+                <a:solidFill>
+                  <a:prstClr val="white">
+                    <a:lumMod val="50000"/>
+                  </a:prstClr>
+                </a:solidFill>
+                <a:latin typeface="Calibri"/>
+                <a:ea typeface="맑은 고딕" panose="020B0503020000020004" pitchFamily="50" charset="-127"/>
+              </a:rPr>
+              <a:t>은 계층 적 구성 데이터를 지정하기위한 편리한 형식입니다 </a:t>
+            </a:r>
+            <a:r>
+              <a:rPr lang="en-US" altLang="ko-KR" sz="1270" b="1" dirty="0">
+                <a:solidFill>
+                  <a:prstClr val="white">
+                    <a:lumMod val="50000"/>
+                  </a:prstClr>
+                </a:solidFill>
+                <a:latin typeface="Calibri"/>
+                <a:ea typeface="맑은 고딕" panose="020B0503020000020004" pitchFamily="50" charset="-127"/>
+              </a:rPr>
+              <a:t>.</a:t>
+            </a:r>
+          </a:p>
+          <a:p>
+            <a:pPr defTabSz="829544"/>
+            <a:endParaRPr lang="en-US" altLang="ko-KR" sz="1270" b="1" dirty="0">
+              <a:solidFill>
+                <a:prstClr val="white">
+                  <a:lumMod val="50000"/>
+                </a:prstClr>
+              </a:solidFill>
+              <a:latin typeface="Calibri"/>
+              <a:ea typeface="맑은 고딕" panose="020B0503020000020004" pitchFamily="50" charset="-127"/>
+            </a:endParaRPr>
+          </a:p>
+          <a:p>
+            <a:pPr defTabSz="829544"/>
+            <a:endParaRPr lang="en-US" altLang="ko-KR" sz="1270" b="1" dirty="0">
+              <a:solidFill>
+                <a:prstClr val="white">
+                  <a:lumMod val="50000"/>
+                </a:prstClr>
+              </a:solidFill>
+              <a:latin typeface="Calibri"/>
+              <a:ea typeface="맑은 고딕" panose="020B0503020000020004" pitchFamily="50" charset="-127"/>
+            </a:endParaRPr>
+          </a:p>
+          <a:p>
+            <a:pPr defTabSz="829544"/>
+            <a:endParaRPr lang="en-US" altLang="ko-KR" sz="1270" b="1" dirty="0">
+              <a:solidFill>
+                <a:prstClr val="white">
+                  <a:lumMod val="50000"/>
+                </a:prstClr>
+              </a:solidFill>
+              <a:latin typeface="Calibri"/>
+              <a:ea typeface="맑은 고딕" panose="020B0503020000020004" pitchFamily="50" charset="-127"/>
+            </a:endParaRPr>
+          </a:p>
+        </p:txBody>
+      </p:sp>
+      <p:sp>
+        <p:nvSpPr>
+          <p:cNvPr id="7" name="TextBox 6">
+            <a:extLst>
+              <a:ext uri="{FF2B5EF4-FFF2-40B4-BE49-F238E27FC236}">
+                <a16:creationId xmlns:a16="http://schemas.microsoft.com/office/drawing/2014/main" id="{8A634FD0-71AC-467D-8385-41D2712377ED}"/>
+              </a:ext>
+            </a:extLst>
+          </p:cNvPr>
+          <p:cNvSpPr txBox="1"/>
+          <p:nvPr/>
+        </p:nvSpPr>
+        <p:spPr>
+          <a:xfrm>
+            <a:off x="2353745" y="4508429"/>
+            <a:ext cx="2818890" cy="1069524"/>
+          </a:xfrm>
+          <a:prstGeom prst="rect">
+            <a:avLst/>
+          </a:prstGeom>
+          <a:noFill/>
+        </p:spPr>
+        <p:txBody>
+          <a:bodyPr wrap="square" rtlCol="0">
+            <a:spAutoFit/>
+          </a:bodyPr>
+          <a:lstStyle/>
+          <a:p>
+            <a:pPr defTabSz="829544"/>
+            <a:r>
+              <a:rPr lang="en-US" altLang="ko-KR" sz="1270" b="1" dirty="0" err="1">
+                <a:solidFill>
+                  <a:prstClr val="white">
+                    <a:lumMod val="50000"/>
+                  </a:prstClr>
+                </a:solidFill>
+                <a:latin typeface="Calibri"/>
+                <a:ea typeface="맑은 고딕" panose="020B0503020000020004" pitchFamily="50" charset="-127"/>
+              </a:rPr>
+              <a:t>application.properties</a:t>
+            </a:r>
+            <a:r>
+              <a:rPr lang="en-US" altLang="ko-KR" sz="1270" b="1" dirty="0">
+                <a:solidFill>
+                  <a:prstClr val="white">
+                    <a:lumMod val="50000"/>
+                  </a:prstClr>
+                </a:solidFill>
+                <a:latin typeface="Calibri"/>
+                <a:ea typeface="맑은 고딕" panose="020B0503020000020004" pitchFamily="50" charset="-127"/>
+              </a:rPr>
+              <a:t> </a:t>
+            </a:r>
+            <a:r>
+              <a:rPr lang="ko-KR" altLang="en-US" sz="1270" b="1" dirty="0">
+                <a:solidFill>
+                  <a:prstClr val="white">
+                    <a:lumMod val="50000"/>
+                  </a:prstClr>
+                </a:solidFill>
+                <a:latin typeface="Calibri"/>
+                <a:ea typeface="맑은 고딕" panose="020B0503020000020004" pitchFamily="50" charset="-127"/>
+              </a:rPr>
+              <a:t>형식</a:t>
+            </a:r>
+            <a:endParaRPr lang="en-US" altLang="ko-KR" sz="1270" b="1" dirty="0">
+              <a:solidFill>
+                <a:prstClr val="white">
+                  <a:lumMod val="50000"/>
+                </a:prstClr>
+              </a:solidFill>
+              <a:latin typeface="Calibri"/>
+              <a:ea typeface="맑은 고딕" panose="020B0503020000020004" pitchFamily="50" charset="-127"/>
+            </a:endParaRPr>
+          </a:p>
+          <a:p>
+            <a:pPr defTabSz="829544"/>
+            <a:endParaRPr lang="en-US" altLang="ko-KR" sz="1270" b="1" dirty="0">
+              <a:solidFill>
+                <a:prstClr val="white">
+                  <a:lumMod val="50000"/>
+                </a:prstClr>
+              </a:solidFill>
+              <a:latin typeface="Calibri"/>
+              <a:ea typeface="맑은 고딕" panose="020B0503020000020004" pitchFamily="50" charset="-127"/>
+            </a:endParaRPr>
+          </a:p>
+          <a:p>
+            <a:pPr defTabSz="829544"/>
+            <a:r>
+              <a:rPr lang="en-US" altLang="ko-KR" sz="1270" b="1" dirty="0">
+                <a:solidFill>
+                  <a:prstClr val="white">
+                    <a:lumMod val="50000"/>
+                  </a:prstClr>
+                </a:solidFill>
+                <a:latin typeface="Calibri"/>
+                <a:ea typeface="맑은 고딕" panose="020B0503020000020004" pitchFamily="50" charset="-127"/>
+              </a:rPr>
+              <a:t>spring.datasource.url=jdbc:h2:dev</a:t>
+            </a:r>
+          </a:p>
+          <a:p>
+            <a:pPr defTabSz="829544"/>
+            <a:r>
+              <a:rPr lang="en-US" altLang="ko-KR" sz="1270" b="1" dirty="0" err="1">
+                <a:solidFill>
+                  <a:prstClr val="white">
+                    <a:lumMod val="50000"/>
+                  </a:prstClr>
+                </a:solidFill>
+                <a:latin typeface="Calibri"/>
+                <a:ea typeface="맑은 고딕" panose="020B0503020000020004" pitchFamily="50" charset="-127"/>
+              </a:rPr>
+              <a:t>spring.datasource.username</a:t>
+            </a:r>
+            <a:r>
+              <a:rPr lang="en-US" altLang="ko-KR" sz="1270" b="1" dirty="0">
+                <a:solidFill>
+                  <a:prstClr val="white">
+                    <a:lumMod val="50000"/>
+                  </a:prstClr>
+                </a:solidFill>
+                <a:latin typeface="Calibri"/>
+                <a:ea typeface="맑은 고딕" panose="020B0503020000020004" pitchFamily="50" charset="-127"/>
+              </a:rPr>
+              <a:t>=SA</a:t>
+            </a:r>
+          </a:p>
+          <a:p>
+            <a:pPr defTabSz="829544"/>
+            <a:r>
+              <a:rPr lang="en-US" altLang="ko-KR" sz="1270" b="1" dirty="0" err="1">
+                <a:solidFill>
+                  <a:prstClr val="white">
+                    <a:lumMod val="50000"/>
+                  </a:prstClr>
+                </a:solidFill>
+                <a:latin typeface="Calibri"/>
+                <a:ea typeface="맑은 고딕" panose="020B0503020000020004" pitchFamily="50" charset="-127"/>
+              </a:rPr>
+              <a:t>spring.datasource.password</a:t>
+            </a:r>
+            <a:r>
+              <a:rPr lang="en-US" altLang="ko-KR" sz="1270" b="1" dirty="0">
+                <a:solidFill>
+                  <a:prstClr val="white">
+                    <a:lumMod val="50000"/>
+                  </a:prstClr>
+                </a:solidFill>
+                <a:latin typeface="Calibri"/>
+                <a:ea typeface="맑은 고딕" panose="020B0503020000020004" pitchFamily="50" charset="-127"/>
+              </a:rPr>
+              <a:t>=password</a:t>
+            </a:r>
+          </a:p>
+        </p:txBody>
+      </p:sp>
+      <p:sp>
+        <p:nvSpPr>
+          <p:cNvPr id="8" name="TextBox 7">
+            <a:extLst>
+              <a:ext uri="{FF2B5EF4-FFF2-40B4-BE49-F238E27FC236}">
+                <a16:creationId xmlns:a16="http://schemas.microsoft.com/office/drawing/2014/main" id="{18707EE2-F000-48EC-BEAD-FA9302F9827D}"/>
+              </a:ext>
+            </a:extLst>
+          </p:cNvPr>
+          <p:cNvSpPr txBox="1"/>
+          <p:nvPr/>
+        </p:nvSpPr>
+        <p:spPr>
+          <a:xfrm>
+            <a:off x="6611509" y="4508429"/>
+            <a:ext cx="2818890" cy="1460400"/>
+          </a:xfrm>
+          <a:prstGeom prst="rect">
+            <a:avLst/>
+          </a:prstGeom>
+          <a:noFill/>
+        </p:spPr>
+        <p:txBody>
+          <a:bodyPr wrap="square" rtlCol="0">
+            <a:spAutoFit/>
+          </a:bodyPr>
+          <a:lstStyle/>
+          <a:p>
+            <a:pPr defTabSz="829544"/>
+            <a:r>
+              <a:rPr lang="en-US" altLang="ko-KR" sz="1270" b="1" dirty="0">
+                <a:solidFill>
+                  <a:prstClr val="white">
+                    <a:lumMod val="50000"/>
+                  </a:prstClr>
+                </a:solidFill>
+                <a:latin typeface="Calibri"/>
+                <a:ea typeface="맑은 고딕" panose="020B0503020000020004" pitchFamily="50" charset="-127"/>
+              </a:rPr>
+              <a:t>YAML </a:t>
+            </a:r>
+            <a:r>
+              <a:rPr lang="ko-KR" altLang="en-US" sz="1270" b="1" dirty="0">
+                <a:solidFill>
+                  <a:prstClr val="white">
+                    <a:lumMod val="50000"/>
+                  </a:prstClr>
+                </a:solidFill>
+                <a:latin typeface="Calibri"/>
+                <a:ea typeface="맑은 고딕" panose="020B0503020000020004" pitchFamily="50" charset="-127"/>
+              </a:rPr>
+              <a:t>형식</a:t>
+            </a:r>
+            <a:endParaRPr lang="en-US" altLang="ko-KR" sz="1270" b="1" dirty="0">
+              <a:solidFill>
+                <a:prstClr val="white">
+                  <a:lumMod val="50000"/>
+                </a:prstClr>
+              </a:solidFill>
+              <a:latin typeface="Calibri"/>
+              <a:ea typeface="맑은 고딕" panose="020B0503020000020004" pitchFamily="50" charset="-127"/>
+            </a:endParaRPr>
+          </a:p>
+          <a:p>
+            <a:pPr defTabSz="829544"/>
+            <a:endParaRPr lang="en-US" altLang="ko-KR" sz="1270" b="1" dirty="0">
+              <a:solidFill>
+                <a:prstClr val="white">
+                  <a:lumMod val="50000"/>
+                </a:prstClr>
+              </a:solidFill>
+              <a:latin typeface="Calibri"/>
+              <a:ea typeface="맑은 고딕" panose="020B0503020000020004" pitchFamily="50" charset="-127"/>
+            </a:endParaRPr>
+          </a:p>
+          <a:p>
+            <a:pPr defTabSz="829544"/>
+            <a:r>
+              <a:rPr lang="en-US" altLang="ko-KR" sz="1270" b="1" dirty="0">
+                <a:solidFill>
+                  <a:prstClr val="white">
+                    <a:lumMod val="50000"/>
+                  </a:prstClr>
+                </a:solidFill>
+                <a:latin typeface="Calibri"/>
+                <a:ea typeface="맑은 고딕" panose="020B0503020000020004" pitchFamily="50" charset="-127"/>
+              </a:rPr>
+              <a:t>spring:</a:t>
+            </a:r>
+          </a:p>
+          <a:p>
+            <a:pPr defTabSz="829544"/>
+            <a:r>
+              <a:rPr lang="en-US" altLang="ko-KR" sz="1270" b="1" dirty="0">
+                <a:solidFill>
+                  <a:prstClr val="white">
+                    <a:lumMod val="50000"/>
+                  </a:prstClr>
+                </a:solidFill>
+                <a:latin typeface="Calibri"/>
+                <a:ea typeface="맑은 고딕" panose="020B0503020000020004" pitchFamily="50" charset="-127"/>
+              </a:rPr>
+              <a:t>    </a:t>
+            </a:r>
+            <a:r>
+              <a:rPr lang="en-US" altLang="ko-KR" sz="1270" b="1" dirty="0" err="1">
+                <a:solidFill>
+                  <a:prstClr val="white">
+                    <a:lumMod val="50000"/>
+                  </a:prstClr>
+                </a:solidFill>
+                <a:latin typeface="Calibri"/>
+                <a:ea typeface="맑은 고딕" panose="020B0503020000020004" pitchFamily="50" charset="-127"/>
+              </a:rPr>
+              <a:t>datasource</a:t>
+            </a:r>
+            <a:r>
+              <a:rPr lang="en-US" altLang="ko-KR" sz="1270" b="1" dirty="0">
+                <a:solidFill>
+                  <a:prstClr val="white">
+                    <a:lumMod val="50000"/>
+                  </a:prstClr>
+                </a:solidFill>
+                <a:latin typeface="Calibri"/>
+                <a:ea typeface="맑은 고딕" panose="020B0503020000020004" pitchFamily="50" charset="-127"/>
+              </a:rPr>
+              <a:t>:</a:t>
+            </a:r>
+          </a:p>
+          <a:p>
+            <a:pPr defTabSz="829544"/>
+            <a:r>
+              <a:rPr lang="en-US" altLang="ko-KR" sz="1270" b="1" dirty="0">
+                <a:solidFill>
+                  <a:prstClr val="white">
+                    <a:lumMod val="50000"/>
+                  </a:prstClr>
+                </a:solidFill>
+                <a:latin typeface="Calibri"/>
+                <a:ea typeface="맑은 고딕" panose="020B0503020000020004" pitchFamily="50" charset="-127"/>
+              </a:rPr>
+              <a:t>        password: password</a:t>
+            </a:r>
+          </a:p>
+          <a:p>
+            <a:pPr defTabSz="829544"/>
+            <a:r>
+              <a:rPr lang="en-US" altLang="ko-KR" sz="1270" b="1" dirty="0">
+                <a:solidFill>
+                  <a:prstClr val="white">
+                    <a:lumMod val="50000"/>
+                  </a:prstClr>
+                </a:solidFill>
+                <a:latin typeface="Calibri"/>
+                <a:ea typeface="맑은 고딕" panose="020B0503020000020004" pitchFamily="50" charset="-127"/>
+              </a:rPr>
+              <a:t>        url: jdbc:h2:dev</a:t>
+            </a:r>
+          </a:p>
+          <a:p>
+            <a:pPr defTabSz="829544"/>
+            <a:r>
+              <a:rPr lang="en-US" altLang="ko-KR" sz="1270" b="1" dirty="0">
+                <a:solidFill>
+                  <a:prstClr val="white">
+                    <a:lumMod val="50000"/>
+                  </a:prstClr>
+                </a:solidFill>
+                <a:latin typeface="Calibri"/>
+                <a:ea typeface="맑은 고딕" panose="020B0503020000020004" pitchFamily="50" charset="-127"/>
+              </a:rPr>
+              <a:t>        username: SA</a:t>
+            </a:r>
+          </a:p>
+        </p:txBody>
+      </p:sp>
+    </p:spTree>
+    <p:extLst>
+      <p:ext uri="{BB962C8B-B14F-4D97-AF65-F5344CB8AC3E}">
+        <p14:creationId xmlns:p14="http://schemas.microsoft.com/office/powerpoint/2010/main" val="3283887924"/>
+      </p:ext>
+    </p:extLst>
+  </p:cSld>
+  <p:clrMapOvr>
+    <a:masterClrMapping/>
+  </p:clrMapOvr>
+</p:sld>
+</file>
+
+<file path=ppt/slides/slide31.xml><?xml version="1.0" encoding="utf-8"?>
+<p:sld xmlns:a="http://schemas.openxmlformats.org/drawingml/2006/main" xmlns:r="http://schemas.openxmlformats.org/officeDocument/2006/relationships" xmlns:p="http://schemas.openxmlformats.org/presentationml/2006/main">
+  <p:cSld>
+    <p:spTree>
+      <p:nvGrpSpPr>
+        <p:cNvPr id="1" name=""/>
+        <p:cNvGrpSpPr/>
+        <p:nvPr/>
+      </p:nvGrpSpPr>
+      <p:grpSpPr>
+        <a:xfrm>
+          <a:off x="0" y="0"/>
+          <a:ext cx="0" cy="0"/>
+          <a:chOff x="0" y="0"/>
+          <a:chExt cx="0" cy="0"/>
+        </a:xfrm>
+      </p:grpSpPr>
+      <p:sp>
+        <p:nvSpPr>
+          <p:cNvPr id="2" name="TextBox 1"/>
+          <p:cNvSpPr txBox="1"/>
+          <p:nvPr/>
+        </p:nvSpPr>
+        <p:spPr>
+          <a:xfrm>
+            <a:off x="1539790" y="379466"/>
+            <a:ext cx="7773598" cy="400110"/>
+          </a:xfrm>
+          <a:prstGeom prst="rect">
+            <a:avLst/>
+          </a:prstGeom>
+          <a:noFill/>
+        </p:spPr>
+        <p:txBody>
+          <a:bodyPr wrap="square" rtlCol="0">
+            <a:spAutoFit/>
+          </a:bodyPr>
+          <a:lstStyle/>
+          <a:p>
+            <a:pPr marL="466618" indent="-466618" defTabSz="829544"/>
+            <a:r>
+              <a:rPr lang="en-US" altLang="ko-KR" sz="1814" dirty="0">
+                <a:solidFill>
+                  <a:prstClr val="black"/>
+                </a:solidFill>
+                <a:latin typeface="HY헤드라인M" pitchFamily="18" charset="-127"/>
+                <a:ea typeface="HY헤드라인M" pitchFamily="18" charset="-127"/>
+              </a:rPr>
+              <a:t>1. </a:t>
+            </a:r>
+            <a:r>
+              <a:rPr lang="ko-KR" altLang="en-US" sz="2000" dirty="0">
+                <a:solidFill>
+                  <a:prstClr val="black"/>
+                </a:solidFill>
+                <a:latin typeface="HY헤드라인M" pitchFamily="18" charset="-127"/>
+                <a:ea typeface="HY헤드라인M" pitchFamily="18" charset="-127"/>
+              </a:rPr>
+              <a:t>스프링 </a:t>
+            </a:r>
+            <a:r>
+              <a:rPr lang="ko-KR" altLang="en-US" sz="2000" dirty="0" err="1">
+                <a:solidFill>
+                  <a:prstClr val="black"/>
+                </a:solidFill>
+                <a:latin typeface="HY헤드라인M" pitchFamily="18" charset="-127"/>
+                <a:ea typeface="HY헤드라인M" pitchFamily="18" charset="-127"/>
+              </a:rPr>
+              <a:t>시큐리티</a:t>
+            </a:r>
+            <a:endParaRPr lang="en-US" altLang="ko-KR" sz="1814" dirty="0">
+              <a:solidFill>
+                <a:prstClr val="black"/>
+              </a:solidFill>
+              <a:latin typeface="HY헤드라인M" pitchFamily="18" charset="-127"/>
+              <a:ea typeface="HY헤드라인M" pitchFamily="18" charset="-127"/>
+            </a:endParaRPr>
+          </a:p>
+        </p:txBody>
+      </p:sp>
+      <p:sp>
+        <p:nvSpPr>
+          <p:cNvPr id="105" name="TextBox 104">
+            <a:extLst>
+              <a:ext uri="{FF2B5EF4-FFF2-40B4-BE49-F238E27FC236}">
+                <a16:creationId xmlns:a16="http://schemas.microsoft.com/office/drawing/2014/main" id="{9EB114C1-217D-4CB5-8A48-23F174F7A436}"/>
+              </a:ext>
+            </a:extLst>
+          </p:cNvPr>
+          <p:cNvSpPr txBox="1"/>
+          <p:nvPr/>
+        </p:nvSpPr>
+        <p:spPr>
+          <a:xfrm>
+            <a:off x="1814779" y="1037314"/>
+            <a:ext cx="8884475" cy="343620"/>
+          </a:xfrm>
+          <a:prstGeom prst="rect">
+            <a:avLst/>
+          </a:prstGeom>
+          <a:noFill/>
+        </p:spPr>
+        <p:txBody>
+          <a:bodyPr wrap="square" rtlCol="0">
+            <a:spAutoFit/>
+          </a:bodyPr>
+          <a:lstStyle/>
+          <a:p>
+            <a:pPr marL="466618" indent="-466618" defTabSz="829544"/>
+            <a:r>
+              <a:rPr lang="en-US" altLang="ko-KR" sz="1633" dirty="0" err="1">
+                <a:solidFill>
+                  <a:prstClr val="black"/>
+                </a:solidFill>
+                <a:latin typeface="HY헤드라인M" pitchFamily="18" charset="-127"/>
+                <a:ea typeface="HY헤드라인M" pitchFamily="18" charset="-127"/>
+              </a:rPr>
+              <a:t>application.yml</a:t>
+            </a:r>
+            <a:endParaRPr lang="en-US" altLang="ko-KR" sz="1633" dirty="0">
+              <a:solidFill>
+                <a:prstClr val="black"/>
+              </a:solidFill>
+              <a:latin typeface="HY헤드라인M" pitchFamily="18" charset="-127"/>
+              <a:ea typeface="HY헤드라인M" pitchFamily="18" charset="-127"/>
+            </a:endParaRPr>
+          </a:p>
+        </p:txBody>
+      </p:sp>
+      <p:sp>
+        <p:nvSpPr>
+          <p:cNvPr id="76" name="TextBox 75">
+            <a:extLst>
+              <a:ext uri="{FF2B5EF4-FFF2-40B4-BE49-F238E27FC236}">
+                <a16:creationId xmlns:a16="http://schemas.microsoft.com/office/drawing/2014/main" id="{E4412F80-9545-46AC-8AE8-4F8DDDF04C16}"/>
+              </a:ext>
+            </a:extLst>
+          </p:cNvPr>
+          <p:cNvSpPr txBox="1"/>
+          <p:nvPr/>
+        </p:nvSpPr>
+        <p:spPr>
+          <a:xfrm>
+            <a:off x="2380639" y="2070839"/>
+            <a:ext cx="7175266" cy="1460400"/>
+          </a:xfrm>
+          <a:prstGeom prst="rect">
+            <a:avLst/>
+          </a:prstGeom>
+          <a:noFill/>
+        </p:spPr>
+        <p:txBody>
+          <a:bodyPr wrap="square" rtlCol="0">
+            <a:spAutoFit/>
+          </a:bodyPr>
+          <a:lstStyle/>
+          <a:p>
+            <a:pPr defTabSz="829544"/>
+            <a:r>
+              <a:rPr lang="en-US" altLang="ko-KR" sz="1270" b="1" dirty="0">
+                <a:solidFill>
+                  <a:prstClr val="white">
+                    <a:lumMod val="50000"/>
+                  </a:prstClr>
+                </a:solidFill>
+                <a:latin typeface="Calibri"/>
+                <a:ea typeface="맑은 고딕" panose="020B0503020000020004" pitchFamily="50" charset="-127"/>
+              </a:rPr>
+              <a:t>my:</a:t>
+            </a:r>
+          </a:p>
+          <a:p>
+            <a:pPr defTabSz="829544"/>
+            <a:r>
+              <a:rPr lang="en-US" altLang="ko-KR" sz="1270" b="1" dirty="0">
+                <a:solidFill>
+                  <a:prstClr val="white">
+                    <a:lumMod val="50000"/>
+                  </a:prstClr>
+                </a:solidFill>
+                <a:latin typeface="Calibri"/>
+                <a:ea typeface="맑은 고딕" panose="020B0503020000020004" pitchFamily="50" charset="-127"/>
+              </a:rPr>
+              <a:t>      name=</a:t>
+            </a:r>
+            <a:r>
+              <a:rPr lang="en-US" altLang="ko-KR" sz="1270" b="1" dirty="0" err="1">
+                <a:solidFill>
+                  <a:prstClr val="white">
+                    <a:lumMod val="50000"/>
+                  </a:prstClr>
+                </a:solidFill>
+                <a:latin typeface="Calibri"/>
+                <a:ea typeface="맑은 고딕" panose="020B0503020000020004" pitchFamily="50" charset="-127"/>
+              </a:rPr>
+              <a:t>junseo</a:t>
+            </a:r>
+            <a:endParaRPr lang="en-US" altLang="ko-KR" sz="1270" b="1" dirty="0">
+              <a:solidFill>
+                <a:prstClr val="white">
+                  <a:lumMod val="50000"/>
+                </a:prstClr>
+              </a:solidFill>
+              <a:latin typeface="Calibri"/>
+              <a:ea typeface="맑은 고딕" panose="020B0503020000020004" pitchFamily="50" charset="-127"/>
+            </a:endParaRPr>
+          </a:p>
+          <a:p>
+            <a:pPr defTabSz="829544"/>
+            <a:endParaRPr lang="en-US" altLang="ko-KR" sz="1270" b="1" dirty="0">
+              <a:solidFill>
+                <a:prstClr val="white">
+                  <a:lumMod val="50000"/>
+                </a:prstClr>
+              </a:solidFill>
+              <a:latin typeface="Calibri"/>
+              <a:ea typeface="맑은 고딕" panose="020B0503020000020004" pitchFamily="50" charset="-127"/>
+            </a:endParaRPr>
+          </a:p>
+          <a:p>
+            <a:pPr defTabSz="829544"/>
+            <a:r>
+              <a:rPr lang="ko-KR" altLang="en-US" sz="1270" b="1" dirty="0">
+                <a:solidFill>
+                  <a:prstClr val="white">
+                    <a:lumMod val="50000"/>
+                  </a:prstClr>
+                </a:solidFill>
+                <a:latin typeface="Calibri"/>
+                <a:ea typeface="맑은 고딕" panose="020B0503020000020004" pitchFamily="50" charset="-127"/>
+              </a:rPr>
+              <a:t>값을 참조할 때는 여러가지 방법이 있다</a:t>
+            </a:r>
+            <a:r>
+              <a:rPr lang="en-US" altLang="ko-KR" sz="1270" b="1" dirty="0">
+                <a:solidFill>
+                  <a:prstClr val="white">
+                    <a:lumMod val="50000"/>
+                  </a:prstClr>
+                </a:solidFill>
+                <a:latin typeface="Calibri"/>
+                <a:ea typeface="맑은 고딕" panose="020B0503020000020004" pitchFamily="50" charset="-127"/>
+              </a:rPr>
+              <a:t>. @Value </a:t>
+            </a:r>
+            <a:r>
+              <a:rPr lang="ko-KR" altLang="en-US" sz="1270" b="1" dirty="0" err="1">
+                <a:solidFill>
+                  <a:prstClr val="white">
+                    <a:lumMod val="50000"/>
+                  </a:prstClr>
+                </a:solidFill>
+                <a:latin typeface="Calibri"/>
+                <a:ea typeface="맑은 고딕" panose="020B0503020000020004" pitchFamily="50" charset="-127"/>
+              </a:rPr>
+              <a:t>어노테이션으로</a:t>
+            </a:r>
+            <a:r>
+              <a:rPr lang="ko-KR" altLang="en-US" sz="1270" b="1" dirty="0">
+                <a:solidFill>
+                  <a:prstClr val="white">
+                    <a:lumMod val="50000"/>
+                  </a:prstClr>
+                </a:solidFill>
+                <a:latin typeface="Calibri"/>
+                <a:ea typeface="맑은 고딕" panose="020B0503020000020004" pitchFamily="50" charset="-127"/>
+              </a:rPr>
+              <a:t> 값을 받아올 수도 있다</a:t>
+            </a:r>
+            <a:r>
+              <a:rPr lang="en-US" altLang="ko-KR" sz="1270" b="1" dirty="0">
+                <a:solidFill>
+                  <a:prstClr val="white">
+                    <a:lumMod val="50000"/>
+                  </a:prstClr>
+                </a:solidFill>
+                <a:latin typeface="Calibri"/>
+                <a:ea typeface="맑은 고딕" panose="020B0503020000020004" pitchFamily="50" charset="-127"/>
+              </a:rPr>
+              <a:t>.</a:t>
+            </a:r>
+          </a:p>
+          <a:p>
+            <a:pPr defTabSz="829544"/>
+            <a:endParaRPr lang="en-US" altLang="ko-KR" sz="1270" b="1" dirty="0">
+              <a:solidFill>
+                <a:prstClr val="white">
+                  <a:lumMod val="50000"/>
+                </a:prstClr>
+              </a:solidFill>
+              <a:latin typeface="Calibri"/>
+              <a:ea typeface="맑은 고딕" panose="020B0503020000020004" pitchFamily="50" charset="-127"/>
+            </a:endParaRPr>
+          </a:p>
+          <a:p>
+            <a:pPr defTabSz="829544"/>
+            <a:r>
+              <a:rPr lang="en-US" altLang="ko-KR" sz="1270" b="1" dirty="0">
+                <a:solidFill>
+                  <a:prstClr val="white">
+                    <a:lumMod val="50000"/>
+                  </a:prstClr>
+                </a:solidFill>
+                <a:latin typeface="Calibri"/>
+                <a:ea typeface="맑은 고딕" panose="020B0503020000020004" pitchFamily="50" charset="-127"/>
+              </a:rPr>
+              <a:t>@Value(“${my.name}”)</a:t>
+            </a:r>
+          </a:p>
+          <a:p>
+            <a:pPr defTabSz="829544"/>
+            <a:r>
+              <a:rPr lang="en-US" altLang="ko-KR" sz="1270" b="1" dirty="0">
+                <a:solidFill>
+                  <a:prstClr val="white">
+                    <a:lumMod val="50000"/>
+                  </a:prstClr>
+                </a:solidFill>
+                <a:latin typeface="Calibri"/>
+                <a:ea typeface="맑은 고딕" panose="020B0503020000020004" pitchFamily="50" charset="-127"/>
+              </a:rPr>
+              <a:t>String name;</a:t>
+            </a:r>
+          </a:p>
+        </p:txBody>
+      </p:sp>
+    </p:spTree>
+    <p:extLst>
+      <p:ext uri="{BB962C8B-B14F-4D97-AF65-F5344CB8AC3E}">
+        <p14:creationId xmlns:p14="http://schemas.microsoft.com/office/powerpoint/2010/main" val="4141868353"/>
+      </p:ext>
+    </p:extLst>
+  </p:cSld>
+  <p:clrMapOvr>
+    <a:masterClrMapping/>
+  </p:clrMapOvr>
+</p:sld>
+</file>
+
+<file path=ppt/slides/slide32.xml><?xml version="1.0" encoding="utf-8"?>
+<p:sld xmlns:a="http://schemas.openxmlformats.org/drawingml/2006/main" xmlns:r="http://schemas.openxmlformats.org/officeDocument/2006/relationships" xmlns:p="http://schemas.openxmlformats.org/presentationml/2006/main">
+  <p:cSld>
+    <p:spTree>
+      <p:nvGrpSpPr>
+        <p:cNvPr id="1" name=""/>
+        <p:cNvGrpSpPr/>
+        <p:nvPr/>
+      </p:nvGrpSpPr>
+      <p:grpSpPr>
+        <a:xfrm>
+          <a:off x="0" y="0"/>
+          <a:ext cx="0" cy="0"/>
+          <a:chOff x="0" y="0"/>
+          <a:chExt cx="0" cy="0"/>
+        </a:xfrm>
+      </p:grpSpPr>
+      <p:sp>
+        <p:nvSpPr>
+          <p:cNvPr id="2" name="TextBox 1"/>
+          <p:cNvSpPr txBox="1"/>
+          <p:nvPr/>
+        </p:nvSpPr>
+        <p:spPr>
+          <a:xfrm>
+            <a:off x="1539790" y="379466"/>
+            <a:ext cx="7773598" cy="400110"/>
+          </a:xfrm>
+          <a:prstGeom prst="rect">
+            <a:avLst/>
+          </a:prstGeom>
+          <a:noFill/>
+        </p:spPr>
+        <p:txBody>
+          <a:bodyPr wrap="square" rtlCol="0">
+            <a:spAutoFit/>
+          </a:bodyPr>
+          <a:lstStyle/>
+          <a:p>
+            <a:pPr marL="466618" indent="-466618" defTabSz="829544"/>
+            <a:r>
+              <a:rPr lang="en-US" altLang="ko-KR" sz="1814" dirty="0">
+                <a:solidFill>
+                  <a:prstClr val="black"/>
+                </a:solidFill>
+                <a:latin typeface="HY헤드라인M" pitchFamily="18" charset="-127"/>
+                <a:ea typeface="HY헤드라인M" pitchFamily="18" charset="-127"/>
+              </a:rPr>
+              <a:t>1. </a:t>
+            </a:r>
+            <a:r>
+              <a:rPr lang="ko-KR" altLang="en-US" sz="2000" dirty="0">
+                <a:solidFill>
+                  <a:prstClr val="black"/>
+                </a:solidFill>
+                <a:latin typeface="HY헤드라인M" pitchFamily="18" charset="-127"/>
+                <a:ea typeface="HY헤드라인M" pitchFamily="18" charset="-127"/>
+              </a:rPr>
+              <a:t>스프링 </a:t>
+            </a:r>
+            <a:r>
+              <a:rPr lang="ko-KR" altLang="en-US" sz="2000" dirty="0" err="1">
+                <a:solidFill>
+                  <a:prstClr val="black"/>
+                </a:solidFill>
+                <a:latin typeface="HY헤드라인M" pitchFamily="18" charset="-127"/>
+                <a:ea typeface="HY헤드라인M" pitchFamily="18" charset="-127"/>
+              </a:rPr>
+              <a:t>시큐리티</a:t>
+            </a:r>
+            <a:endParaRPr lang="en-US" altLang="ko-KR" sz="1814" dirty="0">
+              <a:solidFill>
+                <a:prstClr val="black"/>
+              </a:solidFill>
+              <a:latin typeface="HY헤드라인M" pitchFamily="18" charset="-127"/>
+              <a:ea typeface="HY헤드라인M" pitchFamily="18" charset="-127"/>
+            </a:endParaRPr>
+          </a:p>
+        </p:txBody>
+      </p:sp>
+      <p:sp>
+        <p:nvSpPr>
+          <p:cNvPr id="105" name="TextBox 104">
+            <a:extLst>
+              <a:ext uri="{FF2B5EF4-FFF2-40B4-BE49-F238E27FC236}">
+                <a16:creationId xmlns:a16="http://schemas.microsoft.com/office/drawing/2014/main" id="{9EB114C1-217D-4CB5-8A48-23F174F7A436}"/>
+              </a:ext>
+            </a:extLst>
+          </p:cNvPr>
+          <p:cNvSpPr txBox="1"/>
+          <p:nvPr/>
+        </p:nvSpPr>
+        <p:spPr>
+          <a:xfrm>
+            <a:off x="1814779" y="1037314"/>
+            <a:ext cx="8884475" cy="343620"/>
+          </a:xfrm>
+          <a:prstGeom prst="rect">
+            <a:avLst/>
+          </a:prstGeom>
+          <a:noFill/>
+        </p:spPr>
+        <p:txBody>
+          <a:bodyPr wrap="square" rtlCol="0">
+            <a:spAutoFit/>
+          </a:bodyPr>
+          <a:lstStyle/>
+          <a:p>
+            <a:pPr marL="466618" indent="-466618" defTabSz="829544"/>
+            <a:r>
+              <a:rPr lang="en-US" altLang="ko-KR" sz="1633" dirty="0">
+                <a:solidFill>
+                  <a:prstClr val="black"/>
+                </a:solidFill>
+                <a:latin typeface="HY헤드라인M" pitchFamily="18" charset="-127"/>
+                <a:ea typeface="HY헤드라인M" pitchFamily="18" charset="-127"/>
+              </a:rPr>
+              <a:t>Interceptor</a:t>
+            </a:r>
+          </a:p>
+        </p:txBody>
+      </p:sp>
+      <p:sp>
+        <p:nvSpPr>
+          <p:cNvPr id="76" name="TextBox 75">
+            <a:extLst>
+              <a:ext uri="{FF2B5EF4-FFF2-40B4-BE49-F238E27FC236}">
+                <a16:creationId xmlns:a16="http://schemas.microsoft.com/office/drawing/2014/main" id="{E4412F80-9545-46AC-8AE8-4F8DDDF04C16}"/>
+              </a:ext>
+            </a:extLst>
+          </p:cNvPr>
+          <p:cNvSpPr txBox="1"/>
+          <p:nvPr/>
+        </p:nvSpPr>
+        <p:spPr>
+          <a:xfrm>
+            <a:off x="2380639" y="2088769"/>
+            <a:ext cx="7175266" cy="874085"/>
+          </a:xfrm>
+          <a:prstGeom prst="rect">
+            <a:avLst/>
+          </a:prstGeom>
+          <a:noFill/>
+        </p:spPr>
+        <p:txBody>
+          <a:bodyPr wrap="square" rtlCol="0">
+            <a:spAutoFit/>
+          </a:bodyPr>
+          <a:lstStyle/>
+          <a:p>
+            <a:pPr defTabSz="829544"/>
+            <a:r>
+              <a:rPr lang="en-US" altLang="ko-KR" sz="1270" b="1" dirty="0">
+                <a:solidFill>
+                  <a:prstClr val="white">
+                    <a:lumMod val="50000"/>
+                  </a:prstClr>
+                </a:solidFill>
+                <a:latin typeface="Calibri"/>
+                <a:ea typeface="맑은 고딕" panose="020B0503020000020004" pitchFamily="50" charset="-127"/>
+              </a:rPr>
+              <a:t>Interceptor</a:t>
+            </a:r>
+            <a:r>
+              <a:rPr lang="ko-KR" altLang="en-US" sz="1270" b="1" dirty="0">
+                <a:solidFill>
+                  <a:prstClr val="white">
+                    <a:lumMod val="50000"/>
+                  </a:prstClr>
+                </a:solidFill>
+                <a:latin typeface="Calibri"/>
+                <a:ea typeface="맑은 고딕" panose="020B0503020000020004" pitchFamily="50" charset="-127"/>
+              </a:rPr>
+              <a:t>는 요청주소에 대해 관심을 가지고 있다</a:t>
+            </a:r>
+            <a:r>
+              <a:rPr lang="en-US" altLang="ko-KR" sz="1270" b="1" dirty="0">
+                <a:solidFill>
+                  <a:prstClr val="white">
+                    <a:lumMod val="50000"/>
+                  </a:prstClr>
+                </a:solidFill>
+                <a:latin typeface="Calibri"/>
+                <a:ea typeface="맑은 고딕" panose="020B0503020000020004" pitchFamily="50" charset="-127"/>
+              </a:rPr>
+              <a:t>. (</a:t>
+            </a:r>
+            <a:r>
+              <a:rPr lang="en-US" altLang="ko-KR" sz="1270" b="1" dirty="0" err="1">
+                <a:solidFill>
+                  <a:prstClr val="white">
+                    <a:lumMod val="50000"/>
+                  </a:prstClr>
+                </a:solidFill>
+                <a:latin typeface="Calibri"/>
+                <a:ea typeface="맑은 고딕" panose="020B0503020000020004" pitchFamily="50" charset="-127"/>
+              </a:rPr>
+              <a:t>HttpServletRequest</a:t>
+            </a:r>
+            <a:r>
+              <a:rPr lang="ko-KR" altLang="en-US" sz="1270" b="1" dirty="0">
+                <a:solidFill>
+                  <a:prstClr val="white">
+                    <a:lumMod val="50000"/>
+                  </a:prstClr>
+                </a:solidFill>
+                <a:latin typeface="Calibri"/>
+                <a:ea typeface="맑은 고딕" panose="020B0503020000020004" pitchFamily="50" charset="-127"/>
+              </a:rPr>
+              <a:t>의 </a:t>
+            </a:r>
+            <a:r>
+              <a:rPr lang="en-US" altLang="ko-KR" sz="1270" b="1" dirty="0" err="1">
+                <a:solidFill>
+                  <a:prstClr val="white">
+                    <a:lumMod val="50000"/>
+                  </a:prstClr>
+                </a:solidFill>
+                <a:latin typeface="Calibri"/>
+                <a:ea typeface="맑은 고딕" panose="020B0503020000020004" pitchFamily="50" charset="-127"/>
+              </a:rPr>
+              <a:t>request.getRequestURI</a:t>
+            </a:r>
+            <a:r>
+              <a:rPr lang="en-US" altLang="ko-KR" sz="1270" b="1" dirty="0">
+                <a:solidFill>
+                  <a:prstClr val="white">
+                    <a:lumMod val="50000"/>
+                  </a:prstClr>
+                </a:solidFill>
+                <a:latin typeface="Calibri"/>
+                <a:ea typeface="맑은 고딕" panose="020B0503020000020004" pitchFamily="50" charset="-127"/>
+              </a:rPr>
+              <a:t>())</a:t>
+            </a:r>
+          </a:p>
+          <a:p>
+            <a:pPr defTabSz="829544"/>
+            <a:endParaRPr lang="en-US" altLang="ko-KR" sz="1270" b="1" dirty="0">
+              <a:solidFill>
+                <a:prstClr val="white">
+                  <a:lumMod val="50000"/>
+                </a:prstClr>
+              </a:solidFill>
+              <a:latin typeface="Calibri"/>
+              <a:ea typeface="맑은 고딕" panose="020B0503020000020004" pitchFamily="50" charset="-127"/>
+            </a:endParaRPr>
+          </a:p>
+          <a:p>
+            <a:pPr defTabSz="829544"/>
+            <a:r>
+              <a:rPr lang="ko-KR" altLang="en-US" sz="1270" b="1" dirty="0">
+                <a:solidFill>
+                  <a:prstClr val="white">
+                    <a:lumMod val="50000"/>
+                  </a:prstClr>
+                </a:solidFill>
+                <a:latin typeface="Calibri"/>
+                <a:ea typeface="맑은 고딕" panose="020B0503020000020004" pitchFamily="50" charset="-127"/>
+              </a:rPr>
+              <a:t>요청주소를 확인하여 </a:t>
+            </a:r>
+            <a:r>
+              <a:rPr lang="en-US" altLang="ko-KR" sz="1270" b="1" dirty="0">
+                <a:solidFill>
+                  <a:prstClr val="white">
+                    <a:lumMod val="50000"/>
+                  </a:prstClr>
+                </a:solidFill>
+                <a:latin typeface="Calibri"/>
+                <a:ea typeface="맑은 고딕" panose="020B0503020000020004" pitchFamily="50" charset="-127"/>
+              </a:rPr>
+              <a:t>Controller</a:t>
+            </a:r>
+            <a:r>
+              <a:rPr lang="ko-KR" altLang="en-US" sz="1270" b="1" dirty="0">
+                <a:solidFill>
+                  <a:prstClr val="white">
+                    <a:lumMod val="50000"/>
+                  </a:prstClr>
+                </a:solidFill>
+                <a:latin typeface="Calibri"/>
+                <a:ea typeface="맑은 고딕" panose="020B0503020000020004" pitchFamily="50" charset="-127"/>
+              </a:rPr>
+              <a:t>의 메서드를 호출 하기 전이나 후에 다른 메서드를 호출 할 수 있도록 가로 채 간다</a:t>
+            </a:r>
+            <a:r>
+              <a:rPr lang="en-US" altLang="ko-KR" sz="1270" b="1" dirty="0">
+                <a:solidFill>
+                  <a:prstClr val="white">
+                    <a:lumMod val="50000"/>
+                  </a:prstClr>
+                </a:solidFill>
+                <a:latin typeface="Calibri"/>
+                <a:ea typeface="맑은 고딕" panose="020B0503020000020004" pitchFamily="50" charset="-127"/>
+              </a:rPr>
+              <a:t>.</a:t>
+            </a:r>
+          </a:p>
+        </p:txBody>
+      </p:sp>
+      <p:sp>
+        <p:nvSpPr>
+          <p:cNvPr id="7" name="TextBox 6">
+            <a:extLst>
+              <a:ext uri="{FF2B5EF4-FFF2-40B4-BE49-F238E27FC236}">
+                <a16:creationId xmlns:a16="http://schemas.microsoft.com/office/drawing/2014/main" id="{B88F2077-E810-49BC-9FB8-61DD9D63EBFA}"/>
+              </a:ext>
+            </a:extLst>
+          </p:cNvPr>
+          <p:cNvSpPr txBox="1"/>
+          <p:nvPr/>
+        </p:nvSpPr>
+        <p:spPr>
+          <a:xfrm>
+            <a:off x="2380639" y="3429000"/>
+            <a:ext cx="7175266" cy="2633028"/>
+          </a:xfrm>
+          <a:prstGeom prst="rect">
+            <a:avLst/>
+          </a:prstGeom>
+          <a:noFill/>
+        </p:spPr>
+        <p:txBody>
+          <a:bodyPr wrap="square" rtlCol="0">
+            <a:spAutoFit/>
+          </a:bodyPr>
+          <a:lstStyle/>
+          <a:p>
+            <a:pPr defTabSz="829544"/>
+            <a:r>
+              <a:rPr lang="en-US" altLang="ko-KR" sz="1270" b="1" dirty="0">
+                <a:solidFill>
+                  <a:prstClr val="white">
+                    <a:lumMod val="50000"/>
+                  </a:prstClr>
+                </a:solidFill>
+                <a:latin typeface="Calibri"/>
+                <a:ea typeface="맑은 고딕" panose="020B0503020000020004" pitchFamily="50" charset="-127"/>
+              </a:rPr>
+              <a:t>Interceptor</a:t>
+            </a:r>
+            <a:r>
+              <a:rPr lang="ko-KR" altLang="en-US" sz="1270" b="1" dirty="0">
+                <a:solidFill>
+                  <a:prstClr val="white">
+                    <a:lumMod val="50000"/>
+                  </a:prstClr>
+                </a:solidFill>
+                <a:latin typeface="Calibri"/>
+                <a:ea typeface="맑은 고딕" panose="020B0503020000020004" pitchFamily="50" charset="-127"/>
+              </a:rPr>
+              <a:t>는 보통 </a:t>
+            </a:r>
+            <a:r>
+              <a:rPr lang="en-US" altLang="ko-KR" sz="1270" b="1" dirty="0">
+                <a:solidFill>
+                  <a:prstClr val="white">
+                    <a:lumMod val="50000"/>
+                  </a:prstClr>
+                </a:solidFill>
+                <a:latin typeface="Calibri"/>
+                <a:ea typeface="맑은 고딕" panose="020B0503020000020004" pitchFamily="50" charset="-127"/>
+              </a:rPr>
+              <a:t>3</a:t>
+            </a:r>
+            <a:r>
+              <a:rPr lang="ko-KR" altLang="en-US" sz="1270" b="1" dirty="0">
+                <a:solidFill>
+                  <a:prstClr val="white">
+                    <a:lumMod val="50000"/>
+                  </a:prstClr>
+                </a:solidFill>
+                <a:latin typeface="Calibri"/>
+                <a:ea typeface="맑은 고딕" panose="020B0503020000020004" pitchFamily="50" charset="-127"/>
+              </a:rPr>
+              <a:t>가지 메소드를 구현한다</a:t>
+            </a:r>
+            <a:r>
+              <a:rPr lang="en-US" altLang="ko-KR" sz="1270" b="1" dirty="0">
+                <a:solidFill>
+                  <a:prstClr val="white">
+                    <a:lumMod val="50000"/>
+                  </a:prstClr>
+                </a:solidFill>
+                <a:latin typeface="Calibri"/>
+                <a:ea typeface="맑은 고딕" panose="020B0503020000020004" pitchFamily="50" charset="-127"/>
+              </a:rPr>
+              <a:t>.</a:t>
+            </a:r>
+          </a:p>
+          <a:p>
+            <a:pPr defTabSz="829544"/>
+            <a:endParaRPr lang="en-US" altLang="ko-KR" sz="1270" b="1" dirty="0">
+              <a:solidFill>
+                <a:prstClr val="white">
+                  <a:lumMod val="50000"/>
+                </a:prstClr>
+              </a:solidFill>
+              <a:latin typeface="Calibri"/>
+              <a:ea typeface="맑은 고딕" panose="020B0503020000020004" pitchFamily="50" charset="-127"/>
+            </a:endParaRPr>
+          </a:p>
+          <a:p>
+            <a:pPr defTabSz="829544"/>
+            <a:r>
+              <a:rPr lang="en-US" altLang="ko-KR" sz="1270" b="1" dirty="0" err="1">
+                <a:solidFill>
+                  <a:prstClr val="white">
+                    <a:lumMod val="50000"/>
+                  </a:prstClr>
+                </a:solidFill>
+                <a:latin typeface="Calibri"/>
+                <a:ea typeface="맑은 고딕" panose="020B0503020000020004" pitchFamily="50" charset="-127"/>
+              </a:rPr>
+              <a:t>preHandle</a:t>
+            </a:r>
+            <a:r>
+              <a:rPr lang="en-US" altLang="ko-KR" sz="1270" b="1" dirty="0">
+                <a:solidFill>
+                  <a:prstClr val="white">
+                    <a:lumMod val="50000"/>
+                  </a:prstClr>
+                </a:solidFill>
+                <a:latin typeface="Calibri"/>
+                <a:ea typeface="맑은 고딕" panose="020B0503020000020004" pitchFamily="50" charset="-127"/>
+              </a:rPr>
+              <a:t>() - </a:t>
+            </a:r>
+            <a:r>
+              <a:rPr lang="ko-KR" altLang="en-US" sz="1270" b="1" dirty="0">
+                <a:solidFill>
+                  <a:prstClr val="white">
+                    <a:lumMod val="50000"/>
+                  </a:prstClr>
+                </a:solidFill>
+                <a:latin typeface="Calibri"/>
+                <a:ea typeface="맑은 고딕" panose="020B0503020000020004" pitchFamily="50" charset="-127"/>
+              </a:rPr>
+              <a:t>메서드 호출 전 </a:t>
+            </a:r>
+            <a:r>
+              <a:rPr lang="en-US" altLang="ko-KR" sz="1270" b="1" dirty="0">
+                <a:solidFill>
+                  <a:prstClr val="white">
+                    <a:lumMod val="50000"/>
+                  </a:prstClr>
+                </a:solidFill>
+                <a:latin typeface="Calibri"/>
+                <a:ea typeface="맑은 고딕" panose="020B0503020000020004" pitchFamily="50" charset="-127"/>
+              </a:rPr>
+              <a:t>(return false</a:t>
+            </a:r>
+            <a:r>
+              <a:rPr lang="ko-KR" altLang="en-US" sz="1270" b="1" dirty="0">
+                <a:solidFill>
+                  <a:prstClr val="white">
+                    <a:lumMod val="50000"/>
+                  </a:prstClr>
+                </a:solidFill>
+                <a:latin typeface="Calibri"/>
+                <a:ea typeface="맑은 고딕" panose="020B0503020000020004" pitchFamily="50" charset="-127"/>
+              </a:rPr>
+              <a:t>이면 이후는 실행하지 않고 종료된다</a:t>
+            </a:r>
+            <a:r>
+              <a:rPr lang="en-US" altLang="ko-KR" sz="1270" b="1" dirty="0">
+                <a:solidFill>
+                  <a:prstClr val="white">
+                    <a:lumMod val="50000"/>
+                  </a:prstClr>
+                </a:solidFill>
+                <a:latin typeface="Calibri"/>
+                <a:ea typeface="맑은 고딕" panose="020B0503020000020004" pitchFamily="50" charset="-127"/>
+              </a:rPr>
+              <a:t>.)</a:t>
+            </a:r>
+          </a:p>
+          <a:p>
+            <a:pPr defTabSz="829544"/>
+            <a:endParaRPr lang="en-US" altLang="ko-KR" sz="1270" b="1" dirty="0">
+              <a:solidFill>
+                <a:prstClr val="white">
+                  <a:lumMod val="50000"/>
+                </a:prstClr>
+              </a:solidFill>
+              <a:latin typeface="Calibri"/>
+              <a:ea typeface="맑은 고딕" panose="020B0503020000020004" pitchFamily="50" charset="-127"/>
+            </a:endParaRPr>
+          </a:p>
+          <a:p>
+            <a:pPr defTabSz="829544"/>
+            <a:r>
+              <a:rPr lang="en-US" altLang="ko-KR" sz="1270" b="1" dirty="0" err="1">
+                <a:solidFill>
+                  <a:prstClr val="white">
+                    <a:lumMod val="50000"/>
+                  </a:prstClr>
+                </a:solidFill>
+                <a:latin typeface="Calibri"/>
+                <a:ea typeface="맑은 고딕" panose="020B0503020000020004" pitchFamily="50" charset="-127"/>
+              </a:rPr>
+              <a:t>postHandle</a:t>
+            </a:r>
+            <a:r>
+              <a:rPr lang="en-US" altLang="ko-KR" sz="1270" b="1" dirty="0">
+                <a:solidFill>
+                  <a:prstClr val="white">
+                    <a:lumMod val="50000"/>
+                  </a:prstClr>
+                </a:solidFill>
+                <a:latin typeface="Calibri"/>
+                <a:ea typeface="맑은 고딕" panose="020B0503020000020004" pitchFamily="50" charset="-127"/>
+              </a:rPr>
+              <a:t>() - </a:t>
+            </a:r>
+            <a:r>
+              <a:rPr lang="ko-KR" altLang="en-US" sz="1270" b="1" dirty="0">
+                <a:solidFill>
+                  <a:prstClr val="white">
+                    <a:lumMod val="50000"/>
+                  </a:prstClr>
+                </a:solidFill>
+                <a:latin typeface="Calibri"/>
+                <a:ea typeface="맑은 고딕" panose="020B0503020000020004" pitchFamily="50" charset="-127"/>
+              </a:rPr>
+              <a:t>메서드 호출 후</a:t>
+            </a:r>
+          </a:p>
+          <a:p>
+            <a:pPr defTabSz="829544"/>
+            <a:endParaRPr lang="ko-KR" altLang="en-US" sz="1270" b="1" dirty="0">
+              <a:solidFill>
+                <a:prstClr val="white">
+                  <a:lumMod val="50000"/>
+                </a:prstClr>
+              </a:solidFill>
+              <a:latin typeface="Calibri"/>
+              <a:ea typeface="맑은 고딕" panose="020B0503020000020004" pitchFamily="50" charset="-127"/>
+            </a:endParaRPr>
+          </a:p>
+          <a:p>
+            <a:pPr defTabSz="829544"/>
+            <a:r>
+              <a:rPr lang="en-US" altLang="ko-KR" sz="1270" b="1" dirty="0" err="1">
+                <a:solidFill>
+                  <a:prstClr val="white">
+                    <a:lumMod val="50000"/>
+                  </a:prstClr>
+                </a:solidFill>
+                <a:latin typeface="Calibri"/>
+                <a:ea typeface="맑은 고딕" panose="020B0503020000020004" pitchFamily="50" charset="-127"/>
+              </a:rPr>
+              <a:t>afterCompletion</a:t>
+            </a:r>
+            <a:r>
+              <a:rPr lang="en-US" altLang="ko-KR" sz="1270" b="1" dirty="0">
+                <a:solidFill>
+                  <a:prstClr val="white">
+                    <a:lumMod val="50000"/>
+                  </a:prstClr>
+                </a:solidFill>
+                <a:latin typeface="Calibri"/>
+                <a:ea typeface="맑은 고딕" panose="020B0503020000020004" pitchFamily="50" charset="-127"/>
+              </a:rPr>
+              <a:t>() - View </a:t>
+            </a:r>
+            <a:r>
+              <a:rPr lang="ko-KR" altLang="en-US" sz="1270" b="1" dirty="0">
+                <a:solidFill>
+                  <a:prstClr val="white">
+                    <a:lumMod val="50000"/>
+                  </a:prstClr>
+                </a:solidFill>
+                <a:latin typeface="Calibri"/>
+                <a:ea typeface="맑은 고딕" panose="020B0503020000020004" pitchFamily="50" charset="-127"/>
+              </a:rPr>
+              <a:t>처리까지 완료 후</a:t>
+            </a:r>
+            <a:endParaRPr lang="en-US" altLang="ko-KR" sz="1270" b="1" dirty="0">
+              <a:solidFill>
+                <a:prstClr val="white">
+                  <a:lumMod val="50000"/>
+                </a:prstClr>
+              </a:solidFill>
+              <a:latin typeface="Calibri"/>
+              <a:ea typeface="맑은 고딕" panose="020B0503020000020004" pitchFamily="50" charset="-127"/>
+            </a:endParaRPr>
+          </a:p>
+          <a:p>
+            <a:pPr defTabSz="829544"/>
+            <a:endParaRPr lang="en-US" altLang="ko-KR" sz="1270" b="1" dirty="0">
+              <a:solidFill>
+                <a:prstClr val="white">
+                  <a:lumMod val="50000"/>
+                </a:prstClr>
+              </a:solidFill>
+              <a:latin typeface="Calibri"/>
+              <a:ea typeface="맑은 고딕" panose="020B0503020000020004" pitchFamily="50" charset="-127"/>
+            </a:endParaRPr>
+          </a:p>
+          <a:p>
+            <a:pPr defTabSz="829544"/>
+            <a:endParaRPr lang="en-US" altLang="ko-KR" sz="1270" b="1" dirty="0">
+              <a:solidFill>
+                <a:prstClr val="white">
+                  <a:lumMod val="50000"/>
+                </a:prstClr>
+              </a:solidFill>
+              <a:latin typeface="Calibri"/>
+              <a:ea typeface="맑은 고딕" panose="020B0503020000020004" pitchFamily="50" charset="-127"/>
+            </a:endParaRPr>
+          </a:p>
+          <a:p>
+            <a:pPr defTabSz="829544"/>
+            <a:r>
+              <a:rPr lang="en-US" altLang="ko-KR" sz="1270" b="1" dirty="0" err="1">
+                <a:solidFill>
+                  <a:prstClr val="white">
+                    <a:lumMod val="50000"/>
+                  </a:prstClr>
+                </a:solidFill>
+                <a:latin typeface="Calibri"/>
+                <a:ea typeface="맑은 고딕" panose="020B0503020000020004" pitchFamily="50" charset="-127"/>
+              </a:rPr>
+              <a:t>HandlerInterceptor</a:t>
+            </a:r>
+            <a:r>
+              <a:rPr lang="en-US" altLang="ko-KR" sz="1270" b="1" dirty="0">
+                <a:solidFill>
+                  <a:prstClr val="white">
+                    <a:lumMod val="50000"/>
+                  </a:prstClr>
+                </a:solidFill>
+                <a:latin typeface="Calibri"/>
+                <a:ea typeface="맑은 고딕" panose="020B0503020000020004" pitchFamily="50" charset="-127"/>
+              </a:rPr>
+              <a:t>(</a:t>
+            </a:r>
+            <a:r>
+              <a:rPr lang="ko-KR" altLang="en-US" sz="1270" b="1" dirty="0">
+                <a:solidFill>
+                  <a:prstClr val="white">
+                    <a:lumMod val="50000"/>
+                  </a:prstClr>
+                </a:solidFill>
+                <a:latin typeface="Calibri"/>
+                <a:ea typeface="맑은 고딕" panose="020B0503020000020004" pitchFamily="50" charset="-127"/>
+              </a:rPr>
+              <a:t>혹은 </a:t>
+            </a:r>
+            <a:r>
+              <a:rPr lang="en-US" altLang="ko-KR" sz="1270" b="1" dirty="0" err="1">
+                <a:solidFill>
+                  <a:prstClr val="white">
+                    <a:lumMod val="50000"/>
+                  </a:prstClr>
+                </a:solidFill>
+                <a:latin typeface="Calibri"/>
+                <a:ea typeface="맑은 고딕" panose="020B0503020000020004" pitchFamily="50" charset="-127"/>
+              </a:rPr>
+              <a:t>HandlerInterceptorAdaptor</a:t>
+            </a:r>
+            <a:r>
+              <a:rPr lang="en-US" altLang="ko-KR" sz="1270" b="1" dirty="0">
+                <a:solidFill>
+                  <a:prstClr val="white">
+                    <a:lumMod val="50000"/>
+                  </a:prstClr>
+                </a:solidFill>
+                <a:latin typeface="Calibri"/>
+                <a:ea typeface="맑은 고딕" panose="020B0503020000020004" pitchFamily="50" charset="-127"/>
+              </a:rPr>
+              <a:t>)</a:t>
+            </a:r>
+            <a:r>
+              <a:rPr lang="ko-KR" altLang="en-US" sz="1270" b="1" dirty="0">
+                <a:solidFill>
+                  <a:prstClr val="white">
+                    <a:lumMod val="50000"/>
+                  </a:prstClr>
+                </a:solidFill>
+                <a:latin typeface="Calibri"/>
+                <a:ea typeface="맑은 고딕" panose="020B0503020000020004" pitchFamily="50" charset="-127"/>
+              </a:rPr>
+              <a:t>를 </a:t>
+            </a:r>
+            <a:r>
+              <a:rPr lang="en-US" altLang="ko-KR" sz="1270" b="1" dirty="0">
+                <a:solidFill>
+                  <a:prstClr val="white">
+                    <a:lumMod val="50000"/>
+                  </a:prstClr>
+                </a:solidFill>
+                <a:latin typeface="Calibri"/>
+                <a:ea typeface="맑은 고딕" panose="020B0503020000020004" pitchFamily="50" charset="-127"/>
+              </a:rPr>
+              <a:t>implements</a:t>
+            </a:r>
+            <a:r>
+              <a:rPr lang="ko-KR" altLang="en-US" sz="1270" b="1" dirty="0">
+                <a:solidFill>
+                  <a:prstClr val="white">
+                    <a:lumMod val="50000"/>
+                  </a:prstClr>
+                </a:solidFill>
+                <a:latin typeface="Calibri"/>
+                <a:ea typeface="맑은 고딕" panose="020B0503020000020004" pitchFamily="50" charset="-127"/>
+              </a:rPr>
+              <a:t>하거나 </a:t>
+            </a:r>
+            <a:r>
+              <a:rPr lang="en-US" altLang="ko-KR" sz="1270" b="1" dirty="0">
+                <a:solidFill>
+                  <a:prstClr val="white">
+                    <a:lumMod val="50000"/>
+                  </a:prstClr>
+                </a:solidFill>
+                <a:latin typeface="Calibri"/>
+                <a:ea typeface="맑은 고딕" panose="020B0503020000020004" pitchFamily="50" charset="-127"/>
+              </a:rPr>
+              <a:t>extends </a:t>
+            </a:r>
+            <a:r>
+              <a:rPr lang="ko-KR" altLang="en-US" sz="1270" b="1" dirty="0">
+                <a:solidFill>
+                  <a:prstClr val="white">
+                    <a:lumMod val="50000"/>
+                  </a:prstClr>
+                </a:solidFill>
+                <a:latin typeface="Calibri"/>
+                <a:ea typeface="맑은 고딕" panose="020B0503020000020004" pitchFamily="50" charset="-127"/>
+              </a:rPr>
+              <a:t>한 </a:t>
+            </a:r>
+            <a:r>
+              <a:rPr lang="en-US" altLang="ko-KR" sz="1270" b="1" dirty="0">
+                <a:solidFill>
+                  <a:prstClr val="white">
+                    <a:lumMod val="50000"/>
+                  </a:prstClr>
+                </a:solidFill>
+                <a:latin typeface="Calibri"/>
+                <a:ea typeface="맑은 고딕" panose="020B0503020000020004" pitchFamily="50" charset="-127"/>
+              </a:rPr>
+              <a:t>LoggerInterceptor.java </a:t>
+            </a:r>
+            <a:r>
+              <a:rPr lang="ko-KR" altLang="en-US" sz="1270" b="1" dirty="0">
+                <a:solidFill>
+                  <a:prstClr val="white">
+                    <a:lumMod val="50000"/>
+                  </a:prstClr>
+                </a:solidFill>
+                <a:latin typeface="Calibri"/>
+                <a:ea typeface="맑은 고딕" panose="020B0503020000020004" pitchFamily="50" charset="-127"/>
+              </a:rPr>
+              <a:t>에 </a:t>
+            </a:r>
+            <a:r>
+              <a:rPr lang="en-US" altLang="ko-KR" sz="1270" b="1" dirty="0">
+                <a:solidFill>
+                  <a:prstClr val="white">
+                    <a:lumMod val="50000"/>
+                  </a:prstClr>
+                </a:solidFill>
+                <a:latin typeface="Calibri"/>
+                <a:ea typeface="맑은 고딕" panose="020B0503020000020004" pitchFamily="50" charset="-127"/>
+              </a:rPr>
+              <a:t>Intercept </a:t>
+            </a:r>
+            <a:r>
+              <a:rPr lang="ko-KR" altLang="en-US" sz="1270" b="1" dirty="0">
+                <a:solidFill>
+                  <a:prstClr val="white">
+                    <a:lumMod val="50000"/>
+                  </a:prstClr>
+                </a:solidFill>
+                <a:latin typeface="Calibri"/>
+                <a:ea typeface="맑은 고딕" panose="020B0503020000020004" pitchFamily="50" charset="-127"/>
+              </a:rPr>
+              <a:t>할 내용 정의</a:t>
+            </a:r>
+            <a:endParaRPr lang="en-US" altLang="ko-KR" sz="1270" b="1" dirty="0">
+              <a:solidFill>
+                <a:prstClr val="white">
+                  <a:lumMod val="50000"/>
+                </a:prstClr>
+              </a:solidFill>
+              <a:latin typeface="Calibri"/>
+              <a:ea typeface="맑은 고딕" panose="020B0503020000020004" pitchFamily="50" charset="-127"/>
+            </a:endParaRPr>
+          </a:p>
+          <a:p>
+            <a:pPr defTabSz="829544"/>
+            <a:endParaRPr lang="en-US" altLang="ko-KR" sz="1270" b="1" dirty="0">
+              <a:solidFill>
+                <a:prstClr val="white">
+                  <a:lumMod val="50000"/>
+                </a:prstClr>
+              </a:solidFill>
+              <a:latin typeface="Calibri"/>
+              <a:ea typeface="맑은 고딕" panose="020B0503020000020004" pitchFamily="50" charset="-127"/>
+            </a:endParaRPr>
+          </a:p>
+          <a:p>
+            <a:pPr defTabSz="829544"/>
+            <a:endParaRPr lang="en-US" altLang="ko-KR" sz="1270" b="1" dirty="0">
+              <a:solidFill>
+                <a:prstClr val="white">
+                  <a:lumMod val="50000"/>
+                </a:prstClr>
+              </a:solidFill>
+              <a:latin typeface="Calibri"/>
+              <a:ea typeface="맑은 고딕" panose="020B0503020000020004" pitchFamily="50" charset="-127"/>
+            </a:endParaRPr>
+          </a:p>
+        </p:txBody>
+      </p:sp>
+    </p:spTree>
+    <p:extLst>
+      <p:ext uri="{BB962C8B-B14F-4D97-AF65-F5344CB8AC3E}">
+        <p14:creationId xmlns:p14="http://schemas.microsoft.com/office/powerpoint/2010/main" val="2020160113"/>
+      </p:ext>
+    </p:extLst>
+  </p:cSld>
+  <p:clrMapOvr>
+    <a:masterClrMapping/>
+  </p:clrMapOvr>
+</p:sld>
+</file>
+
+<file path=ppt/slides/slide33.xml><?xml version="1.0" encoding="utf-8"?>
+<p:sld xmlns:a="http://schemas.openxmlformats.org/drawingml/2006/main" xmlns:r="http://schemas.openxmlformats.org/officeDocument/2006/relationships" xmlns:p="http://schemas.openxmlformats.org/presentationml/2006/main">
+  <p:cSld>
+    <p:spTree>
+      <p:nvGrpSpPr>
+        <p:cNvPr id="1" name=""/>
+        <p:cNvGrpSpPr/>
+        <p:nvPr/>
+      </p:nvGrpSpPr>
+      <p:grpSpPr>
+        <a:xfrm>
+          <a:off x="0" y="0"/>
+          <a:ext cx="0" cy="0"/>
+          <a:chOff x="0" y="0"/>
+          <a:chExt cx="0" cy="0"/>
+        </a:xfrm>
+      </p:grpSpPr>
+      <p:sp>
+        <p:nvSpPr>
+          <p:cNvPr id="2" name="TextBox 1"/>
+          <p:cNvSpPr txBox="1"/>
+          <p:nvPr/>
+        </p:nvSpPr>
+        <p:spPr>
+          <a:xfrm>
+            <a:off x="1539790" y="379466"/>
+            <a:ext cx="7773598" cy="400110"/>
+          </a:xfrm>
+          <a:prstGeom prst="rect">
+            <a:avLst/>
+          </a:prstGeom>
+          <a:noFill/>
+        </p:spPr>
+        <p:txBody>
+          <a:bodyPr wrap="square" rtlCol="0">
+            <a:spAutoFit/>
+          </a:bodyPr>
+          <a:lstStyle/>
+          <a:p>
+            <a:pPr marL="466618" indent="-466618" defTabSz="829544"/>
+            <a:r>
+              <a:rPr lang="en-US" altLang="ko-KR" sz="1814" dirty="0">
+                <a:solidFill>
+                  <a:prstClr val="black"/>
+                </a:solidFill>
+                <a:latin typeface="HY헤드라인M" pitchFamily="18" charset="-127"/>
+                <a:ea typeface="HY헤드라인M" pitchFamily="18" charset="-127"/>
+              </a:rPr>
+              <a:t>1. </a:t>
+            </a:r>
+            <a:r>
+              <a:rPr lang="ko-KR" altLang="en-US" sz="2000" dirty="0">
+                <a:solidFill>
+                  <a:prstClr val="black"/>
+                </a:solidFill>
+                <a:latin typeface="HY헤드라인M" pitchFamily="18" charset="-127"/>
+                <a:ea typeface="HY헤드라인M" pitchFamily="18" charset="-127"/>
+              </a:rPr>
+              <a:t>스프링 </a:t>
+            </a:r>
+            <a:r>
+              <a:rPr lang="ko-KR" altLang="en-US" sz="2000" dirty="0" err="1">
+                <a:solidFill>
+                  <a:prstClr val="black"/>
+                </a:solidFill>
+                <a:latin typeface="HY헤드라인M" pitchFamily="18" charset="-127"/>
+                <a:ea typeface="HY헤드라인M" pitchFamily="18" charset="-127"/>
+              </a:rPr>
+              <a:t>시큐리티</a:t>
+            </a:r>
+            <a:endParaRPr lang="en-US" altLang="ko-KR" sz="1814" dirty="0">
+              <a:solidFill>
+                <a:prstClr val="black"/>
+              </a:solidFill>
+              <a:latin typeface="HY헤드라인M" pitchFamily="18" charset="-127"/>
+              <a:ea typeface="HY헤드라인M" pitchFamily="18" charset="-127"/>
+            </a:endParaRPr>
+          </a:p>
+        </p:txBody>
+      </p:sp>
+      <p:sp>
+        <p:nvSpPr>
+          <p:cNvPr id="105" name="TextBox 104">
+            <a:extLst>
+              <a:ext uri="{FF2B5EF4-FFF2-40B4-BE49-F238E27FC236}">
+                <a16:creationId xmlns:a16="http://schemas.microsoft.com/office/drawing/2014/main" id="{9EB114C1-217D-4CB5-8A48-23F174F7A436}"/>
+              </a:ext>
+            </a:extLst>
+          </p:cNvPr>
+          <p:cNvSpPr txBox="1"/>
+          <p:nvPr/>
+        </p:nvSpPr>
+        <p:spPr>
+          <a:xfrm>
+            <a:off x="1814779" y="1037314"/>
+            <a:ext cx="8884475" cy="343620"/>
+          </a:xfrm>
+          <a:prstGeom prst="rect">
+            <a:avLst/>
+          </a:prstGeom>
+          <a:noFill/>
+        </p:spPr>
+        <p:txBody>
+          <a:bodyPr wrap="square" rtlCol="0">
+            <a:spAutoFit/>
+          </a:bodyPr>
+          <a:lstStyle/>
+          <a:p>
+            <a:pPr marL="466618" indent="-466618" defTabSz="829544"/>
+            <a:r>
+              <a:rPr lang="en-US" altLang="ko-KR" sz="1633" dirty="0">
+                <a:solidFill>
+                  <a:prstClr val="black"/>
+                </a:solidFill>
+                <a:latin typeface="HY헤드라인M" pitchFamily="18" charset="-127"/>
+                <a:ea typeface="HY헤드라인M" pitchFamily="18" charset="-127"/>
+              </a:rPr>
+              <a:t>Interceptor</a:t>
+            </a:r>
+          </a:p>
+        </p:txBody>
+      </p:sp>
+      <p:sp>
+        <p:nvSpPr>
+          <p:cNvPr id="76" name="TextBox 75">
+            <a:extLst>
+              <a:ext uri="{FF2B5EF4-FFF2-40B4-BE49-F238E27FC236}">
+                <a16:creationId xmlns:a16="http://schemas.microsoft.com/office/drawing/2014/main" id="{E4412F80-9545-46AC-8AE8-4F8DDDF04C16}"/>
+              </a:ext>
+            </a:extLst>
+          </p:cNvPr>
+          <p:cNvSpPr txBox="1"/>
+          <p:nvPr/>
+        </p:nvSpPr>
+        <p:spPr>
+          <a:xfrm>
+            <a:off x="2380639" y="2070839"/>
+            <a:ext cx="7175266" cy="2633028"/>
+          </a:xfrm>
+          <a:prstGeom prst="rect">
+            <a:avLst/>
+          </a:prstGeom>
+          <a:noFill/>
+        </p:spPr>
+        <p:txBody>
+          <a:bodyPr wrap="square" rtlCol="0">
+            <a:spAutoFit/>
+          </a:bodyPr>
+          <a:lstStyle/>
+          <a:p>
+            <a:pPr defTabSz="829544"/>
+            <a:r>
+              <a:rPr lang="en-US" altLang="ko-KR" sz="1270" b="1" dirty="0">
+                <a:solidFill>
+                  <a:prstClr val="white">
+                    <a:lumMod val="50000"/>
+                  </a:prstClr>
+                </a:solidFill>
+                <a:latin typeface="Calibri"/>
+                <a:ea typeface="맑은 고딕" panose="020B0503020000020004" pitchFamily="50" charset="-127"/>
+              </a:rPr>
+              <a:t>2</a:t>
+            </a:r>
+            <a:r>
+              <a:rPr lang="ko-KR" altLang="en-US" sz="1270" b="1" dirty="0">
+                <a:solidFill>
+                  <a:prstClr val="white">
+                    <a:lumMod val="50000"/>
+                  </a:prstClr>
+                </a:solidFill>
+                <a:latin typeface="Calibri"/>
+                <a:ea typeface="맑은 고딕" panose="020B0503020000020004" pitchFamily="50" charset="-127"/>
+              </a:rPr>
+              <a:t>개의 페이지에 대해 중복하여 </a:t>
+            </a:r>
+            <a:r>
+              <a:rPr lang="en-US" altLang="ko-KR" sz="1270" b="1" dirty="0">
+                <a:solidFill>
+                  <a:prstClr val="white">
+                    <a:lumMod val="50000"/>
+                  </a:prstClr>
+                </a:solidFill>
+                <a:latin typeface="Calibri"/>
+                <a:ea typeface="맑은 고딕" panose="020B0503020000020004" pitchFamily="50" charset="-127"/>
+              </a:rPr>
+              <a:t>Interceptor</a:t>
+            </a:r>
+            <a:r>
+              <a:rPr lang="ko-KR" altLang="en-US" sz="1270" b="1" dirty="0">
+                <a:solidFill>
+                  <a:prstClr val="white">
+                    <a:lumMod val="50000"/>
+                  </a:prstClr>
+                </a:solidFill>
+                <a:latin typeface="Calibri"/>
+                <a:ea typeface="맑은 고딕" panose="020B0503020000020004" pitchFamily="50" charset="-127"/>
+              </a:rPr>
+              <a:t>를 쓰려면 </a:t>
+            </a:r>
+            <a:r>
+              <a:rPr lang="en-US" altLang="ko-KR" sz="1270" b="1" dirty="0" err="1">
+                <a:solidFill>
+                  <a:prstClr val="white">
+                    <a:lumMod val="50000"/>
+                  </a:prstClr>
+                </a:solidFill>
+                <a:latin typeface="Calibri"/>
+                <a:ea typeface="맑은 고딕" panose="020B0503020000020004" pitchFamily="50" charset="-127"/>
+              </a:rPr>
+              <a:t>addPathPatterns</a:t>
+            </a:r>
+            <a:r>
+              <a:rPr lang="en-US" altLang="ko-KR" sz="1270" b="1" dirty="0">
+                <a:solidFill>
+                  <a:prstClr val="white">
+                    <a:lumMod val="50000"/>
+                  </a:prstClr>
+                </a:solidFill>
+                <a:latin typeface="Calibri"/>
+                <a:ea typeface="맑은 고딕" panose="020B0503020000020004" pitchFamily="50" charset="-127"/>
+              </a:rPr>
+              <a:t>("/sub1/test3", "/sub1/test4")</a:t>
+            </a:r>
+            <a:r>
+              <a:rPr lang="ko-KR" altLang="en-US" sz="1270" b="1" dirty="0">
+                <a:solidFill>
+                  <a:prstClr val="white">
+                    <a:lumMod val="50000"/>
+                  </a:prstClr>
+                </a:solidFill>
+                <a:latin typeface="Calibri"/>
+                <a:ea typeface="맑은 고딕" panose="020B0503020000020004" pitchFamily="50" charset="-127"/>
+              </a:rPr>
+              <a:t>를 사용한다</a:t>
+            </a:r>
+            <a:r>
+              <a:rPr lang="en-US" altLang="ko-KR" sz="1270" b="1" dirty="0">
+                <a:solidFill>
+                  <a:prstClr val="white">
+                    <a:lumMod val="50000"/>
+                  </a:prstClr>
+                </a:solidFill>
+                <a:latin typeface="Calibri"/>
+                <a:ea typeface="맑은 고딕" panose="020B0503020000020004" pitchFamily="50" charset="-127"/>
+              </a:rPr>
+              <a:t>.</a:t>
+            </a:r>
+          </a:p>
+          <a:p>
+            <a:pPr defTabSz="829544"/>
+            <a:endParaRPr lang="en-US" altLang="ko-KR" sz="1270" b="1" dirty="0">
+              <a:solidFill>
+                <a:prstClr val="white">
+                  <a:lumMod val="50000"/>
+                </a:prstClr>
+              </a:solidFill>
+              <a:latin typeface="Calibri"/>
+              <a:ea typeface="맑은 고딕" panose="020B0503020000020004" pitchFamily="50" charset="-127"/>
+            </a:endParaRPr>
+          </a:p>
+          <a:p>
+            <a:pPr defTabSz="829544"/>
+            <a:r>
+              <a:rPr lang="en-US" altLang="ko-KR" sz="1270" b="1" dirty="0">
+                <a:solidFill>
+                  <a:prstClr val="white">
+                    <a:lumMod val="50000"/>
+                  </a:prstClr>
+                </a:solidFill>
+                <a:latin typeface="Calibri"/>
+                <a:ea typeface="맑은 고딕" panose="020B0503020000020004" pitchFamily="50" charset="-127"/>
+              </a:rPr>
+              <a:t>1</a:t>
+            </a:r>
+            <a:r>
+              <a:rPr lang="ko-KR" altLang="en-US" sz="1270" b="1" dirty="0">
+                <a:solidFill>
+                  <a:prstClr val="white">
+                    <a:lumMod val="50000"/>
+                  </a:prstClr>
+                </a:solidFill>
+                <a:latin typeface="Calibri"/>
+                <a:ea typeface="맑은 고딕" panose="020B0503020000020004" pitchFamily="50" charset="-127"/>
+              </a:rPr>
+              <a:t>개의 </a:t>
+            </a:r>
+            <a:r>
+              <a:rPr lang="en-US" altLang="ko-KR" sz="1270" b="1" dirty="0">
+                <a:solidFill>
+                  <a:prstClr val="white">
+                    <a:lumMod val="50000"/>
+                  </a:prstClr>
+                </a:solidFill>
+                <a:latin typeface="Calibri"/>
+                <a:ea typeface="맑은 고딕" panose="020B0503020000020004" pitchFamily="50" charset="-127"/>
+              </a:rPr>
+              <a:t>"</a:t>
+            </a:r>
+            <a:r>
+              <a:rPr lang="ko-KR" altLang="en-US" sz="1270" b="1" dirty="0">
+                <a:solidFill>
+                  <a:prstClr val="white">
+                    <a:lumMod val="50000"/>
+                  </a:prstClr>
+                </a:solidFill>
+                <a:latin typeface="Calibri"/>
+                <a:ea typeface="맑은 고딕" panose="020B0503020000020004" pitchFamily="50" charset="-127"/>
+              </a:rPr>
+              <a:t>어떠한</a:t>
+            </a:r>
+            <a:r>
+              <a:rPr lang="en-US" altLang="ko-KR" sz="1270" b="1" dirty="0">
+                <a:solidFill>
+                  <a:prstClr val="white">
+                    <a:lumMod val="50000"/>
+                  </a:prstClr>
+                </a:solidFill>
+                <a:latin typeface="Calibri"/>
+                <a:ea typeface="맑은 고딕" panose="020B0503020000020004" pitchFamily="50" charset="-127"/>
+              </a:rPr>
+              <a:t>" </a:t>
+            </a:r>
+            <a:r>
+              <a:rPr lang="ko-KR" altLang="en-US" sz="1270" b="1" dirty="0">
+                <a:solidFill>
+                  <a:prstClr val="white">
+                    <a:lumMod val="50000"/>
+                  </a:prstClr>
+                </a:solidFill>
+                <a:latin typeface="Calibri"/>
+                <a:ea typeface="맑은 고딕" panose="020B0503020000020004" pitchFamily="50" charset="-127"/>
+              </a:rPr>
+              <a:t>경로에 상관없이 쓰려면 </a:t>
+            </a:r>
+            <a:r>
+              <a:rPr lang="en-US" altLang="ko-KR" sz="1270" b="1" dirty="0" err="1">
+                <a:solidFill>
+                  <a:prstClr val="white">
+                    <a:lumMod val="50000"/>
+                  </a:prstClr>
+                </a:solidFill>
+                <a:latin typeface="Calibri"/>
+                <a:ea typeface="맑은 고딕" panose="020B0503020000020004" pitchFamily="50" charset="-127"/>
+              </a:rPr>
+              <a:t>addPathPatterns</a:t>
+            </a:r>
+            <a:r>
+              <a:rPr lang="en-US" altLang="ko-KR" sz="1270" b="1" dirty="0">
+                <a:solidFill>
+                  <a:prstClr val="white">
+                    <a:lumMod val="50000"/>
+                  </a:prstClr>
+                </a:solidFill>
+                <a:latin typeface="Calibri"/>
+                <a:ea typeface="맑은 고딕" panose="020B0503020000020004" pitchFamily="50" charset="-127"/>
+              </a:rPr>
+              <a:t>("/*")</a:t>
+            </a:r>
+            <a:r>
+              <a:rPr lang="ko-KR" altLang="en-US" sz="1270" b="1" dirty="0">
+                <a:solidFill>
+                  <a:prstClr val="white">
+                    <a:lumMod val="50000"/>
+                  </a:prstClr>
+                </a:solidFill>
+                <a:latin typeface="Calibri"/>
+                <a:ea typeface="맑은 고딕" panose="020B0503020000020004" pitchFamily="50" charset="-127"/>
+              </a:rPr>
+              <a:t>을 사용한다</a:t>
+            </a:r>
+            <a:r>
+              <a:rPr lang="en-US" altLang="ko-KR" sz="1270" b="1" dirty="0">
+                <a:solidFill>
+                  <a:prstClr val="white">
+                    <a:lumMod val="50000"/>
+                  </a:prstClr>
+                </a:solidFill>
+                <a:latin typeface="Calibri"/>
+                <a:ea typeface="맑은 고딕" panose="020B0503020000020004" pitchFamily="50" charset="-127"/>
+              </a:rPr>
+              <a:t>.</a:t>
+            </a:r>
+          </a:p>
+          <a:p>
+            <a:pPr defTabSz="829544"/>
+            <a:endParaRPr lang="en-US" altLang="ko-KR" sz="1270" b="1" dirty="0">
+              <a:solidFill>
+                <a:prstClr val="white">
+                  <a:lumMod val="50000"/>
+                </a:prstClr>
+              </a:solidFill>
+              <a:latin typeface="Calibri"/>
+              <a:ea typeface="맑은 고딕" panose="020B0503020000020004" pitchFamily="50" charset="-127"/>
+            </a:endParaRPr>
+          </a:p>
+          <a:p>
+            <a:pPr defTabSz="829544"/>
+            <a:r>
+              <a:rPr lang="en-US" altLang="ko-KR" sz="1270" b="1" dirty="0">
+                <a:solidFill>
+                  <a:prstClr val="white">
+                    <a:lumMod val="50000"/>
+                  </a:prstClr>
+                </a:solidFill>
+                <a:latin typeface="Calibri"/>
+                <a:ea typeface="맑은 고딕" panose="020B0503020000020004" pitchFamily="50" charset="-127"/>
+              </a:rPr>
+              <a:t>1</a:t>
+            </a:r>
+            <a:r>
+              <a:rPr lang="ko-KR" altLang="en-US" sz="1270" b="1" dirty="0">
+                <a:solidFill>
+                  <a:prstClr val="white">
+                    <a:lumMod val="50000"/>
+                  </a:prstClr>
+                </a:solidFill>
+                <a:latin typeface="Calibri"/>
+                <a:ea typeface="맑은 고딕" panose="020B0503020000020004" pitchFamily="50" charset="-127"/>
+              </a:rPr>
+              <a:t>개를 넘어서서 몇개의 </a:t>
+            </a:r>
+            <a:r>
+              <a:rPr lang="ko-KR" altLang="en-US" sz="1270" b="1" dirty="0" err="1">
+                <a:solidFill>
+                  <a:prstClr val="white">
+                    <a:lumMod val="50000"/>
+                  </a:prstClr>
+                </a:solidFill>
+                <a:latin typeface="Calibri"/>
+                <a:ea typeface="맑은 고딕" panose="020B0503020000020004" pitchFamily="50" charset="-127"/>
+              </a:rPr>
+              <a:t>어디든지의</a:t>
+            </a:r>
+            <a:r>
+              <a:rPr lang="ko-KR" altLang="en-US" sz="1270" b="1" dirty="0">
+                <a:solidFill>
+                  <a:prstClr val="white">
+                    <a:lumMod val="50000"/>
+                  </a:prstClr>
+                </a:solidFill>
+                <a:latin typeface="Calibri"/>
+                <a:ea typeface="맑은 고딕" panose="020B0503020000020004" pitchFamily="50" charset="-127"/>
+              </a:rPr>
+              <a:t> 경로에 추가하고 싶으면 </a:t>
+            </a:r>
+            <a:r>
+              <a:rPr lang="en-US" altLang="ko-KR" sz="1270" b="1" dirty="0" err="1">
+                <a:solidFill>
+                  <a:prstClr val="white">
+                    <a:lumMod val="50000"/>
+                  </a:prstClr>
+                </a:solidFill>
+                <a:latin typeface="Calibri"/>
+                <a:ea typeface="맑은 고딕" panose="020B0503020000020004" pitchFamily="50" charset="-127"/>
+              </a:rPr>
+              <a:t>addPathPatterns</a:t>
+            </a:r>
+            <a:r>
+              <a:rPr lang="en-US" altLang="ko-KR" sz="1270" b="1" dirty="0">
+                <a:solidFill>
+                  <a:prstClr val="white">
+                    <a:lumMod val="50000"/>
+                  </a:prstClr>
+                </a:solidFill>
+                <a:latin typeface="Calibri"/>
+                <a:ea typeface="맑은 고딕" panose="020B0503020000020004" pitchFamily="50" charset="-127"/>
+              </a:rPr>
+              <a:t>("/**")</a:t>
+            </a:r>
+            <a:r>
+              <a:rPr lang="ko-KR" altLang="en-US" sz="1270" b="1" dirty="0">
+                <a:solidFill>
+                  <a:prstClr val="white">
+                    <a:lumMod val="50000"/>
+                  </a:prstClr>
+                </a:solidFill>
+                <a:latin typeface="Calibri"/>
+                <a:ea typeface="맑은 고딕" panose="020B0503020000020004" pitchFamily="50" charset="-127"/>
+              </a:rPr>
+              <a:t>을 사용한다</a:t>
+            </a:r>
+            <a:r>
+              <a:rPr lang="en-US" altLang="ko-KR" sz="1270" b="1" dirty="0">
+                <a:solidFill>
+                  <a:prstClr val="white">
+                    <a:lumMod val="50000"/>
+                  </a:prstClr>
+                </a:solidFill>
+                <a:latin typeface="Calibri"/>
+                <a:ea typeface="맑은 고딕" panose="020B0503020000020004" pitchFamily="50" charset="-127"/>
+              </a:rPr>
+              <a:t>.</a:t>
+            </a:r>
+          </a:p>
+          <a:p>
+            <a:pPr defTabSz="829544"/>
+            <a:endParaRPr lang="en-US" altLang="ko-KR" sz="1270" b="1" dirty="0">
+              <a:solidFill>
+                <a:prstClr val="white">
+                  <a:lumMod val="50000"/>
+                </a:prstClr>
+              </a:solidFill>
+              <a:latin typeface="Calibri"/>
+              <a:ea typeface="맑은 고딕" panose="020B0503020000020004" pitchFamily="50" charset="-127"/>
+            </a:endParaRPr>
+          </a:p>
+          <a:p>
+            <a:pPr defTabSz="829544"/>
+            <a:r>
+              <a:rPr lang="ko-KR" altLang="en-US" sz="1270" b="1" dirty="0">
+                <a:solidFill>
+                  <a:prstClr val="white">
+                    <a:lumMod val="50000"/>
+                  </a:prstClr>
+                </a:solidFill>
+                <a:latin typeface="Calibri"/>
+                <a:ea typeface="맑은 고딕" panose="020B0503020000020004" pitchFamily="50" charset="-127"/>
+              </a:rPr>
+              <a:t>특정 경로를 제외하고 싶으면 </a:t>
+            </a:r>
+            <a:r>
+              <a:rPr lang="en-US" altLang="ko-KR" sz="1270" b="1" dirty="0" err="1">
+                <a:solidFill>
+                  <a:prstClr val="white">
+                    <a:lumMod val="50000"/>
+                  </a:prstClr>
+                </a:solidFill>
+                <a:latin typeface="Calibri"/>
+                <a:ea typeface="맑은 고딕" panose="020B0503020000020004" pitchFamily="50" charset="-127"/>
+              </a:rPr>
+              <a:t>excludePathPatterns</a:t>
+            </a:r>
+            <a:r>
+              <a:rPr lang="en-US" altLang="ko-KR" sz="1270" b="1" dirty="0">
+                <a:solidFill>
+                  <a:prstClr val="white">
+                    <a:lumMod val="50000"/>
+                  </a:prstClr>
+                </a:solidFill>
+                <a:latin typeface="Calibri"/>
+                <a:ea typeface="맑은 고딕" panose="020B0503020000020004" pitchFamily="50" charset="-127"/>
+              </a:rPr>
+              <a:t>("/*")</a:t>
+            </a:r>
+            <a:r>
+              <a:rPr lang="ko-KR" altLang="en-US" sz="1270" b="1" dirty="0">
+                <a:solidFill>
+                  <a:prstClr val="white">
+                    <a:lumMod val="50000"/>
+                  </a:prstClr>
+                </a:solidFill>
+                <a:latin typeface="Calibri"/>
+                <a:ea typeface="맑은 고딕" panose="020B0503020000020004" pitchFamily="50" charset="-127"/>
+              </a:rPr>
+              <a:t>를 사용한다</a:t>
+            </a:r>
+            <a:r>
+              <a:rPr lang="en-US" altLang="ko-KR" sz="1270" b="1" dirty="0">
+                <a:solidFill>
+                  <a:prstClr val="white">
+                    <a:lumMod val="50000"/>
+                  </a:prstClr>
+                </a:solidFill>
+                <a:latin typeface="Calibri"/>
+                <a:ea typeface="맑은 고딕" panose="020B0503020000020004" pitchFamily="50" charset="-127"/>
+              </a:rPr>
+              <a:t>. </a:t>
+            </a:r>
+          </a:p>
+          <a:p>
+            <a:pPr defTabSz="829544"/>
+            <a:endParaRPr lang="en-US" altLang="ko-KR" sz="1270" b="1" dirty="0">
+              <a:solidFill>
+                <a:prstClr val="white">
+                  <a:lumMod val="50000"/>
+                </a:prstClr>
+              </a:solidFill>
+              <a:latin typeface="Calibri"/>
+              <a:ea typeface="맑은 고딕" panose="020B0503020000020004" pitchFamily="50" charset="-127"/>
+            </a:endParaRPr>
+          </a:p>
+          <a:p>
+            <a:pPr defTabSz="829544"/>
+            <a:r>
+              <a:rPr lang="en-US" altLang="ko-KR" sz="1270" b="1" dirty="0">
+                <a:solidFill>
+                  <a:prstClr val="white">
+                    <a:lumMod val="50000"/>
+                  </a:prstClr>
+                </a:solidFill>
+                <a:latin typeface="Calibri"/>
+                <a:ea typeface="맑은 고딕" panose="020B0503020000020004" pitchFamily="50" charset="-127"/>
+              </a:rPr>
+              <a:t> </a:t>
+            </a:r>
+          </a:p>
+          <a:p>
+            <a:pPr defTabSz="829544"/>
+            <a:endParaRPr lang="en-US" altLang="ko-KR" sz="1270" b="1" dirty="0">
+              <a:solidFill>
+                <a:prstClr val="white">
+                  <a:lumMod val="50000"/>
+                </a:prstClr>
+              </a:solidFill>
+              <a:latin typeface="Calibri"/>
+              <a:ea typeface="맑은 고딕" panose="020B0503020000020004" pitchFamily="50" charset="-127"/>
+            </a:endParaRPr>
+          </a:p>
+          <a:p>
+            <a:pPr defTabSz="829544"/>
+            <a:r>
+              <a:rPr lang="ko-KR" altLang="en-US" sz="1270" b="1" dirty="0">
+                <a:solidFill>
+                  <a:prstClr val="white">
+                    <a:lumMod val="50000"/>
+                  </a:prstClr>
+                </a:solidFill>
+                <a:latin typeface="Calibri"/>
+                <a:ea typeface="맑은 고딕" panose="020B0503020000020004" pitchFamily="50" charset="-127"/>
+              </a:rPr>
+              <a:t>즉</a:t>
+            </a:r>
+            <a:r>
+              <a:rPr lang="en-US" altLang="ko-KR" sz="1270" b="1" dirty="0">
+                <a:solidFill>
+                  <a:prstClr val="white">
+                    <a:lumMod val="50000"/>
+                  </a:prstClr>
+                </a:solidFill>
+                <a:latin typeface="Calibri"/>
+                <a:ea typeface="맑은 고딕" panose="020B0503020000020004" pitchFamily="50" charset="-127"/>
+              </a:rPr>
+              <a:t>, </a:t>
+            </a:r>
+            <a:r>
+              <a:rPr lang="ko-KR" altLang="en-US" sz="1270" b="1" dirty="0">
+                <a:solidFill>
+                  <a:prstClr val="white">
+                    <a:lumMod val="50000"/>
+                  </a:prstClr>
+                </a:solidFill>
+                <a:latin typeface="Calibri"/>
+                <a:ea typeface="맑은 고딕" panose="020B0503020000020004" pitchFamily="50" charset="-127"/>
+              </a:rPr>
+              <a:t>클라이언트 요청 시</a:t>
+            </a:r>
+            <a:r>
+              <a:rPr lang="en-US" altLang="ko-KR" sz="1270" b="1" dirty="0">
+                <a:solidFill>
+                  <a:prstClr val="white">
+                    <a:lumMod val="50000"/>
+                  </a:prstClr>
+                </a:solidFill>
+                <a:latin typeface="Calibri"/>
+                <a:ea typeface="맑은 고딕" panose="020B0503020000020004" pitchFamily="50" charset="-127"/>
+              </a:rPr>
+              <a:t>, </a:t>
+            </a:r>
+            <a:r>
+              <a:rPr lang="ko-KR" altLang="en-US" sz="1270" b="1" dirty="0">
+                <a:solidFill>
+                  <a:prstClr val="white">
+                    <a:lumMod val="50000"/>
+                  </a:prstClr>
+                </a:solidFill>
+                <a:latin typeface="Calibri"/>
+                <a:ea typeface="맑은 고딕" panose="020B0503020000020004" pitchFamily="50" charset="-127"/>
+              </a:rPr>
+              <a:t>해당 경로가 </a:t>
+            </a:r>
+            <a:r>
+              <a:rPr lang="en-US" altLang="ko-KR" sz="1270" b="1" dirty="0" err="1">
+                <a:solidFill>
+                  <a:prstClr val="white">
+                    <a:lumMod val="50000"/>
+                  </a:prstClr>
+                </a:solidFill>
+                <a:latin typeface="Calibri"/>
+                <a:ea typeface="맑은 고딕" panose="020B0503020000020004" pitchFamily="50" charset="-127"/>
+              </a:rPr>
+              <a:t>addInterceptor</a:t>
+            </a:r>
+            <a:r>
+              <a:rPr lang="en-US" altLang="ko-KR" sz="1270" b="1" dirty="0">
+                <a:solidFill>
+                  <a:prstClr val="white">
+                    <a:lumMod val="50000"/>
+                  </a:prstClr>
+                </a:solidFill>
+                <a:latin typeface="Calibri"/>
+                <a:ea typeface="맑은 고딕" panose="020B0503020000020004" pitchFamily="50" charset="-127"/>
+              </a:rPr>
+              <a:t>()</a:t>
+            </a:r>
+            <a:r>
+              <a:rPr lang="ko-KR" altLang="en-US" sz="1270" b="1" dirty="0">
+                <a:solidFill>
+                  <a:prstClr val="white">
+                    <a:lumMod val="50000"/>
+                  </a:prstClr>
+                </a:solidFill>
+                <a:latin typeface="Calibri"/>
+                <a:ea typeface="맑은 고딕" panose="020B0503020000020004" pitchFamily="50" charset="-127"/>
+              </a:rPr>
+              <a:t>에 있으면</a:t>
+            </a:r>
+            <a:r>
+              <a:rPr lang="en-US" altLang="ko-KR" sz="1270" b="1" dirty="0">
+                <a:solidFill>
+                  <a:prstClr val="white">
+                    <a:lumMod val="50000"/>
+                  </a:prstClr>
+                </a:solidFill>
+                <a:latin typeface="Calibri"/>
+                <a:ea typeface="맑은 고딕" panose="020B0503020000020004" pitchFamily="50" charset="-127"/>
+              </a:rPr>
+              <a:t>, TestController.java</a:t>
+            </a:r>
+            <a:r>
+              <a:rPr lang="ko-KR" altLang="en-US" sz="1270" b="1" dirty="0">
+                <a:solidFill>
+                  <a:prstClr val="white">
+                    <a:lumMod val="50000"/>
+                  </a:prstClr>
+                </a:solidFill>
+                <a:latin typeface="Calibri"/>
+                <a:ea typeface="맑은 고딕" panose="020B0503020000020004" pitchFamily="50" charset="-127"/>
+              </a:rPr>
+              <a:t>의 </a:t>
+            </a:r>
+            <a:r>
+              <a:rPr lang="en-US" altLang="ko-KR" sz="1270" b="1" dirty="0">
+                <a:solidFill>
+                  <a:prstClr val="white">
+                    <a:lumMod val="50000"/>
+                  </a:prstClr>
+                </a:solidFill>
+                <a:latin typeface="Calibri"/>
+                <a:ea typeface="맑은 고딕" panose="020B0503020000020004" pitchFamily="50" charset="-127"/>
+              </a:rPr>
+              <a:t>Controller</a:t>
+            </a:r>
+            <a:r>
+              <a:rPr lang="ko-KR" altLang="en-US" sz="1270" b="1" dirty="0">
+                <a:solidFill>
+                  <a:prstClr val="white">
+                    <a:lumMod val="50000"/>
+                  </a:prstClr>
+                </a:solidFill>
+                <a:latin typeface="Calibri"/>
+                <a:ea typeface="맑은 고딕" panose="020B0503020000020004" pitchFamily="50" charset="-127"/>
+              </a:rPr>
+              <a:t>로 바로 가지 않고 먼저 </a:t>
+            </a:r>
+            <a:r>
+              <a:rPr lang="en-US" altLang="ko-KR" sz="1270" b="1" dirty="0">
+                <a:solidFill>
+                  <a:prstClr val="white">
+                    <a:lumMod val="50000"/>
+                  </a:prstClr>
+                </a:solidFill>
+                <a:latin typeface="Calibri"/>
+                <a:ea typeface="맑은 고딕" panose="020B0503020000020004" pitchFamily="50" charset="-127"/>
+              </a:rPr>
+              <a:t>TestController.java</a:t>
+            </a:r>
+            <a:r>
+              <a:rPr lang="ko-KR" altLang="en-US" sz="1270" b="1" dirty="0">
+                <a:solidFill>
+                  <a:prstClr val="white">
+                    <a:lumMod val="50000"/>
+                  </a:prstClr>
+                </a:solidFill>
+                <a:latin typeface="Calibri"/>
+                <a:ea typeface="맑은 고딕" panose="020B0503020000020004" pitchFamily="50" charset="-127"/>
+              </a:rPr>
+              <a:t>에 가서 </a:t>
+            </a:r>
+            <a:r>
+              <a:rPr lang="en-US" altLang="ko-KR" sz="1270" b="1" dirty="0" err="1">
+                <a:solidFill>
+                  <a:prstClr val="white">
+                    <a:lumMod val="50000"/>
+                  </a:prstClr>
+                </a:solidFill>
+                <a:latin typeface="Calibri"/>
+                <a:ea typeface="맑은 고딕" panose="020B0503020000020004" pitchFamily="50" charset="-127"/>
+              </a:rPr>
+              <a:t>preHandle</a:t>
+            </a:r>
+            <a:r>
+              <a:rPr lang="ko-KR" altLang="en-US" sz="1270" b="1" dirty="0">
+                <a:solidFill>
+                  <a:prstClr val="white">
+                    <a:lumMod val="50000"/>
+                  </a:prstClr>
+                </a:solidFill>
+                <a:latin typeface="Calibri"/>
+                <a:ea typeface="맑은 고딕" panose="020B0503020000020004" pitchFamily="50" charset="-127"/>
+              </a:rPr>
+              <a:t>을 실행한다</a:t>
+            </a:r>
+            <a:r>
+              <a:rPr lang="en-US" altLang="ko-KR" sz="1270" b="1" dirty="0">
+                <a:solidFill>
+                  <a:prstClr val="white">
+                    <a:lumMod val="50000"/>
+                  </a:prstClr>
+                </a:solidFill>
+                <a:latin typeface="Calibri"/>
+                <a:ea typeface="맑은 고딕" panose="020B0503020000020004" pitchFamily="50" charset="-127"/>
+              </a:rPr>
+              <a:t>. </a:t>
+            </a:r>
+          </a:p>
+        </p:txBody>
+      </p:sp>
+    </p:spTree>
+    <p:extLst>
+      <p:ext uri="{BB962C8B-B14F-4D97-AF65-F5344CB8AC3E}">
+        <p14:creationId xmlns:p14="http://schemas.microsoft.com/office/powerpoint/2010/main" val="2316268504"/>
+      </p:ext>
+    </p:extLst>
+  </p:cSld>
+  <p:clrMapOvr>
+    <a:masterClrMapping/>
+  </p:clrMapOvr>
+</p:sld>
+</file>
+
+<file path=ppt/slides/slide34.xml><?xml version="1.0" encoding="utf-8"?>
+<p:sld xmlns:a="http://schemas.openxmlformats.org/drawingml/2006/main" xmlns:r="http://schemas.openxmlformats.org/officeDocument/2006/relationships" xmlns:p="http://schemas.openxmlformats.org/presentationml/2006/main">
+  <p:cSld>
+    <p:spTree>
+      <p:nvGrpSpPr>
+        <p:cNvPr id="1" name=""/>
+        <p:cNvGrpSpPr/>
+        <p:nvPr/>
+      </p:nvGrpSpPr>
+      <p:grpSpPr>
+        <a:xfrm>
+          <a:off x="0" y="0"/>
+          <a:ext cx="0" cy="0"/>
+          <a:chOff x="0" y="0"/>
+          <a:chExt cx="0" cy="0"/>
+        </a:xfrm>
+      </p:grpSpPr>
+      <p:sp>
+        <p:nvSpPr>
+          <p:cNvPr id="2" name="TextBox 1"/>
+          <p:cNvSpPr txBox="1"/>
+          <p:nvPr/>
+        </p:nvSpPr>
+        <p:spPr>
+          <a:xfrm>
+            <a:off x="1539790" y="379466"/>
+            <a:ext cx="7773598" cy="400110"/>
+          </a:xfrm>
+          <a:prstGeom prst="rect">
+            <a:avLst/>
+          </a:prstGeom>
+          <a:noFill/>
+        </p:spPr>
+        <p:txBody>
+          <a:bodyPr wrap="square" rtlCol="0">
+            <a:spAutoFit/>
+          </a:bodyPr>
+          <a:lstStyle/>
+          <a:p>
+            <a:pPr marL="466618" indent="-466618" defTabSz="829544"/>
+            <a:r>
+              <a:rPr lang="en-US" altLang="ko-KR" sz="1814" dirty="0">
+                <a:solidFill>
+                  <a:prstClr val="black"/>
+                </a:solidFill>
+                <a:latin typeface="HY헤드라인M" pitchFamily="18" charset="-127"/>
+                <a:ea typeface="HY헤드라인M" pitchFamily="18" charset="-127"/>
+              </a:rPr>
+              <a:t>1. </a:t>
+            </a:r>
+            <a:r>
+              <a:rPr lang="ko-KR" altLang="en-US" sz="2000" dirty="0">
+                <a:solidFill>
+                  <a:prstClr val="black"/>
+                </a:solidFill>
+                <a:latin typeface="HY헤드라인M" pitchFamily="18" charset="-127"/>
+                <a:ea typeface="HY헤드라인M" pitchFamily="18" charset="-127"/>
+              </a:rPr>
+              <a:t>스프링 </a:t>
+            </a:r>
+            <a:r>
+              <a:rPr lang="ko-KR" altLang="en-US" sz="2000" dirty="0" err="1">
+                <a:solidFill>
+                  <a:prstClr val="black"/>
+                </a:solidFill>
+                <a:latin typeface="HY헤드라인M" pitchFamily="18" charset="-127"/>
+                <a:ea typeface="HY헤드라인M" pitchFamily="18" charset="-127"/>
+              </a:rPr>
+              <a:t>시큐리티</a:t>
+            </a:r>
+            <a:endParaRPr lang="en-US" altLang="ko-KR" sz="1814" dirty="0">
+              <a:solidFill>
+                <a:prstClr val="black"/>
+              </a:solidFill>
+              <a:latin typeface="HY헤드라인M" pitchFamily="18" charset="-127"/>
+              <a:ea typeface="HY헤드라인M" pitchFamily="18" charset="-127"/>
+            </a:endParaRPr>
+          </a:p>
+        </p:txBody>
+      </p:sp>
+      <p:sp>
+        <p:nvSpPr>
+          <p:cNvPr id="105" name="TextBox 104">
+            <a:extLst>
+              <a:ext uri="{FF2B5EF4-FFF2-40B4-BE49-F238E27FC236}">
+                <a16:creationId xmlns:a16="http://schemas.microsoft.com/office/drawing/2014/main" id="{9EB114C1-217D-4CB5-8A48-23F174F7A436}"/>
+              </a:ext>
+            </a:extLst>
+          </p:cNvPr>
+          <p:cNvSpPr txBox="1"/>
+          <p:nvPr/>
+        </p:nvSpPr>
+        <p:spPr>
+          <a:xfrm>
+            <a:off x="1814779" y="1037314"/>
+            <a:ext cx="8884475" cy="343620"/>
+          </a:xfrm>
+          <a:prstGeom prst="rect">
+            <a:avLst/>
+          </a:prstGeom>
+          <a:noFill/>
+        </p:spPr>
+        <p:txBody>
+          <a:bodyPr wrap="square" rtlCol="0">
+            <a:spAutoFit/>
+          </a:bodyPr>
+          <a:lstStyle/>
+          <a:p>
+            <a:pPr marL="466618" indent="-466618" defTabSz="829544"/>
+            <a:r>
+              <a:rPr lang="en-US" altLang="ko-KR" sz="1633" dirty="0">
+                <a:solidFill>
+                  <a:prstClr val="black"/>
+                </a:solidFill>
+                <a:latin typeface="HY헤드라인M" pitchFamily="18" charset="-127"/>
+                <a:ea typeface="HY헤드라인M" pitchFamily="18" charset="-127"/>
+              </a:rPr>
+              <a:t>Interceptor</a:t>
+            </a:r>
+          </a:p>
+        </p:txBody>
+      </p:sp>
+      <p:sp>
+        <p:nvSpPr>
+          <p:cNvPr id="76" name="TextBox 75">
+            <a:extLst>
+              <a:ext uri="{FF2B5EF4-FFF2-40B4-BE49-F238E27FC236}">
+                <a16:creationId xmlns:a16="http://schemas.microsoft.com/office/drawing/2014/main" id="{E4412F80-9545-46AC-8AE8-4F8DDDF04C16}"/>
+              </a:ext>
+            </a:extLst>
+          </p:cNvPr>
+          <p:cNvSpPr txBox="1"/>
+          <p:nvPr/>
+        </p:nvSpPr>
+        <p:spPr>
+          <a:xfrm>
+            <a:off x="2380639" y="2070839"/>
+            <a:ext cx="7175266" cy="3805657"/>
+          </a:xfrm>
+          <a:prstGeom prst="rect">
+            <a:avLst/>
+          </a:prstGeom>
+          <a:noFill/>
+        </p:spPr>
+        <p:txBody>
+          <a:bodyPr wrap="square" rtlCol="0">
+            <a:spAutoFit/>
+          </a:bodyPr>
+          <a:lstStyle/>
+          <a:p>
+            <a:pPr defTabSz="829544"/>
+            <a:r>
+              <a:rPr lang="ko-KR" altLang="en-US" sz="1270" b="1" dirty="0">
+                <a:solidFill>
+                  <a:prstClr val="white">
+                    <a:lumMod val="50000"/>
+                  </a:prstClr>
+                </a:solidFill>
+                <a:latin typeface="Calibri"/>
+                <a:ea typeface="맑은 고딕" panose="020B0503020000020004" pitchFamily="50" charset="-127"/>
+              </a:rPr>
+              <a:t>실행결과순서는 다음과 같다</a:t>
+            </a:r>
+            <a:r>
+              <a:rPr lang="en-US" altLang="ko-KR" sz="1270" b="1" dirty="0">
+                <a:solidFill>
+                  <a:prstClr val="white">
+                    <a:lumMod val="50000"/>
+                  </a:prstClr>
+                </a:solidFill>
+                <a:latin typeface="Calibri"/>
+                <a:ea typeface="맑은 고딕" panose="020B0503020000020004" pitchFamily="50" charset="-127"/>
+              </a:rPr>
+              <a:t>.</a:t>
+            </a:r>
+          </a:p>
+          <a:p>
+            <a:pPr defTabSz="829544"/>
+            <a:endParaRPr lang="en-US" altLang="ko-KR" sz="1270" b="1" dirty="0">
+              <a:solidFill>
+                <a:prstClr val="white">
+                  <a:lumMod val="50000"/>
+                </a:prstClr>
+              </a:solidFill>
+              <a:latin typeface="Calibri"/>
+              <a:ea typeface="맑은 고딕" panose="020B0503020000020004" pitchFamily="50" charset="-127"/>
+            </a:endParaRPr>
+          </a:p>
+          <a:p>
+            <a:pPr defTabSz="829544"/>
+            <a:r>
+              <a:rPr lang="en-US" altLang="ko-KR" sz="1270" b="1" dirty="0">
+                <a:solidFill>
+                  <a:prstClr val="white">
+                    <a:lumMod val="50000"/>
+                  </a:prstClr>
+                </a:solidFill>
+                <a:latin typeface="Calibri"/>
+                <a:ea typeface="맑은 고딕" panose="020B0503020000020004" pitchFamily="50" charset="-127"/>
+              </a:rPr>
+              <a:t>===========</a:t>
+            </a:r>
+          </a:p>
+          <a:p>
+            <a:pPr defTabSz="829544"/>
+            <a:endParaRPr lang="en-US" altLang="ko-KR" sz="1270" b="1" dirty="0">
+              <a:solidFill>
+                <a:prstClr val="white">
+                  <a:lumMod val="50000"/>
+                </a:prstClr>
+              </a:solidFill>
+              <a:latin typeface="Calibri"/>
+              <a:ea typeface="맑은 고딕" panose="020B0503020000020004" pitchFamily="50" charset="-127"/>
+            </a:endParaRPr>
+          </a:p>
+          <a:p>
+            <a:pPr defTabSz="829544"/>
+            <a:r>
+              <a:rPr lang="en-US" altLang="ko-KR" sz="1270" b="1" dirty="0" err="1">
+                <a:solidFill>
+                  <a:prstClr val="white">
+                    <a:lumMod val="50000"/>
+                  </a:prstClr>
+                </a:solidFill>
+                <a:latin typeface="Calibri"/>
+                <a:ea typeface="맑은 고딕" panose="020B0503020000020004" pitchFamily="50" charset="-127"/>
+              </a:rPr>
+              <a:t>preHandle</a:t>
+            </a:r>
+            <a:endParaRPr lang="en-US" altLang="ko-KR" sz="1270" b="1" dirty="0">
+              <a:solidFill>
+                <a:prstClr val="white">
+                  <a:lumMod val="50000"/>
+                </a:prstClr>
+              </a:solidFill>
+              <a:latin typeface="Calibri"/>
+              <a:ea typeface="맑은 고딕" panose="020B0503020000020004" pitchFamily="50" charset="-127"/>
+            </a:endParaRPr>
+          </a:p>
+          <a:p>
+            <a:pPr defTabSz="829544"/>
+            <a:r>
+              <a:rPr lang="en-US" altLang="ko-KR" sz="1270" b="1" dirty="0">
+                <a:solidFill>
+                  <a:prstClr val="white">
+                    <a:lumMod val="50000"/>
+                  </a:prstClr>
+                </a:solidFill>
+                <a:latin typeface="Calibri"/>
+                <a:ea typeface="맑은 고딕" panose="020B0503020000020004" pitchFamily="50" charset="-127"/>
+              </a:rPr>
+              <a:t>View </a:t>
+            </a:r>
+            <a:r>
+              <a:rPr lang="ko-KR" altLang="en-US" sz="1270" b="1" dirty="0">
+                <a:solidFill>
+                  <a:prstClr val="white">
+                    <a:lumMod val="50000"/>
+                  </a:prstClr>
+                </a:solidFill>
+                <a:latin typeface="Calibri"/>
+                <a:ea typeface="맑은 고딕" panose="020B0503020000020004" pitchFamily="50" charset="-127"/>
+              </a:rPr>
+              <a:t>실행</a:t>
+            </a:r>
+          </a:p>
+          <a:p>
+            <a:pPr defTabSz="829544"/>
+            <a:r>
+              <a:rPr lang="en-US" altLang="ko-KR" sz="1270" b="1" dirty="0" err="1">
+                <a:solidFill>
+                  <a:prstClr val="white">
+                    <a:lumMod val="50000"/>
+                  </a:prstClr>
+                </a:solidFill>
+                <a:latin typeface="Calibri"/>
+                <a:ea typeface="맑은 고딕" panose="020B0503020000020004" pitchFamily="50" charset="-127"/>
+              </a:rPr>
+              <a:t>postHandle</a:t>
+            </a:r>
+            <a:endParaRPr lang="en-US" altLang="ko-KR" sz="1270" b="1" dirty="0">
+              <a:solidFill>
+                <a:prstClr val="white">
+                  <a:lumMod val="50000"/>
+                </a:prstClr>
+              </a:solidFill>
+              <a:latin typeface="Calibri"/>
+              <a:ea typeface="맑은 고딕" panose="020B0503020000020004" pitchFamily="50" charset="-127"/>
+            </a:endParaRPr>
+          </a:p>
+          <a:p>
+            <a:pPr defTabSz="829544"/>
+            <a:r>
+              <a:rPr lang="en-US" altLang="ko-KR" sz="1270" b="1" dirty="0" err="1">
+                <a:solidFill>
+                  <a:prstClr val="white">
+                    <a:lumMod val="50000"/>
+                  </a:prstClr>
+                </a:solidFill>
+                <a:latin typeface="Calibri"/>
+                <a:ea typeface="맑은 고딕" panose="020B0503020000020004" pitchFamily="50" charset="-127"/>
+              </a:rPr>
+              <a:t>afterCompletion</a:t>
+            </a:r>
+            <a:endParaRPr lang="en-US" altLang="ko-KR" sz="1270" b="1" dirty="0">
+              <a:solidFill>
+                <a:prstClr val="white">
+                  <a:lumMod val="50000"/>
+                </a:prstClr>
+              </a:solidFill>
+              <a:latin typeface="Calibri"/>
+              <a:ea typeface="맑은 고딕" panose="020B0503020000020004" pitchFamily="50" charset="-127"/>
+            </a:endParaRPr>
+          </a:p>
+          <a:p>
+            <a:pPr defTabSz="829544"/>
+            <a:endParaRPr lang="en-US" altLang="ko-KR" sz="1270" b="1" dirty="0">
+              <a:solidFill>
+                <a:prstClr val="white">
+                  <a:lumMod val="50000"/>
+                </a:prstClr>
+              </a:solidFill>
+              <a:latin typeface="Calibri"/>
+              <a:ea typeface="맑은 고딕" panose="020B0503020000020004" pitchFamily="50" charset="-127"/>
+            </a:endParaRPr>
+          </a:p>
+          <a:p>
+            <a:pPr defTabSz="829544"/>
+            <a:r>
+              <a:rPr lang="en-US" altLang="ko-KR" sz="1270" b="1" dirty="0">
+                <a:solidFill>
+                  <a:prstClr val="white">
+                    <a:lumMod val="50000"/>
+                  </a:prstClr>
+                </a:solidFill>
+                <a:latin typeface="Calibri"/>
+                <a:ea typeface="맑은 고딕" panose="020B0503020000020004" pitchFamily="50" charset="-127"/>
+              </a:rPr>
+              <a:t>===========</a:t>
+            </a:r>
+          </a:p>
+          <a:p>
+            <a:pPr defTabSz="829544"/>
+            <a:endParaRPr lang="en-US" altLang="ko-KR" sz="1270" b="1" dirty="0">
+              <a:solidFill>
+                <a:prstClr val="white">
+                  <a:lumMod val="50000"/>
+                </a:prstClr>
+              </a:solidFill>
+              <a:latin typeface="Calibri"/>
+              <a:ea typeface="맑은 고딕" panose="020B0503020000020004" pitchFamily="50" charset="-127"/>
+            </a:endParaRPr>
+          </a:p>
+          <a:p>
+            <a:pPr defTabSz="829544"/>
+            <a:r>
+              <a:rPr lang="en-US" altLang="ko-KR" sz="1270" b="1" dirty="0">
+                <a:solidFill>
+                  <a:prstClr val="white">
+                    <a:lumMod val="50000"/>
+                  </a:prstClr>
+                </a:solidFill>
+                <a:latin typeface="Calibri"/>
+                <a:ea typeface="맑은 고딕" panose="020B0503020000020004" pitchFamily="50" charset="-127"/>
+              </a:rPr>
+              <a:t> </a:t>
+            </a:r>
+          </a:p>
+          <a:p>
+            <a:pPr defTabSz="829544"/>
+            <a:r>
+              <a:rPr lang="en-US" altLang="ko-KR" sz="1270" b="1" dirty="0" err="1">
+                <a:solidFill>
+                  <a:prstClr val="white">
+                    <a:lumMod val="50000"/>
+                  </a:prstClr>
+                </a:solidFill>
+                <a:latin typeface="Calibri"/>
+                <a:ea typeface="맑은 고딕" panose="020B0503020000020004" pitchFamily="50" charset="-127"/>
+              </a:rPr>
+              <a:t>preHandle</a:t>
+            </a:r>
+            <a:r>
+              <a:rPr lang="ko-KR" altLang="en-US" sz="1270" b="1" dirty="0">
+                <a:solidFill>
+                  <a:prstClr val="white">
+                    <a:lumMod val="50000"/>
+                  </a:prstClr>
+                </a:solidFill>
+                <a:latin typeface="Calibri"/>
+                <a:ea typeface="맑은 고딕" panose="020B0503020000020004" pitchFamily="50" charset="-127"/>
+              </a:rPr>
+              <a:t>의 </a:t>
+            </a:r>
+            <a:r>
+              <a:rPr lang="en-US" altLang="ko-KR" sz="1270" b="1" dirty="0">
+                <a:solidFill>
+                  <a:prstClr val="white">
+                    <a:lumMod val="50000"/>
+                  </a:prstClr>
+                </a:solidFill>
+                <a:latin typeface="Calibri"/>
+                <a:ea typeface="맑은 고딕" panose="020B0503020000020004" pitchFamily="50" charset="-127"/>
+              </a:rPr>
+              <a:t>return</a:t>
+            </a:r>
+            <a:r>
+              <a:rPr lang="ko-KR" altLang="en-US" sz="1270" b="1" dirty="0">
+                <a:solidFill>
+                  <a:prstClr val="white">
+                    <a:lumMod val="50000"/>
+                  </a:prstClr>
+                </a:solidFill>
+                <a:latin typeface="Calibri"/>
+                <a:ea typeface="맑은 고딕" panose="020B0503020000020004" pitchFamily="50" charset="-127"/>
+              </a:rPr>
+              <a:t>이 </a:t>
+            </a:r>
+            <a:r>
+              <a:rPr lang="en-US" altLang="ko-KR" sz="1270" b="1" dirty="0">
+                <a:solidFill>
+                  <a:prstClr val="white">
+                    <a:lumMod val="50000"/>
+                  </a:prstClr>
+                </a:solidFill>
+                <a:latin typeface="Calibri"/>
+                <a:ea typeface="맑은 고딕" panose="020B0503020000020004" pitchFamily="50" charset="-127"/>
+              </a:rPr>
+              <a:t>false</a:t>
+            </a:r>
+            <a:r>
+              <a:rPr lang="ko-KR" altLang="en-US" sz="1270" b="1" dirty="0">
+                <a:solidFill>
+                  <a:prstClr val="white">
+                    <a:lumMod val="50000"/>
+                  </a:prstClr>
+                </a:solidFill>
+                <a:latin typeface="Calibri"/>
+                <a:ea typeface="맑은 고딕" panose="020B0503020000020004" pitchFamily="50" charset="-127"/>
+              </a:rPr>
+              <a:t>일 경우</a:t>
+            </a:r>
+          </a:p>
+          <a:p>
+            <a:pPr defTabSz="829544"/>
+            <a:endParaRPr lang="ko-KR" altLang="en-US" sz="1270" b="1" dirty="0">
+              <a:solidFill>
+                <a:prstClr val="white">
+                  <a:lumMod val="50000"/>
+                </a:prstClr>
+              </a:solidFill>
+              <a:latin typeface="Calibri"/>
+              <a:ea typeface="맑은 고딕" panose="020B0503020000020004" pitchFamily="50" charset="-127"/>
+            </a:endParaRPr>
+          </a:p>
+          <a:p>
+            <a:pPr defTabSz="829544"/>
+            <a:r>
+              <a:rPr lang="en-US" altLang="ko-KR" sz="1270" b="1" dirty="0">
+                <a:solidFill>
+                  <a:prstClr val="white">
+                    <a:lumMod val="50000"/>
+                  </a:prstClr>
+                </a:solidFill>
+                <a:latin typeface="Calibri"/>
+                <a:ea typeface="맑은 고딕" panose="020B0503020000020004" pitchFamily="50" charset="-127"/>
+              </a:rPr>
+              <a:t>===========</a:t>
+            </a:r>
+          </a:p>
+          <a:p>
+            <a:pPr defTabSz="829544"/>
+            <a:endParaRPr lang="en-US" altLang="ko-KR" sz="1270" b="1" dirty="0">
+              <a:solidFill>
+                <a:prstClr val="white">
+                  <a:lumMod val="50000"/>
+                </a:prstClr>
+              </a:solidFill>
+              <a:latin typeface="Calibri"/>
+              <a:ea typeface="맑은 고딕" panose="020B0503020000020004" pitchFamily="50" charset="-127"/>
+            </a:endParaRPr>
+          </a:p>
+          <a:p>
+            <a:pPr defTabSz="829544"/>
+            <a:r>
+              <a:rPr lang="en-US" altLang="ko-KR" sz="1270" b="1" dirty="0" err="1">
+                <a:solidFill>
+                  <a:prstClr val="white">
+                    <a:lumMod val="50000"/>
+                  </a:prstClr>
+                </a:solidFill>
+                <a:latin typeface="Calibri"/>
+                <a:ea typeface="맑은 고딕" panose="020B0503020000020004" pitchFamily="50" charset="-127"/>
+              </a:rPr>
+              <a:t>preHandle</a:t>
+            </a:r>
+            <a:endParaRPr lang="en-US" altLang="ko-KR" sz="1270" b="1" dirty="0">
+              <a:solidFill>
+                <a:prstClr val="white">
+                  <a:lumMod val="50000"/>
+                </a:prstClr>
+              </a:solidFill>
+              <a:latin typeface="Calibri"/>
+              <a:ea typeface="맑은 고딕" panose="020B0503020000020004" pitchFamily="50" charset="-127"/>
+            </a:endParaRPr>
+          </a:p>
+          <a:p>
+            <a:pPr defTabSz="829544"/>
+            <a:endParaRPr lang="en-US" altLang="ko-KR" sz="1270" b="1" dirty="0">
+              <a:solidFill>
+                <a:prstClr val="white">
+                  <a:lumMod val="50000"/>
+                </a:prstClr>
+              </a:solidFill>
+              <a:latin typeface="Calibri"/>
+              <a:ea typeface="맑은 고딕" panose="020B0503020000020004" pitchFamily="50" charset="-127"/>
+            </a:endParaRPr>
+          </a:p>
+          <a:p>
+            <a:pPr defTabSz="829544"/>
+            <a:r>
+              <a:rPr lang="en-US" altLang="ko-KR" sz="1270" b="1" dirty="0">
+                <a:solidFill>
+                  <a:prstClr val="white">
+                    <a:lumMod val="50000"/>
+                  </a:prstClr>
+                </a:solidFill>
+                <a:latin typeface="Calibri"/>
+                <a:ea typeface="맑은 고딕" panose="020B0503020000020004" pitchFamily="50" charset="-127"/>
+              </a:rPr>
+              <a:t>===========</a:t>
+            </a:r>
+          </a:p>
+        </p:txBody>
+      </p:sp>
+    </p:spTree>
+    <p:extLst>
+      <p:ext uri="{BB962C8B-B14F-4D97-AF65-F5344CB8AC3E}">
+        <p14:creationId xmlns:p14="http://schemas.microsoft.com/office/powerpoint/2010/main" val="1427742180"/>
+      </p:ext>
+    </p:extLst>
+  </p:cSld>
+  <p:clrMapOvr>
+    <a:masterClrMapping/>
+  </p:clrMapOvr>
+</p:sld>
+</file>
+
+<file path=ppt/slides/slide35.xml><?xml version="1.0" encoding="utf-8"?>
+<p:sld xmlns:a="http://schemas.openxmlformats.org/drawingml/2006/main" xmlns:r="http://schemas.openxmlformats.org/officeDocument/2006/relationships" xmlns:p="http://schemas.openxmlformats.org/presentationml/2006/main">
+  <p:cSld>
+    <p:spTree>
+      <p:nvGrpSpPr>
+        <p:cNvPr id="1" name=""/>
+        <p:cNvGrpSpPr/>
+        <p:nvPr/>
+      </p:nvGrpSpPr>
+      <p:grpSpPr>
+        <a:xfrm>
+          <a:off x="0" y="0"/>
+          <a:ext cx="0" cy="0"/>
+          <a:chOff x="0" y="0"/>
+          <a:chExt cx="0" cy="0"/>
+        </a:xfrm>
+      </p:grpSpPr>
+      <p:sp>
+        <p:nvSpPr>
+          <p:cNvPr id="2" name="TextBox 1"/>
+          <p:cNvSpPr txBox="1"/>
+          <p:nvPr/>
+        </p:nvSpPr>
+        <p:spPr>
+          <a:xfrm>
+            <a:off x="1539790" y="379466"/>
+            <a:ext cx="7773598" cy="400110"/>
+          </a:xfrm>
+          <a:prstGeom prst="rect">
+            <a:avLst/>
+          </a:prstGeom>
+          <a:noFill/>
+        </p:spPr>
+        <p:txBody>
+          <a:bodyPr wrap="square" rtlCol="0">
+            <a:spAutoFit/>
+          </a:bodyPr>
+          <a:lstStyle/>
+          <a:p>
+            <a:pPr marL="466618" indent="-466618" defTabSz="829544"/>
+            <a:r>
+              <a:rPr lang="en-US" altLang="ko-KR" sz="1814" dirty="0">
+                <a:solidFill>
+                  <a:prstClr val="black"/>
+                </a:solidFill>
+                <a:latin typeface="HY헤드라인M" pitchFamily="18" charset="-127"/>
+                <a:ea typeface="HY헤드라인M" pitchFamily="18" charset="-127"/>
+              </a:rPr>
+              <a:t>1. </a:t>
+            </a:r>
+            <a:r>
+              <a:rPr lang="ko-KR" altLang="en-US" sz="2000" dirty="0">
+                <a:solidFill>
+                  <a:prstClr val="black"/>
+                </a:solidFill>
+                <a:latin typeface="HY헤드라인M" pitchFamily="18" charset="-127"/>
+                <a:ea typeface="HY헤드라인M" pitchFamily="18" charset="-127"/>
+              </a:rPr>
+              <a:t>스프링 </a:t>
+            </a:r>
+            <a:r>
+              <a:rPr lang="ko-KR" altLang="en-US" sz="2000" dirty="0" err="1">
+                <a:solidFill>
+                  <a:prstClr val="black"/>
+                </a:solidFill>
+                <a:latin typeface="HY헤드라인M" pitchFamily="18" charset="-127"/>
+                <a:ea typeface="HY헤드라인M" pitchFamily="18" charset="-127"/>
+              </a:rPr>
+              <a:t>시큐리티</a:t>
+            </a:r>
+            <a:endParaRPr lang="en-US" altLang="ko-KR" sz="1814" dirty="0">
+              <a:solidFill>
+                <a:prstClr val="black"/>
+              </a:solidFill>
+              <a:latin typeface="HY헤드라인M" pitchFamily="18" charset="-127"/>
+              <a:ea typeface="HY헤드라인M" pitchFamily="18" charset="-127"/>
+            </a:endParaRPr>
+          </a:p>
+        </p:txBody>
+      </p:sp>
+      <p:sp>
+        <p:nvSpPr>
+          <p:cNvPr id="105" name="TextBox 104">
+            <a:extLst>
+              <a:ext uri="{FF2B5EF4-FFF2-40B4-BE49-F238E27FC236}">
+                <a16:creationId xmlns:a16="http://schemas.microsoft.com/office/drawing/2014/main" id="{9EB114C1-217D-4CB5-8A48-23F174F7A436}"/>
+              </a:ext>
+            </a:extLst>
+          </p:cNvPr>
+          <p:cNvSpPr txBox="1"/>
+          <p:nvPr/>
+        </p:nvSpPr>
+        <p:spPr>
+          <a:xfrm>
+            <a:off x="1814779" y="1037314"/>
+            <a:ext cx="8884475" cy="343620"/>
+          </a:xfrm>
+          <a:prstGeom prst="rect">
+            <a:avLst/>
+          </a:prstGeom>
+          <a:noFill/>
+        </p:spPr>
+        <p:txBody>
+          <a:bodyPr wrap="square" rtlCol="0">
+            <a:spAutoFit/>
+          </a:bodyPr>
+          <a:lstStyle/>
+          <a:p>
+            <a:pPr marL="466618" indent="-466618" defTabSz="829544"/>
+            <a:r>
+              <a:rPr lang="en-US" altLang="ko-KR" sz="1633" dirty="0">
+                <a:solidFill>
+                  <a:prstClr val="black"/>
+                </a:solidFill>
+                <a:latin typeface="HY헤드라인M" pitchFamily="18" charset="-127"/>
+                <a:ea typeface="HY헤드라인M" pitchFamily="18" charset="-127"/>
+              </a:rPr>
+              <a:t>@ReuqestParam </a:t>
+            </a:r>
+          </a:p>
+        </p:txBody>
+      </p:sp>
+      <p:sp>
+        <p:nvSpPr>
+          <p:cNvPr id="76" name="TextBox 75">
+            <a:extLst>
+              <a:ext uri="{FF2B5EF4-FFF2-40B4-BE49-F238E27FC236}">
+                <a16:creationId xmlns:a16="http://schemas.microsoft.com/office/drawing/2014/main" id="{E4412F80-9545-46AC-8AE8-4F8DDDF04C16}"/>
+              </a:ext>
+            </a:extLst>
+          </p:cNvPr>
+          <p:cNvSpPr txBox="1"/>
+          <p:nvPr/>
+        </p:nvSpPr>
+        <p:spPr>
+          <a:xfrm>
+            <a:off x="2380639" y="2070839"/>
+            <a:ext cx="7175266" cy="1069524"/>
+          </a:xfrm>
+          <a:prstGeom prst="rect">
+            <a:avLst/>
+          </a:prstGeom>
+          <a:noFill/>
+        </p:spPr>
+        <p:txBody>
+          <a:bodyPr wrap="square" rtlCol="0">
+            <a:spAutoFit/>
+          </a:bodyPr>
+          <a:lstStyle/>
+          <a:p>
+            <a:pPr defTabSz="829544"/>
+            <a:r>
+              <a:rPr lang="en-US" altLang="ko-KR" sz="1270" b="1" dirty="0">
+                <a:solidFill>
+                  <a:prstClr val="white">
+                    <a:lumMod val="50000"/>
+                  </a:prstClr>
+                </a:solidFill>
+                <a:latin typeface="Calibri"/>
+                <a:ea typeface="맑은 고딕" panose="020B0503020000020004" pitchFamily="50" charset="-127"/>
+              </a:rPr>
+              <a:t>@ReuqestParam </a:t>
+            </a:r>
+            <a:r>
+              <a:rPr lang="ko-KR" altLang="en-US" sz="1270" b="1" dirty="0" err="1">
+                <a:solidFill>
+                  <a:prstClr val="white">
+                    <a:lumMod val="50000"/>
+                  </a:prstClr>
+                </a:solidFill>
+                <a:latin typeface="Calibri"/>
+                <a:ea typeface="맑은 고딕" panose="020B0503020000020004" pitchFamily="50" charset="-127"/>
+              </a:rPr>
+              <a:t>어노테이션은</a:t>
+            </a:r>
+            <a:r>
+              <a:rPr lang="ko-KR" altLang="en-US" sz="1270" b="1" dirty="0">
+                <a:solidFill>
+                  <a:prstClr val="white">
+                    <a:lumMod val="50000"/>
+                  </a:prstClr>
+                </a:solidFill>
+                <a:latin typeface="Calibri"/>
+                <a:ea typeface="맑은 고딕" panose="020B0503020000020004" pitchFamily="50" charset="-127"/>
+              </a:rPr>
+              <a:t> </a:t>
+            </a:r>
+            <a:r>
+              <a:rPr lang="en-US" altLang="ko-KR" sz="1270" b="1" dirty="0" err="1">
+                <a:solidFill>
+                  <a:prstClr val="white">
+                    <a:lumMod val="50000"/>
+                  </a:prstClr>
+                </a:solidFill>
+                <a:latin typeface="Calibri"/>
+                <a:ea typeface="맑은 고딕" panose="020B0503020000020004" pitchFamily="50" charset="-127"/>
+              </a:rPr>
+              <a:t>HttpServletRequest</a:t>
+            </a:r>
+            <a:r>
+              <a:rPr lang="en-US" altLang="ko-KR" sz="1270" b="1" dirty="0">
+                <a:solidFill>
+                  <a:prstClr val="white">
+                    <a:lumMod val="50000"/>
+                  </a:prstClr>
+                </a:solidFill>
+                <a:latin typeface="Calibri"/>
+                <a:ea typeface="맑은 고딕" panose="020B0503020000020004" pitchFamily="50" charset="-127"/>
+              </a:rPr>
+              <a:t> </a:t>
+            </a:r>
+            <a:r>
+              <a:rPr lang="ko-KR" altLang="en-US" sz="1270" b="1" dirty="0">
+                <a:solidFill>
+                  <a:prstClr val="white">
+                    <a:lumMod val="50000"/>
+                  </a:prstClr>
+                </a:solidFill>
+                <a:latin typeface="Calibri"/>
+                <a:ea typeface="맑은 고딕" panose="020B0503020000020004" pitchFamily="50" charset="-127"/>
+              </a:rPr>
+              <a:t>객체와 같은 역할을 한다</a:t>
+            </a:r>
+            <a:r>
+              <a:rPr lang="en-US" altLang="ko-KR" sz="1270" b="1" dirty="0">
+                <a:solidFill>
+                  <a:prstClr val="white">
+                    <a:lumMod val="50000"/>
+                  </a:prstClr>
+                </a:solidFill>
+                <a:latin typeface="Calibri"/>
+                <a:ea typeface="맑은 고딕" panose="020B0503020000020004" pitchFamily="50" charset="-127"/>
+              </a:rPr>
+              <a:t>.</a:t>
+            </a:r>
+          </a:p>
+          <a:p>
+            <a:pPr defTabSz="829544"/>
+            <a:endParaRPr lang="en-US" altLang="ko-KR" sz="1270" b="1" dirty="0">
+              <a:solidFill>
+                <a:prstClr val="white">
+                  <a:lumMod val="50000"/>
+                </a:prstClr>
+              </a:solidFill>
+              <a:latin typeface="Calibri"/>
+              <a:ea typeface="맑은 고딕" panose="020B0503020000020004" pitchFamily="50" charset="-127"/>
+            </a:endParaRPr>
+          </a:p>
+          <a:p>
+            <a:pPr defTabSz="829544"/>
+            <a:r>
+              <a:rPr lang="en-US" altLang="ko-KR" sz="1270" b="1" dirty="0" err="1">
+                <a:solidFill>
+                  <a:prstClr val="white">
+                    <a:lumMod val="50000"/>
+                  </a:prstClr>
+                </a:solidFill>
+                <a:latin typeface="Calibri"/>
+                <a:ea typeface="맑은 고딕" panose="020B0503020000020004" pitchFamily="50" charset="-127"/>
+              </a:rPr>
+              <a:t>HttpServletRequest</a:t>
+            </a:r>
+            <a:r>
+              <a:rPr lang="ko-KR" altLang="en-US" sz="1270" b="1" dirty="0">
+                <a:solidFill>
+                  <a:prstClr val="white">
+                    <a:lumMod val="50000"/>
+                  </a:prstClr>
+                </a:solidFill>
+                <a:latin typeface="Calibri"/>
+                <a:ea typeface="맑은 고딕" panose="020B0503020000020004" pitchFamily="50" charset="-127"/>
+              </a:rPr>
+              <a:t>에서는 </a:t>
+            </a:r>
+            <a:r>
+              <a:rPr lang="en-US" altLang="ko-KR" sz="1270" b="1" dirty="0" err="1">
+                <a:solidFill>
+                  <a:prstClr val="white">
+                    <a:lumMod val="50000"/>
+                  </a:prstClr>
+                </a:solidFill>
+                <a:latin typeface="Calibri"/>
+                <a:ea typeface="맑은 고딕" panose="020B0503020000020004" pitchFamily="50" charset="-127"/>
+              </a:rPr>
+              <a:t>getParameter</a:t>
+            </a:r>
+            <a:r>
+              <a:rPr lang="en-US" altLang="ko-KR" sz="1270" b="1" dirty="0">
+                <a:solidFill>
+                  <a:prstClr val="white">
+                    <a:lumMod val="50000"/>
+                  </a:prstClr>
+                </a:solidFill>
+                <a:latin typeface="Calibri"/>
+                <a:ea typeface="맑은 고딕" panose="020B0503020000020004" pitchFamily="50" charset="-127"/>
+              </a:rPr>
+              <a:t>() </a:t>
+            </a:r>
+            <a:r>
+              <a:rPr lang="ko-KR" altLang="en-US" sz="1270" b="1" dirty="0">
+                <a:solidFill>
+                  <a:prstClr val="white">
+                    <a:lumMod val="50000"/>
+                  </a:prstClr>
+                </a:solidFill>
+                <a:latin typeface="Calibri"/>
+                <a:ea typeface="맑은 고딕" panose="020B0503020000020004" pitchFamily="50" charset="-127"/>
+              </a:rPr>
+              <a:t>메소드를 이용했지만</a:t>
+            </a:r>
+            <a:r>
+              <a:rPr lang="en-US" altLang="ko-KR" sz="1270" b="1" dirty="0">
+                <a:solidFill>
+                  <a:prstClr val="white">
+                    <a:lumMod val="50000"/>
+                  </a:prstClr>
+                </a:solidFill>
+                <a:latin typeface="Calibri"/>
+                <a:ea typeface="맑은 고딕" panose="020B0503020000020004" pitchFamily="50" charset="-127"/>
+              </a:rPr>
+              <a:t>,</a:t>
+            </a:r>
+          </a:p>
+          <a:p>
+            <a:pPr defTabSz="829544"/>
+            <a:endParaRPr lang="en-US" altLang="ko-KR" sz="1270" b="1" dirty="0">
+              <a:solidFill>
+                <a:prstClr val="white">
+                  <a:lumMod val="50000"/>
+                </a:prstClr>
+              </a:solidFill>
+              <a:latin typeface="Calibri"/>
+              <a:ea typeface="맑은 고딕" panose="020B0503020000020004" pitchFamily="50" charset="-127"/>
+            </a:endParaRPr>
+          </a:p>
+          <a:p>
+            <a:pPr defTabSz="829544"/>
+            <a:r>
+              <a:rPr lang="en-US" altLang="ko-KR" sz="1270" b="1" dirty="0">
+                <a:solidFill>
+                  <a:prstClr val="white">
+                    <a:lumMod val="50000"/>
+                  </a:prstClr>
+                </a:solidFill>
+                <a:latin typeface="Calibri"/>
+                <a:ea typeface="맑은 고딕" panose="020B0503020000020004" pitchFamily="50" charset="-127"/>
+              </a:rPr>
+              <a:t>@RequestParam</a:t>
+            </a:r>
+            <a:r>
+              <a:rPr lang="ko-KR" altLang="en-US" sz="1270" b="1" dirty="0">
+                <a:solidFill>
+                  <a:prstClr val="white">
+                    <a:lumMod val="50000"/>
+                  </a:prstClr>
+                </a:solidFill>
+                <a:latin typeface="Calibri"/>
+                <a:ea typeface="맑은 고딕" panose="020B0503020000020004" pitchFamily="50" charset="-127"/>
+              </a:rPr>
+              <a:t>을 이용해서 받아오는 방법도 있다</a:t>
+            </a:r>
+            <a:r>
+              <a:rPr lang="en-US" altLang="ko-KR" sz="1270" b="1" dirty="0">
+                <a:solidFill>
+                  <a:prstClr val="white">
+                    <a:lumMod val="50000"/>
+                  </a:prstClr>
+                </a:solidFill>
+                <a:latin typeface="Calibri"/>
+                <a:ea typeface="맑은 고딕" panose="020B0503020000020004" pitchFamily="50" charset="-127"/>
+              </a:rPr>
+              <a:t>.</a:t>
+            </a:r>
+          </a:p>
+        </p:txBody>
+      </p:sp>
+    </p:spTree>
+    <p:extLst>
+      <p:ext uri="{BB962C8B-B14F-4D97-AF65-F5344CB8AC3E}">
+        <p14:creationId xmlns:p14="http://schemas.microsoft.com/office/powerpoint/2010/main" val="2390591781"/>
+      </p:ext>
+    </p:extLst>
+  </p:cSld>
+  <p:clrMapOvr>
+    <a:masterClrMapping/>
+  </p:clrMapOvr>
+</p:sld>
+</file>
+
+<file path=ppt/slides/slide36.xml><?xml version="1.0" encoding="utf-8"?>
+<p:sld xmlns:a="http://schemas.openxmlformats.org/drawingml/2006/main" xmlns:r="http://schemas.openxmlformats.org/officeDocument/2006/relationships" xmlns:p="http://schemas.openxmlformats.org/presentationml/2006/main">
+  <p:cSld>
+    <p:spTree>
+      <p:nvGrpSpPr>
+        <p:cNvPr id="1" name=""/>
+        <p:cNvGrpSpPr/>
+        <p:nvPr/>
+      </p:nvGrpSpPr>
+      <p:grpSpPr>
+        <a:xfrm>
+          <a:off x="0" y="0"/>
+          <a:ext cx="0" cy="0"/>
+          <a:chOff x="0" y="0"/>
+          <a:chExt cx="0" cy="0"/>
+        </a:xfrm>
+      </p:grpSpPr>
+      <p:sp>
+        <p:nvSpPr>
+          <p:cNvPr id="2" name="TextBox 1"/>
+          <p:cNvSpPr txBox="1"/>
+          <p:nvPr/>
+        </p:nvSpPr>
+        <p:spPr>
+          <a:xfrm>
+            <a:off x="1539790" y="379466"/>
+            <a:ext cx="7773598" cy="400110"/>
+          </a:xfrm>
+          <a:prstGeom prst="rect">
+            <a:avLst/>
+          </a:prstGeom>
+          <a:noFill/>
+        </p:spPr>
+        <p:txBody>
+          <a:bodyPr wrap="square" rtlCol="0">
+            <a:spAutoFit/>
+          </a:bodyPr>
+          <a:lstStyle/>
+          <a:p>
+            <a:pPr marL="466618" indent="-466618" defTabSz="829544"/>
+            <a:r>
+              <a:rPr lang="en-US" altLang="ko-KR" sz="1814" dirty="0">
+                <a:solidFill>
+                  <a:prstClr val="black"/>
+                </a:solidFill>
+                <a:latin typeface="HY헤드라인M" pitchFamily="18" charset="-127"/>
+                <a:ea typeface="HY헤드라인M" pitchFamily="18" charset="-127"/>
+              </a:rPr>
+              <a:t>1. </a:t>
+            </a:r>
+            <a:r>
+              <a:rPr lang="ko-KR" altLang="en-US" sz="2000" dirty="0">
+                <a:solidFill>
+                  <a:prstClr val="black"/>
+                </a:solidFill>
+                <a:latin typeface="HY헤드라인M" pitchFamily="18" charset="-127"/>
+                <a:ea typeface="HY헤드라인M" pitchFamily="18" charset="-127"/>
+              </a:rPr>
+              <a:t>스프링 </a:t>
+            </a:r>
+            <a:r>
+              <a:rPr lang="ko-KR" altLang="en-US" sz="2000" dirty="0" err="1">
+                <a:solidFill>
+                  <a:prstClr val="black"/>
+                </a:solidFill>
+                <a:latin typeface="HY헤드라인M" pitchFamily="18" charset="-127"/>
+                <a:ea typeface="HY헤드라인M" pitchFamily="18" charset="-127"/>
+              </a:rPr>
+              <a:t>시큐리티</a:t>
+            </a:r>
+            <a:endParaRPr lang="en-US" altLang="ko-KR" sz="1814" dirty="0">
+              <a:solidFill>
+                <a:prstClr val="black"/>
+              </a:solidFill>
+              <a:latin typeface="HY헤드라인M" pitchFamily="18" charset="-127"/>
+              <a:ea typeface="HY헤드라인M" pitchFamily="18" charset="-127"/>
+            </a:endParaRPr>
+          </a:p>
+        </p:txBody>
+      </p:sp>
+      <p:sp>
+        <p:nvSpPr>
+          <p:cNvPr id="105" name="TextBox 104">
+            <a:extLst>
+              <a:ext uri="{FF2B5EF4-FFF2-40B4-BE49-F238E27FC236}">
+                <a16:creationId xmlns:a16="http://schemas.microsoft.com/office/drawing/2014/main" id="{9EB114C1-217D-4CB5-8A48-23F174F7A436}"/>
+              </a:ext>
+            </a:extLst>
+          </p:cNvPr>
+          <p:cNvSpPr txBox="1"/>
+          <p:nvPr/>
+        </p:nvSpPr>
+        <p:spPr>
+          <a:xfrm>
+            <a:off x="1814779" y="1037314"/>
+            <a:ext cx="8884475" cy="343620"/>
+          </a:xfrm>
+          <a:prstGeom prst="rect">
+            <a:avLst/>
+          </a:prstGeom>
+          <a:noFill/>
+        </p:spPr>
+        <p:txBody>
+          <a:bodyPr wrap="square" rtlCol="0">
+            <a:spAutoFit/>
+          </a:bodyPr>
+          <a:lstStyle/>
+          <a:p>
+            <a:pPr marL="466618" indent="-466618" defTabSz="829544"/>
+            <a:r>
+              <a:rPr lang="ko-KR" altLang="en-US" sz="1633" dirty="0">
+                <a:solidFill>
+                  <a:prstClr val="black"/>
+                </a:solidFill>
+                <a:latin typeface="HY헤드라인M" pitchFamily="18" charset="-127"/>
+                <a:ea typeface="HY헤드라인M" pitchFamily="18" charset="-127"/>
+              </a:rPr>
+              <a:t>라이브러리</a:t>
+            </a:r>
+            <a:endParaRPr lang="en-US" altLang="ko-KR" sz="1633" dirty="0">
+              <a:solidFill>
+                <a:prstClr val="black"/>
+              </a:solidFill>
+              <a:latin typeface="HY헤드라인M" pitchFamily="18" charset="-127"/>
+              <a:ea typeface="HY헤드라인M" pitchFamily="18" charset="-127"/>
+            </a:endParaRPr>
+          </a:p>
+        </p:txBody>
+      </p:sp>
+      <p:sp>
+        <p:nvSpPr>
+          <p:cNvPr id="76" name="TextBox 75">
+            <a:extLst>
+              <a:ext uri="{FF2B5EF4-FFF2-40B4-BE49-F238E27FC236}">
+                <a16:creationId xmlns:a16="http://schemas.microsoft.com/office/drawing/2014/main" id="{E4412F80-9545-46AC-8AE8-4F8DDDF04C16}"/>
+              </a:ext>
+            </a:extLst>
+          </p:cNvPr>
+          <p:cNvSpPr txBox="1"/>
+          <p:nvPr/>
+        </p:nvSpPr>
+        <p:spPr>
+          <a:xfrm>
+            <a:off x="2380639" y="2070839"/>
+            <a:ext cx="7175266" cy="523220"/>
+          </a:xfrm>
+          <a:prstGeom prst="rect">
+            <a:avLst/>
+          </a:prstGeom>
+          <a:noFill/>
+        </p:spPr>
+        <p:txBody>
+          <a:bodyPr wrap="square" rtlCol="0">
+            <a:spAutoFit/>
+          </a:bodyPr>
+          <a:lstStyle/>
+          <a:p>
+            <a:pPr defTabSz="829544"/>
+            <a:r>
+              <a:rPr lang="ko-KR" altLang="en-US" sz="1400" b="0" i="0" dirty="0">
+                <a:solidFill>
+                  <a:srgbClr val="333333"/>
+                </a:solidFill>
+                <a:effectLst/>
+                <a:latin typeface="Apple SD Gothic Neo"/>
+              </a:rPr>
+              <a:t>응용 프로그램 개발을 위해 필요한 기능을 모아 놓은 소프트웨어이며</a:t>
+            </a:r>
+            <a:r>
+              <a:rPr lang="en-US" altLang="ko-KR" sz="1400" b="0" i="0" dirty="0">
+                <a:solidFill>
+                  <a:srgbClr val="333333"/>
+                </a:solidFill>
+                <a:effectLst/>
+                <a:latin typeface="Apple SD Gothic Neo"/>
+              </a:rPr>
+              <a:t>,</a:t>
+            </a:r>
+          </a:p>
+          <a:p>
+            <a:pPr defTabSz="829544"/>
+            <a:r>
+              <a:rPr lang="ko-KR" altLang="en-US" sz="1400" b="0" i="0" dirty="0">
+                <a:solidFill>
+                  <a:srgbClr val="333333"/>
+                </a:solidFill>
+                <a:effectLst/>
+                <a:latin typeface="Apple SD Gothic Neo"/>
+              </a:rPr>
+              <a:t>그 </a:t>
+            </a:r>
+            <a:r>
+              <a:rPr lang="ko-KR" altLang="en-US" sz="1400" b="1" i="0" dirty="0">
+                <a:solidFill>
+                  <a:srgbClr val="333333"/>
+                </a:solidFill>
+                <a:effectLst/>
+                <a:latin typeface="Apple SD Gothic Neo"/>
+              </a:rPr>
+              <a:t>기능에 대한 도구 또는 함수들의 집합</a:t>
+            </a:r>
+            <a:r>
+              <a:rPr lang="ko-KR" altLang="en-US" sz="1400" b="0" i="0" dirty="0">
+                <a:solidFill>
+                  <a:srgbClr val="333333"/>
+                </a:solidFill>
+                <a:effectLst/>
+                <a:latin typeface="Apple SD Gothic Neo"/>
+              </a:rPr>
+              <a:t>이라고 할 수 있다</a:t>
+            </a:r>
+            <a:r>
+              <a:rPr lang="en-US" altLang="ko-KR" sz="1400" b="0" i="0" dirty="0">
+                <a:solidFill>
+                  <a:srgbClr val="333333"/>
+                </a:solidFill>
+                <a:effectLst/>
+                <a:latin typeface="Apple SD Gothic Neo"/>
+              </a:rPr>
+              <a:t>.</a:t>
+            </a:r>
+            <a:endParaRPr lang="en-US" altLang="ko-KR" sz="1270" b="1" dirty="0">
+              <a:solidFill>
+                <a:prstClr val="white">
+                  <a:lumMod val="50000"/>
+                </a:prstClr>
+              </a:solidFill>
+              <a:latin typeface="Calibri"/>
+              <a:ea typeface="맑은 고딕" panose="020B0503020000020004" pitchFamily="50" charset="-127"/>
+            </a:endParaRPr>
+          </a:p>
+        </p:txBody>
+      </p:sp>
+    </p:spTree>
+    <p:extLst>
+      <p:ext uri="{BB962C8B-B14F-4D97-AF65-F5344CB8AC3E}">
+        <p14:creationId xmlns:p14="http://schemas.microsoft.com/office/powerpoint/2010/main" val="686704386"/>
+      </p:ext>
+    </p:extLst>
+  </p:cSld>
+  <p:clrMapOvr>
+    <a:masterClrMapping/>
+  </p:clrMapOvr>
+</p:sld>
+</file>
+
+<file path=ppt/slides/slide37.xml><?xml version="1.0" encoding="utf-8"?>
+<p:sld xmlns:a="http://schemas.openxmlformats.org/drawingml/2006/main" xmlns:r="http://schemas.openxmlformats.org/officeDocument/2006/relationships" xmlns:p="http://schemas.openxmlformats.org/presentationml/2006/main">
+  <p:cSld>
+    <p:spTree>
+      <p:nvGrpSpPr>
+        <p:cNvPr id="1" name=""/>
+        <p:cNvGrpSpPr/>
+        <p:nvPr/>
+      </p:nvGrpSpPr>
+      <p:grpSpPr>
+        <a:xfrm>
+          <a:off x="0" y="0"/>
+          <a:ext cx="0" cy="0"/>
+          <a:chOff x="0" y="0"/>
+          <a:chExt cx="0" cy="0"/>
+        </a:xfrm>
+      </p:grpSpPr>
+      <p:sp>
+        <p:nvSpPr>
+          <p:cNvPr id="2" name="TextBox 1"/>
+          <p:cNvSpPr txBox="1"/>
+          <p:nvPr/>
+        </p:nvSpPr>
+        <p:spPr>
+          <a:xfrm>
+            <a:off x="1539790" y="379466"/>
+            <a:ext cx="7773598" cy="400110"/>
+          </a:xfrm>
+          <a:prstGeom prst="rect">
+            <a:avLst/>
+          </a:prstGeom>
+          <a:noFill/>
+        </p:spPr>
+        <p:txBody>
+          <a:bodyPr wrap="square" rtlCol="0">
+            <a:spAutoFit/>
+          </a:bodyPr>
+          <a:lstStyle/>
+          <a:p>
+            <a:pPr marL="466618" indent="-466618" defTabSz="829544"/>
+            <a:r>
+              <a:rPr lang="en-US" altLang="ko-KR" sz="1814" dirty="0">
+                <a:solidFill>
+                  <a:prstClr val="black"/>
+                </a:solidFill>
+                <a:latin typeface="HY헤드라인M" pitchFamily="18" charset="-127"/>
+                <a:ea typeface="HY헤드라인M" pitchFamily="18" charset="-127"/>
+              </a:rPr>
+              <a:t>1. </a:t>
+            </a:r>
+            <a:r>
+              <a:rPr lang="ko-KR" altLang="en-US" sz="2000" dirty="0">
+                <a:solidFill>
+                  <a:prstClr val="black"/>
+                </a:solidFill>
+                <a:latin typeface="HY헤드라인M" pitchFamily="18" charset="-127"/>
+                <a:ea typeface="HY헤드라인M" pitchFamily="18" charset="-127"/>
+              </a:rPr>
+              <a:t>스프링 </a:t>
+            </a:r>
+            <a:r>
+              <a:rPr lang="ko-KR" altLang="en-US" sz="2000" dirty="0" err="1">
+                <a:solidFill>
+                  <a:prstClr val="black"/>
+                </a:solidFill>
+                <a:latin typeface="HY헤드라인M" pitchFamily="18" charset="-127"/>
+                <a:ea typeface="HY헤드라인M" pitchFamily="18" charset="-127"/>
+              </a:rPr>
+              <a:t>시큐리티</a:t>
+            </a:r>
+            <a:endParaRPr lang="en-US" altLang="ko-KR" sz="1814" dirty="0">
+              <a:solidFill>
+                <a:prstClr val="black"/>
+              </a:solidFill>
+              <a:latin typeface="HY헤드라인M" pitchFamily="18" charset="-127"/>
+              <a:ea typeface="HY헤드라인M" pitchFamily="18" charset="-127"/>
+            </a:endParaRPr>
+          </a:p>
+        </p:txBody>
+      </p:sp>
+      <p:sp>
+        <p:nvSpPr>
+          <p:cNvPr id="105" name="TextBox 104">
+            <a:extLst>
+              <a:ext uri="{FF2B5EF4-FFF2-40B4-BE49-F238E27FC236}">
+                <a16:creationId xmlns:a16="http://schemas.microsoft.com/office/drawing/2014/main" id="{9EB114C1-217D-4CB5-8A48-23F174F7A436}"/>
+              </a:ext>
+            </a:extLst>
+          </p:cNvPr>
+          <p:cNvSpPr txBox="1"/>
+          <p:nvPr/>
+        </p:nvSpPr>
+        <p:spPr>
+          <a:xfrm>
+            <a:off x="1814779" y="1037314"/>
+            <a:ext cx="8884475" cy="343620"/>
+          </a:xfrm>
+          <a:prstGeom prst="rect">
+            <a:avLst/>
+          </a:prstGeom>
+          <a:noFill/>
+        </p:spPr>
+        <p:txBody>
+          <a:bodyPr wrap="square" rtlCol="0">
+            <a:spAutoFit/>
+          </a:bodyPr>
+          <a:lstStyle/>
+          <a:p>
+            <a:pPr marL="466618" indent="-466618" defTabSz="829544"/>
+            <a:r>
+              <a:rPr lang="en-US" altLang="ko-KR" sz="1633" dirty="0">
+                <a:solidFill>
+                  <a:prstClr val="black"/>
+                </a:solidFill>
+                <a:latin typeface="HY헤드라인M" pitchFamily="18" charset="-127"/>
+                <a:ea typeface="HY헤드라인M" pitchFamily="18" charset="-127"/>
+              </a:rPr>
+              <a:t>API</a:t>
+            </a:r>
+          </a:p>
+        </p:txBody>
+      </p:sp>
+      <p:sp>
+        <p:nvSpPr>
+          <p:cNvPr id="76" name="TextBox 75">
+            <a:extLst>
+              <a:ext uri="{FF2B5EF4-FFF2-40B4-BE49-F238E27FC236}">
+                <a16:creationId xmlns:a16="http://schemas.microsoft.com/office/drawing/2014/main" id="{E4412F80-9545-46AC-8AE8-4F8DDDF04C16}"/>
+              </a:ext>
+            </a:extLst>
+          </p:cNvPr>
+          <p:cNvSpPr txBox="1"/>
+          <p:nvPr/>
+        </p:nvSpPr>
+        <p:spPr>
+          <a:xfrm>
+            <a:off x="2380639" y="2070839"/>
+            <a:ext cx="7175266" cy="738664"/>
+          </a:xfrm>
+          <a:prstGeom prst="rect">
+            <a:avLst/>
+          </a:prstGeom>
+          <a:noFill/>
+        </p:spPr>
+        <p:txBody>
+          <a:bodyPr wrap="square" rtlCol="0">
+            <a:spAutoFit/>
+          </a:bodyPr>
+          <a:lstStyle/>
+          <a:p>
+            <a:pPr defTabSz="829544"/>
+            <a:r>
+              <a:rPr lang="ko-KR" altLang="en-US" sz="1400" b="0" i="0" dirty="0">
+                <a:solidFill>
+                  <a:srgbClr val="333333"/>
+                </a:solidFill>
+                <a:effectLst/>
+                <a:latin typeface="Apple SD Gothic Neo"/>
+              </a:rPr>
+              <a:t>응용 프로그램을 만드는데 사용되는 </a:t>
+            </a:r>
+            <a:r>
+              <a:rPr lang="en-US" altLang="ko-KR" sz="1400" b="0" i="0" dirty="0">
+                <a:solidFill>
+                  <a:srgbClr val="333333"/>
+                </a:solidFill>
+                <a:effectLst/>
+                <a:latin typeface="Apple SD Gothic Neo"/>
+              </a:rPr>
+              <a:t>interface</a:t>
+            </a:r>
+            <a:r>
+              <a:rPr lang="ko-KR" altLang="en-US" sz="1400" b="0" i="0" dirty="0">
+                <a:solidFill>
+                  <a:srgbClr val="333333"/>
+                </a:solidFill>
+                <a:effectLst/>
+                <a:latin typeface="Apple SD Gothic Neo"/>
+              </a:rPr>
+              <a:t>이다</a:t>
+            </a:r>
+            <a:r>
+              <a:rPr lang="en-US" altLang="ko-KR" sz="1400" b="0" i="0" dirty="0">
+                <a:solidFill>
+                  <a:srgbClr val="333333"/>
+                </a:solidFill>
+                <a:effectLst/>
+                <a:latin typeface="Apple SD Gothic Neo"/>
+              </a:rPr>
+              <a:t>.  </a:t>
+            </a:r>
+            <a:r>
+              <a:rPr lang="ko-KR" altLang="en-US" sz="1400" b="0" i="0" dirty="0">
+                <a:solidFill>
+                  <a:srgbClr val="333333"/>
+                </a:solidFill>
+                <a:effectLst/>
+                <a:latin typeface="Apple SD Gothic Neo"/>
+              </a:rPr>
+              <a:t>여기서 </a:t>
+            </a:r>
+            <a:r>
+              <a:rPr lang="en-US" altLang="ko-KR" sz="1400" b="0" i="0" dirty="0">
+                <a:solidFill>
+                  <a:srgbClr val="333333"/>
+                </a:solidFill>
+                <a:effectLst/>
+                <a:latin typeface="Apple SD Gothic Neo"/>
+              </a:rPr>
+              <a:t>interface</a:t>
+            </a:r>
+            <a:r>
+              <a:rPr lang="ko-KR" altLang="en-US" sz="1400" b="0" i="0" dirty="0">
+                <a:solidFill>
+                  <a:srgbClr val="333333"/>
+                </a:solidFill>
+                <a:effectLst/>
+                <a:latin typeface="Apple SD Gothic Neo"/>
+              </a:rPr>
+              <a:t>란 사물간</a:t>
+            </a:r>
+            <a:r>
+              <a:rPr lang="en-US" altLang="ko-KR" sz="1400" b="0" i="0" dirty="0">
+                <a:solidFill>
+                  <a:srgbClr val="333333"/>
+                </a:solidFill>
+                <a:effectLst/>
+                <a:latin typeface="Apple SD Gothic Neo"/>
+              </a:rPr>
+              <a:t>, </a:t>
+            </a:r>
+            <a:r>
+              <a:rPr lang="ko-KR" altLang="en-US" sz="1400" b="0" i="0" dirty="0">
+                <a:solidFill>
+                  <a:srgbClr val="333333"/>
+                </a:solidFill>
+                <a:effectLst/>
+                <a:latin typeface="Apple SD Gothic Neo"/>
+              </a:rPr>
+              <a:t>사람간</a:t>
+            </a:r>
+            <a:r>
+              <a:rPr lang="en-US" altLang="ko-KR" sz="1400" b="0" i="0" dirty="0">
+                <a:solidFill>
+                  <a:srgbClr val="333333"/>
+                </a:solidFill>
+                <a:effectLst/>
+                <a:latin typeface="Apple SD Gothic Neo"/>
+              </a:rPr>
+              <a:t>, </a:t>
+            </a:r>
+            <a:r>
+              <a:rPr lang="ko-KR" altLang="en-US" sz="1400" b="0" i="0" dirty="0">
+                <a:solidFill>
+                  <a:srgbClr val="333333"/>
+                </a:solidFill>
+                <a:effectLst/>
+                <a:latin typeface="Apple SD Gothic Neo"/>
+              </a:rPr>
+              <a:t>또는 사람과 </a:t>
+            </a:r>
+            <a:r>
+              <a:rPr lang="ko-KR" altLang="en-US" sz="1400" b="1" i="0" dirty="0">
+                <a:solidFill>
+                  <a:srgbClr val="333333"/>
+                </a:solidFill>
+                <a:effectLst/>
+                <a:latin typeface="Apple SD Gothic Neo"/>
+              </a:rPr>
+              <a:t>사물 간에 상호작용을 할 수 있도록 연결해주는 장치</a:t>
+            </a:r>
+            <a:r>
+              <a:rPr lang="en-US" altLang="ko-KR" sz="1400" b="0" i="0" dirty="0">
+                <a:solidFill>
+                  <a:srgbClr val="333333"/>
+                </a:solidFill>
+                <a:effectLst/>
+                <a:latin typeface="Apple SD Gothic Neo"/>
+              </a:rPr>
+              <a:t>, </a:t>
+            </a:r>
+            <a:r>
+              <a:rPr lang="ko-KR" altLang="en-US" sz="1400" b="0" i="0" dirty="0">
+                <a:solidFill>
+                  <a:srgbClr val="333333"/>
+                </a:solidFill>
+                <a:effectLst/>
+                <a:latin typeface="Apple SD Gothic Neo"/>
+              </a:rPr>
+              <a:t>방법</a:t>
+            </a:r>
+            <a:r>
+              <a:rPr lang="en-US" altLang="ko-KR" sz="1400" b="0" i="0" dirty="0">
+                <a:solidFill>
+                  <a:srgbClr val="333333"/>
+                </a:solidFill>
+                <a:effectLst/>
+                <a:latin typeface="Apple SD Gothic Neo"/>
+              </a:rPr>
+              <a:t>, </a:t>
+            </a:r>
+            <a:r>
+              <a:rPr lang="ko-KR" altLang="en-US" sz="1400" b="0" i="0" dirty="0">
+                <a:solidFill>
+                  <a:srgbClr val="333333"/>
+                </a:solidFill>
+                <a:effectLst/>
+                <a:latin typeface="Apple SD Gothic Neo"/>
+              </a:rPr>
+              <a:t>형식</a:t>
+            </a:r>
+            <a:r>
+              <a:rPr lang="en-US" altLang="ko-KR" sz="1400" b="0" i="0" dirty="0">
+                <a:solidFill>
+                  <a:srgbClr val="333333"/>
+                </a:solidFill>
+                <a:effectLst/>
+                <a:latin typeface="Apple SD Gothic Neo"/>
+              </a:rPr>
+              <a:t>, </a:t>
+            </a:r>
+            <a:r>
+              <a:rPr lang="ko-KR" altLang="en-US" sz="1400" b="0" i="0" dirty="0">
+                <a:solidFill>
+                  <a:srgbClr val="333333"/>
+                </a:solidFill>
+                <a:effectLst/>
+                <a:latin typeface="Apple SD Gothic Neo"/>
+              </a:rPr>
+              <a:t>공간 등을 통칭한다</a:t>
+            </a:r>
+            <a:r>
+              <a:rPr lang="en-US" altLang="ko-KR" sz="1400" b="0" i="0" dirty="0">
+                <a:solidFill>
+                  <a:srgbClr val="333333"/>
+                </a:solidFill>
+                <a:effectLst/>
+                <a:latin typeface="Apple SD Gothic Neo"/>
+              </a:rPr>
+              <a:t>. -&gt; interface == </a:t>
+            </a:r>
+            <a:r>
+              <a:rPr lang="ko-KR" altLang="en-US" sz="1400" b="0" i="0" dirty="0">
+                <a:solidFill>
+                  <a:srgbClr val="333333"/>
+                </a:solidFill>
+                <a:effectLst/>
+                <a:latin typeface="Apple SD Gothic Neo"/>
+              </a:rPr>
+              <a:t>접점</a:t>
+            </a:r>
+            <a:endParaRPr lang="en-US" altLang="ko-KR" sz="1270" b="1" dirty="0">
+              <a:solidFill>
+                <a:prstClr val="white">
+                  <a:lumMod val="50000"/>
+                </a:prstClr>
+              </a:solidFill>
+              <a:latin typeface="Calibri"/>
+              <a:ea typeface="맑은 고딕" panose="020B0503020000020004" pitchFamily="50" charset="-127"/>
+            </a:endParaRPr>
+          </a:p>
+        </p:txBody>
+      </p:sp>
+      <p:sp>
+        <p:nvSpPr>
+          <p:cNvPr id="9" name="TextBox 8">
+            <a:extLst>
+              <a:ext uri="{FF2B5EF4-FFF2-40B4-BE49-F238E27FC236}">
+                <a16:creationId xmlns:a16="http://schemas.microsoft.com/office/drawing/2014/main" id="{9E302502-9B51-487A-91EB-DD86817AF6F8}"/>
+              </a:ext>
+            </a:extLst>
+          </p:cNvPr>
+          <p:cNvSpPr txBox="1"/>
+          <p:nvPr/>
+        </p:nvSpPr>
+        <p:spPr>
+          <a:xfrm>
+            <a:off x="2380639" y="3130076"/>
+            <a:ext cx="7175266" cy="954107"/>
+          </a:xfrm>
+          <a:prstGeom prst="rect">
+            <a:avLst/>
+          </a:prstGeom>
+          <a:noFill/>
+        </p:spPr>
+        <p:txBody>
+          <a:bodyPr wrap="square" rtlCol="0">
+            <a:spAutoFit/>
+          </a:bodyPr>
+          <a:lstStyle/>
+          <a:p>
+            <a:pPr defTabSz="829544"/>
+            <a:r>
+              <a:rPr lang="ko-KR" altLang="en-US" sz="1400" dirty="0">
+                <a:solidFill>
+                  <a:srgbClr val="333333"/>
+                </a:solidFill>
+                <a:latin typeface="Apple SD Gothic Neo"/>
+              </a:rPr>
+              <a:t>라</a:t>
+            </a:r>
+            <a:r>
+              <a:rPr lang="ko-KR" altLang="en-US" sz="1400" b="0" i="0" dirty="0">
+                <a:solidFill>
+                  <a:srgbClr val="333333"/>
+                </a:solidFill>
+                <a:effectLst/>
+                <a:latin typeface="Apple SD Gothic Neo"/>
+              </a:rPr>
+              <a:t>이브러리와 </a:t>
+            </a:r>
+            <a:r>
+              <a:rPr lang="en-US" altLang="ko-KR" sz="1400" b="0" i="0" dirty="0">
+                <a:solidFill>
+                  <a:srgbClr val="333333"/>
+                </a:solidFill>
+                <a:effectLst/>
+                <a:latin typeface="Apple SD Gothic Neo"/>
+              </a:rPr>
+              <a:t>API</a:t>
+            </a:r>
+            <a:r>
+              <a:rPr lang="ko-KR" altLang="en-US" sz="1400" b="0" i="0" dirty="0">
+                <a:solidFill>
+                  <a:srgbClr val="333333"/>
+                </a:solidFill>
+                <a:effectLst/>
+                <a:latin typeface="Apple SD Gothic Neo"/>
+              </a:rPr>
+              <a:t>를 혼동하지 않도록 주의하자</a:t>
+            </a:r>
+            <a:r>
+              <a:rPr lang="en-US" altLang="ko-KR" sz="1400" b="0" i="0" dirty="0">
+                <a:solidFill>
+                  <a:srgbClr val="333333"/>
+                </a:solidFill>
+                <a:effectLst/>
+                <a:latin typeface="Apple SD Gothic Neo"/>
+              </a:rPr>
+              <a:t>! </a:t>
+            </a:r>
+            <a:r>
+              <a:rPr lang="ko-KR" altLang="en-US" sz="1400" b="0" i="0" dirty="0">
+                <a:solidFill>
+                  <a:srgbClr val="333333"/>
+                </a:solidFill>
+                <a:effectLst/>
+                <a:latin typeface="Apple SD Gothic Neo"/>
+              </a:rPr>
+              <a:t>실제 개발을 할 때는 여러 컴포넌트를 합쳐서 개발을 하게 되고</a:t>
+            </a:r>
+            <a:r>
+              <a:rPr lang="en-US" altLang="ko-KR" sz="1400" b="0" i="0" dirty="0">
+                <a:solidFill>
+                  <a:srgbClr val="333333"/>
+                </a:solidFill>
+                <a:effectLst/>
+                <a:latin typeface="Apple SD Gothic Neo"/>
+              </a:rPr>
+              <a:t>, </a:t>
+            </a:r>
+            <a:r>
+              <a:rPr lang="ko-KR" altLang="en-US" sz="1400" b="0" i="0" dirty="0">
+                <a:solidFill>
+                  <a:srgbClr val="333333"/>
+                </a:solidFill>
+                <a:effectLst/>
+                <a:latin typeface="Apple SD Gothic Neo"/>
+              </a:rPr>
+              <a:t>각각의 컴포넌트들은 </a:t>
+            </a:r>
+            <a:r>
+              <a:rPr lang="en-US" altLang="ko-KR" sz="1400" b="0" i="0" dirty="0">
+                <a:solidFill>
+                  <a:srgbClr val="333333"/>
+                </a:solidFill>
+                <a:effectLst/>
+                <a:latin typeface="Apple SD Gothic Neo"/>
+              </a:rPr>
+              <a:t>API</a:t>
+            </a:r>
+            <a:r>
+              <a:rPr lang="ko-KR" altLang="en-US" sz="1400" b="0" i="0" dirty="0">
+                <a:solidFill>
+                  <a:srgbClr val="333333"/>
+                </a:solidFill>
+                <a:effectLst/>
+                <a:latin typeface="Apple SD Gothic Neo"/>
+              </a:rPr>
+              <a:t>를 가지고 있습니다</a:t>
+            </a:r>
+            <a:r>
+              <a:rPr lang="en-US" altLang="ko-KR" sz="1400" b="0" i="0" dirty="0">
+                <a:solidFill>
+                  <a:srgbClr val="333333"/>
+                </a:solidFill>
+                <a:effectLst/>
+                <a:latin typeface="Apple SD Gothic Neo"/>
+              </a:rPr>
+              <a:t>. </a:t>
+            </a:r>
+            <a:r>
+              <a:rPr lang="ko-KR" altLang="en-US" sz="1400" b="0" i="0" dirty="0">
+                <a:solidFill>
+                  <a:srgbClr val="333333"/>
+                </a:solidFill>
+                <a:effectLst/>
+                <a:latin typeface="Apple SD Gothic Neo"/>
+              </a:rPr>
+              <a:t>이때 많은 컴포넌트들이 라이브러리의 형태로 제공되기 때문에 </a:t>
+            </a:r>
+            <a:r>
+              <a:rPr lang="en-US" altLang="ko-KR" sz="1400" b="0" i="0" dirty="0">
+                <a:solidFill>
+                  <a:srgbClr val="333333"/>
+                </a:solidFill>
+                <a:effectLst/>
+                <a:latin typeface="Apple SD Gothic Neo"/>
+              </a:rPr>
+              <a:t>API</a:t>
+            </a:r>
+            <a:r>
+              <a:rPr lang="ko-KR" altLang="en-US" sz="1400" b="0" i="0" dirty="0">
+                <a:solidFill>
+                  <a:srgbClr val="333333"/>
+                </a:solidFill>
+                <a:effectLst/>
+                <a:latin typeface="Apple SD Gothic Neo"/>
+              </a:rPr>
+              <a:t>와 라이브러리는 혼동할 수 있다</a:t>
+            </a:r>
+            <a:r>
+              <a:rPr lang="en-US" altLang="ko-KR" sz="1400" b="0" i="0" dirty="0">
+                <a:solidFill>
+                  <a:srgbClr val="333333"/>
+                </a:solidFill>
+                <a:effectLst/>
+                <a:latin typeface="Apple SD Gothic Neo"/>
+              </a:rPr>
+              <a:t>. </a:t>
+            </a:r>
+            <a:r>
+              <a:rPr lang="ko-KR" altLang="en-US" sz="1400" b="0" i="0" dirty="0">
+                <a:solidFill>
+                  <a:srgbClr val="333333"/>
+                </a:solidFill>
+                <a:effectLst/>
+                <a:latin typeface="Apple SD Gothic Neo"/>
+              </a:rPr>
+              <a:t>하지만</a:t>
+            </a:r>
+            <a:r>
+              <a:rPr lang="en-US" altLang="ko-KR" sz="1400" b="0" i="0" dirty="0">
+                <a:solidFill>
+                  <a:srgbClr val="333333"/>
+                </a:solidFill>
+                <a:effectLst/>
+                <a:latin typeface="Apple SD Gothic Neo"/>
+              </a:rPr>
+              <a:t>, </a:t>
+            </a:r>
+            <a:r>
+              <a:rPr lang="ko-KR" altLang="en-US" sz="1400" b="0" i="0" dirty="0">
+                <a:solidFill>
+                  <a:srgbClr val="333333"/>
+                </a:solidFill>
+                <a:effectLst/>
+                <a:latin typeface="Apple SD Gothic Neo"/>
+              </a:rPr>
+              <a:t>라이브러리는 컴포넌트 자체를 의미하고</a:t>
+            </a:r>
+            <a:r>
+              <a:rPr lang="en-US" altLang="ko-KR" sz="1400" b="0" i="0" dirty="0">
+                <a:solidFill>
+                  <a:srgbClr val="333333"/>
+                </a:solidFill>
+                <a:effectLst/>
+                <a:latin typeface="Apple SD Gothic Neo"/>
+              </a:rPr>
+              <a:t>, API</a:t>
+            </a:r>
+            <a:r>
+              <a:rPr lang="ko-KR" altLang="en-US" sz="1400" b="0" i="0" dirty="0">
+                <a:solidFill>
+                  <a:srgbClr val="333333"/>
+                </a:solidFill>
+                <a:effectLst/>
+                <a:latin typeface="Apple SD Gothic Neo"/>
+              </a:rPr>
+              <a:t>는 그 컴포넌트를 활용하기 위한 규약</a:t>
+            </a:r>
+            <a:r>
+              <a:rPr lang="ko-KR" altLang="en-US" sz="1400" dirty="0">
+                <a:solidFill>
+                  <a:srgbClr val="333333"/>
+                </a:solidFill>
+                <a:latin typeface="Apple SD Gothic Neo"/>
+              </a:rPr>
+              <a:t>을 의미</a:t>
+            </a:r>
+            <a:endParaRPr lang="ko-KR" altLang="en-US" sz="1400" b="0" i="0" dirty="0">
+              <a:solidFill>
+                <a:srgbClr val="333333"/>
+              </a:solidFill>
+              <a:effectLst/>
+              <a:latin typeface="Apple SD Gothic Neo"/>
+            </a:endParaRPr>
+          </a:p>
+        </p:txBody>
+      </p:sp>
+      <p:sp>
+        <p:nvSpPr>
+          <p:cNvPr id="10" name="TextBox 9">
+            <a:extLst>
+              <a:ext uri="{FF2B5EF4-FFF2-40B4-BE49-F238E27FC236}">
+                <a16:creationId xmlns:a16="http://schemas.microsoft.com/office/drawing/2014/main" id="{CC7CEF9C-5498-4CC5-80A6-072ECF6D25DD}"/>
+              </a:ext>
+            </a:extLst>
+          </p:cNvPr>
+          <p:cNvSpPr txBox="1"/>
+          <p:nvPr/>
+        </p:nvSpPr>
+        <p:spPr>
+          <a:xfrm>
+            <a:off x="2380639" y="4184519"/>
+            <a:ext cx="7175266" cy="1169551"/>
+          </a:xfrm>
+          <a:prstGeom prst="rect">
+            <a:avLst/>
+          </a:prstGeom>
+          <a:noFill/>
+        </p:spPr>
+        <p:txBody>
+          <a:bodyPr wrap="square" rtlCol="0">
+            <a:spAutoFit/>
+          </a:bodyPr>
+          <a:lstStyle/>
+          <a:p>
+            <a:pPr defTabSz="829544"/>
+            <a:r>
+              <a:rPr lang="en-US" altLang="ko-KR" sz="1400" b="1" dirty="0">
+                <a:solidFill>
+                  <a:srgbClr val="333333"/>
+                </a:solidFill>
+                <a:latin typeface="Apple SD Gothic Neo"/>
+              </a:rPr>
+              <a:t>API</a:t>
+            </a:r>
+            <a:r>
+              <a:rPr lang="ko-KR" altLang="en-US" sz="1400" dirty="0">
+                <a:solidFill>
+                  <a:srgbClr val="333333"/>
+                </a:solidFill>
+                <a:latin typeface="Apple SD Gothic Neo"/>
+              </a:rPr>
+              <a:t>는 소프트웨어 구성 요소</a:t>
+            </a:r>
+            <a:r>
+              <a:rPr lang="en-US" altLang="ko-KR" sz="1400" b="1" dirty="0">
+                <a:solidFill>
+                  <a:srgbClr val="333333"/>
+                </a:solidFill>
+                <a:latin typeface="Apple SD Gothic Neo"/>
+              </a:rPr>
+              <a:t>(</a:t>
+            </a:r>
+            <a:r>
+              <a:rPr lang="ko-KR" altLang="en-US" sz="1400" b="1" dirty="0">
+                <a:solidFill>
+                  <a:srgbClr val="333333"/>
+                </a:solidFill>
+                <a:latin typeface="Apple SD Gothic Neo"/>
+              </a:rPr>
+              <a:t>컴포넌트</a:t>
+            </a:r>
+            <a:r>
+              <a:rPr lang="en-US" altLang="ko-KR" sz="1400" b="1" dirty="0">
+                <a:solidFill>
+                  <a:srgbClr val="333333"/>
+                </a:solidFill>
+                <a:latin typeface="Apple SD Gothic Neo"/>
+              </a:rPr>
+              <a:t>)</a:t>
+            </a:r>
+            <a:r>
+              <a:rPr lang="ko-KR" altLang="en-US" sz="1400" b="1" dirty="0">
+                <a:solidFill>
+                  <a:srgbClr val="333333"/>
+                </a:solidFill>
+                <a:latin typeface="Apple SD Gothic Neo"/>
+              </a:rPr>
+              <a:t>와의 가능한 상호 작용 사양</a:t>
+            </a:r>
+            <a:r>
+              <a:rPr lang="ko-KR" altLang="en-US" sz="1400" dirty="0">
+                <a:solidFill>
+                  <a:srgbClr val="333333"/>
+                </a:solidFill>
+                <a:latin typeface="Apple SD Gothic Neo"/>
+              </a:rPr>
+              <a:t>으로 정의됩니다</a:t>
+            </a:r>
+            <a:r>
+              <a:rPr lang="en-US" altLang="ko-KR" sz="1400" dirty="0">
+                <a:solidFill>
+                  <a:srgbClr val="333333"/>
+                </a:solidFill>
+                <a:latin typeface="Apple SD Gothic Neo"/>
+              </a:rPr>
+              <a:t>. </a:t>
+            </a:r>
+            <a:r>
+              <a:rPr lang="ko-KR" altLang="en-US" sz="1400" dirty="0">
+                <a:solidFill>
+                  <a:srgbClr val="333333"/>
+                </a:solidFill>
+                <a:latin typeface="Apple SD Gothic Neo"/>
+              </a:rPr>
+              <a:t>예를 들어</a:t>
+            </a:r>
+            <a:r>
+              <a:rPr lang="en-US" altLang="ko-KR" sz="1400" dirty="0">
+                <a:solidFill>
+                  <a:srgbClr val="333333"/>
+                </a:solidFill>
+                <a:latin typeface="Apple SD Gothic Neo"/>
+              </a:rPr>
+              <a:t>, </a:t>
+            </a:r>
+            <a:r>
+              <a:rPr lang="ko-KR" altLang="en-US" sz="1400" dirty="0">
+                <a:solidFill>
+                  <a:srgbClr val="333333"/>
+                </a:solidFill>
+                <a:latin typeface="Apple SD Gothic Neo"/>
+              </a:rPr>
+              <a:t>자동차를 소프트웨어 구성요소</a:t>
+            </a:r>
+            <a:r>
+              <a:rPr lang="en-US" altLang="ko-KR" sz="1400" dirty="0">
+                <a:solidFill>
+                  <a:srgbClr val="333333"/>
+                </a:solidFill>
+                <a:latin typeface="Apple SD Gothic Neo"/>
+              </a:rPr>
+              <a:t>(</a:t>
+            </a:r>
+            <a:r>
+              <a:rPr lang="ko-KR" altLang="en-US" sz="1400" dirty="0">
+                <a:solidFill>
+                  <a:srgbClr val="333333"/>
+                </a:solidFill>
+                <a:latin typeface="Apple SD Gothic Neo"/>
+              </a:rPr>
+              <a:t>컴포넌트</a:t>
+            </a:r>
+            <a:r>
+              <a:rPr lang="en-US" altLang="ko-KR" sz="1400" dirty="0">
+                <a:solidFill>
+                  <a:srgbClr val="333333"/>
+                </a:solidFill>
+                <a:latin typeface="Apple SD Gothic Neo"/>
+              </a:rPr>
+              <a:t>)</a:t>
+            </a:r>
+            <a:r>
+              <a:rPr lang="ko-KR" altLang="en-US" sz="1400" dirty="0">
+                <a:solidFill>
+                  <a:srgbClr val="333333"/>
+                </a:solidFill>
+                <a:latin typeface="Apple SD Gothic Neo"/>
+              </a:rPr>
+              <a:t>라고 생각해봅시다</a:t>
+            </a:r>
+            <a:r>
+              <a:rPr lang="en-US" altLang="ko-KR" sz="1400" dirty="0">
+                <a:solidFill>
+                  <a:srgbClr val="333333"/>
+                </a:solidFill>
+                <a:latin typeface="Apple SD Gothic Neo"/>
+              </a:rPr>
+              <a:t>. </a:t>
+            </a:r>
+            <a:r>
+              <a:rPr lang="ko-KR" altLang="en-US" sz="1400" dirty="0">
+                <a:solidFill>
+                  <a:srgbClr val="333333"/>
+                </a:solidFill>
+                <a:latin typeface="Apple SD Gothic Neo"/>
+              </a:rPr>
+              <a:t>여기서 </a:t>
+            </a:r>
+            <a:r>
+              <a:rPr lang="en-US" altLang="ko-KR" sz="1400" dirty="0">
+                <a:solidFill>
+                  <a:srgbClr val="333333"/>
+                </a:solidFill>
+                <a:latin typeface="Apple SD Gothic Neo"/>
+              </a:rPr>
+              <a:t>API</a:t>
+            </a:r>
+            <a:r>
+              <a:rPr lang="ko-KR" altLang="en-US" sz="1400" dirty="0">
+                <a:solidFill>
+                  <a:srgbClr val="333333"/>
+                </a:solidFill>
+                <a:latin typeface="Apple SD Gothic Neo"/>
+              </a:rPr>
+              <a:t>는 자동차가 </a:t>
+            </a:r>
+            <a:r>
+              <a:rPr lang="en-US" altLang="ko-KR" sz="1400" dirty="0">
+                <a:solidFill>
+                  <a:srgbClr val="333333"/>
+                </a:solidFill>
+                <a:latin typeface="Apple SD Gothic Neo"/>
+              </a:rPr>
+              <a:t>'</a:t>
+            </a:r>
+            <a:r>
+              <a:rPr lang="ko-KR" altLang="en-US" sz="1400" dirty="0">
+                <a:solidFill>
+                  <a:srgbClr val="333333"/>
+                </a:solidFill>
+                <a:latin typeface="Apple SD Gothic Neo"/>
+              </a:rPr>
+              <a:t>할 수 있는 것</a:t>
+            </a:r>
+            <a:r>
+              <a:rPr lang="en-US" altLang="ko-KR" sz="1400" dirty="0">
+                <a:solidFill>
+                  <a:srgbClr val="333333"/>
+                </a:solidFill>
+                <a:latin typeface="Apple SD Gothic Neo"/>
+              </a:rPr>
+              <a:t>' (</a:t>
+            </a:r>
+            <a:r>
+              <a:rPr lang="ko-KR" altLang="en-US" sz="1400" dirty="0">
+                <a:solidFill>
+                  <a:srgbClr val="333333"/>
+                </a:solidFill>
+                <a:latin typeface="Apple SD Gothic Neo"/>
+              </a:rPr>
+              <a:t>가속</a:t>
+            </a:r>
+            <a:r>
+              <a:rPr lang="en-US" altLang="ko-KR" sz="1400" dirty="0">
+                <a:solidFill>
+                  <a:srgbClr val="333333"/>
+                </a:solidFill>
+                <a:latin typeface="Apple SD Gothic Neo"/>
+              </a:rPr>
+              <a:t>, </a:t>
+            </a:r>
+            <a:r>
+              <a:rPr lang="ko-KR" altLang="en-US" sz="1400" dirty="0">
+                <a:solidFill>
+                  <a:srgbClr val="333333"/>
+                </a:solidFill>
+                <a:latin typeface="Apple SD Gothic Neo"/>
+              </a:rPr>
+              <a:t>브레이크</a:t>
+            </a:r>
+            <a:r>
+              <a:rPr lang="en-US" altLang="ko-KR" sz="1400" dirty="0">
+                <a:solidFill>
+                  <a:srgbClr val="333333"/>
+                </a:solidFill>
+                <a:latin typeface="Apple SD Gothic Neo"/>
+              </a:rPr>
+              <a:t>, </a:t>
+            </a:r>
+            <a:r>
+              <a:rPr lang="ko-KR" altLang="en-US" sz="1400" dirty="0">
+                <a:solidFill>
+                  <a:srgbClr val="333333"/>
+                </a:solidFill>
+                <a:latin typeface="Apple SD Gothic Neo"/>
+              </a:rPr>
+              <a:t>라디오를 켜는 법 등</a:t>
+            </a:r>
+            <a:r>
+              <a:rPr lang="en-US" altLang="ko-KR" sz="1400" dirty="0">
+                <a:solidFill>
+                  <a:srgbClr val="333333"/>
+                </a:solidFill>
+                <a:latin typeface="Apple SD Gothic Neo"/>
+              </a:rPr>
+              <a:t>)</a:t>
+            </a:r>
+            <a:r>
+              <a:rPr lang="ko-KR" altLang="en-US" sz="1400" dirty="0">
+                <a:solidFill>
+                  <a:srgbClr val="333333"/>
+                </a:solidFill>
+                <a:latin typeface="Apple SD Gothic Neo"/>
+              </a:rPr>
+              <a:t>에 대한 정보를 포함할 수 있습니다</a:t>
+            </a:r>
+            <a:r>
+              <a:rPr lang="en-US" altLang="ko-KR" sz="1400" dirty="0">
+                <a:solidFill>
+                  <a:srgbClr val="333333"/>
+                </a:solidFill>
+                <a:latin typeface="Apple SD Gothic Neo"/>
+              </a:rPr>
+              <a:t>.  </a:t>
+            </a:r>
+            <a:r>
+              <a:rPr lang="ko-KR" altLang="en-US" sz="1400" dirty="0">
+                <a:solidFill>
+                  <a:srgbClr val="333333"/>
+                </a:solidFill>
+                <a:latin typeface="Apple SD Gothic Neo"/>
+              </a:rPr>
+              <a:t>또한 이러한 작업을 수행 할 수 있는 방법에 대한 정보도 포함됩니다</a:t>
+            </a:r>
+            <a:r>
+              <a:rPr lang="en-US" altLang="ko-KR" sz="1400" dirty="0">
+                <a:solidFill>
+                  <a:srgbClr val="333333"/>
+                </a:solidFill>
+                <a:latin typeface="Apple SD Gothic Neo"/>
+              </a:rPr>
+              <a:t>. </a:t>
+            </a:r>
+            <a:r>
+              <a:rPr lang="ko-KR" altLang="en-US" sz="1400" dirty="0">
+                <a:solidFill>
+                  <a:srgbClr val="333333"/>
+                </a:solidFill>
+                <a:latin typeface="Apple SD Gothic Neo"/>
+              </a:rPr>
+              <a:t>예를 들어</a:t>
+            </a:r>
+            <a:r>
+              <a:rPr lang="en-US" altLang="ko-KR" sz="1400" dirty="0">
+                <a:solidFill>
+                  <a:srgbClr val="333333"/>
+                </a:solidFill>
+                <a:latin typeface="Apple SD Gothic Neo"/>
+              </a:rPr>
+              <a:t>, </a:t>
+            </a:r>
+            <a:r>
+              <a:rPr lang="ko-KR" altLang="en-US" sz="1400" dirty="0">
+                <a:solidFill>
+                  <a:srgbClr val="333333"/>
+                </a:solidFill>
+                <a:latin typeface="Apple SD Gothic Neo"/>
+              </a:rPr>
+              <a:t>가속하기 위해서는</a:t>
+            </a:r>
+            <a:r>
+              <a:rPr lang="en-US" altLang="ko-KR" sz="1400" dirty="0">
+                <a:solidFill>
+                  <a:srgbClr val="333333"/>
+                </a:solidFill>
+                <a:latin typeface="Apple SD Gothic Neo"/>
+              </a:rPr>
+              <a:t>,  </a:t>
+            </a:r>
+            <a:r>
+              <a:rPr lang="ko-KR" altLang="en-US" sz="1400" dirty="0">
+                <a:solidFill>
+                  <a:srgbClr val="333333"/>
+                </a:solidFill>
+                <a:latin typeface="Apple SD Gothic Neo"/>
+              </a:rPr>
+              <a:t>당신은 당신의 발을 가스 페달에 두고 눌러야 합니다</a:t>
+            </a:r>
+            <a:r>
+              <a:rPr lang="en-US" altLang="ko-KR" sz="1400" dirty="0">
+                <a:solidFill>
+                  <a:srgbClr val="333333"/>
+                </a:solidFill>
+                <a:latin typeface="Apple SD Gothic Neo"/>
+              </a:rPr>
+              <a:t>. </a:t>
+            </a:r>
+            <a:endParaRPr lang="ko-KR" altLang="en-US" sz="1400" b="0" i="0" dirty="0">
+              <a:solidFill>
+                <a:srgbClr val="333333"/>
+              </a:solidFill>
+              <a:effectLst/>
+              <a:latin typeface="Apple SD Gothic Neo"/>
+            </a:endParaRPr>
+          </a:p>
+        </p:txBody>
+      </p:sp>
+    </p:spTree>
+    <p:extLst>
+      <p:ext uri="{BB962C8B-B14F-4D97-AF65-F5344CB8AC3E}">
+        <p14:creationId xmlns:p14="http://schemas.microsoft.com/office/powerpoint/2010/main" val="290676278"/>
+      </p:ext>
+    </p:extLst>
+  </p:cSld>
+  <p:clrMapOvr>
+    <a:masterClrMapping/>
+  </p:clrMapOvr>
+</p:sld>
+</file>
+
+<file path=ppt/slides/slide38.xml><?xml version="1.0" encoding="utf-8"?>
+<p:sld xmlns:a="http://schemas.openxmlformats.org/drawingml/2006/main" xmlns:r="http://schemas.openxmlformats.org/officeDocument/2006/relationships" xmlns:p="http://schemas.openxmlformats.org/presentationml/2006/main">
+  <p:cSld>
+    <p:spTree>
+      <p:nvGrpSpPr>
+        <p:cNvPr id="1" name=""/>
+        <p:cNvGrpSpPr/>
+        <p:nvPr/>
+      </p:nvGrpSpPr>
+      <p:grpSpPr>
+        <a:xfrm>
+          <a:off x="0" y="0"/>
+          <a:ext cx="0" cy="0"/>
+          <a:chOff x="0" y="0"/>
+          <a:chExt cx="0" cy="0"/>
+        </a:xfrm>
+      </p:grpSpPr>
+      <p:sp>
+        <p:nvSpPr>
+          <p:cNvPr id="2" name="TextBox 1"/>
+          <p:cNvSpPr txBox="1"/>
+          <p:nvPr/>
+        </p:nvSpPr>
+        <p:spPr>
+          <a:xfrm>
+            <a:off x="1539790" y="379466"/>
+            <a:ext cx="7773598" cy="400110"/>
+          </a:xfrm>
+          <a:prstGeom prst="rect">
+            <a:avLst/>
+          </a:prstGeom>
+          <a:noFill/>
+        </p:spPr>
+        <p:txBody>
+          <a:bodyPr wrap="square" rtlCol="0">
+            <a:spAutoFit/>
+          </a:bodyPr>
+          <a:lstStyle/>
+          <a:p>
+            <a:pPr marL="466618" indent="-466618" defTabSz="829544"/>
+            <a:r>
+              <a:rPr lang="en-US" altLang="ko-KR" sz="1814" dirty="0">
+                <a:solidFill>
+                  <a:prstClr val="black"/>
+                </a:solidFill>
+                <a:latin typeface="HY헤드라인M" pitchFamily="18" charset="-127"/>
+                <a:ea typeface="HY헤드라인M" pitchFamily="18" charset="-127"/>
+              </a:rPr>
+              <a:t>1. </a:t>
+            </a:r>
+            <a:r>
+              <a:rPr lang="ko-KR" altLang="en-US" sz="2000" dirty="0">
+                <a:solidFill>
+                  <a:prstClr val="black"/>
+                </a:solidFill>
+                <a:latin typeface="HY헤드라인M" pitchFamily="18" charset="-127"/>
+                <a:ea typeface="HY헤드라인M" pitchFamily="18" charset="-127"/>
+              </a:rPr>
+              <a:t>스프링 </a:t>
+            </a:r>
+            <a:r>
+              <a:rPr lang="ko-KR" altLang="en-US" sz="2000" dirty="0" err="1">
+                <a:solidFill>
+                  <a:prstClr val="black"/>
+                </a:solidFill>
+                <a:latin typeface="HY헤드라인M" pitchFamily="18" charset="-127"/>
+                <a:ea typeface="HY헤드라인M" pitchFamily="18" charset="-127"/>
+              </a:rPr>
+              <a:t>시큐리티</a:t>
+            </a:r>
+            <a:endParaRPr lang="en-US" altLang="ko-KR" sz="1814" dirty="0">
+              <a:solidFill>
+                <a:prstClr val="black"/>
+              </a:solidFill>
+              <a:latin typeface="HY헤드라인M" pitchFamily="18" charset="-127"/>
+              <a:ea typeface="HY헤드라인M" pitchFamily="18" charset="-127"/>
+            </a:endParaRPr>
+          </a:p>
+        </p:txBody>
+      </p:sp>
+      <p:sp>
+        <p:nvSpPr>
+          <p:cNvPr id="105" name="TextBox 104">
+            <a:extLst>
+              <a:ext uri="{FF2B5EF4-FFF2-40B4-BE49-F238E27FC236}">
+                <a16:creationId xmlns:a16="http://schemas.microsoft.com/office/drawing/2014/main" id="{9EB114C1-217D-4CB5-8A48-23F174F7A436}"/>
+              </a:ext>
+            </a:extLst>
+          </p:cNvPr>
+          <p:cNvSpPr txBox="1"/>
+          <p:nvPr/>
+        </p:nvSpPr>
+        <p:spPr>
+          <a:xfrm>
+            <a:off x="1814779" y="1037314"/>
+            <a:ext cx="8884475" cy="343620"/>
+          </a:xfrm>
+          <a:prstGeom prst="rect">
+            <a:avLst/>
+          </a:prstGeom>
+          <a:noFill/>
+        </p:spPr>
+        <p:txBody>
+          <a:bodyPr wrap="square" rtlCol="0">
+            <a:spAutoFit/>
+          </a:bodyPr>
+          <a:lstStyle/>
+          <a:p>
+            <a:pPr marL="466618" indent="-466618" defTabSz="829544"/>
+            <a:r>
+              <a:rPr lang="ko-KR" altLang="en-US" sz="1633" dirty="0">
+                <a:solidFill>
+                  <a:prstClr val="black"/>
+                </a:solidFill>
+                <a:latin typeface="HY헤드라인M" pitchFamily="18" charset="-127"/>
+                <a:ea typeface="HY헤드라인M" pitchFamily="18" charset="-127"/>
+              </a:rPr>
+              <a:t>라이브러리 </a:t>
+            </a:r>
+            <a:r>
+              <a:rPr lang="en-US" altLang="ko-KR" sz="1633" dirty="0">
+                <a:solidFill>
+                  <a:prstClr val="black"/>
+                </a:solidFill>
+                <a:latin typeface="HY헤드라인M" pitchFamily="18" charset="-127"/>
+                <a:ea typeface="HY헤드라인M" pitchFamily="18" charset="-127"/>
+              </a:rPr>
+              <a:t>vs </a:t>
+            </a:r>
+            <a:r>
+              <a:rPr lang="ko-KR" altLang="en-US" sz="1633" dirty="0">
+                <a:solidFill>
+                  <a:prstClr val="black"/>
+                </a:solidFill>
+                <a:latin typeface="HY헤드라인M" pitchFamily="18" charset="-127"/>
+                <a:ea typeface="HY헤드라인M" pitchFamily="18" charset="-127"/>
+              </a:rPr>
+              <a:t>프레임워크</a:t>
+            </a:r>
+            <a:endParaRPr lang="en-US" altLang="ko-KR" sz="1633" dirty="0">
+              <a:solidFill>
+                <a:prstClr val="black"/>
+              </a:solidFill>
+              <a:latin typeface="HY헤드라인M" pitchFamily="18" charset="-127"/>
+              <a:ea typeface="HY헤드라인M" pitchFamily="18" charset="-127"/>
+            </a:endParaRPr>
+          </a:p>
+        </p:txBody>
+      </p:sp>
+      <p:sp>
+        <p:nvSpPr>
+          <p:cNvPr id="76" name="TextBox 75">
+            <a:extLst>
+              <a:ext uri="{FF2B5EF4-FFF2-40B4-BE49-F238E27FC236}">
+                <a16:creationId xmlns:a16="http://schemas.microsoft.com/office/drawing/2014/main" id="{E4412F80-9545-46AC-8AE8-4F8DDDF04C16}"/>
+              </a:ext>
+            </a:extLst>
+          </p:cNvPr>
+          <p:cNvSpPr txBox="1"/>
+          <p:nvPr/>
+        </p:nvSpPr>
+        <p:spPr>
+          <a:xfrm>
+            <a:off x="2380639" y="2070839"/>
+            <a:ext cx="7175266" cy="2031325"/>
+          </a:xfrm>
+          <a:prstGeom prst="rect">
+            <a:avLst/>
+          </a:prstGeom>
+          <a:noFill/>
+        </p:spPr>
+        <p:txBody>
+          <a:bodyPr wrap="square" rtlCol="0">
+            <a:spAutoFit/>
+          </a:bodyPr>
+          <a:lstStyle/>
+          <a:p>
+            <a:pPr defTabSz="829544"/>
+            <a:r>
+              <a:rPr lang="ko-KR" altLang="en-US" sz="1400" b="0" i="0" dirty="0">
+                <a:solidFill>
+                  <a:srgbClr val="333333"/>
+                </a:solidFill>
+                <a:effectLst/>
+                <a:latin typeface="Apple SD Gothic Neo"/>
+              </a:rPr>
+              <a:t>차이점 </a:t>
+            </a:r>
+            <a:r>
+              <a:rPr lang="en-US" altLang="ko-KR" sz="1400" b="0" i="0" dirty="0">
+                <a:solidFill>
+                  <a:srgbClr val="333333"/>
+                </a:solidFill>
+                <a:effectLst/>
+                <a:latin typeface="Apple SD Gothic Neo"/>
+              </a:rPr>
+              <a:t>: </a:t>
+            </a:r>
+            <a:r>
+              <a:rPr lang="ko-KR" altLang="en-US" sz="1400" b="1" i="0" dirty="0">
+                <a:solidFill>
+                  <a:srgbClr val="333333"/>
+                </a:solidFill>
+                <a:effectLst/>
+                <a:latin typeface="Apple SD Gothic Neo"/>
+              </a:rPr>
+              <a:t>흐름</a:t>
+            </a:r>
+            <a:r>
+              <a:rPr lang="ko-KR" altLang="en-US" sz="1400" b="0" i="0" dirty="0">
+                <a:solidFill>
+                  <a:srgbClr val="333333"/>
+                </a:solidFill>
+                <a:effectLst/>
+                <a:latin typeface="Apple SD Gothic Neo"/>
+              </a:rPr>
+              <a:t>을 누가 가지고 있는가의 차이이다</a:t>
+            </a:r>
+            <a:r>
+              <a:rPr lang="en-US" altLang="ko-KR" sz="1400" b="0" i="0" dirty="0">
+                <a:solidFill>
+                  <a:srgbClr val="333333"/>
+                </a:solidFill>
+                <a:effectLst/>
+                <a:latin typeface="Apple SD Gothic Neo"/>
+              </a:rPr>
+              <a:t>. </a:t>
+            </a:r>
+            <a:r>
+              <a:rPr lang="ko-KR" altLang="en-US" sz="1400" b="0" i="0" dirty="0">
+                <a:solidFill>
+                  <a:srgbClr val="333333"/>
+                </a:solidFill>
+                <a:effectLst/>
+                <a:latin typeface="Apple SD Gothic Neo"/>
+              </a:rPr>
+              <a:t>프레임워크는 전체적인 흐름을 자체적으로 가지고 있어 프로그래머는 그 안에서 필요한 코드를 작성한다</a:t>
+            </a:r>
+            <a:r>
+              <a:rPr lang="en-US" altLang="ko-KR" sz="1400" b="0" i="0" dirty="0">
+                <a:solidFill>
+                  <a:srgbClr val="333333"/>
+                </a:solidFill>
+                <a:effectLst/>
+                <a:latin typeface="Apple SD Gothic Neo"/>
+              </a:rPr>
+              <a:t>. </a:t>
+            </a:r>
+            <a:r>
+              <a:rPr lang="ko-KR" altLang="en-US" sz="1400" b="0" i="0" dirty="0">
+                <a:solidFill>
+                  <a:srgbClr val="333333"/>
+                </a:solidFill>
+                <a:effectLst/>
+                <a:latin typeface="Apple SD Gothic Neo"/>
+              </a:rPr>
+              <a:t>반면에 라이브러리는 프로그래머가 전체적인 흐름을 가지고 있어 라이브러리를 자기가 원하는 기능을 구현하고 싶을 때 가져다 사용할 수 있다</a:t>
+            </a:r>
+            <a:r>
+              <a:rPr lang="en-US" altLang="ko-KR" sz="1400" b="0" i="0" dirty="0">
+                <a:solidFill>
+                  <a:srgbClr val="333333"/>
+                </a:solidFill>
+                <a:effectLst/>
+                <a:latin typeface="Apple SD Gothic Neo"/>
+              </a:rPr>
+              <a:t>. </a:t>
+            </a:r>
+            <a:r>
+              <a:rPr lang="ko-KR" altLang="en-US" sz="1400" b="0" i="0" dirty="0">
+                <a:solidFill>
+                  <a:srgbClr val="333333"/>
+                </a:solidFill>
+                <a:effectLst/>
+                <a:latin typeface="Apple SD Gothic Neo"/>
+              </a:rPr>
+              <a:t>프레임워크는 가져다 사용하는 개념보다는 프레임워크라는 특정 공간에 들어가서 사용한다는 느낌이 더 강하다</a:t>
+            </a:r>
+            <a:r>
+              <a:rPr lang="en-US" altLang="ko-KR" sz="1400" b="0" i="0" dirty="0">
+                <a:solidFill>
+                  <a:srgbClr val="333333"/>
+                </a:solidFill>
+                <a:effectLst/>
+                <a:latin typeface="Apple SD Gothic Neo"/>
+              </a:rPr>
+              <a:t>.</a:t>
+            </a:r>
+          </a:p>
+          <a:p>
+            <a:pPr defTabSz="829544"/>
+            <a:endParaRPr lang="en-US" altLang="ko-KR" sz="1400" dirty="0">
+              <a:solidFill>
+                <a:srgbClr val="333333"/>
+              </a:solidFill>
+              <a:latin typeface="Apple SD Gothic Neo"/>
+              <a:ea typeface="맑은 고딕" panose="020B0503020000020004" pitchFamily="50" charset="-127"/>
+            </a:endParaRPr>
+          </a:p>
+          <a:p>
+            <a:pPr defTabSz="829544"/>
+            <a:r>
+              <a:rPr lang="en-US" altLang="ko-KR" sz="1400" b="0" i="0" dirty="0">
+                <a:solidFill>
+                  <a:srgbClr val="333333"/>
+                </a:solidFill>
+                <a:effectLst/>
+                <a:latin typeface="Apple SD Gothic Neo"/>
+              </a:rPr>
+              <a:t>-&gt; </a:t>
+            </a:r>
+            <a:r>
+              <a:rPr lang="ko-KR" altLang="en-US" sz="1400" b="0" i="0" dirty="0">
+                <a:solidFill>
+                  <a:srgbClr val="333333"/>
+                </a:solidFill>
+                <a:effectLst/>
+                <a:latin typeface="Apple SD Gothic Neo"/>
+              </a:rPr>
+              <a:t>프레임워크는 제어의 역전 개념이 들어있는 것</a:t>
+            </a:r>
+            <a:r>
+              <a:rPr lang="en-US" altLang="ko-KR" sz="1400" b="0" i="0" dirty="0">
+                <a:solidFill>
+                  <a:srgbClr val="333333"/>
+                </a:solidFill>
+                <a:effectLst/>
+                <a:latin typeface="Apple SD Gothic Neo"/>
+              </a:rPr>
+              <a:t>. </a:t>
+            </a:r>
+            <a:r>
+              <a:rPr lang="ko-KR" altLang="en-US" sz="1400" b="0" i="0" dirty="0">
+                <a:solidFill>
+                  <a:srgbClr val="333333"/>
+                </a:solidFill>
+                <a:effectLst/>
+                <a:latin typeface="Apple SD Gothic Neo"/>
+              </a:rPr>
+              <a:t>즉</a:t>
+            </a:r>
+            <a:r>
+              <a:rPr lang="en-US" altLang="ko-KR" sz="1400" dirty="0">
+                <a:solidFill>
+                  <a:srgbClr val="333333"/>
+                </a:solidFill>
+                <a:latin typeface="Apple SD Gothic Neo"/>
+              </a:rPr>
+              <a:t>, </a:t>
+            </a:r>
+            <a:r>
+              <a:rPr lang="ko-KR" altLang="en-US" sz="1400" dirty="0">
+                <a:solidFill>
+                  <a:srgbClr val="333333"/>
+                </a:solidFill>
+                <a:latin typeface="Apple SD Gothic Neo"/>
+              </a:rPr>
+              <a:t>프레임워크는 제어권을 자체적으로 가지고 있어서 프로그래머가 그 안에서 사용하는 개념</a:t>
+            </a:r>
+            <a:r>
+              <a:rPr lang="en-US" altLang="ko-KR" sz="1400" dirty="0">
+                <a:solidFill>
+                  <a:srgbClr val="333333"/>
+                </a:solidFill>
+                <a:latin typeface="Apple SD Gothic Neo"/>
+              </a:rPr>
+              <a:t>. </a:t>
+            </a:r>
+            <a:r>
+              <a:rPr lang="ko-KR" altLang="en-US" sz="1400" dirty="0">
+                <a:solidFill>
+                  <a:srgbClr val="333333"/>
+                </a:solidFill>
+                <a:latin typeface="Apple SD Gothic Neo"/>
+              </a:rPr>
+              <a:t>라이브러리는 프로그래머에게 제어권이 있어서 라이브러리를 능동적으로 가져와서 사용함</a:t>
+            </a:r>
+            <a:endParaRPr lang="en-US" altLang="ko-KR" sz="1400" dirty="0">
+              <a:solidFill>
+                <a:srgbClr val="333333"/>
+              </a:solidFill>
+              <a:latin typeface="Apple SD Gothic Neo"/>
+              <a:ea typeface="맑은 고딕" panose="020B0503020000020004" pitchFamily="50" charset="-127"/>
+            </a:endParaRPr>
+          </a:p>
+        </p:txBody>
+      </p:sp>
+    </p:spTree>
+    <p:extLst>
+      <p:ext uri="{BB962C8B-B14F-4D97-AF65-F5344CB8AC3E}">
+        <p14:creationId xmlns:p14="http://schemas.microsoft.com/office/powerpoint/2010/main" val="1188007534"/>
+      </p:ext>
+    </p:extLst>
+  </p:cSld>
+  <p:clrMapOvr>
+    <a:masterClrMapping/>
+  </p:clrMapOvr>
+</p:sld>
+</file>
+
+<file path=ppt/slides/slide39.xml><?xml version="1.0" encoding="utf-8"?>
+<p:sld xmlns:a="http://schemas.openxmlformats.org/drawingml/2006/main" xmlns:r="http://schemas.openxmlformats.org/officeDocument/2006/relationships" xmlns:p="http://schemas.openxmlformats.org/presentationml/2006/main">
+  <p:cSld>
+    <p:spTree>
+      <p:nvGrpSpPr>
+        <p:cNvPr id="1" name=""/>
+        <p:cNvGrpSpPr/>
+        <p:nvPr/>
+      </p:nvGrpSpPr>
+      <p:grpSpPr>
+        <a:xfrm>
+          <a:off x="0" y="0"/>
+          <a:ext cx="0" cy="0"/>
+          <a:chOff x="0" y="0"/>
+          <a:chExt cx="0" cy="0"/>
+        </a:xfrm>
+      </p:grpSpPr>
+      <p:sp>
+        <p:nvSpPr>
+          <p:cNvPr id="2" name="TextBox 1"/>
+          <p:cNvSpPr txBox="1"/>
+          <p:nvPr/>
+        </p:nvSpPr>
+        <p:spPr>
+          <a:xfrm>
+            <a:off x="1539790" y="379466"/>
+            <a:ext cx="7773598" cy="400110"/>
+          </a:xfrm>
+          <a:prstGeom prst="rect">
+            <a:avLst/>
+          </a:prstGeom>
+          <a:noFill/>
+        </p:spPr>
+        <p:txBody>
+          <a:bodyPr wrap="square" rtlCol="0">
+            <a:spAutoFit/>
+          </a:bodyPr>
+          <a:lstStyle/>
+          <a:p>
+            <a:pPr marL="466618" indent="-466618" defTabSz="829544"/>
+            <a:r>
+              <a:rPr lang="en-US" altLang="ko-KR" sz="1814" dirty="0">
+                <a:solidFill>
+                  <a:prstClr val="black"/>
+                </a:solidFill>
+                <a:latin typeface="HY헤드라인M" pitchFamily="18" charset="-127"/>
+                <a:ea typeface="HY헤드라인M" pitchFamily="18" charset="-127"/>
+              </a:rPr>
+              <a:t>1. </a:t>
+            </a:r>
+            <a:r>
+              <a:rPr lang="ko-KR" altLang="en-US" sz="2000" dirty="0">
+                <a:solidFill>
+                  <a:prstClr val="black"/>
+                </a:solidFill>
+                <a:latin typeface="HY헤드라인M" pitchFamily="18" charset="-127"/>
+                <a:ea typeface="HY헤드라인M" pitchFamily="18" charset="-127"/>
+              </a:rPr>
+              <a:t>스프링 </a:t>
+            </a:r>
+            <a:r>
+              <a:rPr lang="ko-KR" altLang="en-US" sz="2000" dirty="0" err="1">
+                <a:solidFill>
+                  <a:prstClr val="black"/>
+                </a:solidFill>
+                <a:latin typeface="HY헤드라인M" pitchFamily="18" charset="-127"/>
+                <a:ea typeface="HY헤드라인M" pitchFamily="18" charset="-127"/>
+              </a:rPr>
+              <a:t>시큐리티</a:t>
+            </a:r>
+            <a:endParaRPr lang="en-US" altLang="ko-KR" sz="1814" dirty="0">
+              <a:solidFill>
+                <a:prstClr val="black"/>
+              </a:solidFill>
+              <a:latin typeface="HY헤드라인M" pitchFamily="18" charset="-127"/>
+              <a:ea typeface="HY헤드라인M" pitchFamily="18" charset="-127"/>
+            </a:endParaRPr>
+          </a:p>
+        </p:txBody>
+      </p:sp>
+      <p:sp>
+        <p:nvSpPr>
+          <p:cNvPr id="105" name="TextBox 104">
+            <a:extLst>
+              <a:ext uri="{FF2B5EF4-FFF2-40B4-BE49-F238E27FC236}">
+                <a16:creationId xmlns:a16="http://schemas.microsoft.com/office/drawing/2014/main" id="{9EB114C1-217D-4CB5-8A48-23F174F7A436}"/>
+              </a:ext>
+            </a:extLst>
+          </p:cNvPr>
+          <p:cNvSpPr txBox="1"/>
+          <p:nvPr/>
+        </p:nvSpPr>
+        <p:spPr>
+          <a:xfrm>
+            <a:off x="1814779" y="1037314"/>
+            <a:ext cx="8884475" cy="343620"/>
+          </a:xfrm>
+          <a:prstGeom prst="rect">
+            <a:avLst/>
+          </a:prstGeom>
+          <a:noFill/>
+        </p:spPr>
+        <p:txBody>
+          <a:bodyPr wrap="square" rtlCol="0">
+            <a:spAutoFit/>
+          </a:bodyPr>
+          <a:lstStyle/>
+          <a:p>
+            <a:pPr marL="466618" indent="-466618" defTabSz="829544"/>
+            <a:r>
+              <a:rPr lang="en-US" altLang="ko-KR" sz="1633" dirty="0" err="1">
+                <a:solidFill>
+                  <a:prstClr val="black"/>
+                </a:solidFill>
+                <a:latin typeface="HY헤드라인M" pitchFamily="18" charset="-127"/>
+                <a:ea typeface="HY헤드라인M" pitchFamily="18" charset="-127"/>
+              </a:rPr>
+              <a:t>HttpSession</a:t>
+            </a:r>
+            <a:endParaRPr lang="en-US" altLang="ko-KR" sz="1633" dirty="0">
+              <a:solidFill>
+                <a:prstClr val="black"/>
+              </a:solidFill>
+              <a:latin typeface="HY헤드라인M" pitchFamily="18" charset="-127"/>
+              <a:ea typeface="HY헤드라인M" pitchFamily="18" charset="-127"/>
+            </a:endParaRPr>
+          </a:p>
+        </p:txBody>
+      </p:sp>
+      <p:sp>
+        <p:nvSpPr>
+          <p:cNvPr id="76" name="TextBox 75">
+            <a:extLst>
+              <a:ext uri="{FF2B5EF4-FFF2-40B4-BE49-F238E27FC236}">
+                <a16:creationId xmlns:a16="http://schemas.microsoft.com/office/drawing/2014/main" id="{E4412F80-9545-46AC-8AE8-4F8DDDF04C16}"/>
+              </a:ext>
+            </a:extLst>
+          </p:cNvPr>
+          <p:cNvSpPr txBox="1"/>
+          <p:nvPr/>
+        </p:nvSpPr>
+        <p:spPr>
+          <a:xfrm>
+            <a:off x="2380639" y="2070839"/>
+            <a:ext cx="7175266" cy="954107"/>
+          </a:xfrm>
+          <a:prstGeom prst="rect">
+            <a:avLst/>
+          </a:prstGeom>
+          <a:noFill/>
+        </p:spPr>
+        <p:txBody>
+          <a:bodyPr wrap="square" rtlCol="0">
+            <a:spAutoFit/>
+          </a:bodyPr>
+          <a:lstStyle/>
+          <a:p>
+            <a:pPr defTabSz="829544"/>
+            <a:r>
+              <a:rPr lang="en-US" altLang="ko-KR" sz="1400" b="0" i="0" dirty="0" err="1">
+                <a:solidFill>
+                  <a:srgbClr val="333333"/>
+                </a:solidFill>
+                <a:effectLst/>
+                <a:latin typeface="Apple SD Gothic Neo"/>
+              </a:rPr>
+              <a:t>HttpSession's</a:t>
+            </a:r>
+            <a:r>
+              <a:rPr lang="en-US" altLang="ko-KR" sz="1400" b="0" i="0" dirty="0">
+                <a:solidFill>
+                  <a:srgbClr val="333333"/>
+                </a:solidFill>
+                <a:effectLst/>
+                <a:latin typeface="Apple SD Gothic Neo"/>
+              </a:rPr>
+              <a:t> </a:t>
+            </a:r>
+            <a:r>
+              <a:rPr lang="en-US" altLang="ko-KR" sz="1400" b="0" i="0" dirty="0" err="1">
+                <a:solidFill>
+                  <a:srgbClr val="333333"/>
+                </a:solidFill>
+                <a:effectLst/>
+                <a:latin typeface="Apple SD Gothic Neo"/>
+              </a:rPr>
+              <a:t>setAttribute</a:t>
+            </a:r>
+            <a:r>
+              <a:rPr lang="en-US" altLang="ko-KR" sz="1400" b="0" i="0" dirty="0">
+                <a:solidFill>
+                  <a:srgbClr val="333333"/>
+                </a:solidFill>
+                <a:effectLst/>
+                <a:latin typeface="Apple SD Gothic Neo"/>
+              </a:rPr>
+              <a:t>("Key", Value)</a:t>
+            </a:r>
+          </a:p>
+          <a:p>
+            <a:pPr defTabSz="829544"/>
+            <a:r>
+              <a:rPr lang="en-US" altLang="ko-KR" sz="1400" b="0" i="0" dirty="0">
+                <a:solidFill>
+                  <a:srgbClr val="333333"/>
+                </a:solidFill>
+                <a:effectLst/>
+                <a:latin typeface="Apple SD Gothic Neo"/>
+              </a:rPr>
+              <a:t>"Key"</a:t>
+            </a:r>
+            <a:r>
+              <a:rPr lang="ko-KR" altLang="en-US" sz="1400" b="0" i="0" dirty="0">
+                <a:solidFill>
+                  <a:srgbClr val="333333"/>
+                </a:solidFill>
+                <a:effectLst/>
+                <a:latin typeface="Apple SD Gothic Neo"/>
+              </a:rPr>
+              <a:t>를 사용하여 객체를 세션에 바인딩한다</a:t>
+            </a:r>
+            <a:r>
+              <a:rPr lang="en-US" altLang="ko-KR" sz="1400" b="0" i="0" dirty="0">
+                <a:solidFill>
+                  <a:srgbClr val="333333"/>
+                </a:solidFill>
+                <a:effectLst/>
+                <a:latin typeface="Apple SD Gothic Neo"/>
+              </a:rPr>
+              <a:t>.</a:t>
+            </a:r>
+          </a:p>
+          <a:p>
+            <a:pPr defTabSz="829544"/>
+            <a:r>
+              <a:rPr lang="en-US" altLang="ko-KR" sz="1400" b="0" i="0" dirty="0">
+                <a:solidFill>
+                  <a:srgbClr val="333333"/>
+                </a:solidFill>
+                <a:effectLst/>
+                <a:latin typeface="Apple SD Gothic Neo"/>
+              </a:rPr>
+              <a:t>Value</a:t>
+            </a:r>
+            <a:r>
+              <a:rPr lang="ko-KR" altLang="en-US" sz="1400" b="0" i="0" dirty="0">
+                <a:solidFill>
+                  <a:srgbClr val="333333"/>
+                </a:solidFill>
+                <a:effectLst/>
+                <a:latin typeface="Apple SD Gothic Neo"/>
+              </a:rPr>
+              <a:t>는 값으로 들어올 자료형을 예측할 수 없기에 </a:t>
+            </a:r>
+            <a:r>
+              <a:rPr lang="en-US" altLang="ko-KR" sz="1400" b="0" i="0" dirty="0">
+                <a:solidFill>
+                  <a:srgbClr val="333333"/>
+                </a:solidFill>
+                <a:effectLst/>
+                <a:latin typeface="Apple SD Gothic Neo"/>
+              </a:rPr>
+              <a:t>Object</a:t>
+            </a:r>
+            <a:r>
+              <a:rPr lang="ko-KR" altLang="en-US" sz="1400" b="0" i="0" dirty="0">
+                <a:solidFill>
+                  <a:srgbClr val="333333"/>
+                </a:solidFill>
+                <a:effectLst/>
+                <a:latin typeface="Apple SD Gothic Neo"/>
+              </a:rPr>
+              <a:t>형으로 </a:t>
+            </a:r>
+            <a:r>
+              <a:rPr lang="ko-KR" altLang="en-US" sz="1400" b="0" i="0" dirty="0" err="1">
+                <a:solidFill>
+                  <a:srgbClr val="333333"/>
+                </a:solidFill>
+                <a:effectLst/>
+                <a:latin typeface="Apple SD Gothic Neo"/>
+              </a:rPr>
+              <a:t>업캐스팅하여</a:t>
+            </a:r>
+            <a:r>
+              <a:rPr lang="ko-KR" altLang="en-US" sz="1400" b="0" i="0" dirty="0">
+                <a:solidFill>
+                  <a:srgbClr val="333333"/>
+                </a:solidFill>
+                <a:effectLst/>
+                <a:latin typeface="Apple SD Gothic Neo"/>
+              </a:rPr>
+              <a:t> 모두 받아낸다</a:t>
+            </a:r>
+            <a:r>
+              <a:rPr lang="en-US" altLang="ko-KR" sz="1400" b="0" i="0" dirty="0">
+                <a:solidFill>
+                  <a:srgbClr val="333333"/>
+                </a:solidFill>
+                <a:effectLst/>
+                <a:latin typeface="Apple SD Gothic Neo"/>
+              </a:rPr>
+              <a:t>.</a:t>
+            </a:r>
+            <a:endParaRPr lang="en-US" altLang="ko-KR" sz="1400" dirty="0">
+              <a:solidFill>
+                <a:srgbClr val="333333"/>
+              </a:solidFill>
+              <a:latin typeface="Apple SD Gothic Neo"/>
+              <a:ea typeface="맑은 고딕" panose="020B0503020000020004" pitchFamily="50" charset="-127"/>
+            </a:endParaRPr>
+          </a:p>
+        </p:txBody>
+      </p:sp>
+    </p:spTree>
+    <p:extLst>
+      <p:ext uri="{BB962C8B-B14F-4D97-AF65-F5344CB8AC3E}">
+        <p14:creationId xmlns:p14="http://schemas.microsoft.com/office/powerpoint/2010/main" val="551868895"/>
+      </p:ext>
+    </p:extLst>
+  </p:cSld>
+  <p:clrMapOvr>
+    <a:masterClrMapping/>
+  </p:clrMapOvr>
+</p:sld>
+</file>
+
 <file path=ppt/slides/slide4.xml><?xml version="1.0" encoding="utf-8"?>
 <p:sld xmlns:a="http://schemas.openxmlformats.org/drawingml/2006/main" xmlns:r="http://schemas.openxmlformats.org/officeDocument/2006/relationships" xmlns:p="http://schemas.openxmlformats.org/presentationml/2006/main">
   <p:cSld>
@@ -24766,6 +31217,1693 @@
     <p:extLst>
       <p:ext uri="{BB962C8B-B14F-4D97-AF65-F5344CB8AC3E}">
         <p14:creationId xmlns:p14="http://schemas.microsoft.com/office/powerpoint/2010/main" val="526335048"/>
+      </p:ext>
+    </p:extLst>
+  </p:cSld>
+  <p:clrMapOvr>
+    <a:masterClrMapping/>
+  </p:clrMapOvr>
+</p:sld>
+</file>
+
+<file path=ppt/slides/slide40.xml><?xml version="1.0" encoding="utf-8"?>
+<p:sld xmlns:a="http://schemas.openxmlformats.org/drawingml/2006/main" xmlns:r="http://schemas.openxmlformats.org/officeDocument/2006/relationships" xmlns:p="http://schemas.openxmlformats.org/presentationml/2006/main">
+  <p:cSld>
+    <p:spTree>
+      <p:nvGrpSpPr>
+        <p:cNvPr id="1" name=""/>
+        <p:cNvGrpSpPr/>
+        <p:nvPr/>
+      </p:nvGrpSpPr>
+      <p:grpSpPr>
+        <a:xfrm>
+          <a:off x="0" y="0"/>
+          <a:ext cx="0" cy="0"/>
+          <a:chOff x="0" y="0"/>
+          <a:chExt cx="0" cy="0"/>
+        </a:xfrm>
+      </p:grpSpPr>
+      <p:sp>
+        <p:nvSpPr>
+          <p:cNvPr id="2" name="TextBox 1"/>
+          <p:cNvSpPr txBox="1"/>
+          <p:nvPr/>
+        </p:nvSpPr>
+        <p:spPr>
+          <a:xfrm>
+            <a:off x="1539790" y="379466"/>
+            <a:ext cx="7773598" cy="400110"/>
+          </a:xfrm>
+          <a:prstGeom prst="rect">
+            <a:avLst/>
+          </a:prstGeom>
+          <a:noFill/>
+        </p:spPr>
+        <p:txBody>
+          <a:bodyPr wrap="square" rtlCol="0">
+            <a:spAutoFit/>
+          </a:bodyPr>
+          <a:lstStyle/>
+          <a:p>
+            <a:pPr marL="466618" indent="-466618" defTabSz="829544"/>
+            <a:r>
+              <a:rPr lang="en-US" altLang="ko-KR" sz="1814" dirty="0">
+                <a:solidFill>
+                  <a:prstClr val="black"/>
+                </a:solidFill>
+                <a:latin typeface="HY헤드라인M" pitchFamily="18" charset="-127"/>
+                <a:ea typeface="HY헤드라인M" pitchFamily="18" charset="-127"/>
+              </a:rPr>
+              <a:t>1. </a:t>
+            </a:r>
+            <a:r>
+              <a:rPr lang="ko-KR" altLang="en-US" sz="2000" dirty="0">
+                <a:solidFill>
+                  <a:prstClr val="black"/>
+                </a:solidFill>
+                <a:latin typeface="HY헤드라인M" pitchFamily="18" charset="-127"/>
+                <a:ea typeface="HY헤드라인M" pitchFamily="18" charset="-127"/>
+              </a:rPr>
+              <a:t>스프링 </a:t>
+            </a:r>
+            <a:r>
+              <a:rPr lang="ko-KR" altLang="en-US" sz="2000" dirty="0" err="1">
+                <a:solidFill>
+                  <a:prstClr val="black"/>
+                </a:solidFill>
+                <a:latin typeface="HY헤드라인M" pitchFamily="18" charset="-127"/>
+                <a:ea typeface="HY헤드라인M" pitchFamily="18" charset="-127"/>
+              </a:rPr>
+              <a:t>시큐리티</a:t>
+            </a:r>
+            <a:endParaRPr lang="en-US" altLang="ko-KR" sz="1814" dirty="0">
+              <a:solidFill>
+                <a:prstClr val="black"/>
+              </a:solidFill>
+              <a:latin typeface="HY헤드라인M" pitchFamily="18" charset="-127"/>
+              <a:ea typeface="HY헤드라인M" pitchFamily="18" charset="-127"/>
+            </a:endParaRPr>
+          </a:p>
+        </p:txBody>
+      </p:sp>
+      <p:sp>
+        <p:nvSpPr>
+          <p:cNvPr id="105" name="TextBox 104">
+            <a:extLst>
+              <a:ext uri="{FF2B5EF4-FFF2-40B4-BE49-F238E27FC236}">
+                <a16:creationId xmlns:a16="http://schemas.microsoft.com/office/drawing/2014/main" id="{9EB114C1-217D-4CB5-8A48-23F174F7A436}"/>
+              </a:ext>
+            </a:extLst>
+          </p:cNvPr>
+          <p:cNvSpPr txBox="1"/>
+          <p:nvPr/>
+        </p:nvSpPr>
+        <p:spPr>
+          <a:xfrm>
+            <a:off x="1814779" y="1037314"/>
+            <a:ext cx="8884475" cy="343620"/>
+          </a:xfrm>
+          <a:prstGeom prst="rect">
+            <a:avLst/>
+          </a:prstGeom>
+          <a:noFill/>
+        </p:spPr>
+        <p:txBody>
+          <a:bodyPr wrap="square" rtlCol="0">
+            <a:spAutoFit/>
+          </a:bodyPr>
+          <a:lstStyle/>
+          <a:p>
+            <a:pPr marL="466618" indent="-466618" defTabSz="829544"/>
+            <a:r>
+              <a:rPr lang="en-US" altLang="ko-KR" sz="1633" dirty="0">
+                <a:solidFill>
+                  <a:prstClr val="black"/>
+                </a:solidFill>
+                <a:latin typeface="HY헤드라인M" pitchFamily="18" charset="-127"/>
+                <a:ea typeface="HY헤드라인M" pitchFamily="18" charset="-127"/>
+              </a:rPr>
+              <a:t>Model </a:t>
+            </a:r>
+            <a:r>
+              <a:rPr lang="ko-KR" altLang="en-US" sz="1633" dirty="0">
+                <a:solidFill>
+                  <a:prstClr val="black"/>
+                </a:solidFill>
+                <a:latin typeface="HY헤드라인M" pitchFamily="18" charset="-127"/>
+                <a:ea typeface="HY헤드라인M" pitchFamily="18" charset="-127"/>
+              </a:rPr>
+              <a:t>객체</a:t>
+            </a:r>
+            <a:endParaRPr lang="en-US" altLang="ko-KR" sz="1633" dirty="0">
+              <a:solidFill>
+                <a:prstClr val="black"/>
+              </a:solidFill>
+              <a:latin typeface="HY헤드라인M" pitchFamily="18" charset="-127"/>
+              <a:ea typeface="HY헤드라인M" pitchFamily="18" charset="-127"/>
+            </a:endParaRPr>
+          </a:p>
+        </p:txBody>
+      </p:sp>
+      <p:sp>
+        <p:nvSpPr>
+          <p:cNvPr id="76" name="TextBox 75">
+            <a:extLst>
+              <a:ext uri="{FF2B5EF4-FFF2-40B4-BE49-F238E27FC236}">
+                <a16:creationId xmlns:a16="http://schemas.microsoft.com/office/drawing/2014/main" id="{E4412F80-9545-46AC-8AE8-4F8DDDF04C16}"/>
+              </a:ext>
+            </a:extLst>
+          </p:cNvPr>
+          <p:cNvSpPr txBox="1"/>
+          <p:nvPr/>
+        </p:nvSpPr>
+        <p:spPr>
+          <a:xfrm>
+            <a:off x="2380639" y="2070839"/>
+            <a:ext cx="7175266" cy="307777"/>
+          </a:xfrm>
+          <a:prstGeom prst="rect">
+            <a:avLst/>
+          </a:prstGeom>
+          <a:noFill/>
+        </p:spPr>
+        <p:txBody>
+          <a:bodyPr wrap="square" rtlCol="0">
+            <a:spAutoFit/>
+          </a:bodyPr>
+          <a:lstStyle/>
+          <a:p>
+            <a:pPr defTabSz="829544"/>
+            <a:r>
+              <a:rPr lang="en-US" altLang="ko-KR" sz="1400" dirty="0">
+                <a:solidFill>
+                  <a:srgbClr val="333333"/>
+                </a:solidFill>
+                <a:latin typeface="Apple SD Gothic Neo"/>
+                <a:ea typeface="맑은 고딕" panose="020B0503020000020004" pitchFamily="50" charset="-127"/>
+              </a:rPr>
+              <a:t>View</a:t>
+            </a:r>
+            <a:r>
+              <a:rPr lang="ko-KR" altLang="en-US" sz="1400" dirty="0">
+                <a:solidFill>
+                  <a:srgbClr val="333333"/>
+                </a:solidFill>
+                <a:latin typeface="Apple SD Gothic Neo"/>
+                <a:ea typeface="맑은 고딕" panose="020B0503020000020004" pitchFamily="50" charset="-127"/>
+              </a:rPr>
+              <a:t>에 데이터를 전달 할 때 사용</a:t>
+            </a:r>
+            <a:endParaRPr lang="en-US" altLang="ko-KR" sz="1400" dirty="0">
+              <a:solidFill>
+                <a:srgbClr val="333333"/>
+              </a:solidFill>
+              <a:latin typeface="Apple SD Gothic Neo"/>
+              <a:ea typeface="맑은 고딕" panose="020B0503020000020004" pitchFamily="50" charset="-127"/>
+            </a:endParaRPr>
+          </a:p>
+        </p:txBody>
+      </p:sp>
+    </p:spTree>
+    <p:extLst>
+      <p:ext uri="{BB962C8B-B14F-4D97-AF65-F5344CB8AC3E}">
+        <p14:creationId xmlns:p14="http://schemas.microsoft.com/office/powerpoint/2010/main" val="2346470529"/>
+      </p:ext>
+    </p:extLst>
+  </p:cSld>
+  <p:clrMapOvr>
+    <a:masterClrMapping/>
+  </p:clrMapOvr>
+</p:sld>
+</file>
+
+<file path=ppt/slides/slide41.xml><?xml version="1.0" encoding="utf-8"?>
+<p:sld xmlns:a="http://schemas.openxmlformats.org/drawingml/2006/main" xmlns:r="http://schemas.openxmlformats.org/officeDocument/2006/relationships" xmlns:p="http://schemas.openxmlformats.org/presentationml/2006/main">
+  <p:cSld>
+    <p:spTree>
+      <p:nvGrpSpPr>
+        <p:cNvPr id="1" name=""/>
+        <p:cNvGrpSpPr/>
+        <p:nvPr/>
+      </p:nvGrpSpPr>
+      <p:grpSpPr>
+        <a:xfrm>
+          <a:off x="0" y="0"/>
+          <a:ext cx="0" cy="0"/>
+          <a:chOff x="0" y="0"/>
+          <a:chExt cx="0" cy="0"/>
+        </a:xfrm>
+      </p:grpSpPr>
+      <p:sp>
+        <p:nvSpPr>
+          <p:cNvPr id="2" name="TextBox 1"/>
+          <p:cNvSpPr txBox="1"/>
+          <p:nvPr/>
+        </p:nvSpPr>
+        <p:spPr>
+          <a:xfrm>
+            <a:off x="1539790" y="379466"/>
+            <a:ext cx="7773598" cy="400110"/>
+          </a:xfrm>
+          <a:prstGeom prst="rect">
+            <a:avLst/>
+          </a:prstGeom>
+          <a:noFill/>
+        </p:spPr>
+        <p:txBody>
+          <a:bodyPr wrap="square" rtlCol="0">
+            <a:spAutoFit/>
+          </a:bodyPr>
+          <a:lstStyle/>
+          <a:p>
+            <a:pPr marL="466618" indent="-466618" defTabSz="829544"/>
+            <a:r>
+              <a:rPr lang="en-US" altLang="ko-KR" sz="1814" dirty="0">
+                <a:solidFill>
+                  <a:prstClr val="black"/>
+                </a:solidFill>
+                <a:latin typeface="HY헤드라인M" pitchFamily="18" charset="-127"/>
+                <a:ea typeface="HY헤드라인M" pitchFamily="18" charset="-127"/>
+              </a:rPr>
+              <a:t>1. </a:t>
+            </a:r>
+            <a:r>
+              <a:rPr lang="ko-KR" altLang="en-US" sz="2000" dirty="0">
+                <a:solidFill>
+                  <a:prstClr val="black"/>
+                </a:solidFill>
+                <a:latin typeface="HY헤드라인M" pitchFamily="18" charset="-127"/>
+                <a:ea typeface="HY헤드라인M" pitchFamily="18" charset="-127"/>
+              </a:rPr>
+              <a:t>스프링 </a:t>
+            </a:r>
+            <a:r>
+              <a:rPr lang="ko-KR" altLang="en-US" sz="2000" dirty="0" err="1">
+                <a:solidFill>
+                  <a:prstClr val="black"/>
+                </a:solidFill>
+                <a:latin typeface="HY헤드라인M" pitchFamily="18" charset="-127"/>
+                <a:ea typeface="HY헤드라인M" pitchFamily="18" charset="-127"/>
+              </a:rPr>
+              <a:t>시큐리티</a:t>
+            </a:r>
+            <a:endParaRPr lang="en-US" altLang="ko-KR" sz="1814" dirty="0">
+              <a:solidFill>
+                <a:prstClr val="black"/>
+              </a:solidFill>
+              <a:latin typeface="HY헤드라인M" pitchFamily="18" charset="-127"/>
+              <a:ea typeface="HY헤드라인M" pitchFamily="18" charset="-127"/>
+            </a:endParaRPr>
+          </a:p>
+        </p:txBody>
+      </p:sp>
+      <p:sp>
+        <p:nvSpPr>
+          <p:cNvPr id="105" name="TextBox 104">
+            <a:extLst>
+              <a:ext uri="{FF2B5EF4-FFF2-40B4-BE49-F238E27FC236}">
+                <a16:creationId xmlns:a16="http://schemas.microsoft.com/office/drawing/2014/main" id="{9EB114C1-217D-4CB5-8A48-23F174F7A436}"/>
+              </a:ext>
+            </a:extLst>
+          </p:cNvPr>
+          <p:cNvSpPr txBox="1"/>
+          <p:nvPr/>
+        </p:nvSpPr>
+        <p:spPr>
+          <a:xfrm>
+            <a:off x="1814779" y="1037314"/>
+            <a:ext cx="8884475" cy="343620"/>
+          </a:xfrm>
+          <a:prstGeom prst="rect">
+            <a:avLst/>
+          </a:prstGeom>
+          <a:noFill/>
+        </p:spPr>
+        <p:txBody>
+          <a:bodyPr wrap="square" rtlCol="0">
+            <a:spAutoFit/>
+          </a:bodyPr>
+          <a:lstStyle/>
+          <a:p>
+            <a:pPr marL="466618" indent="-466618" defTabSz="829544"/>
+            <a:r>
+              <a:rPr lang="en-US" altLang="ko-KR" sz="1633" dirty="0">
+                <a:solidFill>
+                  <a:prstClr val="black"/>
+                </a:solidFill>
+                <a:latin typeface="HY헤드라인M" pitchFamily="18" charset="-127"/>
+                <a:ea typeface="HY헤드라인M" pitchFamily="18" charset="-127"/>
+              </a:rPr>
+              <a:t>URL </a:t>
+            </a:r>
+            <a:r>
+              <a:rPr lang="ko-KR" altLang="en-US" sz="1633" dirty="0">
+                <a:solidFill>
+                  <a:prstClr val="black"/>
+                </a:solidFill>
+                <a:latin typeface="HY헤드라인M" pitchFamily="18" charset="-127"/>
+                <a:ea typeface="HY헤드라인M" pitchFamily="18" charset="-127"/>
+              </a:rPr>
+              <a:t>구조</a:t>
+            </a:r>
+            <a:endParaRPr lang="en-US" altLang="ko-KR" sz="1633" dirty="0">
+              <a:solidFill>
+                <a:prstClr val="black"/>
+              </a:solidFill>
+              <a:latin typeface="HY헤드라인M" pitchFamily="18" charset="-127"/>
+              <a:ea typeface="HY헤드라인M" pitchFamily="18" charset="-127"/>
+            </a:endParaRPr>
+          </a:p>
+        </p:txBody>
+      </p:sp>
+      <p:pic>
+        <p:nvPicPr>
+          <p:cNvPr id="1036" name="Picture 12" descr="Domaine Name">
+            <a:extLst>
+              <a:ext uri="{FF2B5EF4-FFF2-40B4-BE49-F238E27FC236}">
+                <a16:creationId xmlns:a16="http://schemas.microsoft.com/office/drawing/2014/main" id="{A6F87D07-DBCD-4D15-907B-7C6AC48A439E}"/>
+              </a:ext>
+            </a:extLst>
+          </p:cNvPr>
+          <p:cNvPicPr>
+            <a:picLocks noChangeAspect="1" noChangeArrowheads="1"/>
+          </p:cNvPicPr>
+          <p:nvPr/>
+        </p:nvPicPr>
+        <p:blipFill>
+          <a:blip r:embed="rId2">
+            <a:extLst>
+              <a:ext uri="{28A0092B-C50C-407E-A947-70E740481C1C}">
+                <a14:useLocalDpi xmlns:a14="http://schemas.microsoft.com/office/drawing/2010/main" val="0"/>
+              </a:ext>
+            </a:extLst>
+          </a:blip>
+          <a:srcRect/>
+          <a:stretch>
+            <a:fillRect/>
+          </a:stretch>
+        </p:blipFill>
+        <p:spPr bwMode="auto">
+          <a:xfrm>
+            <a:off x="2077673" y="2588168"/>
+            <a:ext cx="5013410" cy="797588"/>
+          </a:xfrm>
+          <a:prstGeom prst="rect">
+            <a:avLst/>
+          </a:prstGeom>
+          <a:noFill/>
+          <a:extLst>
+            <a:ext uri="{909E8E84-426E-40DD-AFC4-6F175D3DCCD1}">
+              <a14:hiddenFill xmlns:a14="http://schemas.microsoft.com/office/drawing/2010/main">
+                <a:solidFill>
+                  <a:srgbClr val="FFFFFF"/>
+                </a:solidFill>
+              </a14:hiddenFill>
+            </a:ext>
+          </a:extLst>
+        </p:spPr>
+      </p:pic>
+      <p:pic>
+        <p:nvPicPr>
+          <p:cNvPr id="1038" name="Picture 14" descr="Port">
+            <a:extLst>
+              <a:ext uri="{FF2B5EF4-FFF2-40B4-BE49-F238E27FC236}">
+                <a16:creationId xmlns:a16="http://schemas.microsoft.com/office/drawing/2014/main" id="{08F1140D-2F68-47DB-B0EA-E9F8D1F01312}"/>
+              </a:ext>
+            </a:extLst>
+          </p:cNvPr>
+          <p:cNvPicPr>
+            <a:picLocks noChangeAspect="1" noChangeArrowheads="1"/>
+          </p:cNvPicPr>
+          <p:nvPr/>
+        </p:nvPicPr>
+        <p:blipFill>
+          <a:blip r:embed="rId3">
+            <a:extLst>
+              <a:ext uri="{28A0092B-C50C-407E-A947-70E740481C1C}">
+                <a14:useLocalDpi xmlns:a14="http://schemas.microsoft.com/office/drawing/2010/main" val="0"/>
+              </a:ext>
+            </a:extLst>
+          </a:blip>
+          <a:srcRect/>
+          <a:stretch>
+            <a:fillRect/>
+          </a:stretch>
+        </p:blipFill>
+        <p:spPr bwMode="auto">
+          <a:xfrm>
+            <a:off x="2077673" y="3547586"/>
+            <a:ext cx="5273387" cy="838948"/>
+          </a:xfrm>
+          <a:prstGeom prst="rect">
+            <a:avLst/>
+          </a:prstGeom>
+          <a:noFill/>
+          <a:extLst>
+            <a:ext uri="{909E8E84-426E-40DD-AFC4-6F175D3DCCD1}">
+              <a14:hiddenFill xmlns:a14="http://schemas.microsoft.com/office/drawing/2010/main">
+                <a:solidFill>
+                  <a:srgbClr val="FFFFFF"/>
+                </a:solidFill>
+              </a14:hiddenFill>
+            </a:ext>
+          </a:extLst>
+        </p:spPr>
+      </p:pic>
+      <p:pic>
+        <p:nvPicPr>
+          <p:cNvPr id="1040" name="Picture 16" descr="Path to the file">
+            <a:extLst>
+              <a:ext uri="{FF2B5EF4-FFF2-40B4-BE49-F238E27FC236}">
+                <a16:creationId xmlns:a16="http://schemas.microsoft.com/office/drawing/2014/main" id="{F8EAFA57-38BC-4C75-A6AD-899F52772FEE}"/>
+              </a:ext>
+            </a:extLst>
+          </p:cNvPr>
+          <p:cNvPicPr>
+            <a:picLocks noChangeAspect="1" noChangeArrowheads="1"/>
+          </p:cNvPicPr>
+          <p:nvPr/>
+        </p:nvPicPr>
+        <p:blipFill>
+          <a:blip r:embed="rId4">
+            <a:extLst>
+              <a:ext uri="{28A0092B-C50C-407E-A947-70E740481C1C}">
+                <a14:useLocalDpi xmlns:a14="http://schemas.microsoft.com/office/drawing/2010/main" val="0"/>
+              </a:ext>
+            </a:extLst>
+          </a:blip>
+          <a:srcRect/>
+          <a:stretch>
+            <a:fillRect/>
+          </a:stretch>
+        </p:blipFill>
+        <p:spPr bwMode="auto">
+          <a:xfrm>
+            <a:off x="2291909" y="4566751"/>
+            <a:ext cx="4584937" cy="729422"/>
+          </a:xfrm>
+          <a:prstGeom prst="rect">
+            <a:avLst/>
+          </a:prstGeom>
+          <a:noFill/>
+          <a:extLst>
+            <a:ext uri="{909E8E84-426E-40DD-AFC4-6F175D3DCCD1}">
+              <a14:hiddenFill xmlns:a14="http://schemas.microsoft.com/office/drawing/2010/main">
+                <a:solidFill>
+                  <a:srgbClr val="FFFFFF"/>
+                </a:solidFill>
+              </a14:hiddenFill>
+            </a:ext>
+          </a:extLst>
+        </p:spPr>
+      </p:pic>
+      <p:pic>
+        <p:nvPicPr>
+          <p:cNvPr id="1042" name="Picture 18" descr="Parameters">
+            <a:extLst>
+              <a:ext uri="{FF2B5EF4-FFF2-40B4-BE49-F238E27FC236}">
+                <a16:creationId xmlns:a16="http://schemas.microsoft.com/office/drawing/2014/main" id="{A4B36D31-557F-4814-9697-4DAB344FF2D9}"/>
+              </a:ext>
+            </a:extLst>
+          </p:cNvPr>
+          <p:cNvPicPr>
+            <a:picLocks noChangeAspect="1" noChangeArrowheads="1"/>
+          </p:cNvPicPr>
+          <p:nvPr/>
+        </p:nvPicPr>
+        <p:blipFill>
+          <a:blip r:embed="rId5">
+            <a:extLst>
+              <a:ext uri="{28A0092B-C50C-407E-A947-70E740481C1C}">
+                <a14:useLocalDpi xmlns:a14="http://schemas.microsoft.com/office/drawing/2010/main" val="0"/>
+              </a:ext>
+            </a:extLst>
+          </a:blip>
+          <a:srcRect/>
+          <a:stretch>
+            <a:fillRect/>
+          </a:stretch>
+        </p:blipFill>
+        <p:spPr bwMode="auto">
+          <a:xfrm>
+            <a:off x="2291909" y="5586615"/>
+            <a:ext cx="4780328" cy="760507"/>
+          </a:xfrm>
+          <a:prstGeom prst="rect">
+            <a:avLst/>
+          </a:prstGeom>
+          <a:noFill/>
+          <a:extLst>
+            <a:ext uri="{909E8E84-426E-40DD-AFC4-6F175D3DCCD1}">
+              <a14:hiddenFill xmlns:a14="http://schemas.microsoft.com/office/drawing/2010/main">
+                <a:solidFill>
+                  <a:srgbClr val="FFFFFF"/>
+                </a:solidFill>
+              </a14:hiddenFill>
+            </a:ext>
+          </a:extLst>
+        </p:spPr>
+      </p:pic>
+      <p:pic>
+        <p:nvPicPr>
+          <p:cNvPr id="1044" name="Picture 20" descr="Protocol">
+            <a:extLst>
+              <a:ext uri="{FF2B5EF4-FFF2-40B4-BE49-F238E27FC236}">
+                <a16:creationId xmlns:a16="http://schemas.microsoft.com/office/drawing/2014/main" id="{3432D196-AE0D-4C89-884B-892C6A1AC962}"/>
+              </a:ext>
+            </a:extLst>
+          </p:cNvPr>
+          <p:cNvPicPr>
+            <a:picLocks noChangeAspect="1" noChangeArrowheads="1"/>
+          </p:cNvPicPr>
+          <p:nvPr/>
+        </p:nvPicPr>
+        <p:blipFill>
+          <a:blip r:embed="rId6">
+            <a:extLst>
+              <a:ext uri="{28A0092B-C50C-407E-A947-70E740481C1C}">
+                <a14:useLocalDpi xmlns:a14="http://schemas.microsoft.com/office/drawing/2010/main" val="0"/>
+              </a:ext>
+            </a:extLst>
+          </a:blip>
+          <a:srcRect/>
+          <a:stretch>
+            <a:fillRect/>
+          </a:stretch>
+        </p:blipFill>
+        <p:spPr bwMode="auto">
+          <a:xfrm>
+            <a:off x="2077673" y="1696542"/>
+            <a:ext cx="4495800" cy="715241"/>
+          </a:xfrm>
+          <a:prstGeom prst="rect">
+            <a:avLst/>
+          </a:prstGeom>
+          <a:noFill/>
+          <a:extLst>
+            <a:ext uri="{909E8E84-426E-40DD-AFC4-6F175D3DCCD1}">
+              <a14:hiddenFill xmlns:a14="http://schemas.microsoft.com/office/drawing/2010/main">
+                <a:solidFill>
+                  <a:srgbClr val="FFFFFF"/>
+                </a:solidFill>
+              </a14:hiddenFill>
+            </a:ext>
+          </a:extLst>
+        </p:spPr>
+      </p:pic>
+    </p:spTree>
+    <p:extLst>
+      <p:ext uri="{BB962C8B-B14F-4D97-AF65-F5344CB8AC3E}">
+        <p14:creationId xmlns:p14="http://schemas.microsoft.com/office/powerpoint/2010/main" val="90382129"/>
+      </p:ext>
+    </p:extLst>
+  </p:cSld>
+  <p:clrMapOvr>
+    <a:masterClrMapping/>
+  </p:clrMapOvr>
+</p:sld>
+</file>
+
+<file path=ppt/slides/slide42.xml><?xml version="1.0" encoding="utf-8"?>
+<p:sld xmlns:a="http://schemas.openxmlformats.org/drawingml/2006/main" xmlns:r="http://schemas.openxmlformats.org/officeDocument/2006/relationships" xmlns:p="http://schemas.openxmlformats.org/presentationml/2006/main">
+  <p:cSld>
+    <p:spTree>
+      <p:nvGrpSpPr>
+        <p:cNvPr id="1" name=""/>
+        <p:cNvGrpSpPr/>
+        <p:nvPr/>
+      </p:nvGrpSpPr>
+      <p:grpSpPr>
+        <a:xfrm>
+          <a:off x="0" y="0"/>
+          <a:ext cx="0" cy="0"/>
+          <a:chOff x="0" y="0"/>
+          <a:chExt cx="0" cy="0"/>
+        </a:xfrm>
+      </p:grpSpPr>
+      <p:sp>
+        <p:nvSpPr>
+          <p:cNvPr id="2" name="TextBox 1"/>
+          <p:cNvSpPr txBox="1"/>
+          <p:nvPr/>
+        </p:nvSpPr>
+        <p:spPr>
+          <a:xfrm>
+            <a:off x="1539790" y="379466"/>
+            <a:ext cx="7773598" cy="400110"/>
+          </a:xfrm>
+          <a:prstGeom prst="rect">
+            <a:avLst/>
+          </a:prstGeom>
+          <a:noFill/>
+        </p:spPr>
+        <p:txBody>
+          <a:bodyPr wrap="square" rtlCol="0">
+            <a:spAutoFit/>
+          </a:bodyPr>
+          <a:lstStyle/>
+          <a:p>
+            <a:pPr marL="466618" indent="-466618" defTabSz="829544"/>
+            <a:r>
+              <a:rPr lang="en-US" altLang="ko-KR" sz="1814" dirty="0">
+                <a:solidFill>
+                  <a:prstClr val="black"/>
+                </a:solidFill>
+                <a:latin typeface="HY헤드라인M" pitchFamily="18" charset="-127"/>
+                <a:ea typeface="HY헤드라인M" pitchFamily="18" charset="-127"/>
+              </a:rPr>
+              <a:t>1. </a:t>
+            </a:r>
+            <a:r>
+              <a:rPr lang="ko-KR" altLang="en-US" sz="2000" dirty="0">
+                <a:solidFill>
+                  <a:prstClr val="black"/>
+                </a:solidFill>
+                <a:latin typeface="HY헤드라인M" pitchFamily="18" charset="-127"/>
+                <a:ea typeface="HY헤드라인M" pitchFamily="18" charset="-127"/>
+              </a:rPr>
+              <a:t>스프링 </a:t>
+            </a:r>
+            <a:r>
+              <a:rPr lang="ko-KR" altLang="en-US" sz="2000" dirty="0" err="1">
+                <a:solidFill>
+                  <a:prstClr val="black"/>
+                </a:solidFill>
+                <a:latin typeface="HY헤드라인M" pitchFamily="18" charset="-127"/>
+                <a:ea typeface="HY헤드라인M" pitchFamily="18" charset="-127"/>
+              </a:rPr>
+              <a:t>시큐리티</a:t>
+            </a:r>
+            <a:endParaRPr lang="en-US" altLang="ko-KR" sz="1814" dirty="0">
+              <a:solidFill>
+                <a:prstClr val="black"/>
+              </a:solidFill>
+              <a:latin typeface="HY헤드라인M" pitchFamily="18" charset="-127"/>
+              <a:ea typeface="HY헤드라인M" pitchFamily="18" charset="-127"/>
+            </a:endParaRPr>
+          </a:p>
+        </p:txBody>
+      </p:sp>
+      <p:sp>
+        <p:nvSpPr>
+          <p:cNvPr id="105" name="TextBox 104">
+            <a:extLst>
+              <a:ext uri="{FF2B5EF4-FFF2-40B4-BE49-F238E27FC236}">
+                <a16:creationId xmlns:a16="http://schemas.microsoft.com/office/drawing/2014/main" id="{9EB114C1-217D-4CB5-8A48-23F174F7A436}"/>
+              </a:ext>
+            </a:extLst>
+          </p:cNvPr>
+          <p:cNvSpPr txBox="1"/>
+          <p:nvPr/>
+        </p:nvSpPr>
+        <p:spPr>
+          <a:xfrm>
+            <a:off x="1814779" y="1037314"/>
+            <a:ext cx="8884475" cy="343620"/>
+          </a:xfrm>
+          <a:prstGeom prst="rect">
+            <a:avLst/>
+          </a:prstGeom>
+          <a:noFill/>
+        </p:spPr>
+        <p:txBody>
+          <a:bodyPr wrap="square" rtlCol="0">
+            <a:spAutoFit/>
+          </a:bodyPr>
+          <a:lstStyle/>
+          <a:p>
+            <a:pPr marL="466618" indent="-466618" defTabSz="829544"/>
+            <a:r>
+              <a:rPr lang="en-US" altLang="ko-KR" sz="1633" dirty="0">
+                <a:solidFill>
+                  <a:prstClr val="black"/>
+                </a:solidFill>
+                <a:latin typeface="HY헤드라인M" pitchFamily="18" charset="-127"/>
+                <a:ea typeface="HY헤드라인M" pitchFamily="18" charset="-127"/>
+              </a:rPr>
+              <a:t>&lt;form&gt; action </a:t>
+            </a:r>
+            <a:r>
+              <a:rPr lang="ko-KR" altLang="en-US" sz="1633" dirty="0">
+                <a:solidFill>
+                  <a:prstClr val="black"/>
+                </a:solidFill>
+                <a:latin typeface="HY헤드라인M" pitchFamily="18" charset="-127"/>
+                <a:ea typeface="HY헤드라인M" pitchFamily="18" charset="-127"/>
+              </a:rPr>
+              <a:t>속성</a:t>
+            </a:r>
+            <a:endParaRPr lang="en-US" altLang="ko-KR" sz="1633" dirty="0">
+              <a:solidFill>
+                <a:prstClr val="black"/>
+              </a:solidFill>
+              <a:latin typeface="HY헤드라인M" pitchFamily="18" charset="-127"/>
+              <a:ea typeface="HY헤드라인M" pitchFamily="18" charset="-127"/>
+            </a:endParaRPr>
+          </a:p>
+        </p:txBody>
+      </p:sp>
+      <p:sp>
+        <p:nvSpPr>
+          <p:cNvPr id="76" name="TextBox 75">
+            <a:extLst>
+              <a:ext uri="{FF2B5EF4-FFF2-40B4-BE49-F238E27FC236}">
+                <a16:creationId xmlns:a16="http://schemas.microsoft.com/office/drawing/2014/main" id="{E4412F80-9545-46AC-8AE8-4F8DDDF04C16}"/>
+              </a:ext>
+            </a:extLst>
+          </p:cNvPr>
+          <p:cNvSpPr txBox="1"/>
+          <p:nvPr/>
+        </p:nvSpPr>
+        <p:spPr>
+          <a:xfrm>
+            <a:off x="2380639" y="2070839"/>
+            <a:ext cx="7175266" cy="523220"/>
+          </a:xfrm>
+          <a:prstGeom prst="rect">
+            <a:avLst/>
+          </a:prstGeom>
+          <a:noFill/>
+        </p:spPr>
+        <p:txBody>
+          <a:bodyPr wrap="square" rtlCol="0">
+            <a:spAutoFit/>
+          </a:bodyPr>
+          <a:lstStyle/>
+          <a:p>
+            <a:pPr defTabSz="829544"/>
+            <a:r>
+              <a:rPr lang="en-US" altLang="ko-KR" sz="1400" dirty="0">
+                <a:solidFill>
+                  <a:srgbClr val="333333"/>
+                </a:solidFill>
+                <a:latin typeface="Apple SD Gothic Neo"/>
+                <a:ea typeface="맑은 고딕" panose="020B0503020000020004" pitchFamily="50" charset="-127"/>
+              </a:rPr>
+              <a:t>&lt;form&gt; </a:t>
+            </a:r>
+            <a:r>
+              <a:rPr lang="ko-KR" altLang="en-US" sz="1400" dirty="0">
+                <a:solidFill>
+                  <a:srgbClr val="333333"/>
+                </a:solidFill>
+                <a:latin typeface="Apple SD Gothic Neo"/>
+                <a:ea typeface="맑은 고딕" panose="020B0503020000020004" pitchFamily="50" charset="-127"/>
+              </a:rPr>
+              <a:t>태그의 </a:t>
+            </a:r>
+            <a:r>
+              <a:rPr lang="en-US" altLang="ko-KR" sz="1400" dirty="0">
+                <a:solidFill>
+                  <a:srgbClr val="333333"/>
+                </a:solidFill>
+                <a:latin typeface="Apple SD Gothic Neo"/>
+                <a:ea typeface="맑은 고딕" panose="020B0503020000020004" pitchFamily="50" charset="-127"/>
+              </a:rPr>
+              <a:t>action </a:t>
+            </a:r>
+            <a:r>
+              <a:rPr lang="ko-KR" altLang="en-US" sz="1400" dirty="0">
+                <a:solidFill>
+                  <a:srgbClr val="333333"/>
+                </a:solidFill>
+                <a:latin typeface="Apple SD Gothic Neo"/>
+                <a:ea typeface="맑은 고딕" panose="020B0503020000020004" pitchFamily="50" charset="-127"/>
+              </a:rPr>
+              <a:t>속성은 폼 데이터</a:t>
+            </a:r>
+            <a:r>
+              <a:rPr lang="en-US" altLang="ko-KR" sz="1400" dirty="0">
+                <a:solidFill>
+                  <a:srgbClr val="333333"/>
+                </a:solidFill>
+                <a:latin typeface="Apple SD Gothic Neo"/>
+                <a:ea typeface="맑은 고딕" panose="020B0503020000020004" pitchFamily="50" charset="-127"/>
+              </a:rPr>
+              <a:t>(form data)</a:t>
+            </a:r>
+            <a:r>
+              <a:rPr lang="ko-KR" altLang="en-US" sz="1400" dirty="0">
+                <a:solidFill>
+                  <a:srgbClr val="333333"/>
+                </a:solidFill>
+                <a:latin typeface="Apple SD Gothic Neo"/>
+                <a:ea typeface="맑은 고딕" panose="020B0503020000020004" pitchFamily="50" charset="-127"/>
+              </a:rPr>
+              <a:t>를 서버로 보낼 때 해당 데이터가 도착할 </a:t>
+            </a:r>
+            <a:r>
+              <a:rPr lang="en-US" altLang="ko-KR" sz="1400" b="1" dirty="0">
+                <a:solidFill>
+                  <a:srgbClr val="333333"/>
+                </a:solidFill>
+                <a:latin typeface="Apple SD Gothic Neo"/>
+                <a:ea typeface="맑은 고딕" panose="020B0503020000020004" pitchFamily="50" charset="-127"/>
+              </a:rPr>
+              <a:t>URL</a:t>
+            </a:r>
+            <a:r>
+              <a:rPr lang="ko-KR" altLang="en-US" sz="1400" dirty="0">
+                <a:solidFill>
+                  <a:srgbClr val="333333"/>
+                </a:solidFill>
+                <a:latin typeface="Apple SD Gothic Neo"/>
+                <a:ea typeface="맑은 고딕" panose="020B0503020000020004" pitchFamily="50" charset="-127"/>
+              </a:rPr>
+              <a:t>을 명시합니다</a:t>
+            </a:r>
+            <a:r>
+              <a:rPr lang="en-US" altLang="ko-KR" sz="1400" dirty="0">
+                <a:solidFill>
+                  <a:srgbClr val="333333"/>
+                </a:solidFill>
+                <a:latin typeface="Apple SD Gothic Neo"/>
+                <a:ea typeface="맑은 고딕" panose="020B0503020000020004" pitchFamily="50" charset="-127"/>
+              </a:rPr>
+              <a:t>.</a:t>
+            </a:r>
+          </a:p>
+        </p:txBody>
+      </p:sp>
+    </p:spTree>
+    <p:extLst>
+      <p:ext uri="{BB962C8B-B14F-4D97-AF65-F5344CB8AC3E}">
+        <p14:creationId xmlns:p14="http://schemas.microsoft.com/office/powerpoint/2010/main" val="3480735091"/>
+      </p:ext>
+    </p:extLst>
+  </p:cSld>
+  <p:clrMapOvr>
+    <a:masterClrMapping/>
+  </p:clrMapOvr>
+</p:sld>
+</file>
+
+<file path=ppt/slides/slide43.xml><?xml version="1.0" encoding="utf-8"?>
+<p:sld xmlns:a="http://schemas.openxmlformats.org/drawingml/2006/main" xmlns:r="http://schemas.openxmlformats.org/officeDocument/2006/relationships" xmlns:p="http://schemas.openxmlformats.org/presentationml/2006/main">
+  <p:cSld>
+    <p:spTree>
+      <p:nvGrpSpPr>
+        <p:cNvPr id="1" name=""/>
+        <p:cNvGrpSpPr/>
+        <p:nvPr/>
+      </p:nvGrpSpPr>
+      <p:grpSpPr>
+        <a:xfrm>
+          <a:off x="0" y="0"/>
+          <a:ext cx="0" cy="0"/>
+          <a:chOff x="0" y="0"/>
+          <a:chExt cx="0" cy="0"/>
+        </a:xfrm>
+      </p:grpSpPr>
+      <p:sp>
+        <p:nvSpPr>
+          <p:cNvPr id="2" name="TextBox 1"/>
+          <p:cNvSpPr txBox="1"/>
+          <p:nvPr/>
+        </p:nvSpPr>
+        <p:spPr>
+          <a:xfrm>
+            <a:off x="1539790" y="379466"/>
+            <a:ext cx="7773598" cy="400110"/>
+          </a:xfrm>
+          <a:prstGeom prst="rect">
+            <a:avLst/>
+          </a:prstGeom>
+          <a:noFill/>
+        </p:spPr>
+        <p:txBody>
+          <a:bodyPr wrap="square" rtlCol="0">
+            <a:spAutoFit/>
+          </a:bodyPr>
+          <a:lstStyle/>
+          <a:p>
+            <a:pPr marL="466618" indent="-466618" defTabSz="829544"/>
+            <a:r>
+              <a:rPr lang="en-US" altLang="ko-KR" sz="1814" dirty="0">
+                <a:solidFill>
+                  <a:prstClr val="black"/>
+                </a:solidFill>
+                <a:latin typeface="HY헤드라인M" pitchFamily="18" charset="-127"/>
+                <a:ea typeface="HY헤드라인M" pitchFamily="18" charset="-127"/>
+              </a:rPr>
+              <a:t>1. </a:t>
+            </a:r>
+            <a:r>
+              <a:rPr lang="ko-KR" altLang="en-US" sz="2000" dirty="0">
+                <a:solidFill>
+                  <a:prstClr val="black"/>
+                </a:solidFill>
+                <a:latin typeface="HY헤드라인M" pitchFamily="18" charset="-127"/>
+                <a:ea typeface="HY헤드라인M" pitchFamily="18" charset="-127"/>
+              </a:rPr>
+              <a:t>스프링 </a:t>
+            </a:r>
+            <a:r>
+              <a:rPr lang="ko-KR" altLang="en-US" sz="2000" dirty="0" err="1">
+                <a:solidFill>
+                  <a:prstClr val="black"/>
+                </a:solidFill>
+                <a:latin typeface="HY헤드라인M" pitchFamily="18" charset="-127"/>
+                <a:ea typeface="HY헤드라인M" pitchFamily="18" charset="-127"/>
+              </a:rPr>
+              <a:t>시큐리티</a:t>
+            </a:r>
+            <a:endParaRPr lang="en-US" altLang="ko-KR" sz="1814" dirty="0">
+              <a:solidFill>
+                <a:prstClr val="black"/>
+              </a:solidFill>
+              <a:latin typeface="HY헤드라인M" pitchFamily="18" charset="-127"/>
+              <a:ea typeface="HY헤드라인M" pitchFamily="18" charset="-127"/>
+            </a:endParaRPr>
+          </a:p>
+        </p:txBody>
+      </p:sp>
+      <p:sp>
+        <p:nvSpPr>
+          <p:cNvPr id="105" name="TextBox 104">
+            <a:extLst>
+              <a:ext uri="{FF2B5EF4-FFF2-40B4-BE49-F238E27FC236}">
+                <a16:creationId xmlns:a16="http://schemas.microsoft.com/office/drawing/2014/main" id="{9EB114C1-217D-4CB5-8A48-23F174F7A436}"/>
+              </a:ext>
+            </a:extLst>
+          </p:cNvPr>
+          <p:cNvSpPr txBox="1"/>
+          <p:nvPr/>
+        </p:nvSpPr>
+        <p:spPr>
+          <a:xfrm>
+            <a:off x="1814779" y="1037314"/>
+            <a:ext cx="8884475" cy="343620"/>
+          </a:xfrm>
+          <a:prstGeom prst="rect">
+            <a:avLst/>
+          </a:prstGeom>
+          <a:noFill/>
+        </p:spPr>
+        <p:txBody>
+          <a:bodyPr wrap="square" rtlCol="0">
+            <a:spAutoFit/>
+          </a:bodyPr>
+          <a:lstStyle/>
+          <a:p>
+            <a:pPr marL="466618" indent="-466618" defTabSz="829544"/>
+            <a:r>
+              <a:rPr lang="en-US" altLang="ko-KR" sz="1633" dirty="0">
+                <a:solidFill>
+                  <a:prstClr val="black"/>
+                </a:solidFill>
+                <a:latin typeface="HY헤드라인M" pitchFamily="18" charset="-127"/>
+                <a:ea typeface="HY헤드라인M" pitchFamily="18" charset="-127"/>
+              </a:rPr>
+              <a:t>&lt;input&gt; name </a:t>
+            </a:r>
+            <a:r>
+              <a:rPr lang="ko-KR" altLang="en-US" sz="1633" dirty="0">
+                <a:solidFill>
+                  <a:prstClr val="black"/>
+                </a:solidFill>
+                <a:latin typeface="HY헤드라인M" pitchFamily="18" charset="-127"/>
+                <a:ea typeface="HY헤드라인M" pitchFamily="18" charset="-127"/>
+              </a:rPr>
+              <a:t>속성</a:t>
+            </a:r>
+            <a:endParaRPr lang="en-US" altLang="ko-KR" sz="1633" dirty="0">
+              <a:solidFill>
+                <a:prstClr val="black"/>
+              </a:solidFill>
+              <a:latin typeface="HY헤드라인M" pitchFamily="18" charset="-127"/>
+              <a:ea typeface="HY헤드라인M" pitchFamily="18" charset="-127"/>
+            </a:endParaRPr>
+          </a:p>
+        </p:txBody>
+      </p:sp>
+      <p:sp>
+        <p:nvSpPr>
+          <p:cNvPr id="76" name="TextBox 75">
+            <a:extLst>
+              <a:ext uri="{FF2B5EF4-FFF2-40B4-BE49-F238E27FC236}">
+                <a16:creationId xmlns:a16="http://schemas.microsoft.com/office/drawing/2014/main" id="{E4412F80-9545-46AC-8AE8-4F8DDDF04C16}"/>
+              </a:ext>
+            </a:extLst>
+          </p:cNvPr>
+          <p:cNvSpPr txBox="1"/>
+          <p:nvPr/>
+        </p:nvSpPr>
+        <p:spPr>
+          <a:xfrm>
+            <a:off x="2380639" y="2070839"/>
+            <a:ext cx="7175266" cy="3108543"/>
+          </a:xfrm>
+          <a:prstGeom prst="rect">
+            <a:avLst/>
+          </a:prstGeom>
+          <a:noFill/>
+        </p:spPr>
+        <p:txBody>
+          <a:bodyPr wrap="square" rtlCol="0">
+            <a:spAutoFit/>
+          </a:bodyPr>
+          <a:lstStyle/>
+          <a:p>
+            <a:pPr defTabSz="829544"/>
+            <a:r>
+              <a:rPr lang="en-US" altLang="ko-KR" sz="1400" dirty="0">
+                <a:solidFill>
+                  <a:srgbClr val="333333"/>
+                </a:solidFill>
+                <a:latin typeface="Apple SD Gothic Neo"/>
+                <a:ea typeface="맑은 고딕" panose="020B0503020000020004" pitchFamily="50" charset="-127"/>
+              </a:rPr>
+              <a:t>name </a:t>
+            </a:r>
+            <a:r>
+              <a:rPr lang="ko-KR" altLang="en-US" sz="1400" dirty="0">
+                <a:solidFill>
+                  <a:srgbClr val="333333"/>
+                </a:solidFill>
+                <a:latin typeface="Apple SD Gothic Neo"/>
+                <a:ea typeface="맑은 고딕" panose="020B0503020000020004" pitchFamily="50" charset="-127"/>
+              </a:rPr>
+              <a:t>속성 </a:t>
+            </a:r>
+            <a:r>
+              <a:rPr lang="en-US" altLang="ko-KR" sz="1400" dirty="0">
+                <a:solidFill>
+                  <a:srgbClr val="333333"/>
+                </a:solidFill>
+                <a:latin typeface="Apple SD Gothic Neo"/>
+                <a:ea typeface="맑은 고딕" panose="020B0503020000020004" pitchFamily="50" charset="-127"/>
+              </a:rPr>
+              <a:t>(name="title")</a:t>
+            </a:r>
+          </a:p>
+          <a:p>
+            <a:pPr defTabSz="829544"/>
+            <a:r>
+              <a:rPr lang="en-US" altLang="ko-KR" sz="1400" dirty="0">
+                <a:solidFill>
+                  <a:srgbClr val="333333"/>
+                </a:solidFill>
+                <a:latin typeface="Apple SD Gothic Neo"/>
+                <a:ea typeface="맑은 고딕" panose="020B0503020000020004" pitchFamily="50" charset="-127"/>
+              </a:rPr>
+              <a:t>document.</a:t>
+            </a:r>
+            <a:r>
+              <a:rPr lang="ko-KR" altLang="en-US" sz="1400" dirty="0">
+                <a:solidFill>
+                  <a:srgbClr val="333333"/>
+                </a:solidFill>
+                <a:latin typeface="Apple SD Gothic Neo"/>
+                <a:ea typeface="맑은 고딕" panose="020B0503020000020004" pitchFamily="50" charset="-127"/>
+              </a:rPr>
+              <a:t>폼 </a:t>
+            </a:r>
+            <a:r>
+              <a:rPr lang="ko-KR" altLang="en-US" sz="1400" dirty="0" err="1">
+                <a:solidFill>
+                  <a:srgbClr val="333333"/>
+                </a:solidFill>
+                <a:latin typeface="Apple SD Gothic Neo"/>
+                <a:ea typeface="맑은 고딕" panose="020B0503020000020004" pitchFamily="50" charset="-127"/>
+              </a:rPr>
+              <a:t>객체명</a:t>
+            </a:r>
+            <a:r>
+              <a:rPr lang="en-US" altLang="ko-KR" sz="1400" dirty="0">
+                <a:solidFill>
+                  <a:srgbClr val="333333"/>
+                </a:solidFill>
+                <a:latin typeface="Apple SD Gothic Neo"/>
+                <a:ea typeface="맑은 고딕" panose="020B0503020000020004" pitchFamily="50" charset="-127"/>
+              </a:rPr>
+              <a:t>.</a:t>
+            </a:r>
+            <a:r>
+              <a:rPr lang="ko-KR" altLang="en-US" sz="1400" dirty="0">
+                <a:solidFill>
+                  <a:srgbClr val="333333"/>
+                </a:solidFill>
+                <a:latin typeface="Apple SD Gothic Neo"/>
+                <a:ea typeface="맑은 고딕" panose="020B0503020000020004" pitchFamily="50" charset="-127"/>
+              </a:rPr>
+              <a:t>폼 </a:t>
+            </a:r>
+            <a:r>
+              <a:rPr lang="ko-KR" altLang="en-US" sz="1400" dirty="0" err="1">
+                <a:solidFill>
+                  <a:srgbClr val="333333"/>
+                </a:solidFill>
+                <a:latin typeface="Apple SD Gothic Neo"/>
+                <a:ea typeface="맑은 고딕" panose="020B0503020000020004" pitchFamily="50" charset="-127"/>
+              </a:rPr>
+              <a:t>원소명</a:t>
+            </a:r>
+            <a:r>
+              <a:rPr lang="en-US" altLang="ko-KR" sz="1400" dirty="0">
+                <a:solidFill>
+                  <a:srgbClr val="333333"/>
+                </a:solidFill>
+                <a:latin typeface="Apple SD Gothic Neo"/>
+                <a:ea typeface="맑은 고딕" panose="020B0503020000020004" pitchFamily="50" charset="-127"/>
+              </a:rPr>
+              <a:t>.value</a:t>
+            </a:r>
+          </a:p>
+          <a:p>
+            <a:pPr defTabSz="829544"/>
+            <a:r>
+              <a:rPr lang="en-US" altLang="ko-KR" sz="1400" dirty="0" err="1">
+                <a:solidFill>
+                  <a:srgbClr val="333333"/>
+                </a:solidFill>
+                <a:latin typeface="Apple SD Gothic Neo"/>
+                <a:ea typeface="맑은 고딕" panose="020B0503020000020004" pitchFamily="50" charset="-127"/>
+              </a:rPr>
+              <a:t>document.getElementsByName</a:t>
+            </a:r>
+            <a:r>
+              <a:rPr lang="en-US" altLang="ko-KR" sz="1400" dirty="0">
+                <a:solidFill>
+                  <a:srgbClr val="333333"/>
+                </a:solidFill>
+                <a:latin typeface="Apple SD Gothic Neo"/>
+                <a:ea typeface="맑은 고딕" panose="020B0503020000020004" pitchFamily="50" charset="-127"/>
+              </a:rPr>
+              <a:t>("name")</a:t>
+            </a:r>
+          </a:p>
+          <a:p>
+            <a:pPr defTabSz="829544"/>
+            <a:r>
+              <a:rPr lang="en-US" altLang="ko-KR" sz="1400" dirty="0">
+                <a:solidFill>
+                  <a:srgbClr val="333333"/>
+                </a:solidFill>
+                <a:latin typeface="Apple SD Gothic Neo"/>
+                <a:ea typeface="맑은 고딕" panose="020B0503020000020004" pitchFamily="50" charset="-127"/>
+              </a:rPr>
+              <a:t>name </a:t>
+            </a:r>
+            <a:r>
+              <a:rPr lang="ko-KR" altLang="en-US" sz="1400" dirty="0">
+                <a:solidFill>
+                  <a:srgbClr val="333333"/>
+                </a:solidFill>
+                <a:latin typeface="Apple SD Gothic Neo"/>
+                <a:ea typeface="맑은 고딕" panose="020B0503020000020004" pitchFamily="50" charset="-127"/>
+              </a:rPr>
+              <a:t>속성은 </a:t>
+            </a:r>
+            <a:r>
+              <a:rPr lang="en-US" altLang="ko-KR" sz="1400" dirty="0">
+                <a:solidFill>
+                  <a:srgbClr val="333333"/>
+                </a:solidFill>
+                <a:latin typeface="Apple SD Gothic Neo"/>
+                <a:ea typeface="맑은 고딕" panose="020B0503020000020004" pitchFamily="50" charset="-127"/>
+              </a:rPr>
+              <a:t>page </a:t>
+            </a:r>
+            <a:r>
+              <a:rPr lang="ko-KR" altLang="en-US" sz="1400" dirty="0">
+                <a:solidFill>
+                  <a:srgbClr val="333333"/>
+                </a:solidFill>
+                <a:latin typeface="Apple SD Gothic Neo"/>
+                <a:ea typeface="맑은 고딕" panose="020B0503020000020004" pitchFamily="50" charset="-127"/>
+              </a:rPr>
+              <a:t>영역에서 중복되어 사용이 가능하며</a:t>
+            </a:r>
+            <a:r>
+              <a:rPr lang="en-US" altLang="ko-KR" sz="1400" dirty="0">
+                <a:solidFill>
+                  <a:srgbClr val="333333"/>
+                </a:solidFill>
+                <a:latin typeface="Apple SD Gothic Neo"/>
+                <a:ea typeface="맑은 고딕" panose="020B0503020000020004" pitchFamily="50" charset="-127"/>
+              </a:rPr>
+              <a:t>, action</a:t>
+            </a:r>
+            <a:r>
+              <a:rPr lang="ko-KR" altLang="en-US" sz="1400" dirty="0">
+                <a:solidFill>
+                  <a:srgbClr val="333333"/>
+                </a:solidFill>
+                <a:latin typeface="Apple SD Gothic Neo"/>
+                <a:ea typeface="맑은 고딕" panose="020B0503020000020004" pitchFamily="50" charset="-127"/>
+              </a:rPr>
+              <a:t>에 해당하는 페이지에 전달할 수 있는 파라미터로 사용한다</a:t>
+            </a:r>
+            <a:r>
+              <a:rPr lang="en-US" altLang="ko-KR" sz="1400" dirty="0">
+                <a:solidFill>
+                  <a:srgbClr val="333333"/>
+                </a:solidFill>
+                <a:latin typeface="Apple SD Gothic Neo"/>
+                <a:ea typeface="맑은 고딕" panose="020B0503020000020004" pitchFamily="50" charset="-127"/>
+              </a:rPr>
+              <a:t>.</a:t>
+            </a:r>
+          </a:p>
+          <a:p>
+            <a:pPr defTabSz="829544"/>
+            <a:endParaRPr lang="en-US" altLang="ko-KR" sz="1400" dirty="0">
+              <a:solidFill>
+                <a:srgbClr val="333333"/>
+              </a:solidFill>
+              <a:latin typeface="Apple SD Gothic Neo"/>
+              <a:ea typeface="맑은 고딕" panose="020B0503020000020004" pitchFamily="50" charset="-127"/>
+            </a:endParaRPr>
+          </a:p>
+          <a:p>
+            <a:pPr defTabSz="829544"/>
+            <a:r>
+              <a:rPr lang="en-US" altLang="ko-KR" sz="1400" dirty="0">
+                <a:solidFill>
+                  <a:srgbClr val="333333"/>
+                </a:solidFill>
+                <a:latin typeface="Apple SD Gothic Neo"/>
+                <a:ea typeface="맑은 고딕" panose="020B0503020000020004" pitchFamily="50" charset="-127"/>
+              </a:rPr>
+              <a:t>GET/POST </a:t>
+            </a:r>
+            <a:r>
+              <a:rPr lang="ko-KR" altLang="en-US" sz="1400" dirty="0">
+                <a:solidFill>
+                  <a:srgbClr val="333333"/>
+                </a:solidFill>
+                <a:latin typeface="Apple SD Gothic Neo"/>
+                <a:ea typeface="맑은 고딕" panose="020B0503020000020004" pitchFamily="50" charset="-127"/>
+              </a:rPr>
+              <a:t>방식으로 값을 전달하고 싶은 </a:t>
+            </a:r>
+            <a:r>
+              <a:rPr lang="en-US" altLang="ko-KR" sz="1400" dirty="0">
+                <a:solidFill>
+                  <a:srgbClr val="333333"/>
+                </a:solidFill>
+                <a:latin typeface="Apple SD Gothic Neo"/>
+                <a:ea typeface="맑은 고딕" panose="020B0503020000020004" pitchFamily="50" charset="-127"/>
+              </a:rPr>
+              <a:t>tag</a:t>
+            </a:r>
+            <a:r>
+              <a:rPr lang="ko-KR" altLang="en-US" sz="1400" dirty="0">
+                <a:solidFill>
+                  <a:srgbClr val="333333"/>
+                </a:solidFill>
+                <a:latin typeface="Apple SD Gothic Neo"/>
+                <a:ea typeface="맑은 고딕" panose="020B0503020000020004" pitchFamily="50" charset="-127"/>
+              </a:rPr>
+              <a:t>에 사용한다</a:t>
+            </a:r>
+            <a:r>
+              <a:rPr lang="en-US" altLang="ko-KR" sz="1400" dirty="0">
+                <a:solidFill>
+                  <a:srgbClr val="333333"/>
+                </a:solidFill>
+                <a:latin typeface="Apple SD Gothic Neo"/>
+                <a:ea typeface="맑은 고딕" panose="020B0503020000020004" pitchFamily="50" charset="-127"/>
+              </a:rPr>
+              <a:t>. </a:t>
+            </a:r>
+            <a:r>
+              <a:rPr lang="ko-KR" altLang="en-US" sz="1400" dirty="0">
+                <a:solidFill>
+                  <a:srgbClr val="333333"/>
+                </a:solidFill>
+                <a:latin typeface="Apple SD Gothic Neo"/>
+                <a:ea typeface="맑은 고딕" panose="020B0503020000020004" pitchFamily="50" charset="-127"/>
+              </a:rPr>
+              <a:t>예를 들어 </a:t>
+            </a:r>
+            <a:r>
+              <a:rPr lang="en-US" altLang="ko-KR" sz="1400" dirty="0">
+                <a:solidFill>
+                  <a:srgbClr val="333333"/>
+                </a:solidFill>
+                <a:latin typeface="Apple SD Gothic Neo"/>
+                <a:ea typeface="맑은 고딕" panose="020B0503020000020004" pitchFamily="50" charset="-127"/>
+              </a:rPr>
+              <a:t>Form </a:t>
+            </a:r>
+            <a:r>
+              <a:rPr lang="ko-KR" altLang="en-US" sz="1400" dirty="0">
+                <a:solidFill>
+                  <a:srgbClr val="333333"/>
+                </a:solidFill>
+                <a:latin typeface="Apple SD Gothic Neo"/>
+                <a:ea typeface="맑은 고딕" panose="020B0503020000020004" pitchFamily="50" charset="-127"/>
+              </a:rPr>
+              <a:t>객체</a:t>
+            </a:r>
+            <a:r>
+              <a:rPr lang="en-US" altLang="ko-KR" sz="1400" dirty="0">
+                <a:solidFill>
+                  <a:srgbClr val="333333"/>
+                </a:solidFill>
+                <a:latin typeface="Apple SD Gothic Neo"/>
+                <a:ea typeface="맑은 고딕" panose="020B0503020000020004" pitchFamily="50" charset="-127"/>
+              </a:rPr>
+              <a:t>(input, radio, checkbox, ...)</a:t>
+            </a:r>
+            <a:r>
+              <a:rPr lang="ko-KR" altLang="en-US" sz="1400" dirty="0">
+                <a:solidFill>
+                  <a:srgbClr val="333333"/>
+                </a:solidFill>
+                <a:latin typeface="Apple SD Gothic Neo"/>
+                <a:ea typeface="맑은 고딕" panose="020B0503020000020004" pitchFamily="50" charset="-127"/>
+              </a:rPr>
+              <a:t>에서 전송되는 파라미터의 </a:t>
+            </a:r>
+            <a:r>
+              <a:rPr lang="en-US" altLang="ko-KR" sz="1400" dirty="0">
+                <a:solidFill>
+                  <a:srgbClr val="333333"/>
+                </a:solidFill>
+                <a:latin typeface="Apple SD Gothic Neo"/>
+                <a:ea typeface="맑은 고딕" panose="020B0503020000020004" pitchFamily="50" charset="-127"/>
+              </a:rPr>
+              <a:t>Key </a:t>
+            </a:r>
+            <a:r>
+              <a:rPr lang="ko-KR" altLang="en-US" sz="1400" dirty="0">
+                <a:solidFill>
+                  <a:srgbClr val="333333"/>
+                </a:solidFill>
+                <a:latin typeface="Apple SD Gothic Neo"/>
+                <a:ea typeface="맑은 고딕" panose="020B0503020000020004" pitchFamily="50" charset="-127"/>
+              </a:rPr>
+              <a:t>값으로 사용한다</a:t>
+            </a:r>
+            <a:r>
+              <a:rPr lang="en-US" altLang="ko-KR" sz="1400" dirty="0">
+                <a:solidFill>
+                  <a:srgbClr val="333333"/>
+                </a:solidFill>
+                <a:latin typeface="Apple SD Gothic Neo"/>
+                <a:ea typeface="맑은 고딕" panose="020B0503020000020004" pitchFamily="50" charset="-127"/>
+              </a:rPr>
+              <a:t>.</a:t>
+            </a:r>
+          </a:p>
+          <a:p>
+            <a:pPr defTabSz="829544"/>
+            <a:endParaRPr lang="en-US" altLang="ko-KR" sz="1400" dirty="0">
+              <a:solidFill>
+                <a:srgbClr val="333333"/>
+              </a:solidFill>
+              <a:latin typeface="Apple SD Gothic Neo"/>
+              <a:ea typeface="맑은 고딕" panose="020B0503020000020004" pitchFamily="50" charset="-127"/>
+            </a:endParaRPr>
+          </a:p>
+          <a:p>
+            <a:pPr defTabSz="829544"/>
+            <a:r>
+              <a:rPr lang="ko-KR" altLang="en-US" sz="1400" dirty="0">
+                <a:solidFill>
+                  <a:srgbClr val="333333"/>
+                </a:solidFill>
+                <a:latin typeface="Apple SD Gothic Neo"/>
+                <a:ea typeface="맑은 고딕" panose="020B0503020000020004" pitchFamily="50" charset="-127"/>
+              </a:rPr>
+              <a:t>태그의 </a:t>
+            </a:r>
+            <a:r>
+              <a:rPr lang="en-US" altLang="ko-KR" sz="1400" dirty="0">
+                <a:solidFill>
+                  <a:srgbClr val="333333"/>
+                </a:solidFill>
+                <a:latin typeface="Apple SD Gothic Neo"/>
+                <a:ea typeface="맑은 고딕" panose="020B0503020000020004" pitchFamily="50" charset="-127"/>
+              </a:rPr>
+              <a:t>name </a:t>
+            </a:r>
+            <a:r>
+              <a:rPr lang="ko-KR" altLang="en-US" sz="1400" dirty="0">
+                <a:solidFill>
+                  <a:srgbClr val="333333"/>
+                </a:solidFill>
+                <a:latin typeface="Apple SD Gothic Neo"/>
+                <a:ea typeface="맑은 고딕" panose="020B0503020000020004" pitchFamily="50" charset="-127"/>
+              </a:rPr>
+              <a:t>값이 키</a:t>
+            </a:r>
+            <a:r>
+              <a:rPr lang="en-US" altLang="ko-KR" sz="1400" dirty="0">
+                <a:solidFill>
+                  <a:srgbClr val="333333"/>
+                </a:solidFill>
+                <a:latin typeface="Apple SD Gothic Neo"/>
+                <a:ea typeface="맑은 고딕" panose="020B0503020000020004" pitchFamily="50" charset="-127"/>
+              </a:rPr>
+              <a:t>(Key)</a:t>
+            </a:r>
+            <a:r>
+              <a:rPr lang="ko-KR" altLang="en-US" sz="1400" dirty="0">
+                <a:solidFill>
+                  <a:srgbClr val="333333"/>
+                </a:solidFill>
+                <a:latin typeface="Apple SD Gothic Neo"/>
+                <a:ea typeface="맑은 고딕" panose="020B0503020000020004" pitchFamily="50" charset="-127"/>
+              </a:rPr>
+              <a:t>로 해서 값</a:t>
+            </a:r>
+            <a:r>
+              <a:rPr lang="en-US" altLang="ko-KR" sz="1400" dirty="0">
+                <a:solidFill>
+                  <a:srgbClr val="333333"/>
+                </a:solidFill>
+                <a:latin typeface="Apple SD Gothic Neo"/>
+                <a:ea typeface="맑은 고딕" panose="020B0503020000020004" pitchFamily="50" charset="-127"/>
+              </a:rPr>
+              <a:t>(Value)</a:t>
+            </a:r>
+            <a:r>
+              <a:rPr lang="ko-KR" altLang="en-US" sz="1400" dirty="0">
+                <a:solidFill>
+                  <a:srgbClr val="333333"/>
+                </a:solidFill>
+                <a:latin typeface="Apple SD Gothic Neo"/>
+                <a:ea typeface="맑은 고딕" panose="020B0503020000020004" pitchFamily="50" charset="-127"/>
+              </a:rPr>
+              <a:t>가 전송된다</a:t>
+            </a:r>
+            <a:r>
+              <a:rPr lang="en-US" altLang="ko-KR" sz="1400" dirty="0">
+                <a:solidFill>
+                  <a:srgbClr val="333333"/>
+                </a:solidFill>
+                <a:latin typeface="Apple SD Gothic Neo"/>
+                <a:ea typeface="맑은 고딕" panose="020B0503020000020004" pitchFamily="50" charset="-127"/>
+              </a:rPr>
+              <a:t>.</a:t>
+            </a:r>
+          </a:p>
+          <a:p>
+            <a:pPr defTabSz="829544"/>
+            <a:r>
+              <a:rPr lang="ko-KR" altLang="en-US" sz="1400" dirty="0">
+                <a:solidFill>
+                  <a:srgbClr val="333333"/>
+                </a:solidFill>
+                <a:latin typeface="Apple SD Gothic Neo"/>
+                <a:ea typeface="맑은 고딕" panose="020B0503020000020004" pitchFamily="50" charset="-127"/>
+              </a:rPr>
+              <a:t>즉</a:t>
+            </a:r>
+            <a:r>
+              <a:rPr lang="en-US" altLang="ko-KR" sz="1400" dirty="0">
+                <a:solidFill>
+                  <a:srgbClr val="333333"/>
+                </a:solidFill>
+                <a:latin typeface="Apple SD Gothic Neo"/>
+                <a:ea typeface="맑은 고딕" panose="020B0503020000020004" pitchFamily="50" charset="-127"/>
+              </a:rPr>
+              <a:t>, request</a:t>
+            </a:r>
+            <a:r>
+              <a:rPr lang="ko-KR" altLang="en-US" sz="1400" dirty="0">
+                <a:solidFill>
+                  <a:srgbClr val="333333"/>
+                </a:solidFill>
+                <a:latin typeface="Apple SD Gothic Neo"/>
+                <a:ea typeface="맑은 고딕" panose="020B0503020000020004" pitchFamily="50" charset="-127"/>
+              </a:rPr>
+              <a:t>에 값이 전달될 때 </a:t>
+            </a:r>
+            <a:r>
+              <a:rPr lang="en-US" altLang="ko-KR" sz="1400" dirty="0">
+                <a:solidFill>
+                  <a:srgbClr val="333333"/>
+                </a:solidFill>
+                <a:latin typeface="Apple SD Gothic Neo"/>
+                <a:ea typeface="맑은 고딕" panose="020B0503020000020004" pitchFamily="50" charset="-127"/>
+              </a:rPr>
+              <a:t>Map</a:t>
+            </a:r>
+            <a:r>
+              <a:rPr lang="ko-KR" altLang="en-US" sz="1400" dirty="0">
+                <a:solidFill>
+                  <a:srgbClr val="333333"/>
+                </a:solidFill>
+                <a:latin typeface="Apple SD Gothic Neo"/>
+                <a:ea typeface="맑은 고딕" panose="020B0503020000020004" pitchFamily="50" charset="-127"/>
+              </a:rPr>
+              <a:t>과 마찬가지로 </a:t>
+            </a:r>
+            <a:r>
+              <a:rPr lang="en-US" altLang="ko-KR" sz="1400" dirty="0">
+                <a:solidFill>
+                  <a:srgbClr val="333333"/>
+                </a:solidFill>
+                <a:latin typeface="Apple SD Gothic Neo"/>
+                <a:ea typeface="맑은 고딕" panose="020B0503020000020004" pitchFamily="50" charset="-127"/>
+              </a:rPr>
+              <a:t>Key</a:t>
+            </a:r>
+            <a:r>
+              <a:rPr lang="ko-KR" altLang="en-US" sz="1400" dirty="0">
+                <a:solidFill>
+                  <a:srgbClr val="333333"/>
+                </a:solidFill>
+                <a:latin typeface="Apple SD Gothic Neo"/>
+                <a:ea typeface="맑은 고딕" panose="020B0503020000020004" pitchFamily="50" charset="-127"/>
+              </a:rPr>
+              <a:t>와 </a:t>
+            </a:r>
+            <a:r>
+              <a:rPr lang="en-US" altLang="ko-KR" sz="1400" dirty="0">
+                <a:solidFill>
+                  <a:srgbClr val="333333"/>
+                </a:solidFill>
+                <a:latin typeface="Apple SD Gothic Neo"/>
+                <a:ea typeface="맑은 고딕" panose="020B0503020000020004" pitchFamily="50" charset="-127"/>
+              </a:rPr>
+              <a:t>Value </a:t>
+            </a:r>
+            <a:r>
+              <a:rPr lang="ko-KR" altLang="en-US" sz="1400" dirty="0">
+                <a:solidFill>
+                  <a:srgbClr val="333333"/>
+                </a:solidFill>
+                <a:latin typeface="Apple SD Gothic Neo"/>
+                <a:ea typeface="맑은 고딕" panose="020B0503020000020004" pitchFamily="50" charset="-127"/>
+              </a:rPr>
+              <a:t>쌍의 형식으로 데이터가 저장된다</a:t>
+            </a:r>
+            <a:r>
+              <a:rPr lang="en-US" altLang="ko-KR" sz="1400" dirty="0">
+                <a:solidFill>
+                  <a:srgbClr val="333333"/>
+                </a:solidFill>
+                <a:latin typeface="Apple SD Gothic Neo"/>
+                <a:ea typeface="맑은 고딕" panose="020B0503020000020004" pitchFamily="50" charset="-127"/>
+              </a:rPr>
+              <a:t>.</a:t>
+            </a:r>
+          </a:p>
+          <a:p>
+            <a:pPr defTabSz="829544"/>
+            <a:endParaRPr lang="en-US" altLang="ko-KR" sz="1400" dirty="0">
+              <a:solidFill>
+                <a:srgbClr val="333333"/>
+              </a:solidFill>
+              <a:latin typeface="Apple SD Gothic Neo"/>
+              <a:ea typeface="맑은 고딕" panose="020B0503020000020004" pitchFamily="50" charset="-127"/>
+            </a:endParaRPr>
+          </a:p>
+          <a:p>
+            <a:pPr defTabSz="829544"/>
+            <a:r>
+              <a:rPr lang="en-US" altLang="ko-KR" sz="1400" dirty="0">
+                <a:solidFill>
+                  <a:srgbClr val="333333"/>
+                </a:solidFill>
+                <a:latin typeface="Apple SD Gothic Neo"/>
+                <a:ea typeface="맑은 고딕" panose="020B0503020000020004" pitchFamily="50" charset="-127"/>
+              </a:rPr>
+              <a:t>Server</a:t>
+            </a:r>
+            <a:r>
+              <a:rPr lang="ko-KR" altLang="en-US" sz="1400" dirty="0">
+                <a:solidFill>
+                  <a:srgbClr val="333333"/>
+                </a:solidFill>
+                <a:latin typeface="Apple SD Gothic Neo"/>
+                <a:ea typeface="맑은 고딕" panose="020B0503020000020004" pitchFamily="50" charset="-127"/>
+              </a:rPr>
+              <a:t>단에서 </a:t>
+            </a:r>
+            <a:r>
+              <a:rPr lang="en-US" altLang="ko-KR" sz="1400" dirty="0" err="1">
+                <a:solidFill>
+                  <a:srgbClr val="333333"/>
+                </a:solidFill>
+                <a:latin typeface="Apple SD Gothic Neo"/>
+                <a:ea typeface="맑은 고딕" panose="020B0503020000020004" pitchFamily="50" charset="-127"/>
+              </a:rPr>
+              <a:t>request.getParameter</a:t>
+            </a:r>
+            <a:r>
+              <a:rPr lang="en-US" altLang="ko-KR" sz="1400" dirty="0">
+                <a:solidFill>
+                  <a:srgbClr val="333333"/>
+                </a:solidFill>
+                <a:latin typeface="Apple SD Gothic Neo"/>
+                <a:ea typeface="맑은 고딕" panose="020B0503020000020004" pitchFamily="50" charset="-127"/>
+              </a:rPr>
+              <a:t>(</a:t>
+            </a:r>
+            <a:r>
+              <a:rPr lang="en-US" altLang="ko-KR" sz="1400" dirty="0" err="1">
+                <a:solidFill>
+                  <a:srgbClr val="333333"/>
+                </a:solidFill>
+                <a:latin typeface="Apple SD Gothic Neo"/>
+                <a:ea typeface="맑은 고딕" panose="020B0503020000020004" pitchFamily="50" charset="-127"/>
+              </a:rPr>
+              <a:t>parameterName</a:t>
+            </a:r>
+            <a:r>
+              <a:rPr lang="en-US" altLang="ko-KR" sz="1400" dirty="0">
+                <a:solidFill>
+                  <a:srgbClr val="333333"/>
+                </a:solidFill>
+                <a:latin typeface="Apple SD Gothic Neo"/>
+                <a:ea typeface="맑은 고딕" panose="020B0503020000020004" pitchFamily="50" charset="-127"/>
+              </a:rPr>
+              <a:t>) </a:t>
+            </a:r>
+            <a:r>
+              <a:rPr lang="ko-KR" altLang="en-US" sz="1400" dirty="0">
+                <a:solidFill>
+                  <a:srgbClr val="333333"/>
+                </a:solidFill>
+                <a:latin typeface="Apple SD Gothic Neo"/>
+                <a:ea typeface="맑은 고딕" panose="020B0503020000020004" pitchFamily="50" charset="-127"/>
+              </a:rPr>
+              <a:t>으로 값을 가져온다</a:t>
+            </a:r>
+            <a:r>
+              <a:rPr lang="en-US" altLang="ko-KR" sz="1400" dirty="0">
+                <a:solidFill>
+                  <a:srgbClr val="333333"/>
+                </a:solidFill>
+                <a:latin typeface="Apple SD Gothic Neo"/>
+                <a:ea typeface="맑은 고딕" panose="020B0503020000020004" pitchFamily="50" charset="-127"/>
+              </a:rPr>
+              <a:t>.</a:t>
+            </a:r>
+          </a:p>
+        </p:txBody>
+      </p:sp>
+    </p:spTree>
+    <p:extLst>
+      <p:ext uri="{BB962C8B-B14F-4D97-AF65-F5344CB8AC3E}">
+        <p14:creationId xmlns:p14="http://schemas.microsoft.com/office/powerpoint/2010/main" val="1468348512"/>
       </p:ext>
     </p:extLst>
   </p:cSld>
@@ -26345,7 +34483,7 @@
         </p:nvSpPr>
         <p:spPr>
           <a:xfrm>
-            <a:off x="2353745" y="2070839"/>
+            <a:off x="2170636" y="2070839"/>
             <a:ext cx="6511906" cy="2046714"/>
           </a:xfrm>
           <a:prstGeom prst="rect">

--- a/소스코드 공부한거.pptx
+++ b/소스코드 공부한거.pptx
@@ -49,6 +49,8 @@
     <p:sldId id="524" r:id="rId43"/>
     <p:sldId id="525" r:id="rId44"/>
     <p:sldId id="526" r:id="rId45"/>
+    <p:sldId id="527" r:id="rId46"/>
+    <p:sldId id="528" r:id="rId47"/>
   </p:sldIdLst>
   <p:sldSz cx="12192000" cy="6858000"/>
   <p:notesSz cx="6858000" cy="9144000"/>
@@ -302,7 +304,7 @@
           <a:p>
             <a:fld id="{30A36513-0382-4819-B728-D816A1DE5021}" type="datetimeFigureOut">
               <a:rPr lang="ko-KR" altLang="en-US" smtClean="0"/>
-              <a:t>2022-04-07</a:t>
+              <a:t>2022-04-12</a:t>
             </a:fld>
             <a:endParaRPr lang="ko-KR" altLang="en-US"/>
           </a:p>
@@ -500,7 +502,7 @@
           <a:p>
             <a:fld id="{30A36513-0382-4819-B728-D816A1DE5021}" type="datetimeFigureOut">
               <a:rPr lang="ko-KR" altLang="en-US" smtClean="0"/>
-              <a:t>2022-04-07</a:t>
+              <a:t>2022-04-12</a:t>
             </a:fld>
             <a:endParaRPr lang="ko-KR" altLang="en-US"/>
           </a:p>
@@ -708,7 +710,7 @@
           <a:p>
             <a:fld id="{30A36513-0382-4819-B728-D816A1DE5021}" type="datetimeFigureOut">
               <a:rPr lang="ko-KR" altLang="en-US" smtClean="0"/>
-              <a:t>2022-04-07</a:t>
+              <a:t>2022-04-12</a:t>
             </a:fld>
             <a:endParaRPr lang="ko-KR" altLang="en-US"/>
           </a:p>
@@ -913,7 +915,7 @@
             <a:fld id="{95EDA2C5-C161-4CE0-8DE3-CB5B9144C8C5}" type="datetime1">
               <a:rPr lang="ko-KR" altLang="en-US" smtClean="0"/>
               <a:pPr/>
-              <a:t>2022-04-07</a:t>
+              <a:t>2022-04-12</a:t>
             </a:fld>
             <a:endParaRPr lang="ko-KR" altLang="en-US"/>
           </a:p>
@@ -1010,7 +1012,7 @@
             <a:fld id="{2C835D7E-558C-45AF-9D78-028B277B64FB}" type="datetime1">
               <a:rPr lang="ko-KR" altLang="en-US" smtClean="0"/>
               <a:pPr/>
-              <a:t>2022-04-07</a:t>
+              <a:t>2022-04-12</a:t>
             </a:fld>
             <a:endParaRPr lang="ko-KR" altLang="en-US"/>
           </a:p>
@@ -1137,7 +1139,7 @@
             <a:fld id="{B948E2CF-6D53-467D-9CA7-290683DB8543}" type="datetime1">
               <a:rPr lang="ko-KR" altLang="en-US" smtClean="0"/>
               <a:pPr/>
-              <a:t>2022-04-07</a:t>
+              <a:t>2022-04-12</a:t>
             </a:fld>
             <a:endParaRPr lang="ko-KR" altLang="en-US"/>
           </a:p>
@@ -1264,7 +1266,7 @@
             <a:fld id="{F1429607-50E9-46B4-AF96-938B412765AE}" type="datetime1">
               <a:rPr lang="ko-KR" altLang="en-US" smtClean="0"/>
               <a:pPr/>
-              <a:t>2022-04-07</a:t>
+              <a:t>2022-04-12</a:t>
             </a:fld>
             <a:endParaRPr lang="ko-KR" altLang="en-US"/>
           </a:p>
@@ -1421,7 +1423,7 @@
             <a:fld id="{67E5BB7C-2CC4-48C9-AD01-7ABFAB8B761D}" type="datetime1">
               <a:rPr lang="ko-KR" altLang="en-US" smtClean="0"/>
               <a:pPr/>
-              <a:t>2022-04-07</a:t>
+              <a:t>2022-04-12</a:t>
             </a:fld>
             <a:endParaRPr lang="ko-KR" altLang="en-US"/>
           </a:p>
@@ -1669,7 +1671,7 @@
             <a:fld id="{928AA574-2AF7-49C3-94CB-71BABDF370C0}" type="datetime1">
               <a:rPr lang="ko-KR" altLang="en-US" smtClean="0"/>
               <a:pPr/>
-              <a:t>2022-04-07</a:t>
+              <a:t>2022-04-12</a:t>
             </a:fld>
             <a:endParaRPr lang="ko-KR" altLang="en-US"/>
           </a:p>
@@ -1886,7 +1888,7 @@
           <a:p>
             <a:fld id="{30A36513-0382-4819-B728-D816A1DE5021}" type="datetimeFigureOut">
               <a:rPr lang="ko-KR" altLang="en-US" smtClean="0"/>
-              <a:t>2022-04-07</a:t>
+              <a:t>2022-04-12</a:t>
             </a:fld>
             <a:endParaRPr lang="ko-KR" altLang="en-US"/>
           </a:p>
@@ -2161,7 +2163,7 @@
           <a:p>
             <a:fld id="{30A36513-0382-4819-B728-D816A1DE5021}" type="datetimeFigureOut">
               <a:rPr lang="ko-KR" altLang="en-US" smtClean="0"/>
-              <a:t>2022-04-07</a:t>
+              <a:t>2022-04-12</a:t>
             </a:fld>
             <a:endParaRPr lang="ko-KR" altLang="en-US"/>
           </a:p>
@@ -2426,7 +2428,7 @@
           <a:p>
             <a:fld id="{30A36513-0382-4819-B728-D816A1DE5021}" type="datetimeFigureOut">
               <a:rPr lang="ko-KR" altLang="en-US" smtClean="0"/>
-              <a:t>2022-04-07</a:t>
+              <a:t>2022-04-12</a:t>
             </a:fld>
             <a:endParaRPr lang="ko-KR" altLang="en-US"/>
           </a:p>
@@ -2838,7 +2840,7 @@
           <a:p>
             <a:fld id="{30A36513-0382-4819-B728-D816A1DE5021}" type="datetimeFigureOut">
               <a:rPr lang="ko-KR" altLang="en-US" smtClean="0"/>
-              <a:t>2022-04-07</a:t>
+              <a:t>2022-04-12</a:t>
             </a:fld>
             <a:endParaRPr lang="ko-KR" altLang="en-US"/>
           </a:p>
@@ -2979,7 +2981,7 @@
           <a:p>
             <a:fld id="{30A36513-0382-4819-B728-D816A1DE5021}" type="datetimeFigureOut">
               <a:rPr lang="ko-KR" altLang="en-US" smtClean="0"/>
-              <a:t>2022-04-07</a:t>
+              <a:t>2022-04-12</a:t>
             </a:fld>
             <a:endParaRPr lang="ko-KR" altLang="en-US"/>
           </a:p>
@@ -3092,7 +3094,7 @@
           <a:p>
             <a:fld id="{30A36513-0382-4819-B728-D816A1DE5021}" type="datetimeFigureOut">
               <a:rPr lang="ko-KR" altLang="en-US" smtClean="0"/>
-              <a:t>2022-04-07</a:t>
+              <a:t>2022-04-12</a:t>
             </a:fld>
             <a:endParaRPr lang="ko-KR" altLang="en-US"/>
           </a:p>
@@ -3403,7 +3405,7 @@
           <a:p>
             <a:fld id="{30A36513-0382-4819-B728-D816A1DE5021}" type="datetimeFigureOut">
               <a:rPr lang="ko-KR" altLang="en-US" smtClean="0"/>
-              <a:t>2022-04-07</a:t>
+              <a:t>2022-04-12</a:t>
             </a:fld>
             <a:endParaRPr lang="ko-KR" altLang="en-US"/>
           </a:p>
@@ -3691,7 +3693,7 @@
           <a:p>
             <a:fld id="{30A36513-0382-4819-B728-D816A1DE5021}" type="datetimeFigureOut">
               <a:rPr lang="ko-KR" altLang="en-US" smtClean="0"/>
-              <a:t>2022-04-07</a:t>
+              <a:t>2022-04-12</a:t>
             </a:fld>
             <a:endParaRPr lang="ko-KR" altLang="en-US"/>
           </a:p>
@@ -3932,7 +3934,7 @@
           <a:p>
             <a:fld id="{30A36513-0382-4819-B728-D816A1DE5021}" type="datetimeFigureOut">
               <a:rPr lang="ko-KR" altLang="en-US" smtClean="0"/>
-              <a:t>2022-04-07</a:t>
+              <a:t>2022-04-12</a:t>
             </a:fld>
             <a:endParaRPr lang="ko-KR" altLang="en-US"/>
           </a:p>
@@ -4485,7 +4487,7 @@
             <a:fld id="{0A3D56B5-02C5-457F-96C3-214F6D1C8BEF}" type="datetime1">
               <a:rPr lang="ko-KR" altLang="en-US" smtClean="0"/>
               <a:pPr/>
-              <a:t>2022-04-07</a:t>
+              <a:t>2022-04-12</a:t>
             </a:fld>
             <a:endParaRPr lang="ko-KR" altLang="en-US"/>
           </a:p>
@@ -32913,6 +32915,826 @@
 </p:sld>
 </file>
 
+<file path=ppt/slides/slide44.xml><?xml version="1.0" encoding="utf-8"?>
+<p:sld xmlns:a="http://schemas.openxmlformats.org/drawingml/2006/main" xmlns:r="http://schemas.openxmlformats.org/officeDocument/2006/relationships" xmlns:p="http://schemas.openxmlformats.org/presentationml/2006/main">
+  <p:cSld>
+    <p:spTree>
+      <p:nvGrpSpPr>
+        <p:cNvPr id="1" name=""/>
+        <p:cNvGrpSpPr/>
+        <p:nvPr/>
+      </p:nvGrpSpPr>
+      <p:grpSpPr>
+        <a:xfrm>
+          <a:off x="0" y="0"/>
+          <a:ext cx="0" cy="0"/>
+          <a:chOff x="0" y="0"/>
+          <a:chExt cx="0" cy="0"/>
+        </a:xfrm>
+      </p:grpSpPr>
+      <p:sp>
+        <p:nvSpPr>
+          <p:cNvPr id="2" name="TextBox 1"/>
+          <p:cNvSpPr txBox="1"/>
+          <p:nvPr/>
+        </p:nvSpPr>
+        <p:spPr>
+          <a:xfrm>
+            <a:off x="1539790" y="379466"/>
+            <a:ext cx="7773598" cy="400110"/>
+          </a:xfrm>
+          <a:prstGeom prst="rect">
+            <a:avLst/>
+          </a:prstGeom>
+          <a:noFill/>
+        </p:spPr>
+        <p:txBody>
+          <a:bodyPr wrap="square" rtlCol="0">
+            <a:spAutoFit/>
+          </a:bodyPr>
+          <a:lstStyle/>
+          <a:p>
+            <a:pPr marL="466618" indent="-466618" defTabSz="829544"/>
+            <a:r>
+              <a:rPr lang="en-US" altLang="ko-KR" sz="1814" dirty="0">
+                <a:solidFill>
+                  <a:prstClr val="black"/>
+                </a:solidFill>
+                <a:latin typeface="HY헤드라인M" pitchFamily="18" charset="-127"/>
+                <a:ea typeface="HY헤드라인M" pitchFamily="18" charset="-127"/>
+              </a:rPr>
+              <a:t>1. </a:t>
+            </a:r>
+            <a:r>
+              <a:rPr lang="ko-KR" altLang="en-US" sz="2000" dirty="0">
+                <a:solidFill>
+                  <a:prstClr val="black"/>
+                </a:solidFill>
+                <a:latin typeface="HY헤드라인M" pitchFamily="18" charset="-127"/>
+                <a:ea typeface="HY헤드라인M" pitchFamily="18" charset="-127"/>
+              </a:rPr>
+              <a:t>스프링 </a:t>
+            </a:r>
+            <a:r>
+              <a:rPr lang="ko-KR" altLang="en-US" sz="2000" dirty="0" err="1">
+                <a:solidFill>
+                  <a:prstClr val="black"/>
+                </a:solidFill>
+                <a:latin typeface="HY헤드라인M" pitchFamily="18" charset="-127"/>
+                <a:ea typeface="HY헤드라인M" pitchFamily="18" charset="-127"/>
+              </a:rPr>
+              <a:t>시큐리티</a:t>
+            </a:r>
+            <a:endParaRPr lang="en-US" altLang="ko-KR" sz="1814" dirty="0">
+              <a:solidFill>
+                <a:prstClr val="black"/>
+              </a:solidFill>
+              <a:latin typeface="HY헤드라인M" pitchFamily="18" charset="-127"/>
+              <a:ea typeface="HY헤드라인M" pitchFamily="18" charset="-127"/>
+            </a:endParaRPr>
+          </a:p>
+        </p:txBody>
+      </p:sp>
+      <p:sp>
+        <p:nvSpPr>
+          <p:cNvPr id="105" name="TextBox 104">
+            <a:extLst>
+              <a:ext uri="{FF2B5EF4-FFF2-40B4-BE49-F238E27FC236}">
+                <a16:creationId xmlns:a16="http://schemas.microsoft.com/office/drawing/2014/main" id="{9EB114C1-217D-4CB5-8A48-23F174F7A436}"/>
+              </a:ext>
+            </a:extLst>
+          </p:cNvPr>
+          <p:cNvSpPr txBox="1"/>
+          <p:nvPr/>
+        </p:nvSpPr>
+        <p:spPr>
+          <a:xfrm>
+            <a:off x="1814779" y="1037314"/>
+            <a:ext cx="8884475" cy="343620"/>
+          </a:xfrm>
+          <a:prstGeom prst="rect">
+            <a:avLst/>
+          </a:prstGeom>
+          <a:noFill/>
+        </p:spPr>
+        <p:txBody>
+          <a:bodyPr wrap="square" rtlCol="0">
+            <a:spAutoFit/>
+          </a:bodyPr>
+          <a:lstStyle/>
+          <a:p>
+            <a:pPr marL="466618" indent="-466618" defTabSz="829544"/>
+            <a:r>
+              <a:rPr lang="en-US" altLang="ko-KR" sz="1633" dirty="0">
+                <a:solidFill>
+                  <a:prstClr val="black"/>
+                </a:solidFill>
+                <a:latin typeface="HY헤드라인M" pitchFamily="18" charset="-127"/>
+                <a:ea typeface="HY헤드라인M" pitchFamily="18" charset="-127"/>
+              </a:rPr>
+              <a:t>&lt;input&gt; name </a:t>
+            </a:r>
+            <a:r>
+              <a:rPr lang="ko-KR" altLang="en-US" sz="1633" dirty="0">
+                <a:solidFill>
+                  <a:prstClr val="black"/>
+                </a:solidFill>
+                <a:latin typeface="HY헤드라인M" pitchFamily="18" charset="-127"/>
+                <a:ea typeface="HY헤드라인M" pitchFamily="18" charset="-127"/>
+              </a:rPr>
+              <a:t>속성</a:t>
+            </a:r>
+            <a:endParaRPr lang="en-US" altLang="ko-KR" sz="1633" dirty="0">
+              <a:solidFill>
+                <a:prstClr val="black"/>
+              </a:solidFill>
+              <a:latin typeface="HY헤드라인M" pitchFamily="18" charset="-127"/>
+              <a:ea typeface="HY헤드라인M" pitchFamily="18" charset="-127"/>
+            </a:endParaRPr>
+          </a:p>
+        </p:txBody>
+      </p:sp>
+      <p:sp>
+        <p:nvSpPr>
+          <p:cNvPr id="76" name="TextBox 75">
+            <a:extLst>
+              <a:ext uri="{FF2B5EF4-FFF2-40B4-BE49-F238E27FC236}">
+                <a16:creationId xmlns:a16="http://schemas.microsoft.com/office/drawing/2014/main" id="{E4412F80-9545-46AC-8AE8-4F8DDDF04C16}"/>
+              </a:ext>
+            </a:extLst>
+          </p:cNvPr>
+          <p:cNvSpPr txBox="1"/>
+          <p:nvPr/>
+        </p:nvSpPr>
+        <p:spPr>
+          <a:xfrm>
+            <a:off x="2380639" y="2070839"/>
+            <a:ext cx="7175266" cy="1815882"/>
+          </a:xfrm>
+          <a:prstGeom prst="rect">
+            <a:avLst/>
+          </a:prstGeom>
+          <a:noFill/>
+        </p:spPr>
+        <p:txBody>
+          <a:bodyPr wrap="square" rtlCol="0">
+            <a:spAutoFit/>
+          </a:bodyPr>
+          <a:lstStyle/>
+          <a:p>
+            <a:pPr algn="l">
+              <a:buFont typeface="+mj-lt"/>
+              <a:buAutoNum type="arabicPeriod"/>
+            </a:pPr>
+            <a:r>
+              <a:rPr lang="ko-KR" altLang="en-US" sz="1400" b="0" i="0" dirty="0">
+                <a:solidFill>
+                  <a:srgbClr val="15141A"/>
+                </a:solidFill>
+                <a:effectLst/>
+                <a:latin typeface="Inter"/>
+              </a:rPr>
+              <a:t>하드웨어 측면에서</a:t>
+            </a:r>
+            <a:r>
+              <a:rPr lang="en-US" altLang="ko-KR" sz="1400" b="0" i="0" dirty="0">
+                <a:solidFill>
+                  <a:srgbClr val="15141A"/>
+                </a:solidFill>
+                <a:effectLst/>
+                <a:latin typeface="Inter"/>
+              </a:rPr>
+              <a:t>, web server</a:t>
+            </a:r>
+            <a:r>
+              <a:rPr lang="ko-KR" altLang="en-US" sz="1400" b="0" i="0" dirty="0">
+                <a:solidFill>
+                  <a:srgbClr val="15141A"/>
+                </a:solidFill>
+                <a:effectLst/>
+                <a:latin typeface="Inter"/>
+              </a:rPr>
+              <a:t>는 </a:t>
+            </a:r>
+            <a:r>
+              <a:rPr lang="en-US" altLang="ko-KR" sz="1400" b="0" i="0" dirty="0">
+                <a:solidFill>
+                  <a:srgbClr val="15141A"/>
+                </a:solidFill>
+                <a:effectLst/>
+                <a:latin typeface="Inter"/>
+              </a:rPr>
+              <a:t>web server</a:t>
+            </a:r>
+            <a:r>
+              <a:rPr lang="ko-KR" altLang="en-US" sz="1400" b="0" i="0" dirty="0">
+                <a:solidFill>
+                  <a:srgbClr val="15141A"/>
+                </a:solidFill>
+                <a:effectLst/>
+                <a:latin typeface="Inter"/>
+              </a:rPr>
+              <a:t>의 소프트웨어와 </a:t>
+            </a:r>
+            <a:r>
+              <a:rPr lang="en-US" altLang="ko-KR" sz="1400" b="0" i="0" dirty="0">
+                <a:solidFill>
+                  <a:srgbClr val="15141A"/>
+                </a:solidFill>
+                <a:effectLst/>
+                <a:latin typeface="Inter"/>
+              </a:rPr>
+              <a:t>website</a:t>
+            </a:r>
+            <a:r>
+              <a:rPr lang="ko-KR" altLang="en-US" sz="1400" b="0" i="0" dirty="0">
+                <a:solidFill>
+                  <a:srgbClr val="15141A"/>
+                </a:solidFill>
+                <a:effectLst/>
+                <a:latin typeface="Inter"/>
+              </a:rPr>
+              <a:t>의 컴포넌트 파일들을 저장하는 컴퓨터입니다</a:t>
+            </a:r>
+            <a:r>
+              <a:rPr lang="en-US" altLang="ko-KR" sz="1400" b="0" i="0" dirty="0">
+                <a:solidFill>
+                  <a:srgbClr val="15141A"/>
+                </a:solidFill>
+                <a:effectLst/>
+                <a:latin typeface="Inter"/>
+              </a:rPr>
+              <a:t>. (</a:t>
+            </a:r>
+            <a:r>
+              <a:rPr lang="ko-KR" altLang="en-US" sz="1400" b="0" i="0" dirty="0">
+                <a:solidFill>
+                  <a:srgbClr val="15141A"/>
+                </a:solidFill>
+                <a:effectLst/>
+                <a:latin typeface="Inter"/>
+              </a:rPr>
+              <a:t>컴포넌트 파일에는 </a:t>
+            </a:r>
+            <a:r>
+              <a:rPr lang="en-US" altLang="ko-KR" sz="1400" b="0" i="0" dirty="0">
+                <a:solidFill>
+                  <a:srgbClr val="15141A"/>
+                </a:solidFill>
+                <a:effectLst/>
+                <a:latin typeface="Inter"/>
+              </a:rPr>
+              <a:t>HTML </a:t>
+            </a:r>
+            <a:r>
+              <a:rPr lang="ko-KR" altLang="en-US" sz="1400" b="0" i="0" dirty="0">
+                <a:solidFill>
+                  <a:srgbClr val="15141A"/>
+                </a:solidFill>
+                <a:effectLst/>
+                <a:latin typeface="Inter"/>
+              </a:rPr>
+              <a:t>문서</a:t>
+            </a:r>
+            <a:r>
+              <a:rPr lang="en-US" altLang="ko-KR" sz="1400" b="0" i="0" dirty="0">
+                <a:solidFill>
+                  <a:srgbClr val="15141A"/>
+                </a:solidFill>
+                <a:effectLst/>
+                <a:latin typeface="Inter"/>
+              </a:rPr>
+              <a:t>, images, CSS stylesheets, </a:t>
+            </a:r>
+            <a:r>
+              <a:rPr lang="ko-KR" altLang="en-US" sz="1400" b="0" i="0" dirty="0">
+                <a:solidFill>
+                  <a:srgbClr val="15141A"/>
+                </a:solidFill>
+                <a:effectLst/>
+                <a:latin typeface="Inter"/>
+              </a:rPr>
+              <a:t>그리고 </a:t>
+            </a:r>
+            <a:r>
+              <a:rPr lang="en-US" altLang="ko-KR" sz="1400" b="0" i="0" dirty="0">
+                <a:solidFill>
+                  <a:srgbClr val="15141A"/>
+                </a:solidFill>
+                <a:effectLst/>
+                <a:latin typeface="Inter"/>
+              </a:rPr>
+              <a:t>JavaScript files</a:t>
+            </a:r>
+            <a:r>
+              <a:rPr lang="ko-KR" altLang="en-US" sz="1400" b="0" i="0" dirty="0">
+                <a:solidFill>
+                  <a:srgbClr val="15141A"/>
+                </a:solidFill>
+                <a:effectLst/>
+                <a:latin typeface="Inter"/>
+              </a:rPr>
+              <a:t>가 있습니다</a:t>
+            </a:r>
+            <a:r>
+              <a:rPr lang="en-US" altLang="ko-KR" sz="1400" b="0" i="0" dirty="0">
+                <a:solidFill>
+                  <a:srgbClr val="15141A"/>
+                </a:solidFill>
+                <a:effectLst/>
+                <a:latin typeface="Inter"/>
+              </a:rPr>
+              <a:t>.) Web server</a:t>
+            </a:r>
+            <a:r>
+              <a:rPr lang="ko-KR" altLang="en-US" sz="1400" b="0" i="0" dirty="0">
+                <a:solidFill>
+                  <a:srgbClr val="15141A"/>
+                </a:solidFill>
+                <a:effectLst/>
+                <a:latin typeface="Inter"/>
+              </a:rPr>
+              <a:t>는 인터넷에 연결되어 웹에 연결된 다른 기기들이 웹 서버의 데이터</a:t>
+            </a:r>
+            <a:r>
+              <a:rPr lang="en-US" altLang="ko-KR" sz="1400" b="0" i="0" dirty="0">
+                <a:solidFill>
+                  <a:srgbClr val="15141A"/>
+                </a:solidFill>
+                <a:effectLst/>
+                <a:latin typeface="Inter"/>
+              </a:rPr>
+              <a:t>(</a:t>
+            </a:r>
+            <a:r>
+              <a:rPr lang="ko-KR" altLang="en-US" sz="1400" b="0" i="0" dirty="0">
+                <a:solidFill>
+                  <a:srgbClr val="15141A"/>
+                </a:solidFill>
+                <a:effectLst/>
+                <a:latin typeface="Inter"/>
+              </a:rPr>
+              <a:t>컴포넌트 파일들</a:t>
+            </a:r>
+            <a:r>
+              <a:rPr lang="en-US" altLang="ko-KR" sz="1400" b="0" i="0" dirty="0">
+                <a:solidFill>
+                  <a:srgbClr val="15141A"/>
+                </a:solidFill>
+                <a:effectLst/>
+                <a:latin typeface="Inter"/>
+              </a:rPr>
+              <a:t>)</a:t>
+            </a:r>
+            <a:r>
+              <a:rPr lang="ko-KR" altLang="en-US" sz="1400" b="0" i="0" dirty="0">
+                <a:solidFill>
+                  <a:srgbClr val="15141A"/>
+                </a:solidFill>
+                <a:effectLst/>
+                <a:latin typeface="Inter"/>
+              </a:rPr>
+              <a:t>를 주고받을 수 있도록 합니다</a:t>
+            </a:r>
+            <a:r>
+              <a:rPr lang="en-US" altLang="ko-KR" sz="1400" b="0" i="0" dirty="0">
+                <a:solidFill>
+                  <a:srgbClr val="15141A"/>
+                </a:solidFill>
+                <a:effectLst/>
+                <a:latin typeface="Inter"/>
+              </a:rPr>
+              <a:t>.</a:t>
+            </a:r>
+          </a:p>
+          <a:p>
+            <a:pPr algn="l">
+              <a:buFont typeface="+mj-lt"/>
+              <a:buAutoNum type="arabicPeriod"/>
+            </a:pPr>
+            <a:r>
+              <a:rPr lang="ko-KR" altLang="en-US" sz="1400" b="0" i="0" dirty="0">
+                <a:solidFill>
+                  <a:srgbClr val="15141A"/>
+                </a:solidFill>
+                <a:effectLst/>
+                <a:latin typeface="Inter"/>
+              </a:rPr>
+              <a:t>소프트웨어 측면에서</a:t>
+            </a:r>
+            <a:r>
+              <a:rPr lang="en-US" altLang="ko-KR" sz="1400" b="0" i="0" dirty="0">
+                <a:solidFill>
+                  <a:srgbClr val="15141A"/>
+                </a:solidFill>
+                <a:effectLst/>
+                <a:latin typeface="Inter"/>
+              </a:rPr>
+              <a:t>, web server</a:t>
+            </a:r>
+            <a:r>
+              <a:rPr lang="ko-KR" altLang="en-US" sz="1400" b="0" i="0" dirty="0">
+                <a:solidFill>
+                  <a:srgbClr val="15141A"/>
+                </a:solidFill>
+                <a:effectLst/>
+                <a:latin typeface="Inter"/>
+              </a:rPr>
+              <a:t>는 기본적으로 웹 사용자가 어떻게 호스트 파일들에 접근하는지를 관리합니다</a:t>
+            </a:r>
+            <a:r>
+              <a:rPr lang="en-US" altLang="ko-KR" sz="1400" b="0" i="0" dirty="0">
+                <a:solidFill>
+                  <a:srgbClr val="15141A"/>
+                </a:solidFill>
+                <a:effectLst/>
+                <a:latin typeface="Inter"/>
+              </a:rPr>
+              <a:t>. </a:t>
+            </a:r>
+            <a:r>
+              <a:rPr lang="ko-KR" altLang="en-US" sz="1400" b="0" i="0" dirty="0">
+                <a:solidFill>
+                  <a:srgbClr val="15141A"/>
+                </a:solidFill>
+                <a:effectLst/>
+                <a:latin typeface="Inter"/>
+              </a:rPr>
+              <a:t>이 문서에서 </a:t>
+            </a:r>
+            <a:r>
+              <a:rPr lang="en-US" altLang="ko-KR" sz="1400" b="0" i="0" dirty="0">
+                <a:solidFill>
+                  <a:srgbClr val="15141A"/>
+                </a:solidFill>
+                <a:effectLst/>
+                <a:latin typeface="Inter"/>
+              </a:rPr>
+              <a:t>web server</a:t>
+            </a:r>
+            <a:r>
+              <a:rPr lang="ko-KR" altLang="en-US" sz="1400" b="0" i="0" dirty="0">
+                <a:solidFill>
+                  <a:srgbClr val="15141A"/>
+                </a:solidFill>
+                <a:effectLst/>
+                <a:latin typeface="Inter"/>
+              </a:rPr>
+              <a:t>는 </a:t>
+            </a:r>
+            <a:r>
+              <a:rPr lang="en-US" altLang="ko-KR" sz="1400" b="0" i="0" dirty="0">
+                <a:solidFill>
+                  <a:srgbClr val="15141A"/>
+                </a:solidFill>
+                <a:effectLst/>
+                <a:latin typeface="Inter"/>
+              </a:rPr>
+              <a:t>HTTP</a:t>
+            </a:r>
+            <a:r>
+              <a:rPr lang="ko-KR" altLang="en-US" sz="1400" b="0" i="0" dirty="0">
+                <a:solidFill>
+                  <a:srgbClr val="15141A"/>
+                </a:solidFill>
+                <a:effectLst/>
+                <a:latin typeface="Inter"/>
+              </a:rPr>
+              <a:t>서버로 국한합니다</a:t>
+            </a:r>
+            <a:r>
+              <a:rPr lang="en-US" altLang="ko-KR" sz="1400" b="0" i="0" dirty="0">
+                <a:solidFill>
+                  <a:srgbClr val="15141A"/>
+                </a:solidFill>
+                <a:effectLst/>
+                <a:latin typeface="Inter"/>
+              </a:rPr>
+              <a:t>. HTTP </a:t>
+            </a:r>
+            <a:r>
+              <a:rPr lang="ko-KR" altLang="en-US" sz="1400" b="0" i="0" dirty="0">
+                <a:solidFill>
+                  <a:srgbClr val="15141A"/>
+                </a:solidFill>
+                <a:effectLst/>
+                <a:latin typeface="Inter"/>
+              </a:rPr>
+              <a:t>서버는 </a:t>
+            </a:r>
+            <a:r>
+              <a:rPr lang="en-US" altLang="ko-KR" sz="1400" b="0" i="0" dirty="0">
+                <a:solidFill>
+                  <a:srgbClr val="15141A"/>
+                </a:solidFill>
+                <a:effectLst/>
+                <a:latin typeface="Inter"/>
+              </a:rPr>
+              <a:t>URL(Web addresses)</a:t>
+            </a:r>
+            <a:r>
+              <a:rPr lang="ko-KR" altLang="en-US" sz="1400" b="0" i="0" dirty="0">
+                <a:solidFill>
+                  <a:srgbClr val="15141A"/>
+                </a:solidFill>
+                <a:effectLst/>
+                <a:latin typeface="Inter"/>
+              </a:rPr>
+              <a:t>과 </a:t>
+            </a:r>
+            <a:r>
+              <a:rPr lang="en-US" altLang="ko-KR" sz="1400" b="0" i="0" dirty="0">
+                <a:solidFill>
+                  <a:srgbClr val="15141A"/>
+                </a:solidFill>
+                <a:effectLst/>
+                <a:latin typeface="Inter"/>
+              </a:rPr>
+              <a:t>HTTP(</a:t>
+            </a:r>
+            <a:r>
+              <a:rPr lang="ko-KR" altLang="en-US" sz="1400" b="0" i="0" dirty="0">
+                <a:solidFill>
+                  <a:srgbClr val="15141A"/>
+                </a:solidFill>
+                <a:effectLst/>
+                <a:latin typeface="Inter"/>
+              </a:rPr>
+              <a:t>당신의 브라우저가 웹 페이지를 보여주기 위해 사용하는 프로토콜</a:t>
+            </a:r>
+            <a:r>
+              <a:rPr lang="en-US" altLang="ko-KR" sz="1400" b="0" i="0" dirty="0">
+                <a:solidFill>
+                  <a:srgbClr val="15141A"/>
+                </a:solidFill>
+                <a:effectLst/>
+                <a:latin typeface="Inter"/>
+              </a:rPr>
+              <a:t>)</a:t>
+            </a:r>
+            <a:r>
+              <a:rPr lang="ko-KR" altLang="en-US" sz="1400" b="0" i="0" dirty="0">
+                <a:solidFill>
+                  <a:srgbClr val="15141A"/>
+                </a:solidFill>
+                <a:effectLst/>
+                <a:latin typeface="Inter"/>
+              </a:rPr>
+              <a:t>의 소프트웨어 일부입니다</a:t>
+            </a:r>
+            <a:r>
+              <a:rPr lang="en-US" altLang="ko-KR" sz="1400" b="0" i="0" dirty="0">
+                <a:solidFill>
+                  <a:srgbClr val="15141A"/>
+                </a:solidFill>
+                <a:effectLst/>
+                <a:latin typeface="Inter"/>
+              </a:rPr>
+              <a:t>.</a:t>
+            </a:r>
+          </a:p>
+        </p:txBody>
+      </p:sp>
+      <p:pic>
+        <p:nvPicPr>
+          <p:cNvPr id="4" name="그래픽 3">
+            <a:extLst>
+              <a:ext uri="{FF2B5EF4-FFF2-40B4-BE49-F238E27FC236}">
+                <a16:creationId xmlns:a16="http://schemas.microsoft.com/office/drawing/2014/main" id="{6D199FAC-103A-487F-8F8C-4A40BEB7F524}"/>
+              </a:ext>
+            </a:extLst>
+          </p:cNvPr>
+          <p:cNvPicPr>
+            <a:picLocks noChangeAspect="1"/>
+          </p:cNvPicPr>
+          <p:nvPr/>
+        </p:nvPicPr>
+        <p:blipFill>
+          <a:blip r:embed="rId2">
+            <a:extLst>
+              <a:ext uri="{28A0092B-C50C-407E-A947-70E740481C1C}">
+                <a14:useLocalDpi xmlns:a14="http://schemas.microsoft.com/office/drawing/2010/main" val="0"/>
+              </a:ext>
+              <a:ext uri="{96DAC541-7B7A-43D3-8B79-37D633B846F1}">
+                <asvg:svgBlip xmlns:asvg="http://schemas.microsoft.com/office/drawing/2016/SVG/main" r:embed="rId3"/>
+              </a:ext>
+            </a:extLst>
+          </a:blip>
+          <a:stretch>
+            <a:fillRect/>
+          </a:stretch>
+        </p:blipFill>
+        <p:spPr>
+          <a:xfrm>
+            <a:off x="3158180" y="4272414"/>
+            <a:ext cx="5715000" cy="1905000"/>
+          </a:xfrm>
+          <a:prstGeom prst="rect">
+            <a:avLst/>
+          </a:prstGeom>
+        </p:spPr>
+      </p:pic>
+    </p:spTree>
+    <p:extLst>
+      <p:ext uri="{BB962C8B-B14F-4D97-AF65-F5344CB8AC3E}">
+        <p14:creationId xmlns:p14="http://schemas.microsoft.com/office/powerpoint/2010/main" val="4119412794"/>
+      </p:ext>
+    </p:extLst>
+  </p:cSld>
+  <p:clrMapOvr>
+    <a:masterClrMapping/>
+  </p:clrMapOvr>
+</p:sld>
+</file>
+
+<file path=ppt/slides/slide45.xml><?xml version="1.0" encoding="utf-8"?>
+<p:sld xmlns:a="http://schemas.openxmlformats.org/drawingml/2006/main" xmlns:r="http://schemas.openxmlformats.org/officeDocument/2006/relationships" xmlns:p="http://schemas.openxmlformats.org/presentationml/2006/main">
+  <p:cSld>
+    <p:spTree>
+      <p:nvGrpSpPr>
+        <p:cNvPr id="1" name=""/>
+        <p:cNvGrpSpPr/>
+        <p:nvPr/>
+      </p:nvGrpSpPr>
+      <p:grpSpPr>
+        <a:xfrm>
+          <a:off x="0" y="0"/>
+          <a:ext cx="0" cy="0"/>
+          <a:chOff x="0" y="0"/>
+          <a:chExt cx="0" cy="0"/>
+        </a:xfrm>
+      </p:grpSpPr>
+      <p:sp>
+        <p:nvSpPr>
+          <p:cNvPr id="2" name="TextBox 1"/>
+          <p:cNvSpPr txBox="1"/>
+          <p:nvPr/>
+        </p:nvSpPr>
+        <p:spPr>
+          <a:xfrm>
+            <a:off x="1539790" y="379466"/>
+            <a:ext cx="7773598" cy="400110"/>
+          </a:xfrm>
+          <a:prstGeom prst="rect">
+            <a:avLst/>
+          </a:prstGeom>
+          <a:noFill/>
+        </p:spPr>
+        <p:txBody>
+          <a:bodyPr wrap="square" rtlCol="0">
+            <a:spAutoFit/>
+          </a:bodyPr>
+          <a:lstStyle/>
+          <a:p>
+            <a:pPr marL="466618" indent="-466618" defTabSz="829544"/>
+            <a:r>
+              <a:rPr lang="en-US" altLang="ko-KR" sz="1814" dirty="0">
+                <a:solidFill>
+                  <a:prstClr val="black"/>
+                </a:solidFill>
+                <a:latin typeface="HY헤드라인M" pitchFamily="18" charset="-127"/>
+                <a:ea typeface="HY헤드라인M" pitchFamily="18" charset="-127"/>
+              </a:rPr>
+              <a:t>1. </a:t>
+            </a:r>
+            <a:r>
+              <a:rPr lang="ko-KR" altLang="en-US" sz="2000" dirty="0">
+                <a:solidFill>
+                  <a:prstClr val="black"/>
+                </a:solidFill>
+                <a:latin typeface="HY헤드라인M" pitchFamily="18" charset="-127"/>
+                <a:ea typeface="HY헤드라인M" pitchFamily="18" charset="-127"/>
+              </a:rPr>
+              <a:t>스프링 </a:t>
+            </a:r>
+            <a:r>
+              <a:rPr lang="ko-KR" altLang="en-US" sz="2000" dirty="0" err="1">
+                <a:solidFill>
+                  <a:prstClr val="black"/>
+                </a:solidFill>
+                <a:latin typeface="HY헤드라인M" pitchFamily="18" charset="-127"/>
+                <a:ea typeface="HY헤드라인M" pitchFamily="18" charset="-127"/>
+              </a:rPr>
+              <a:t>시큐리티</a:t>
+            </a:r>
+            <a:endParaRPr lang="en-US" altLang="ko-KR" sz="1814" dirty="0">
+              <a:solidFill>
+                <a:prstClr val="black"/>
+              </a:solidFill>
+              <a:latin typeface="HY헤드라인M" pitchFamily="18" charset="-127"/>
+              <a:ea typeface="HY헤드라인M" pitchFamily="18" charset="-127"/>
+            </a:endParaRPr>
+          </a:p>
+        </p:txBody>
+      </p:sp>
+      <p:sp>
+        <p:nvSpPr>
+          <p:cNvPr id="105" name="TextBox 104">
+            <a:extLst>
+              <a:ext uri="{FF2B5EF4-FFF2-40B4-BE49-F238E27FC236}">
+                <a16:creationId xmlns:a16="http://schemas.microsoft.com/office/drawing/2014/main" id="{9EB114C1-217D-4CB5-8A48-23F174F7A436}"/>
+              </a:ext>
+            </a:extLst>
+          </p:cNvPr>
+          <p:cNvSpPr txBox="1"/>
+          <p:nvPr/>
+        </p:nvSpPr>
+        <p:spPr>
+          <a:xfrm>
+            <a:off x="1814779" y="1037314"/>
+            <a:ext cx="8884475" cy="343620"/>
+          </a:xfrm>
+          <a:prstGeom prst="rect">
+            <a:avLst/>
+          </a:prstGeom>
+          <a:noFill/>
+        </p:spPr>
+        <p:txBody>
+          <a:bodyPr wrap="square" rtlCol="0">
+            <a:spAutoFit/>
+          </a:bodyPr>
+          <a:lstStyle/>
+          <a:p>
+            <a:pPr marL="466618" indent="-466618" defTabSz="829544"/>
+            <a:r>
+              <a:rPr lang="en-US" altLang="ko-KR" sz="1633" dirty="0">
+                <a:solidFill>
+                  <a:prstClr val="black"/>
+                </a:solidFill>
+                <a:latin typeface="HY헤드라인M" pitchFamily="18" charset="-127"/>
+                <a:ea typeface="HY헤드라인M" pitchFamily="18" charset="-127"/>
+              </a:rPr>
+              <a:t>&lt;input&gt; name </a:t>
+            </a:r>
+            <a:r>
+              <a:rPr lang="ko-KR" altLang="en-US" sz="1633" dirty="0">
+                <a:solidFill>
+                  <a:prstClr val="black"/>
+                </a:solidFill>
+                <a:latin typeface="HY헤드라인M" pitchFamily="18" charset="-127"/>
+                <a:ea typeface="HY헤드라인M" pitchFamily="18" charset="-127"/>
+              </a:rPr>
+              <a:t>속성</a:t>
+            </a:r>
+            <a:endParaRPr lang="en-US" altLang="ko-KR" sz="1633" dirty="0">
+              <a:solidFill>
+                <a:prstClr val="black"/>
+              </a:solidFill>
+              <a:latin typeface="HY헤드라인M" pitchFamily="18" charset="-127"/>
+              <a:ea typeface="HY헤드라인M" pitchFamily="18" charset="-127"/>
+            </a:endParaRPr>
+          </a:p>
+        </p:txBody>
+      </p:sp>
+      <p:pic>
+        <p:nvPicPr>
+          <p:cNvPr id="5" name="그림 4">
+            <a:extLst>
+              <a:ext uri="{FF2B5EF4-FFF2-40B4-BE49-F238E27FC236}">
+                <a16:creationId xmlns:a16="http://schemas.microsoft.com/office/drawing/2014/main" id="{44612B55-A06A-4841-A8B9-D7D0D71757C7}"/>
+              </a:ext>
+            </a:extLst>
+          </p:cNvPr>
+          <p:cNvPicPr>
+            <a:picLocks noChangeAspect="1"/>
+          </p:cNvPicPr>
+          <p:nvPr/>
+        </p:nvPicPr>
+        <p:blipFill>
+          <a:blip r:embed="rId2">
+            <a:extLst>
+              <a:ext uri="{28A0092B-C50C-407E-A947-70E740481C1C}">
+                <a14:useLocalDpi xmlns:a14="http://schemas.microsoft.com/office/drawing/2010/main" val="0"/>
+              </a:ext>
+            </a:extLst>
+          </a:blip>
+          <a:stretch>
+            <a:fillRect/>
+          </a:stretch>
+        </p:blipFill>
+        <p:spPr>
+          <a:xfrm>
+            <a:off x="2477403" y="2094476"/>
+            <a:ext cx="6767533" cy="4037383"/>
+          </a:xfrm>
+          <a:prstGeom prst="rect">
+            <a:avLst/>
+          </a:prstGeom>
+        </p:spPr>
+      </p:pic>
+    </p:spTree>
+    <p:extLst>
+      <p:ext uri="{BB962C8B-B14F-4D97-AF65-F5344CB8AC3E}">
+        <p14:creationId xmlns:p14="http://schemas.microsoft.com/office/powerpoint/2010/main" val="2984551719"/>
+      </p:ext>
+    </p:extLst>
+  </p:cSld>
+  <p:clrMapOvr>
+    <a:masterClrMapping/>
+  </p:clrMapOvr>
+</p:sld>
+</file>
+
 <file path=ppt/slides/slide5.xml><?xml version="1.0" encoding="utf-8"?>
 <p:sld xmlns:a="http://schemas.openxmlformats.org/drawingml/2006/main" xmlns:r="http://schemas.openxmlformats.org/officeDocument/2006/relationships" xmlns:p="http://schemas.openxmlformats.org/presentationml/2006/main">
   <p:cSld>
